--- a/Exp2Results/formal data/Data figures/big-figures.pptx
+++ b/Exp2Results/formal data/Data figures/big-figures.pptx
@@ -8,7 +8,8 @@
     <p:sldId id="258" r:id="rId2"/>
     <p:sldId id="261" r:id="rId3"/>
     <p:sldId id="259" r:id="rId4"/>
-    <p:sldId id="260" r:id="rId5"/>
+    <p:sldId id="262" r:id="rId5"/>
+    <p:sldId id="260" r:id="rId6"/>
   </p:sldIdLst>
   <p:sldSz cx="30275213" cy="42803763"/>
   <p:notesSz cx="6858000" cy="9144000"/>
@@ -4561,7 +4562,7 @@
           <a:p>
             <a:fld id="{7EAB4990-54EF-4F84-B612-5D2B38FEBCE3}" type="datetimeFigureOut">
               <a:rPr lang="en-AU" smtClean="0"/>
-              <a:t>22/11/2021</a:t>
+              <a:t>20/12/2021</a:t>
             </a:fld>
             <a:endParaRPr lang="en-AU"/>
           </a:p>
@@ -4731,7 +4732,7 @@
           <a:p>
             <a:fld id="{7EAB4990-54EF-4F84-B612-5D2B38FEBCE3}" type="datetimeFigureOut">
               <a:rPr lang="en-AU" smtClean="0"/>
-              <a:t>22/11/2021</a:t>
+              <a:t>20/12/2021</a:t>
             </a:fld>
             <a:endParaRPr lang="en-AU"/>
           </a:p>
@@ -4911,7 +4912,7 @@
           <a:p>
             <a:fld id="{7EAB4990-54EF-4F84-B612-5D2B38FEBCE3}" type="datetimeFigureOut">
               <a:rPr lang="en-AU" smtClean="0"/>
-              <a:t>22/11/2021</a:t>
+              <a:t>20/12/2021</a:t>
             </a:fld>
             <a:endParaRPr lang="en-AU"/>
           </a:p>
@@ -5081,7 +5082,7 @@
           <a:p>
             <a:fld id="{7EAB4990-54EF-4F84-B612-5D2B38FEBCE3}" type="datetimeFigureOut">
               <a:rPr lang="en-AU" smtClean="0"/>
-              <a:t>22/11/2021</a:t>
+              <a:t>20/12/2021</a:t>
             </a:fld>
             <a:endParaRPr lang="en-AU"/>
           </a:p>
@@ -5325,7 +5326,7 @@
           <a:p>
             <a:fld id="{7EAB4990-54EF-4F84-B612-5D2B38FEBCE3}" type="datetimeFigureOut">
               <a:rPr lang="en-AU" smtClean="0"/>
-              <a:t>22/11/2021</a:t>
+              <a:t>20/12/2021</a:t>
             </a:fld>
             <a:endParaRPr lang="en-AU"/>
           </a:p>
@@ -5557,7 +5558,7 @@
           <a:p>
             <a:fld id="{7EAB4990-54EF-4F84-B612-5D2B38FEBCE3}" type="datetimeFigureOut">
               <a:rPr lang="en-AU" smtClean="0"/>
-              <a:t>22/11/2021</a:t>
+              <a:t>20/12/2021</a:t>
             </a:fld>
             <a:endParaRPr lang="en-AU"/>
           </a:p>
@@ -5924,7 +5925,7 @@
           <a:p>
             <a:fld id="{7EAB4990-54EF-4F84-B612-5D2B38FEBCE3}" type="datetimeFigureOut">
               <a:rPr lang="en-AU" smtClean="0"/>
-              <a:t>22/11/2021</a:t>
+              <a:t>20/12/2021</a:t>
             </a:fld>
             <a:endParaRPr lang="en-AU"/>
           </a:p>
@@ -6042,7 +6043,7 @@
           <a:p>
             <a:fld id="{7EAB4990-54EF-4F84-B612-5D2B38FEBCE3}" type="datetimeFigureOut">
               <a:rPr lang="en-AU" smtClean="0"/>
-              <a:t>22/11/2021</a:t>
+              <a:t>20/12/2021</a:t>
             </a:fld>
             <a:endParaRPr lang="en-AU"/>
           </a:p>
@@ -6137,7 +6138,7 @@
           <a:p>
             <a:fld id="{7EAB4990-54EF-4F84-B612-5D2B38FEBCE3}" type="datetimeFigureOut">
               <a:rPr lang="en-AU" smtClean="0"/>
-              <a:t>22/11/2021</a:t>
+              <a:t>20/12/2021</a:t>
             </a:fld>
             <a:endParaRPr lang="en-AU"/>
           </a:p>
@@ -6414,7 +6415,7 @@
           <a:p>
             <a:fld id="{7EAB4990-54EF-4F84-B612-5D2B38FEBCE3}" type="datetimeFigureOut">
               <a:rPr lang="en-AU" smtClean="0"/>
-              <a:t>22/11/2021</a:t>
+              <a:t>20/12/2021</a:t>
             </a:fld>
             <a:endParaRPr lang="en-AU"/>
           </a:p>
@@ -6671,7 +6672,7 @@
           <a:p>
             <a:fld id="{7EAB4990-54EF-4F84-B612-5D2B38FEBCE3}" type="datetimeFigureOut">
               <a:rPr lang="en-AU" smtClean="0"/>
-              <a:t>22/11/2021</a:t>
+              <a:t>20/12/2021</a:t>
             </a:fld>
             <a:endParaRPr lang="en-AU"/>
           </a:p>
@@ -6884,7 +6885,7 @@
           <a:p>
             <a:fld id="{7EAB4990-54EF-4F84-B612-5D2B38FEBCE3}" type="datetimeFigureOut">
               <a:rPr lang="en-AU" smtClean="0"/>
-              <a:t>22/11/2021</a:t>
+              <a:t>20/12/2021</a:t>
             </a:fld>
             <a:endParaRPr lang="en-AU"/>
           </a:p>
@@ -12749,6 +12750,79 @@
           </p:style>
         </p:cxnSp>
       </p:grpSp>
+      <p:pic>
+        <p:nvPicPr>
+          <p:cNvPr id="15" name="Picture 14">
+            <a:extLst>
+              <a:ext uri="{FF2B5EF4-FFF2-40B4-BE49-F238E27FC236}">
+                <a16:creationId xmlns:a16="http://schemas.microsoft.com/office/drawing/2014/main" id="{4C5F86AB-6C08-424B-BD42-6C8F77617F55}"/>
+              </a:ext>
+            </a:extLst>
+          </p:cNvPr>
+          <p:cNvPicPr>
+            <a:picLocks noChangeAspect="1"/>
+          </p:cNvPicPr>
+          <p:nvPr/>
+        </p:nvPicPr>
+        <p:blipFill rotWithShape="1">
+          <a:blip r:embed="rId19">
+            <a:extLst>
+              <a:ext uri="{28A0092B-C50C-407E-A947-70E740481C1C}">
+                <a14:useLocalDpi xmlns:a14="http://schemas.microsoft.com/office/drawing/2010/main" val="0"/>
+              </a:ext>
+            </a:extLst>
+          </a:blip>
+          <a:srcRect l="50940" t="4870" r="8502"/>
+          <a:stretch/>
+        </p:blipFill>
+        <p:spPr>
+          <a:xfrm>
+            <a:off x="860611" y="25202211"/>
+            <a:ext cx="11799695" cy="11849102"/>
+          </a:xfrm>
+          <a:prstGeom prst="rect">
+            <a:avLst/>
+          </a:prstGeom>
+        </p:spPr>
+      </p:pic>
+      <p:sp>
+        <p:nvSpPr>
+          <p:cNvPr id="96" name="TextBox 95">
+            <a:extLst>
+              <a:ext uri="{FF2B5EF4-FFF2-40B4-BE49-F238E27FC236}">
+                <a16:creationId xmlns:a16="http://schemas.microsoft.com/office/drawing/2014/main" id="{2F5784F3-363B-494C-9DC9-F0EE6F27D9C7}"/>
+              </a:ext>
+            </a:extLst>
+          </p:cNvPr>
+          <p:cNvSpPr txBox="1"/>
+          <p:nvPr/>
+        </p:nvSpPr>
+        <p:spPr>
+          <a:xfrm>
+            <a:off x="1301328" y="24042272"/>
+            <a:ext cx="1183342" cy="1107996"/>
+          </a:xfrm>
+          <a:prstGeom prst="rect">
+            <a:avLst/>
+          </a:prstGeom>
+          <a:noFill/>
+        </p:spPr>
+        <p:txBody>
+          <a:bodyPr wrap="square" rtlCol="0">
+            <a:spAutoFit/>
+          </a:bodyPr>
+          <a:lstStyle/>
+          <a:p>
+            <a:r>
+              <a:rPr lang="en-AU" sz="6600" b="1" dirty="0">
+                <a:latin typeface="Arial" panose="020B0604020202020204" pitchFamily="34" charset="0"/>
+                <a:cs typeface="Arial" panose="020B0604020202020204" pitchFamily="34" charset="0"/>
+              </a:rPr>
+              <a:t>e)</a:t>
+            </a:r>
+          </a:p>
+        </p:txBody>
+      </p:sp>
     </p:spTree>
     <p:extLst>
       <p:ext uri="{BB962C8B-B14F-4D97-AF65-F5344CB8AC3E}">
@@ -14382,6 +14456,1625 @@
 </file>
 
 <file path=ppt/slides/slide4.xml><?xml version="1.0" encoding="utf-8"?>
+<p:sld xmlns:a="http://schemas.openxmlformats.org/drawingml/2006/main" xmlns:r="http://schemas.openxmlformats.org/officeDocument/2006/relationships" xmlns:p="http://schemas.openxmlformats.org/presentationml/2006/main">
+  <p:cSld>
+    <p:spTree>
+      <p:nvGrpSpPr>
+        <p:cNvPr id="1" name=""/>
+        <p:cNvGrpSpPr/>
+        <p:nvPr/>
+      </p:nvGrpSpPr>
+      <p:grpSpPr>
+        <a:xfrm>
+          <a:off x="0" y="0"/>
+          <a:ext cx="0" cy="0"/>
+          <a:chOff x="0" y="0"/>
+          <a:chExt cx="0" cy="0"/>
+        </a:xfrm>
+      </p:grpSpPr>
+      <p:grpSp>
+        <p:nvGrpSpPr>
+          <p:cNvPr id="12" name="Group 11">
+            <a:extLst>
+              <a:ext uri="{FF2B5EF4-FFF2-40B4-BE49-F238E27FC236}">
+                <a16:creationId xmlns:a16="http://schemas.microsoft.com/office/drawing/2014/main" id="{11922439-BA63-4AD2-9015-949245CDA759}"/>
+              </a:ext>
+            </a:extLst>
+          </p:cNvPr>
+          <p:cNvGrpSpPr/>
+          <p:nvPr/>
+        </p:nvGrpSpPr>
+        <p:grpSpPr>
+          <a:xfrm>
+            <a:off x="13633754" y="6047249"/>
+            <a:ext cx="10025419" cy="10249429"/>
+            <a:chOff x="19197691" y="19896407"/>
+            <a:chExt cx="10025419" cy="10249429"/>
+          </a:xfrm>
+        </p:grpSpPr>
+        <p:pic>
+          <p:nvPicPr>
+            <p:cNvPr id="21" name="Picture 20">
+              <a:extLst>
+                <a:ext uri="{FF2B5EF4-FFF2-40B4-BE49-F238E27FC236}">
+                  <a16:creationId xmlns:a16="http://schemas.microsoft.com/office/drawing/2014/main" id="{D75F6C26-4366-4792-9CE4-1E5DE8542953}"/>
+                </a:ext>
+              </a:extLst>
+            </p:cNvPr>
+            <p:cNvPicPr>
+              <a:picLocks noChangeAspect="1"/>
+            </p:cNvPicPr>
+            <p:nvPr/>
+          </p:nvPicPr>
+          <p:blipFill rotWithShape="1">
+            <a:blip r:embed="rId2">
+              <a:extLst>
+                <a:ext uri="{28A0092B-C50C-407E-A947-70E740481C1C}">
+                  <a14:useLocalDpi xmlns:a14="http://schemas.microsoft.com/office/drawing/2010/main" val="0"/>
+                </a:ext>
+              </a:extLst>
+            </a:blip>
+            <a:srcRect l="5642" r="49253"/>
+            <a:stretch/>
+          </p:blipFill>
+          <p:spPr>
+            <a:xfrm>
+              <a:off x="19197691" y="19896407"/>
+              <a:ext cx="10025419" cy="10249429"/>
+            </a:xfrm>
+            <a:prstGeom prst="rect">
+              <a:avLst/>
+            </a:prstGeom>
+          </p:spPr>
+        </p:pic>
+        <p:sp>
+          <p:nvSpPr>
+            <p:cNvPr id="54" name="TextBox 53">
+              <a:extLst>
+                <a:ext uri="{FF2B5EF4-FFF2-40B4-BE49-F238E27FC236}">
+                  <a16:creationId xmlns:a16="http://schemas.microsoft.com/office/drawing/2014/main" id="{8E8EA6EB-C3C1-4323-A199-27D2E743766A}"/>
+                </a:ext>
+              </a:extLst>
+            </p:cNvPr>
+            <p:cNvSpPr txBox="1"/>
+            <p:nvPr/>
+          </p:nvSpPr>
+          <p:spPr>
+            <a:xfrm>
+              <a:off x="21880501" y="26542135"/>
+              <a:ext cx="6029086" cy="1938992"/>
+            </a:xfrm>
+            <a:prstGeom prst="rect">
+              <a:avLst/>
+            </a:prstGeom>
+            <a:noFill/>
+          </p:spPr>
+          <p:txBody>
+            <a:bodyPr wrap="square" rtlCol="0">
+              <a:spAutoFit/>
+            </a:bodyPr>
+            <a:lstStyle/>
+            <a:p>
+              <a:r>
+                <a:rPr lang="en-AU" sz="4000" dirty="0">
+                  <a:latin typeface="Arial" panose="020B0604020202020204" pitchFamily="34" charset="0"/>
+                  <a:cs typeface="Arial" panose="020B0604020202020204" pitchFamily="34" charset="0"/>
+                </a:rPr>
+                <a:t>Size = 18.19****</a:t>
+              </a:r>
+            </a:p>
+            <a:p>
+              <a:r>
+                <a:rPr lang="en-AU" sz="4000" dirty="0">
+                  <a:latin typeface="Arial" panose="020B0604020202020204" pitchFamily="34" charset="0"/>
+                  <a:cs typeface="Arial" panose="020B0604020202020204" pitchFamily="34" charset="0"/>
+                </a:rPr>
+                <a:t>Congruence = 23.56****</a:t>
+              </a:r>
+            </a:p>
+            <a:p>
+              <a:r>
+                <a:rPr lang="en-AU" sz="4000" dirty="0">
+                  <a:latin typeface="Arial" panose="020B0604020202020204" pitchFamily="34" charset="0"/>
+                  <a:cs typeface="Arial" panose="020B0604020202020204" pitchFamily="34" charset="0"/>
+                </a:rPr>
+                <a:t>S×C = 5.02*</a:t>
+              </a:r>
+            </a:p>
+          </p:txBody>
+        </p:sp>
+      </p:grpSp>
+      <p:sp>
+        <p:nvSpPr>
+          <p:cNvPr id="4" name="TextBox 3">
+            <a:extLst>
+              <a:ext uri="{FF2B5EF4-FFF2-40B4-BE49-F238E27FC236}">
+                <a16:creationId xmlns:a16="http://schemas.microsoft.com/office/drawing/2014/main" id="{7BA77D76-06A0-46A5-BFCD-71FB4A08CF5D}"/>
+              </a:ext>
+            </a:extLst>
+          </p:cNvPr>
+          <p:cNvSpPr txBox="1"/>
+          <p:nvPr/>
+        </p:nvSpPr>
+        <p:spPr>
+          <a:xfrm>
+            <a:off x="1416812" y="3942022"/>
+            <a:ext cx="4615087" cy="830997"/>
+          </a:xfrm>
+          <a:prstGeom prst="rect">
+            <a:avLst/>
+          </a:prstGeom>
+          <a:noFill/>
+        </p:spPr>
+        <p:txBody>
+          <a:bodyPr wrap="square" rtlCol="0">
+            <a:spAutoFit/>
+          </a:bodyPr>
+          <a:lstStyle/>
+          <a:p>
+            <a:r>
+              <a:rPr lang="en-AU" sz="4600" dirty="0">
+                <a:latin typeface="Arial" panose="020B0604020202020204" pitchFamily="34" charset="0"/>
+                <a:cs typeface="Arial" panose="020B0604020202020204" pitchFamily="34" charset="0"/>
+              </a:rPr>
+              <a:t>Original images</a:t>
+            </a:r>
+          </a:p>
+        </p:txBody>
+      </p:sp>
+      <p:sp>
+        <p:nvSpPr>
+          <p:cNvPr id="15" name="TextBox 14">
+            <a:extLst>
+              <a:ext uri="{FF2B5EF4-FFF2-40B4-BE49-F238E27FC236}">
+                <a16:creationId xmlns:a16="http://schemas.microsoft.com/office/drawing/2014/main" id="{C8551A4F-76A0-4246-8612-6317ECB5BACB}"/>
+              </a:ext>
+            </a:extLst>
+          </p:cNvPr>
+          <p:cNvSpPr txBox="1"/>
+          <p:nvPr/>
+        </p:nvSpPr>
+        <p:spPr>
+          <a:xfrm>
+            <a:off x="1315455" y="16367452"/>
+            <a:ext cx="4181693" cy="830997"/>
+          </a:xfrm>
+          <a:prstGeom prst="rect">
+            <a:avLst/>
+          </a:prstGeom>
+          <a:noFill/>
+        </p:spPr>
+        <p:txBody>
+          <a:bodyPr wrap="square" rtlCol="0">
+            <a:spAutoFit/>
+          </a:bodyPr>
+          <a:lstStyle/>
+          <a:p>
+            <a:r>
+              <a:rPr lang="en-AU" sz="4800" dirty="0">
+                <a:latin typeface="Arial" panose="020B0604020202020204" pitchFamily="34" charset="0"/>
+                <a:cs typeface="Arial" panose="020B0604020202020204" pitchFamily="34" charset="0"/>
+              </a:rPr>
+              <a:t>Saliency map</a:t>
+            </a:r>
+          </a:p>
+        </p:txBody>
+      </p:sp>
+      <p:grpSp>
+        <p:nvGrpSpPr>
+          <p:cNvPr id="20" name="Group 19">
+            <a:extLst>
+              <a:ext uri="{FF2B5EF4-FFF2-40B4-BE49-F238E27FC236}">
+                <a16:creationId xmlns:a16="http://schemas.microsoft.com/office/drawing/2014/main" id="{8D186B44-7EC9-4850-BD59-3A65227C4A41}"/>
+              </a:ext>
+            </a:extLst>
+          </p:cNvPr>
+          <p:cNvGrpSpPr/>
+          <p:nvPr/>
+        </p:nvGrpSpPr>
+        <p:grpSpPr>
+          <a:xfrm>
+            <a:off x="5786035" y="18143197"/>
+            <a:ext cx="8199562" cy="7395500"/>
+            <a:chOff x="8002846" y="18976102"/>
+            <a:chExt cx="9044065" cy="8134175"/>
+          </a:xfrm>
+        </p:grpSpPr>
+        <p:pic>
+          <p:nvPicPr>
+            <p:cNvPr id="10" name="Picture 9">
+              <a:extLst>
+                <a:ext uri="{FF2B5EF4-FFF2-40B4-BE49-F238E27FC236}">
+                  <a16:creationId xmlns:a16="http://schemas.microsoft.com/office/drawing/2014/main" id="{6B2F19FE-FB75-4101-AE55-9BE698DA6890}"/>
+                </a:ext>
+              </a:extLst>
+            </p:cNvPr>
+            <p:cNvPicPr>
+              <a:picLocks noChangeAspect="1"/>
+            </p:cNvPicPr>
+            <p:nvPr/>
+          </p:nvPicPr>
+          <p:blipFill rotWithShape="1">
+            <a:blip r:embed="rId3">
+              <a:extLst>
+                <a:ext uri="{28A0092B-C50C-407E-A947-70E740481C1C}">
+                  <a14:useLocalDpi xmlns:a14="http://schemas.microsoft.com/office/drawing/2010/main" val="0"/>
+                </a:ext>
+              </a:extLst>
+            </a:blip>
+            <a:srcRect l="64545" t="60376" r="12030" b="9133"/>
+            <a:stretch/>
+          </p:blipFill>
+          <p:spPr>
+            <a:xfrm>
+              <a:off x="9011998" y="20113639"/>
+              <a:ext cx="7119973" cy="6996638"/>
+            </a:xfrm>
+            <a:prstGeom prst="rect">
+              <a:avLst/>
+            </a:prstGeom>
+          </p:spPr>
+        </p:pic>
+        <p:pic>
+          <p:nvPicPr>
+            <p:cNvPr id="18" name="Picture 17">
+              <a:extLst>
+                <a:ext uri="{FF2B5EF4-FFF2-40B4-BE49-F238E27FC236}">
+                  <a16:creationId xmlns:a16="http://schemas.microsoft.com/office/drawing/2014/main" id="{E6912FF0-072A-4072-A084-02F930A78FE2}"/>
+                </a:ext>
+              </a:extLst>
+            </p:cNvPr>
+            <p:cNvPicPr>
+              <a:picLocks noChangeAspect="1"/>
+            </p:cNvPicPr>
+            <p:nvPr/>
+          </p:nvPicPr>
+          <p:blipFill>
+            <a:blip r:embed="rId4"/>
+            <a:stretch>
+              <a:fillRect/>
+            </a:stretch>
+          </p:blipFill>
+          <p:spPr>
+            <a:xfrm>
+              <a:off x="8002846" y="18976102"/>
+              <a:ext cx="9044065" cy="1025558"/>
+            </a:xfrm>
+            <a:prstGeom prst="rect">
+              <a:avLst/>
+            </a:prstGeom>
+          </p:spPr>
+        </p:pic>
+        <p:sp>
+          <p:nvSpPr>
+            <p:cNvPr id="19" name="Rectangle 18">
+              <a:extLst>
+                <a:ext uri="{FF2B5EF4-FFF2-40B4-BE49-F238E27FC236}">
+                  <a16:creationId xmlns:a16="http://schemas.microsoft.com/office/drawing/2014/main" id="{4D39C637-5BA3-4B30-929A-2F9D56FDEFA8}"/>
+                </a:ext>
+              </a:extLst>
+            </p:cNvPr>
+            <p:cNvSpPr/>
+            <p:nvPr/>
+          </p:nvSpPr>
+          <p:spPr>
+            <a:xfrm>
+              <a:off x="11398932" y="20117988"/>
+              <a:ext cx="2267190" cy="2192927"/>
+            </a:xfrm>
+            <a:prstGeom prst="rect">
+              <a:avLst/>
+            </a:prstGeom>
+            <a:noFill/>
+            <a:ln w="76200">
+              <a:solidFill>
+                <a:srgbClr val="FF0000"/>
+              </a:solidFill>
+            </a:ln>
+          </p:spPr>
+          <p:style>
+            <a:lnRef idx="2">
+              <a:schemeClr val="accent1">
+                <a:shade val="50000"/>
+              </a:schemeClr>
+            </a:lnRef>
+            <a:fillRef idx="1">
+              <a:schemeClr val="accent1"/>
+            </a:fillRef>
+            <a:effectRef idx="0">
+              <a:schemeClr val="accent1"/>
+            </a:effectRef>
+            <a:fontRef idx="minor">
+              <a:schemeClr val="lt1"/>
+            </a:fontRef>
+          </p:style>
+          <p:txBody>
+            <a:bodyPr rtlCol="0" anchor="ctr"/>
+            <a:lstStyle/>
+            <a:p>
+              <a:pPr algn="ctr"/>
+              <a:endParaRPr lang="en-AU" dirty="0"/>
+            </a:p>
+          </p:txBody>
+        </p:sp>
+      </p:grpSp>
+      <p:pic>
+        <p:nvPicPr>
+          <p:cNvPr id="27" name="Picture 26">
+            <a:extLst>
+              <a:ext uri="{FF2B5EF4-FFF2-40B4-BE49-F238E27FC236}">
+                <a16:creationId xmlns:a16="http://schemas.microsoft.com/office/drawing/2014/main" id="{2F2C6EF5-7E9E-4FBC-8FD3-71A8C9ADAC0F}"/>
+              </a:ext>
+            </a:extLst>
+          </p:cNvPr>
+          <p:cNvPicPr>
+            <a:picLocks noChangeAspect="1"/>
+          </p:cNvPicPr>
+          <p:nvPr/>
+        </p:nvPicPr>
+        <p:blipFill>
+          <a:blip r:embed="rId5">
+            <a:extLst>
+              <a:ext uri="{28A0092B-C50C-407E-A947-70E740481C1C}">
+                <a14:useLocalDpi xmlns:a14="http://schemas.microsoft.com/office/drawing/2010/main" val="0"/>
+              </a:ext>
+            </a:extLst>
+          </a:blip>
+          <a:stretch>
+            <a:fillRect/>
+          </a:stretch>
+        </p:blipFill>
+        <p:spPr>
+          <a:xfrm>
+            <a:off x="1339354" y="4860449"/>
+            <a:ext cx="4438511" cy="4438511"/>
+          </a:xfrm>
+          <a:prstGeom prst="rect">
+            <a:avLst/>
+          </a:prstGeom>
+        </p:spPr>
+      </p:pic>
+      <p:pic>
+        <p:nvPicPr>
+          <p:cNvPr id="3" name="Picture 2">
+            <a:extLst>
+              <a:ext uri="{FF2B5EF4-FFF2-40B4-BE49-F238E27FC236}">
+                <a16:creationId xmlns:a16="http://schemas.microsoft.com/office/drawing/2014/main" id="{55C451CA-B082-4DFD-9442-4B7D5968F814}"/>
+              </a:ext>
+            </a:extLst>
+          </p:cNvPr>
+          <p:cNvPicPr>
+            <a:picLocks noChangeAspect="1"/>
+          </p:cNvPicPr>
+          <p:nvPr/>
+        </p:nvPicPr>
+        <p:blipFill>
+          <a:blip r:embed="rId6">
+            <a:extLst>
+              <a:ext uri="{28A0092B-C50C-407E-A947-70E740481C1C}">
+                <a14:useLocalDpi xmlns:a14="http://schemas.microsoft.com/office/drawing/2010/main" val="0"/>
+              </a:ext>
+            </a:extLst>
+          </a:blip>
+          <a:stretch>
+            <a:fillRect/>
+          </a:stretch>
+        </p:blipFill>
+        <p:spPr>
+          <a:xfrm>
+            <a:off x="1315455" y="10506049"/>
+            <a:ext cx="4438510" cy="4438510"/>
+          </a:xfrm>
+          <a:prstGeom prst="rect">
+            <a:avLst/>
+          </a:prstGeom>
+        </p:spPr>
+      </p:pic>
+      <p:pic>
+        <p:nvPicPr>
+          <p:cNvPr id="26" name="Picture 25">
+            <a:extLst>
+              <a:ext uri="{FF2B5EF4-FFF2-40B4-BE49-F238E27FC236}">
+                <a16:creationId xmlns:a16="http://schemas.microsoft.com/office/drawing/2014/main" id="{5CF89A82-6ED7-413B-AD2C-477047BD861A}"/>
+              </a:ext>
+            </a:extLst>
+          </p:cNvPr>
+          <p:cNvPicPr>
+            <a:picLocks noChangeAspect="1"/>
+          </p:cNvPicPr>
+          <p:nvPr/>
+        </p:nvPicPr>
+        <p:blipFill rotWithShape="1">
+          <a:blip r:embed="rId3">
+            <a:extLst>
+              <a:ext uri="{28A0092B-C50C-407E-A947-70E740481C1C}">
+                <a14:useLocalDpi xmlns:a14="http://schemas.microsoft.com/office/drawing/2010/main" val="0"/>
+              </a:ext>
+            </a:extLst>
+          </a:blip>
+          <a:srcRect l="34351" t="59994" r="41670" b="9399"/>
+          <a:stretch/>
+        </p:blipFill>
+        <p:spPr>
+          <a:xfrm>
+            <a:off x="1042004" y="22724498"/>
+            <a:ext cx="4822067" cy="4646820"/>
+          </a:xfrm>
+          <a:prstGeom prst="rect">
+            <a:avLst/>
+          </a:prstGeom>
+        </p:spPr>
+      </p:pic>
+      <p:pic>
+        <p:nvPicPr>
+          <p:cNvPr id="29" name="Picture 28">
+            <a:extLst>
+              <a:ext uri="{FF2B5EF4-FFF2-40B4-BE49-F238E27FC236}">
+                <a16:creationId xmlns:a16="http://schemas.microsoft.com/office/drawing/2014/main" id="{F4520A1E-7CE5-4C2E-A2CE-470661B58FAC}"/>
+              </a:ext>
+            </a:extLst>
+          </p:cNvPr>
+          <p:cNvPicPr>
+            <a:picLocks noChangeAspect="1"/>
+          </p:cNvPicPr>
+          <p:nvPr/>
+        </p:nvPicPr>
+        <p:blipFill rotWithShape="1">
+          <a:blip r:embed="rId3">
+            <a:extLst>
+              <a:ext uri="{28A0092B-C50C-407E-A947-70E740481C1C}">
+                <a14:useLocalDpi xmlns:a14="http://schemas.microsoft.com/office/drawing/2010/main" val="0"/>
+              </a:ext>
+            </a:extLst>
+          </a:blip>
+          <a:srcRect l="4728" t="60292" r="72009" b="9056"/>
+          <a:stretch/>
+        </p:blipFill>
+        <p:spPr>
+          <a:xfrm>
+            <a:off x="1124650" y="17276508"/>
+            <a:ext cx="4639538" cy="4615112"/>
+          </a:xfrm>
+          <a:prstGeom prst="rect">
+            <a:avLst/>
+          </a:prstGeom>
+        </p:spPr>
+      </p:pic>
+      <p:pic>
+        <p:nvPicPr>
+          <p:cNvPr id="23" name="Picture 22">
+            <a:extLst>
+              <a:ext uri="{FF2B5EF4-FFF2-40B4-BE49-F238E27FC236}">
+                <a16:creationId xmlns:a16="http://schemas.microsoft.com/office/drawing/2014/main" id="{D90C5CFE-F77D-4287-B1E8-63A93196BCC2}"/>
+              </a:ext>
+            </a:extLst>
+          </p:cNvPr>
+          <p:cNvPicPr>
+            <a:picLocks noChangeAspect="1"/>
+          </p:cNvPicPr>
+          <p:nvPr/>
+        </p:nvPicPr>
+        <p:blipFill rotWithShape="1">
+          <a:blip r:embed="rId7">
+            <a:extLst>
+              <a:ext uri="{28A0092B-C50C-407E-A947-70E740481C1C}">
+                <a14:useLocalDpi xmlns:a14="http://schemas.microsoft.com/office/drawing/2010/main" val="0"/>
+              </a:ext>
+            </a:extLst>
+          </a:blip>
+          <a:srcRect l="6231" t="24329" r="57279" b="27390"/>
+          <a:stretch/>
+        </p:blipFill>
+        <p:spPr>
+          <a:xfrm>
+            <a:off x="7338341" y="4773019"/>
+            <a:ext cx="4915726" cy="4742166"/>
+          </a:xfrm>
+          <a:prstGeom prst="rect">
+            <a:avLst/>
+          </a:prstGeom>
+        </p:spPr>
+      </p:pic>
+      <p:sp>
+        <p:nvSpPr>
+          <p:cNvPr id="41" name="TextBox 40">
+            <a:extLst>
+              <a:ext uri="{FF2B5EF4-FFF2-40B4-BE49-F238E27FC236}">
+                <a16:creationId xmlns:a16="http://schemas.microsoft.com/office/drawing/2014/main" id="{163080E7-15A3-40CF-8DD4-8DC2080E58F2}"/>
+              </a:ext>
+            </a:extLst>
+          </p:cNvPr>
+          <p:cNvSpPr txBox="1"/>
+          <p:nvPr/>
+        </p:nvSpPr>
+        <p:spPr>
+          <a:xfrm>
+            <a:off x="7675145" y="3894155"/>
+            <a:ext cx="5042179" cy="807652"/>
+          </a:xfrm>
+          <a:prstGeom prst="rect">
+            <a:avLst/>
+          </a:prstGeom>
+          <a:solidFill>
+            <a:schemeClr val="bg1"/>
+          </a:solidFill>
+        </p:spPr>
+        <p:txBody>
+          <a:bodyPr wrap="square" rtlCol="0">
+            <a:spAutoFit/>
+          </a:bodyPr>
+          <a:lstStyle/>
+          <a:p>
+            <a:r>
+              <a:rPr lang="en-AU" sz="4800" dirty="0">
+                <a:latin typeface="Arial" panose="020B0604020202020204" pitchFamily="34" charset="0"/>
+                <a:cs typeface="Arial" panose="020B0604020202020204" pitchFamily="34" charset="0"/>
+              </a:rPr>
+              <a:t>RGB difference</a:t>
+            </a:r>
+          </a:p>
+        </p:txBody>
+      </p:sp>
+      <p:sp>
+        <p:nvSpPr>
+          <p:cNvPr id="42" name="TextBox 41">
+            <a:extLst>
+              <a:ext uri="{FF2B5EF4-FFF2-40B4-BE49-F238E27FC236}">
+                <a16:creationId xmlns:a16="http://schemas.microsoft.com/office/drawing/2014/main" id="{87FB63F0-DC74-403A-A90F-BA3BEB3EA7F3}"/>
+              </a:ext>
+            </a:extLst>
+          </p:cNvPr>
+          <p:cNvSpPr txBox="1"/>
+          <p:nvPr/>
+        </p:nvSpPr>
+        <p:spPr>
+          <a:xfrm>
+            <a:off x="7030356" y="9531607"/>
+            <a:ext cx="5851875" cy="830997"/>
+          </a:xfrm>
+          <a:prstGeom prst="rect">
+            <a:avLst/>
+          </a:prstGeom>
+          <a:solidFill>
+            <a:schemeClr val="bg1"/>
+          </a:solidFill>
+        </p:spPr>
+        <p:txBody>
+          <a:bodyPr wrap="square" rtlCol="0">
+            <a:spAutoFit/>
+          </a:bodyPr>
+          <a:lstStyle/>
+          <a:p>
+            <a:r>
+              <a:rPr lang="en-AU" sz="4800" dirty="0">
+                <a:latin typeface="Arial" panose="020B0604020202020204" pitchFamily="34" charset="0"/>
+                <a:cs typeface="Arial" panose="020B0604020202020204" pitchFamily="34" charset="0"/>
+              </a:rPr>
+              <a:t>Detected object area</a:t>
+            </a:r>
+          </a:p>
+        </p:txBody>
+      </p:sp>
+      <p:sp>
+        <p:nvSpPr>
+          <p:cNvPr id="45" name="TextBox 44">
+            <a:extLst>
+              <a:ext uri="{FF2B5EF4-FFF2-40B4-BE49-F238E27FC236}">
+                <a16:creationId xmlns:a16="http://schemas.microsoft.com/office/drawing/2014/main" id="{D1AD33AA-AB16-443B-A64E-0E6035649F8D}"/>
+              </a:ext>
+            </a:extLst>
+          </p:cNvPr>
+          <p:cNvSpPr txBox="1"/>
+          <p:nvPr/>
+        </p:nvSpPr>
+        <p:spPr>
+          <a:xfrm>
+            <a:off x="205143" y="3743983"/>
+            <a:ext cx="1339354" cy="1107996"/>
+          </a:xfrm>
+          <a:prstGeom prst="rect">
+            <a:avLst/>
+          </a:prstGeom>
+          <a:noFill/>
+        </p:spPr>
+        <p:txBody>
+          <a:bodyPr wrap="square" rtlCol="0">
+            <a:spAutoFit/>
+          </a:bodyPr>
+          <a:lstStyle/>
+          <a:p>
+            <a:r>
+              <a:rPr lang="en-AU" sz="6600" b="1" dirty="0">
+                <a:latin typeface="Arial" panose="020B0604020202020204" pitchFamily="34" charset="0"/>
+                <a:cs typeface="Arial" panose="020B0604020202020204" pitchFamily="34" charset="0"/>
+              </a:rPr>
+              <a:t>A)</a:t>
+            </a:r>
+          </a:p>
+        </p:txBody>
+      </p:sp>
+      <p:sp>
+        <p:nvSpPr>
+          <p:cNvPr id="46" name="TextBox 45">
+            <a:extLst>
+              <a:ext uri="{FF2B5EF4-FFF2-40B4-BE49-F238E27FC236}">
+                <a16:creationId xmlns:a16="http://schemas.microsoft.com/office/drawing/2014/main" id="{74F10799-0845-4F34-AEC8-7847A13244F2}"/>
+              </a:ext>
+            </a:extLst>
+          </p:cNvPr>
+          <p:cNvSpPr txBox="1"/>
+          <p:nvPr/>
+        </p:nvSpPr>
+        <p:spPr>
+          <a:xfrm>
+            <a:off x="6308594" y="3743331"/>
+            <a:ext cx="1339354" cy="1107996"/>
+          </a:xfrm>
+          <a:prstGeom prst="rect">
+            <a:avLst/>
+          </a:prstGeom>
+          <a:noFill/>
+        </p:spPr>
+        <p:txBody>
+          <a:bodyPr wrap="square" rtlCol="0">
+            <a:spAutoFit/>
+          </a:bodyPr>
+          <a:lstStyle/>
+          <a:p>
+            <a:r>
+              <a:rPr lang="en-AU" sz="6600" b="1" dirty="0">
+                <a:latin typeface="Arial" panose="020B0604020202020204" pitchFamily="34" charset="0"/>
+                <a:cs typeface="Arial" panose="020B0604020202020204" pitchFamily="34" charset="0"/>
+              </a:rPr>
+              <a:t>B)</a:t>
+            </a:r>
+          </a:p>
+        </p:txBody>
+      </p:sp>
+      <p:sp>
+        <p:nvSpPr>
+          <p:cNvPr id="47" name="TextBox 46">
+            <a:extLst>
+              <a:ext uri="{FF2B5EF4-FFF2-40B4-BE49-F238E27FC236}">
+                <a16:creationId xmlns:a16="http://schemas.microsoft.com/office/drawing/2014/main" id="{26D6248B-691D-4FB5-9DC5-0993D3CF5773}"/>
+              </a:ext>
+            </a:extLst>
+          </p:cNvPr>
+          <p:cNvSpPr txBox="1"/>
+          <p:nvPr/>
+        </p:nvSpPr>
+        <p:spPr>
+          <a:xfrm>
+            <a:off x="13430616" y="6156464"/>
+            <a:ext cx="1339354" cy="1107996"/>
+          </a:xfrm>
+          <a:prstGeom prst="rect">
+            <a:avLst/>
+          </a:prstGeom>
+          <a:noFill/>
+        </p:spPr>
+        <p:txBody>
+          <a:bodyPr wrap="square" rtlCol="0">
+            <a:spAutoFit/>
+          </a:bodyPr>
+          <a:lstStyle/>
+          <a:p>
+            <a:r>
+              <a:rPr lang="en-AU" sz="6600" b="1" dirty="0">
+                <a:latin typeface="Arial" panose="020B0604020202020204" pitchFamily="34" charset="0"/>
+                <a:cs typeface="Arial" panose="020B0604020202020204" pitchFamily="34" charset="0"/>
+              </a:rPr>
+              <a:t>C)</a:t>
+            </a:r>
+          </a:p>
+        </p:txBody>
+      </p:sp>
+      <p:sp>
+        <p:nvSpPr>
+          <p:cNvPr id="48" name="TextBox 47">
+            <a:extLst>
+              <a:ext uri="{FF2B5EF4-FFF2-40B4-BE49-F238E27FC236}">
+                <a16:creationId xmlns:a16="http://schemas.microsoft.com/office/drawing/2014/main" id="{E255909E-7C03-4905-B084-E5E6203934A4}"/>
+              </a:ext>
+            </a:extLst>
+          </p:cNvPr>
+          <p:cNvSpPr txBox="1"/>
+          <p:nvPr/>
+        </p:nvSpPr>
+        <p:spPr>
+          <a:xfrm>
+            <a:off x="137160" y="16694592"/>
+            <a:ext cx="1339354" cy="1107996"/>
+          </a:xfrm>
+          <a:prstGeom prst="rect">
+            <a:avLst/>
+          </a:prstGeom>
+          <a:noFill/>
+        </p:spPr>
+        <p:txBody>
+          <a:bodyPr wrap="square" rtlCol="0">
+            <a:spAutoFit/>
+          </a:bodyPr>
+          <a:lstStyle/>
+          <a:p>
+            <a:r>
+              <a:rPr lang="en-AU" sz="6600" b="1" dirty="0">
+                <a:latin typeface="Arial" panose="020B0604020202020204" pitchFamily="34" charset="0"/>
+                <a:cs typeface="Arial" panose="020B0604020202020204" pitchFamily="34" charset="0"/>
+              </a:rPr>
+              <a:t>D)</a:t>
+            </a:r>
+          </a:p>
+        </p:txBody>
+      </p:sp>
+      <p:grpSp>
+        <p:nvGrpSpPr>
+          <p:cNvPr id="14" name="Group 13">
+            <a:extLst>
+              <a:ext uri="{FF2B5EF4-FFF2-40B4-BE49-F238E27FC236}">
+                <a16:creationId xmlns:a16="http://schemas.microsoft.com/office/drawing/2014/main" id="{E8AE2E3E-3DC6-47B8-AA81-A495C8FC1F38}"/>
+              </a:ext>
+            </a:extLst>
+          </p:cNvPr>
+          <p:cNvGrpSpPr/>
+          <p:nvPr/>
+        </p:nvGrpSpPr>
+        <p:grpSpPr>
+          <a:xfrm>
+            <a:off x="13633754" y="17285927"/>
+            <a:ext cx="10568266" cy="10400746"/>
+            <a:chOff x="14307966" y="16877899"/>
+            <a:chExt cx="10568266" cy="10400746"/>
+          </a:xfrm>
+        </p:grpSpPr>
+        <p:pic>
+          <p:nvPicPr>
+            <p:cNvPr id="13" name="Picture 12">
+              <a:extLst>
+                <a:ext uri="{FF2B5EF4-FFF2-40B4-BE49-F238E27FC236}">
+                  <a16:creationId xmlns:a16="http://schemas.microsoft.com/office/drawing/2014/main" id="{40676186-BA49-410A-B1B8-13443326A770}"/>
+                </a:ext>
+              </a:extLst>
+            </p:cNvPr>
+            <p:cNvPicPr>
+              <a:picLocks noChangeAspect="1"/>
+            </p:cNvPicPr>
+            <p:nvPr/>
+          </p:nvPicPr>
+          <p:blipFill rotWithShape="1">
+            <a:blip r:embed="rId8">
+              <a:extLst>
+                <a:ext uri="{28A0092B-C50C-407E-A947-70E740481C1C}">
+                  <a14:useLocalDpi xmlns:a14="http://schemas.microsoft.com/office/drawing/2010/main" val="0"/>
+                </a:ext>
+              </a:extLst>
+            </a:blip>
+            <a:srcRect l="50296" r="6876"/>
+            <a:stretch/>
+          </p:blipFill>
+          <p:spPr>
+            <a:xfrm>
+              <a:off x="14495020" y="17201893"/>
+              <a:ext cx="9284070" cy="9996493"/>
+            </a:xfrm>
+            <a:prstGeom prst="rect">
+              <a:avLst/>
+            </a:prstGeom>
+          </p:spPr>
+        </p:pic>
+        <p:pic>
+          <p:nvPicPr>
+            <p:cNvPr id="34" name="Picture 33">
+              <a:extLst>
+                <a:ext uri="{FF2B5EF4-FFF2-40B4-BE49-F238E27FC236}">
+                  <a16:creationId xmlns:a16="http://schemas.microsoft.com/office/drawing/2014/main" id="{8DC81655-2984-49F9-A8C5-803C81705FF2}"/>
+                </a:ext>
+              </a:extLst>
+            </p:cNvPr>
+            <p:cNvPicPr>
+              <a:picLocks noChangeAspect="1"/>
+            </p:cNvPicPr>
+            <p:nvPr/>
+          </p:nvPicPr>
+          <p:blipFill>
+            <a:blip r:embed="rId4"/>
+            <a:stretch>
+              <a:fillRect/>
+            </a:stretch>
+          </p:blipFill>
+          <p:spPr>
+            <a:xfrm>
+              <a:off x="15986582" y="26427314"/>
+              <a:ext cx="7435020" cy="851331"/>
+            </a:xfrm>
+            <a:prstGeom prst="rect">
+              <a:avLst/>
+            </a:prstGeom>
+          </p:spPr>
+        </p:pic>
+        <p:sp>
+          <p:nvSpPr>
+            <p:cNvPr id="35" name="TextBox 34">
+              <a:extLst>
+                <a:ext uri="{FF2B5EF4-FFF2-40B4-BE49-F238E27FC236}">
+                  <a16:creationId xmlns:a16="http://schemas.microsoft.com/office/drawing/2014/main" id="{C28E4E7C-8C1E-4FDC-B240-DDA0A4AD9BE8}"/>
+                </a:ext>
+              </a:extLst>
+            </p:cNvPr>
+            <p:cNvSpPr txBox="1"/>
+            <p:nvPr/>
+          </p:nvSpPr>
+          <p:spPr>
+            <a:xfrm>
+              <a:off x="22681948" y="25755747"/>
+              <a:ext cx="2194284" cy="707886"/>
+            </a:xfrm>
+            <a:prstGeom prst="rect">
+              <a:avLst/>
+            </a:prstGeom>
+            <a:noFill/>
+          </p:spPr>
+          <p:txBody>
+            <a:bodyPr wrap="square" rtlCol="0">
+              <a:spAutoFit/>
+            </a:bodyPr>
+            <a:lstStyle/>
+            <a:p>
+              <a:r>
+                <a:rPr lang="en-AU" sz="4000" dirty="0">
+                  <a:latin typeface="Arial" panose="020B0604020202020204" pitchFamily="34" charset="0"/>
+                  <a:cs typeface="Arial" panose="020B0604020202020204" pitchFamily="34" charset="0"/>
+                </a:rPr>
+                <a:t>×10</a:t>
+              </a:r>
+              <a:r>
+                <a:rPr lang="en-AU" sz="4000" baseline="30000" dirty="0">
+                  <a:latin typeface="Arial" panose="020B0604020202020204" pitchFamily="34" charset="0"/>
+                  <a:cs typeface="Arial" panose="020B0604020202020204" pitchFamily="34" charset="0"/>
+                </a:rPr>
+                <a:t>4</a:t>
+              </a:r>
+            </a:p>
+          </p:txBody>
+        </p:sp>
+        <p:sp>
+          <p:nvSpPr>
+            <p:cNvPr id="49" name="TextBox 48">
+              <a:extLst>
+                <a:ext uri="{FF2B5EF4-FFF2-40B4-BE49-F238E27FC236}">
+                  <a16:creationId xmlns:a16="http://schemas.microsoft.com/office/drawing/2014/main" id="{3CB156E2-5518-4D2B-884E-E56C2626583F}"/>
+                </a:ext>
+              </a:extLst>
+            </p:cNvPr>
+            <p:cNvSpPr txBox="1"/>
+            <p:nvPr/>
+          </p:nvSpPr>
+          <p:spPr>
+            <a:xfrm>
+              <a:off x="14307966" y="16877899"/>
+              <a:ext cx="1339354" cy="1107996"/>
+            </a:xfrm>
+            <a:prstGeom prst="rect">
+              <a:avLst/>
+            </a:prstGeom>
+            <a:noFill/>
+          </p:spPr>
+          <p:txBody>
+            <a:bodyPr wrap="square" rtlCol="0">
+              <a:spAutoFit/>
+            </a:bodyPr>
+            <a:lstStyle/>
+            <a:p>
+              <a:r>
+                <a:rPr lang="en-AU" sz="6600" b="1" dirty="0">
+                  <a:latin typeface="Arial" panose="020B0604020202020204" pitchFamily="34" charset="0"/>
+                  <a:cs typeface="Arial" panose="020B0604020202020204" pitchFamily="34" charset="0"/>
+                </a:rPr>
+                <a:t>E)</a:t>
+              </a:r>
+            </a:p>
+          </p:txBody>
+        </p:sp>
+        <p:sp>
+          <p:nvSpPr>
+            <p:cNvPr id="53" name="TextBox 52">
+              <a:extLst>
+                <a:ext uri="{FF2B5EF4-FFF2-40B4-BE49-F238E27FC236}">
+                  <a16:creationId xmlns:a16="http://schemas.microsoft.com/office/drawing/2014/main" id="{ED1AC717-34D8-4680-830E-4565EEC9D85C}"/>
+                </a:ext>
+              </a:extLst>
+            </p:cNvPr>
+            <p:cNvSpPr txBox="1"/>
+            <p:nvPr/>
+          </p:nvSpPr>
+          <p:spPr>
+            <a:xfrm>
+              <a:off x="16508615" y="23801253"/>
+              <a:ext cx="5501006" cy="1938992"/>
+            </a:xfrm>
+            <a:prstGeom prst="rect">
+              <a:avLst/>
+            </a:prstGeom>
+            <a:noFill/>
+          </p:spPr>
+          <p:txBody>
+            <a:bodyPr wrap="square" rtlCol="0">
+              <a:spAutoFit/>
+            </a:bodyPr>
+            <a:lstStyle/>
+            <a:p>
+              <a:r>
+                <a:rPr lang="en-AU" sz="4000" dirty="0">
+                  <a:latin typeface="Arial" panose="020B0604020202020204" pitchFamily="34" charset="0"/>
+                  <a:cs typeface="Arial" panose="020B0604020202020204" pitchFamily="34" charset="0"/>
+                </a:rPr>
+                <a:t>∆Saliency = 10.95**</a:t>
+              </a:r>
+            </a:p>
+            <a:p>
+              <a:r>
+                <a:rPr lang="en-AU" sz="4000" dirty="0">
+                  <a:latin typeface="Arial" panose="020B0604020202020204" pitchFamily="34" charset="0"/>
+                  <a:cs typeface="Arial" panose="020B0604020202020204" pitchFamily="34" charset="0"/>
+                </a:rPr>
+                <a:t>Congruence = 7.76*</a:t>
+              </a:r>
+            </a:p>
+            <a:p>
+              <a:r>
+                <a:rPr lang="en-AU" sz="4000" dirty="0">
+                  <a:latin typeface="Arial" panose="020B0604020202020204" pitchFamily="34" charset="0"/>
+                  <a:cs typeface="Arial" panose="020B0604020202020204" pitchFamily="34" charset="0"/>
+                </a:rPr>
+                <a:t>∆Sal×C = 0.89</a:t>
+              </a:r>
+            </a:p>
+          </p:txBody>
+        </p:sp>
+      </p:grpSp>
+      <p:pic>
+        <p:nvPicPr>
+          <p:cNvPr id="39" name="Picture 38">
+            <a:extLst>
+              <a:ext uri="{FF2B5EF4-FFF2-40B4-BE49-F238E27FC236}">
+                <a16:creationId xmlns:a16="http://schemas.microsoft.com/office/drawing/2014/main" id="{C2440D60-063A-4261-B44B-EE8C9BF7A212}"/>
+              </a:ext>
+            </a:extLst>
+          </p:cNvPr>
+          <p:cNvPicPr>
+            <a:picLocks noChangeAspect="1"/>
+          </p:cNvPicPr>
+          <p:nvPr/>
+        </p:nvPicPr>
+        <p:blipFill rotWithShape="1">
+          <a:blip r:embed="rId7">
+            <a:extLst>
+              <a:ext uri="{28A0092B-C50C-407E-A947-70E740481C1C}">
+                <a14:useLocalDpi xmlns:a14="http://schemas.microsoft.com/office/drawing/2010/main" val="0"/>
+              </a:ext>
+            </a:extLst>
+          </a:blip>
+          <a:srcRect l="51719" t="24329" r="11792" b="27390"/>
+          <a:stretch/>
+        </p:blipFill>
+        <p:spPr>
+          <a:xfrm>
+            <a:off x="7368753" y="10386607"/>
+            <a:ext cx="5042179" cy="4864153"/>
+          </a:xfrm>
+          <a:prstGeom prst="rect">
+            <a:avLst/>
+          </a:prstGeom>
+        </p:spPr>
+      </p:pic>
+      <p:pic>
+        <p:nvPicPr>
+          <p:cNvPr id="40" name="Picture 39">
+            <a:extLst>
+              <a:ext uri="{FF2B5EF4-FFF2-40B4-BE49-F238E27FC236}">
+                <a16:creationId xmlns:a16="http://schemas.microsoft.com/office/drawing/2014/main" id="{9DB5845B-C857-46C9-AEBD-D2AAED6246D4}"/>
+              </a:ext>
+            </a:extLst>
+          </p:cNvPr>
+          <p:cNvPicPr>
+            <a:picLocks noChangeAspect="1"/>
+          </p:cNvPicPr>
+          <p:nvPr/>
+        </p:nvPicPr>
+        <p:blipFill rotWithShape="1">
+          <a:blip r:embed="rId9">
+            <a:extLst>
+              <a:ext uri="{28A0092B-C50C-407E-A947-70E740481C1C}">
+                <a14:useLocalDpi xmlns:a14="http://schemas.microsoft.com/office/drawing/2010/main" val="0"/>
+              </a:ext>
+            </a:extLst>
+          </a:blip>
+          <a:srcRect l="51066" t="5454" r="19464" b="71464"/>
+          <a:stretch/>
+        </p:blipFill>
+        <p:spPr>
+          <a:xfrm>
+            <a:off x="14838669" y="3782083"/>
+            <a:ext cx="7506981" cy="2691790"/>
+          </a:xfrm>
+          <a:prstGeom prst="rect">
+            <a:avLst/>
+          </a:prstGeom>
+        </p:spPr>
+      </p:pic>
+      <p:grpSp>
+        <p:nvGrpSpPr>
+          <p:cNvPr id="16" name="Group 15">
+            <a:extLst>
+              <a:ext uri="{FF2B5EF4-FFF2-40B4-BE49-F238E27FC236}">
+                <a16:creationId xmlns:a16="http://schemas.microsoft.com/office/drawing/2014/main" id="{8BD6F9C1-824F-43B6-B1BA-5D0FCD188E80}"/>
+              </a:ext>
+            </a:extLst>
+          </p:cNvPr>
+          <p:cNvGrpSpPr/>
+          <p:nvPr/>
+        </p:nvGrpSpPr>
+        <p:grpSpPr>
+          <a:xfrm>
+            <a:off x="13729368" y="26989711"/>
+            <a:ext cx="10077795" cy="10942415"/>
+            <a:chOff x="13538722" y="28680288"/>
+            <a:chExt cx="10077795" cy="10942415"/>
+          </a:xfrm>
+        </p:grpSpPr>
+        <p:grpSp>
+          <p:nvGrpSpPr>
+            <p:cNvPr id="7" name="Group 6">
+              <a:extLst>
+                <a:ext uri="{FF2B5EF4-FFF2-40B4-BE49-F238E27FC236}">
+                  <a16:creationId xmlns:a16="http://schemas.microsoft.com/office/drawing/2014/main" id="{D5CC07AC-659C-4C92-9439-389A3D6AC290}"/>
+                </a:ext>
+              </a:extLst>
+            </p:cNvPr>
+            <p:cNvGrpSpPr/>
+            <p:nvPr/>
+          </p:nvGrpSpPr>
+          <p:grpSpPr>
+            <a:xfrm>
+              <a:off x="13595834" y="29047439"/>
+              <a:ext cx="10020683" cy="10575264"/>
+              <a:chOff x="25480080" y="7423356"/>
+              <a:chExt cx="10020683" cy="10575264"/>
+            </a:xfrm>
+          </p:grpSpPr>
+          <p:pic>
+            <p:nvPicPr>
+              <p:cNvPr id="9" name="Picture 8">
+                <a:extLst>
+                  <a:ext uri="{FF2B5EF4-FFF2-40B4-BE49-F238E27FC236}">
+                    <a16:creationId xmlns:a16="http://schemas.microsoft.com/office/drawing/2014/main" id="{0BC2F680-CB36-49AE-9F09-EE8BF2DCE27C}"/>
+                  </a:ext>
+                </a:extLst>
+              </p:cNvPr>
+              <p:cNvPicPr>
+                <a:picLocks noChangeAspect="1"/>
+              </p:cNvPicPr>
+              <p:nvPr/>
+            </p:nvPicPr>
+            <p:blipFill rotWithShape="1">
+              <a:blip r:embed="rId8">
+                <a:extLst>
+                  <a:ext uri="{28A0092B-C50C-407E-A947-70E740481C1C}">
+                    <a14:useLocalDpi xmlns:a14="http://schemas.microsoft.com/office/drawing/2010/main" val="0"/>
+                  </a:ext>
+                </a:extLst>
+              </a:blip>
+              <a:srcRect l="6305" r="50000"/>
+              <a:stretch/>
+            </p:blipFill>
+            <p:spPr>
+              <a:xfrm>
+                <a:off x="25480080" y="7423356"/>
+                <a:ext cx="10020683" cy="10575264"/>
+              </a:xfrm>
+              <a:prstGeom prst="rect">
+                <a:avLst/>
+              </a:prstGeom>
+            </p:spPr>
+          </p:pic>
+          <p:sp>
+            <p:nvSpPr>
+              <p:cNvPr id="11" name="TextBox 10">
+                <a:extLst>
+                  <a:ext uri="{FF2B5EF4-FFF2-40B4-BE49-F238E27FC236}">
+                    <a16:creationId xmlns:a16="http://schemas.microsoft.com/office/drawing/2014/main" id="{215F125C-790B-4E4E-8DCC-812BFB1EF420}"/>
+                  </a:ext>
+                </a:extLst>
+              </p:cNvPr>
+              <p:cNvSpPr txBox="1"/>
+              <p:nvPr/>
+            </p:nvSpPr>
+            <p:spPr>
+              <a:xfrm>
+                <a:off x="27267228" y="14351392"/>
+                <a:ext cx="5501006" cy="1938992"/>
+              </a:xfrm>
+              <a:prstGeom prst="rect">
+                <a:avLst/>
+              </a:prstGeom>
+              <a:noFill/>
+            </p:spPr>
+            <p:txBody>
+              <a:bodyPr wrap="square" rtlCol="0">
+                <a:spAutoFit/>
+              </a:bodyPr>
+              <a:lstStyle/>
+              <a:p>
+                <a:r>
+                  <a:rPr lang="en-AU" sz="4000" dirty="0">
+                    <a:latin typeface="Arial" panose="020B0604020202020204" pitchFamily="34" charset="0"/>
+                    <a:cs typeface="Arial" panose="020B0604020202020204" pitchFamily="34" charset="0"/>
+                  </a:rPr>
+                  <a:t>Weibull = 8.20*</a:t>
+                </a:r>
+              </a:p>
+              <a:p>
+                <a:r>
+                  <a:rPr lang="en-AU" sz="4000" dirty="0">
+                    <a:latin typeface="Arial" panose="020B0604020202020204" pitchFamily="34" charset="0"/>
+                    <a:cs typeface="Arial" panose="020B0604020202020204" pitchFamily="34" charset="0"/>
+                  </a:rPr>
+                  <a:t>Congruence = 9.50*</a:t>
+                </a:r>
+              </a:p>
+              <a:p>
+                <a:r>
+                  <a:rPr lang="en-AU" sz="4000" dirty="0">
+                    <a:latin typeface="Arial" panose="020B0604020202020204" pitchFamily="34" charset="0"/>
+                    <a:cs typeface="Arial" panose="020B0604020202020204" pitchFamily="34" charset="0"/>
+                  </a:rPr>
+                  <a:t>W×C = 2.05 </a:t>
+                </a:r>
+              </a:p>
+            </p:txBody>
+          </p:sp>
+        </p:grpSp>
+        <p:sp>
+          <p:nvSpPr>
+            <p:cNvPr id="51" name="TextBox 50">
+              <a:extLst>
+                <a:ext uri="{FF2B5EF4-FFF2-40B4-BE49-F238E27FC236}">
+                  <a16:creationId xmlns:a16="http://schemas.microsoft.com/office/drawing/2014/main" id="{F40F5DED-7157-4579-8B1D-AF8FDF03D13A}"/>
+                </a:ext>
+              </a:extLst>
+            </p:cNvPr>
+            <p:cNvSpPr txBox="1"/>
+            <p:nvPr/>
+          </p:nvSpPr>
+          <p:spPr>
+            <a:xfrm>
+              <a:off x="13538722" y="28680288"/>
+              <a:ext cx="1339354" cy="1107996"/>
+            </a:xfrm>
+            <a:prstGeom prst="rect">
+              <a:avLst/>
+            </a:prstGeom>
+            <a:noFill/>
+          </p:spPr>
+          <p:txBody>
+            <a:bodyPr wrap="square" rtlCol="0">
+              <a:spAutoFit/>
+            </a:bodyPr>
+            <a:lstStyle/>
+            <a:p>
+              <a:r>
+                <a:rPr lang="en-AU" sz="6600" b="1" dirty="0">
+                  <a:latin typeface="Arial" panose="020B0604020202020204" pitchFamily="34" charset="0"/>
+                  <a:cs typeface="Arial" panose="020B0604020202020204" pitchFamily="34" charset="0"/>
+                </a:rPr>
+                <a:t>G)</a:t>
+              </a:r>
+            </a:p>
+          </p:txBody>
+        </p:sp>
+      </p:grpSp>
+      <p:grpSp>
+        <p:nvGrpSpPr>
+          <p:cNvPr id="22" name="Group 21">
+            <a:extLst>
+              <a:ext uri="{FF2B5EF4-FFF2-40B4-BE49-F238E27FC236}">
+                <a16:creationId xmlns:a16="http://schemas.microsoft.com/office/drawing/2014/main" id="{E8EF8C49-CF5C-4871-92A5-1963B888B9AE}"/>
+              </a:ext>
+            </a:extLst>
+          </p:cNvPr>
+          <p:cNvGrpSpPr/>
+          <p:nvPr/>
+        </p:nvGrpSpPr>
+        <p:grpSpPr>
+          <a:xfrm>
+            <a:off x="137160" y="26868993"/>
+            <a:ext cx="13196291" cy="12265994"/>
+            <a:chOff x="105537" y="27339036"/>
+            <a:chExt cx="13196291" cy="12265994"/>
+          </a:xfrm>
+        </p:grpSpPr>
+        <p:pic>
+          <p:nvPicPr>
+            <p:cNvPr id="6" name="Picture 5">
+              <a:extLst>
+                <a:ext uri="{FF2B5EF4-FFF2-40B4-BE49-F238E27FC236}">
+                  <a16:creationId xmlns:a16="http://schemas.microsoft.com/office/drawing/2014/main" id="{A2FF3B8D-C488-4CE7-BEBA-F4E0F68C3862}"/>
+                </a:ext>
+              </a:extLst>
+            </p:cNvPr>
+            <p:cNvPicPr>
+              <a:picLocks noChangeAspect="1"/>
+            </p:cNvPicPr>
+            <p:nvPr/>
+          </p:nvPicPr>
+          <p:blipFill rotWithShape="1">
+            <a:blip r:embed="rId10">
+              <a:extLst>
+                <a:ext uri="{28A0092B-C50C-407E-A947-70E740481C1C}">
+                  <a14:useLocalDpi xmlns:a14="http://schemas.microsoft.com/office/drawing/2010/main" val="0"/>
+                </a:ext>
+              </a:extLst>
+            </a:blip>
+            <a:srcRect l="10559" t="24116" r="52269" b="22830"/>
+            <a:stretch/>
+          </p:blipFill>
+          <p:spPr>
+            <a:xfrm>
+              <a:off x="638054" y="28137002"/>
+              <a:ext cx="5226017" cy="5551006"/>
+            </a:xfrm>
+            <a:prstGeom prst="rect">
+              <a:avLst/>
+            </a:prstGeom>
+          </p:spPr>
+        </p:pic>
+        <p:pic>
+          <p:nvPicPr>
+            <p:cNvPr id="8" name="Picture 7">
+              <a:extLst>
+                <a:ext uri="{FF2B5EF4-FFF2-40B4-BE49-F238E27FC236}">
+                  <a16:creationId xmlns:a16="http://schemas.microsoft.com/office/drawing/2014/main" id="{002411D5-5F40-40C2-B7DF-3567A5738774}"/>
+                </a:ext>
+              </a:extLst>
+            </p:cNvPr>
+            <p:cNvPicPr>
+              <a:picLocks noChangeAspect="1"/>
+            </p:cNvPicPr>
+            <p:nvPr/>
+          </p:nvPicPr>
+          <p:blipFill rotWithShape="1">
+            <a:blip r:embed="rId11">
+              <a:extLst>
+                <a:ext uri="{28A0092B-C50C-407E-A947-70E740481C1C}">
+                  <a14:useLocalDpi xmlns:a14="http://schemas.microsoft.com/office/drawing/2010/main" val="0"/>
+                </a:ext>
+              </a:extLst>
+            </a:blip>
+            <a:srcRect l="11053" t="22962" r="51364" b="18583"/>
+            <a:stretch/>
+          </p:blipFill>
+          <p:spPr>
+            <a:xfrm>
+              <a:off x="688459" y="33378158"/>
+              <a:ext cx="5343440" cy="6191308"/>
+            </a:xfrm>
+            <a:prstGeom prst="rect">
+              <a:avLst/>
+            </a:prstGeom>
+          </p:spPr>
+        </p:pic>
+        <p:sp>
+          <p:nvSpPr>
+            <p:cNvPr id="43" name="TextBox 42">
+              <a:extLst>
+                <a:ext uri="{FF2B5EF4-FFF2-40B4-BE49-F238E27FC236}">
+                  <a16:creationId xmlns:a16="http://schemas.microsoft.com/office/drawing/2014/main" id="{068B0DC8-BE53-419A-8071-A53E408A9353}"/>
+                </a:ext>
+              </a:extLst>
+            </p:cNvPr>
+            <p:cNvSpPr txBox="1"/>
+            <p:nvPr/>
+          </p:nvSpPr>
+          <p:spPr>
+            <a:xfrm>
+              <a:off x="1206260" y="27503629"/>
+              <a:ext cx="4915726" cy="800219"/>
+            </a:xfrm>
+            <a:prstGeom prst="rect">
+              <a:avLst/>
+            </a:prstGeom>
+            <a:noFill/>
+          </p:spPr>
+          <p:txBody>
+            <a:bodyPr wrap="square" rtlCol="0">
+              <a:spAutoFit/>
+            </a:bodyPr>
+            <a:lstStyle/>
+            <a:p>
+              <a:r>
+                <a:rPr lang="en-AU" sz="4600" dirty="0">
+                  <a:latin typeface="Arial" panose="020B0604020202020204" pitchFamily="34" charset="0"/>
+                  <a:cs typeface="Arial" panose="020B0604020202020204" pitchFamily="34" charset="0"/>
+                </a:rPr>
+                <a:t>Gradient images</a:t>
+              </a:r>
+            </a:p>
+          </p:txBody>
+        </p:sp>
+        <p:sp>
+          <p:nvSpPr>
+            <p:cNvPr id="44" name="TextBox 43">
+              <a:extLst>
+                <a:ext uri="{FF2B5EF4-FFF2-40B4-BE49-F238E27FC236}">
+                  <a16:creationId xmlns:a16="http://schemas.microsoft.com/office/drawing/2014/main" id="{AC09C3F3-0DF4-4D7C-A3F2-3B9B03488EF2}"/>
+                </a:ext>
+              </a:extLst>
+            </p:cNvPr>
+            <p:cNvSpPr txBox="1"/>
+            <p:nvPr/>
+          </p:nvSpPr>
+          <p:spPr>
+            <a:xfrm>
+              <a:off x="6871254" y="27514830"/>
+              <a:ext cx="6430574" cy="830997"/>
+            </a:xfrm>
+            <a:prstGeom prst="rect">
+              <a:avLst/>
+            </a:prstGeom>
+            <a:noFill/>
+          </p:spPr>
+          <p:txBody>
+            <a:bodyPr wrap="square" rtlCol="0">
+              <a:spAutoFit/>
+            </a:bodyPr>
+            <a:lstStyle/>
+            <a:p>
+              <a:r>
+                <a:rPr lang="en-AU" sz="4600" dirty="0">
+                  <a:latin typeface="Arial" panose="020B0604020202020204" pitchFamily="34" charset="0"/>
+                  <a:cs typeface="Arial" panose="020B0604020202020204" pitchFamily="34" charset="0"/>
+                </a:rPr>
+                <a:t>Contrast Distributions</a:t>
+              </a:r>
+            </a:p>
+          </p:txBody>
+        </p:sp>
+        <p:sp>
+          <p:nvSpPr>
+            <p:cNvPr id="50" name="TextBox 49">
+              <a:extLst>
+                <a:ext uri="{FF2B5EF4-FFF2-40B4-BE49-F238E27FC236}">
+                  <a16:creationId xmlns:a16="http://schemas.microsoft.com/office/drawing/2014/main" id="{877CA12F-FED3-4177-B2A6-9E31B50CDD3C}"/>
+                </a:ext>
+              </a:extLst>
+            </p:cNvPr>
+            <p:cNvSpPr txBox="1"/>
+            <p:nvPr/>
+          </p:nvSpPr>
+          <p:spPr>
+            <a:xfrm>
+              <a:off x="105537" y="27339036"/>
+              <a:ext cx="1339354" cy="1107996"/>
+            </a:xfrm>
+            <a:prstGeom prst="rect">
+              <a:avLst/>
+            </a:prstGeom>
+            <a:noFill/>
+          </p:spPr>
+          <p:txBody>
+            <a:bodyPr wrap="square" rtlCol="0">
+              <a:spAutoFit/>
+            </a:bodyPr>
+            <a:lstStyle/>
+            <a:p>
+              <a:r>
+                <a:rPr lang="en-AU" sz="6600" b="1" dirty="0">
+                  <a:latin typeface="Arial" panose="020B0604020202020204" pitchFamily="34" charset="0"/>
+                  <a:cs typeface="Arial" panose="020B0604020202020204" pitchFamily="34" charset="0"/>
+                </a:rPr>
+                <a:t>F)</a:t>
+              </a:r>
+            </a:p>
+          </p:txBody>
+        </p:sp>
+        <p:pic>
+          <p:nvPicPr>
+            <p:cNvPr id="52" name="Picture 51">
+              <a:extLst>
+                <a:ext uri="{FF2B5EF4-FFF2-40B4-BE49-F238E27FC236}">
+                  <a16:creationId xmlns:a16="http://schemas.microsoft.com/office/drawing/2014/main" id="{A345D104-058C-48DF-A66F-E7B2BA9A1705}"/>
+                </a:ext>
+              </a:extLst>
+            </p:cNvPr>
+            <p:cNvPicPr>
+              <a:picLocks noChangeAspect="1"/>
+            </p:cNvPicPr>
+            <p:nvPr/>
+          </p:nvPicPr>
+          <p:blipFill rotWithShape="1">
+            <a:blip r:embed="rId10">
+              <a:extLst>
+                <a:ext uri="{28A0092B-C50C-407E-A947-70E740481C1C}">
+                  <a14:useLocalDpi xmlns:a14="http://schemas.microsoft.com/office/drawing/2010/main" val="0"/>
+                </a:ext>
+              </a:extLst>
+            </a:blip>
+            <a:srcRect l="48043" t="24116" r="5261" b="22830"/>
+            <a:stretch/>
+          </p:blipFill>
+          <p:spPr>
+            <a:xfrm>
+              <a:off x="6195507" y="28157820"/>
+              <a:ext cx="6565047" cy="5551006"/>
+            </a:xfrm>
+            <a:prstGeom prst="rect">
+              <a:avLst/>
+            </a:prstGeom>
+          </p:spPr>
+        </p:pic>
+        <p:sp>
+          <p:nvSpPr>
+            <p:cNvPr id="24" name="TextBox 23">
+              <a:extLst>
+                <a:ext uri="{FF2B5EF4-FFF2-40B4-BE49-F238E27FC236}">
+                  <a16:creationId xmlns:a16="http://schemas.microsoft.com/office/drawing/2014/main" id="{E77F6085-6396-4A5A-AB2F-9839D2C3F9AE}"/>
+                </a:ext>
+              </a:extLst>
+            </p:cNvPr>
+            <p:cNvSpPr txBox="1"/>
+            <p:nvPr/>
+          </p:nvSpPr>
+          <p:spPr>
+            <a:xfrm>
+              <a:off x="9179591" y="28866628"/>
+              <a:ext cx="2759764" cy="830997"/>
+            </a:xfrm>
+            <a:prstGeom prst="rect">
+              <a:avLst/>
+            </a:prstGeom>
+            <a:noFill/>
+          </p:spPr>
+          <p:txBody>
+            <a:bodyPr wrap="square" rtlCol="0">
+              <a:spAutoFit/>
+            </a:bodyPr>
+            <a:lstStyle/>
+            <a:p>
+              <a:r>
+                <a:rPr lang="el-GR" sz="4800" dirty="0"/>
+                <a:t>β</a:t>
+              </a:r>
+              <a:r>
+                <a:rPr lang="en-AU" sz="4800" dirty="0"/>
+                <a:t> </a:t>
+              </a:r>
+              <a:r>
+                <a:rPr lang="en-AU" sz="4800" dirty="0">
+                  <a:latin typeface="Arial" panose="020B0604020202020204" pitchFamily="34" charset="0"/>
+                  <a:cs typeface="Arial" panose="020B0604020202020204" pitchFamily="34" charset="0"/>
+                </a:rPr>
+                <a:t>= 32.86</a:t>
+              </a:r>
+            </a:p>
+          </p:txBody>
+        </p:sp>
+        <p:grpSp>
+          <p:nvGrpSpPr>
+            <p:cNvPr id="17" name="Group 16">
+              <a:extLst>
+                <a:ext uri="{FF2B5EF4-FFF2-40B4-BE49-F238E27FC236}">
+                  <a16:creationId xmlns:a16="http://schemas.microsoft.com/office/drawing/2014/main" id="{0C3CE2AF-F3DF-46C5-85D5-07120CB57738}"/>
+                </a:ext>
+              </a:extLst>
+            </p:cNvPr>
+            <p:cNvGrpSpPr/>
+            <p:nvPr/>
+          </p:nvGrpSpPr>
+          <p:grpSpPr>
+            <a:xfrm>
+              <a:off x="6062046" y="33413722"/>
+              <a:ext cx="6563838" cy="6191308"/>
+              <a:chOff x="6107766" y="33550882"/>
+              <a:chExt cx="6563838" cy="6191308"/>
+            </a:xfrm>
+          </p:grpSpPr>
+          <p:pic>
+            <p:nvPicPr>
+              <p:cNvPr id="55" name="Picture 54">
+                <a:extLst>
+                  <a:ext uri="{FF2B5EF4-FFF2-40B4-BE49-F238E27FC236}">
+                    <a16:creationId xmlns:a16="http://schemas.microsoft.com/office/drawing/2014/main" id="{B61D18FD-B4B7-4DF8-A3D7-66DDAF658BD8}"/>
+                  </a:ext>
+                </a:extLst>
+              </p:cNvPr>
+              <p:cNvPicPr>
+                <a:picLocks noChangeAspect="1"/>
+              </p:cNvPicPr>
+              <p:nvPr/>
+            </p:nvPicPr>
+            <p:blipFill rotWithShape="1">
+              <a:blip r:embed="rId11">
+                <a:extLst>
+                  <a:ext uri="{28A0092B-C50C-407E-A947-70E740481C1C}">
+                    <a14:useLocalDpi xmlns:a14="http://schemas.microsoft.com/office/drawing/2010/main" val="0"/>
+                  </a:ext>
+                </a:extLst>
+              </a:blip>
+              <a:srcRect l="47458" t="22962" r="6376" b="18583"/>
+              <a:stretch/>
+            </p:blipFill>
+            <p:spPr>
+              <a:xfrm>
+                <a:off x="6107766" y="33550882"/>
+                <a:ext cx="6563838" cy="6191308"/>
+              </a:xfrm>
+              <a:prstGeom prst="rect">
+                <a:avLst/>
+              </a:prstGeom>
+            </p:spPr>
+          </p:pic>
+          <p:sp>
+            <p:nvSpPr>
+              <p:cNvPr id="25" name="TextBox 24">
+                <a:extLst>
+                  <a:ext uri="{FF2B5EF4-FFF2-40B4-BE49-F238E27FC236}">
+                    <a16:creationId xmlns:a16="http://schemas.microsoft.com/office/drawing/2014/main" id="{F75CE01E-F380-4E24-A7FA-46454C17AA0D}"/>
+                  </a:ext>
+                </a:extLst>
+              </p:cNvPr>
+              <p:cNvSpPr txBox="1"/>
+              <p:nvPr/>
+            </p:nvSpPr>
+            <p:spPr>
+              <a:xfrm>
+                <a:off x="9301768" y="34575063"/>
+                <a:ext cx="2759764" cy="830997"/>
+              </a:xfrm>
+              <a:prstGeom prst="rect">
+                <a:avLst/>
+              </a:prstGeom>
+              <a:noFill/>
+            </p:spPr>
+            <p:txBody>
+              <a:bodyPr wrap="square" rtlCol="0">
+                <a:spAutoFit/>
+              </a:bodyPr>
+              <a:lstStyle/>
+              <a:p>
+                <a:r>
+                  <a:rPr lang="el-GR" sz="4800" dirty="0"/>
+                  <a:t>β</a:t>
+                </a:r>
+                <a:r>
+                  <a:rPr lang="en-AU" sz="4800" dirty="0"/>
+                  <a:t> </a:t>
+                </a:r>
+                <a:r>
+                  <a:rPr lang="en-AU" sz="4800" dirty="0">
+                    <a:latin typeface="Arial" panose="020B0604020202020204" pitchFamily="34" charset="0"/>
+                    <a:cs typeface="Arial" panose="020B0604020202020204" pitchFamily="34" charset="0"/>
+                  </a:rPr>
+                  <a:t>= 39.73</a:t>
+                </a:r>
+              </a:p>
+            </p:txBody>
+          </p:sp>
+        </p:grpSp>
+      </p:grpSp>
+    </p:spTree>
+    <p:extLst>
+      <p:ext uri="{BB962C8B-B14F-4D97-AF65-F5344CB8AC3E}">
+        <p14:creationId xmlns:p14="http://schemas.microsoft.com/office/powerpoint/2010/main" val="3373171570"/>
+      </p:ext>
+    </p:extLst>
+  </p:cSld>
+  <p:clrMapOvr>
+    <a:masterClrMapping/>
+  </p:clrMapOvr>
+</p:sld>
+</file>
+
+<file path=ppt/slides/slide5.xml><?xml version="1.0" encoding="utf-8"?>
 <p:sld xmlns:a="http://schemas.openxmlformats.org/drawingml/2006/main" xmlns:r="http://schemas.openxmlformats.org/officeDocument/2006/relationships" xmlns:p="http://schemas.openxmlformats.org/presentationml/2006/main">
   <p:cSld>
     <p:spTree>

--- a/Exp2Results/formal data/Data figures/big-figures.pptx
+++ b/Exp2Results/formal data/Data figures/big-figures.pptx
@@ -10,6 +10,7 @@
     <p:sldId id="259" r:id="rId4"/>
     <p:sldId id="262" r:id="rId5"/>
     <p:sldId id="260" r:id="rId6"/>
+    <p:sldId id="263" r:id="rId7"/>
   </p:sldIdLst>
   <p:sldSz cx="30275213" cy="42803763"/>
   <p:notesSz cx="6858000" cy="9144000"/>
@@ -4562,7 +4563,7 @@
           <a:p>
             <a:fld id="{7EAB4990-54EF-4F84-B612-5D2B38FEBCE3}" type="datetimeFigureOut">
               <a:rPr lang="en-AU" smtClean="0"/>
-              <a:t>20/12/2021</a:t>
+              <a:t>19/01/2022</a:t>
             </a:fld>
             <a:endParaRPr lang="en-AU"/>
           </a:p>
@@ -4732,7 +4733,7 @@
           <a:p>
             <a:fld id="{7EAB4990-54EF-4F84-B612-5D2B38FEBCE3}" type="datetimeFigureOut">
               <a:rPr lang="en-AU" smtClean="0"/>
-              <a:t>20/12/2021</a:t>
+              <a:t>19/01/2022</a:t>
             </a:fld>
             <a:endParaRPr lang="en-AU"/>
           </a:p>
@@ -4912,7 +4913,7 @@
           <a:p>
             <a:fld id="{7EAB4990-54EF-4F84-B612-5D2B38FEBCE3}" type="datetimeFigureOut">
               <a:rPr lang="en-AU" smtClean="0"/>
-              <a:t>20/12/2021</a:t>
+              <a:t>19/01/2022</a:t>
             </a:fld>
             <a:endParaRPr lang="en-AU"/>
           </a:p>
@@ -5082,7 +5083,7 @@
           <a:p>
             <a:fld id="{7EAB4990-54EF-4F84-B612-5D2B38FEBCE3}" type="datetimeFigureOut">
               <a:rPr lang="en-AU" smtClean="0"/>
-              <a:t>20/12/2021</a:t>
+              <a:t>19/01/2022</a:t>
             </a:fld>
             <a:endParaRPr lang="en-AU"/>
           </a:p>
@@ -5326,7 +5327,7 @@
           <a:p>
             <a:fld id="{7EAB4990-54EF-4F84-B612-5D2B38FEBCE3}" type="datetimeFigureOut">
               <a:rPr lang="en-AU" smtClean="0"/>
-              <a:t>20/12/2021</a:t>
+              <a:t>19/01/2022</a:t>
             </a:fld>
             <a:endParaRPr lang="en-AU"/>
           </a:p>
@@ -5558,7 +5559,7 @@
           <a:p>
             <a:fld id="{7EAB4990-54EF-4F84-B612-5D2B38FEBCE3}" type="datetimeFigureOut">
               <a:rPr lang="en-AU" smtClean="0"/>
-              <a:t>20/12/2021</a:t>
+              <a:t>19/01/2022</a:t>
             </a:fld>
             <a:endParaRPr lang="en-AU"/>
           </a:p>
@@ -5925,7 +5926,7 @@
           <a:p>
             <a:fld id="{7EAB4990-54EF-4F84-B612-5D2B38FEBCE3}" type="datetimeFigureOut">
               <a:rPr lang="en-AU" smtClean="0"/>
-              <a:t>20/12/2021</a:t>
+              <a:t>19/01/2022</a:t>
             </a:fld>
             <a:endParaRPr lang="en-AU"/>
           </a:p>
@@ -6043,7 +6044,7 @@
           <a:p>
             <a:fld id="{7EAB4990-54EF-4F84-B612-5D2B38FEBCE3}" type="datetimeFigureOut">
               <a:rPr lang="en-AU" smtClean="0"/>
-              <a:t>20/12/2021</a:t>
+              <a:t>19/01/2022</a:t>
             </a:fld>
             <a:endParaRPr lang="en-AU"/>
           </a:p>
@@ -6138,7 +6139,7 @@
           <a:p>
             <a:fld id="{7EAB4990-54EF-4F84-B612-5D2B38FEBCE3}" type="datetimeFigureOut">
               <a:rPr lang="en-AU" smtClean="0"/>
-              <a:t>20/12/2021</a:t>
+              <a:t>19/01/2022</a:t>
             </a:fld>
             <a:endParaRPr lang="en-AU"/>
           </a:p>
@@ -6415,7 +6416,7 @@
           <a:p>
             <a:fld id="{7EAB4990-54EF-4F84-B612-5D2B38FEBCE3}" type="datetimeFigureOut">
               <a:rPr lang="en-AU" smtClean="0"/>
-              <a:t>20/12/2021</a:t>
+              <a:t>19/01/2022</a:t>
             </a:fld>
             <a:endParaRPr lang="en-AU"/>
           </a:p>
@@ -6672,7 +6673,7 @@
           <a:p>
             <a:fld id="{7EAB4990-54EF-4F84-B612-5D2B38FEBCE3}" type="datetimeFigureOut">
               <a:rPr lang="en-AU" smtClean="0"/>
-              <a:t>20/12/2021</a:t>
+              <a:t>19/01/2022</a:t>
             </a:fld>
             <a:endParaRPr lang="en-AU"/>
           </a:p>
@@ -6885,7 +6886,7 @@
           <a:p>
             <a:fld id="{7EAB4990-54EF-4F84-B612-5D2B38FEBCE3}" type="datetimeFigureOut">
               <a:rPr lang="en-AU" smtClean="0"/>
-              <a:t>20/12/2021</a:t>
+              <a:t>19/01/2022</a:t>
             </a:fld>
             <a:endParaRPr lang="en-AU"/>
           </a:p>
@@ -9416,6 +9417,96 @@
           </p:txBody>
         </p:sp>
       </p:grpSp>
+      <p:sp>
+        <p:nvSpPr>
+          <p:cNvPr id="3" name="TextBox 2">
+            <a:extLst>
+              <a:ext uri="{FF2B5EF4-FFF2-40B4-BE49-F238E27FC236}">
+                <a16:creationId xmlns:a16="http://schemas.microsoft.com/office/drawing/2014/main" id="{67D58341-E961-4EDD-ABA4-AAB3C6598C34}"/>
+              </a:ext>
+            </a:extLst>
+          </p:cNvPr>
+          <p:cNvSpPr txBox="1"/>
+          <p:nvPr/>
+        </p:nvSpPr>
+        <p:spPr>
+          <a:xfrm>
+            <a:off x="24760098" y="21445238"/>
+            <a:ext cx="3895509" cy="707886"/>
+          </a:xfrm>
+          <a:prstGeom prst="rect">
+            <a:avLst/>
+          </a:prstGeom>
+          <a:solidFill>
+            <a:schemeClr val="bg1"/>
+          </a:solidFill>
+        </p:spPr>
+        <p:txBody>
+          <a:bodyPr wrap="square" rtlCol="0">
+            <a:spAutoFit/>
+          </a:bodyPr>
+          <a:lstStyle/>
+          <a:p>
+            <a:pPr algn="ctr"/>
+            <a:r>
+              <a:rPr lang="en-US" sz="4000" dirty="0">
+                <a:latin typeface="Arial" panose="020B0604020202020204" pitchFamily="34" charset="0"/>
+                <a:cs typeface="Arial" panose="020B0604020202020204" pitchFamily="34" charset="0"/>
+              </a:rPr>
+              <a:t>Peripheral</a:t>
+            </a:r>
+            <a:endParaRPr lang="en-AU" sz="4000" dirty="0">
+              <a:latin typeface="Arial" panose="020B0604020202020204" pitchFamily="34" charset="0"/>
+              <a:cs typeface="Arial" panose="020B0604020202020204" pitchFamily="34" charset="0"/>
+            </a:endParaRPr>
+          </a:p>
+        </p:txBody>
+      </p:sp>
+      <p:sp>
+        <p:nvSpPr>
+          <p:cNvPr id="76" name="TextBox 75">
+            <a:extLst>
+              <a:ext uri="{FF2B5EF4-FFF2-40B4-BE49-F238E27FC236}">
+                <a16:creationId xmlns:a16="http://schemas.microsoft.com/office/drawing/2014/main" id="{3C9557EF-8F9B-4E7A-9CF0-810B80116276}"/>
+              </a:ext>
+            </a:extLst>
+          </p:cNvPr>
+          <p:cNvSpPr txBox="1"/>
+          <p:nvPr/>
+        </p:nvSpPr>
+        <p:spPr>
+          <a:xfrm>
+            <a:off x="17884610" y="21462150"/>
+            <a:ext cx="3895509" cy="707886"/>
+          </a:xfrm>
+          <a:prstGeom prst="rect">
+            <a:avLst/>
+          </a:prstGeom>
+          <a:solidFill>
+            <a:schemeClr val="bg1"/>
+          </a:solidFill>
+        </p:spPr>
+        <p:txBody>
+          <a:bodyPr wrap="square" rtlCol="0">
+            <a:spAutoFit/>
+          </a:bodyPr>
+          <a:lstStyle/>
+          <a:p>
+            <a:pPr algn="ctr"/>
+            <a:r>
+              <a:rPr lang="en-US" sz="4000" dirty="0">
+                <a:latin typeface="Arial" panose="020B0604020202020204" pitchFamily="34" charset="0"/>
+                <a:cs typeface="Arial" panose="020B0604020202020204" pitchFamily="34" charset="0"/>
+              </a:rPr>
+              <a:t>Para-foveal</a:t>
+            </a:r>
+            <a:endParaRPr lang="en-AU" sz="4000" dirty="0">
+              <a:latin typeface="Arial" panose="020B0604020202020204" pitchFamily="34" charset="0"/>
+              <a:cs typeface="Arial" panose="020B0604020202020204" pitchFamily="34" charset="0"/>
+            </a:endParaRPr>
+          </a:p>
+        </p:txBody>
+      </p:sp>
     </p:spTree>
     <p:extLst>
       <p:ext uri="{BB962C8B-B14F-4D97-AF65-F5344CB8AC3E}">
@@ -16093,10 +16184,10 @@
       </p:grpSpPr>
       <p:pic>
         <p:nvPicPr>
-          <p:cNvPr id="11" name="Picture 10">
+          <p:cNvPr id="3" name="Picture 2">
             <a:extLst>
               <a:ext uri="{FF2B5EF4-FFF2-40B4-BE49-F238E27FC236}">
-                <a16:creationId xmlns:a16="http://schemas.microsoft.com/office/drawing/2014/main" id="{F2A55254-BB3F-47FB-AD1C-B42EBA6F68E2}"/>
+                <a16:creationId xmlns:a16="http://schemas.microsoft.com/office/drawing/2014/main" id="{EC8EE924-5471-4A6B-BCE8-9A0E586EAC21}"/>
               </a:ext>
             </a:extLst>
           </p:cNvPr>
@@ -16119,8 +16210,8 @@
         </p:blipFill>
         <p:spPr>
           <a:xfrm>
-            <a:off x="-442453" y="5083743"/>
-            <a:ext cx="26204212" cy="17175045"/>
+            <a:off x="-758242" y="4783653"/>
+            <a:ext cx="26980873" cy="18581779"/>
           </a:xfrm>
           <a:prstGeom prst="rect">
             <a:avLst/>
@@ -16255,7 +16346,7 @@
         </p:nvSpPr>
         <p:spPr>
           <a:xfrm>
-            <a:off x="1002891" y="12563272"/>
+            <a:off x="1002891" y="13536669"/>
             <a:ext cx="1474838" cy="1107996"/>
           </a:xfrm>
           <a:prstGeom prst="rect">
@@ -16293,7 +16384,7 @@
         </p:nvSpPr>
         <p:spPr>
           <a:xfrm>
-            <a:off x="9148917" y="12563271"/>
+            <a:off x="9148917" y="13536668"/>
             <a:ext cx="1474838" cy="1107996"/>
           </a:xfrm>
           <a:prstGeom prst="rect">
@@ -16331,7 +16422,7 @@
         </p:nvSpPr>
         <p:spPr>
           <a:xfrm>
-            <a:off x="16557524" y="12563270"/>
+            <a:off x="16557524" y="13536667"/>
             <a:ext cx="1474838" cy="1107996"/>
           </a:xfrm>
           <a:prstGeom prst="rect">
@@ -16359,6 +16450,666 @@
     <p:extLst>
       <p:ext uri="{BB962C8B-B14F-4D97-AF65-F5344CB8AC3E}">
         <p14:creationId xmlns:p14="http://schemas.microsoft.com/office/powerpoint/2010/main" val="2112919406"/>
+      </p:ext>
+    </p:extLst>
+  </p:cSld>
+  <p:clrMapOvr>
+    <a:masterClrMapping/>
+  </p:clrMapOvr>
+</p:sld>
+</file>
+
+<file path=ppt/slides/slide6.xml><?xml version="1.0" encoding="utf-8"?>
+<p:sld xmlns:a="http://schemas.openxmlformats.org/drawingml/2006/main" xmlns:r="http://schemas.openxmlformats.org/officeDocument/2006/relationships" xmlns:p="http://schemas.openxmlformats.org/presentationml/2006/main">
+  <p:cSld>
+    <p:spTree>
+      <p:nvGrpSpPr>
+        <p:cNvPr id="1" name=""/>
+        <p:cNvGrpSpPr/>
+        <p:nvPr/>
+      </p:nvGrpSpPr>
+      <p:grpSpPr>
+        <a:xfrm>
+          <a:off x="0" y="0"/>
+          <a:ext cx="0" cy="0"/>
+          <a:chOff x="0" y="0"/>
+          <a:chExt cx="0" cy="0"/>
+        </a:xfrm>
+      </p:grpSpPr>
+      <p:pic>
+        <p:nvPicPr>
+          <p:cNvPr id="5" name="Picture 4">
+            <a:extLst>
+              <a:ext uri="{FF2B5EF4-FFF2-40B4-BE49-F238E27FC236}">
+                <a16:creationId xmlns:a16="http://schemas.microsoft.com/office/drawing/2014/main" id="{770D3D72-3AA7-49A2-9909-98A4D08B6CAF}"/>
+              </a:ext>
+            </a:extLst>
+          </p:cNvPr>
+          <p:cNvPicPr>
+            <a:picLocks noChangeAspect="1"/>
+          </p:cNvPicPr>
+          <p:nvPr/>
+        </p:nvPicPr>
+        <p:blipFill rotWithShape="1">
+          <a:blip r:embed="rId2">
+            <a:extLst>
+              <a:ext uri="{28A0092B-C50C-407E-A947-70E740481C1C}">
+                <a14:useLocalDpi xmlns:a14="http://schemas.microsoft.com/office/drawing/2010/main" val="0"/>
+              </a:ext>
+            </a:extLst>
+          </a:blip>
+          <a:srcRect t="27933" r="15109" b="45224"/>
+          <a:stretch/>
+        </p:blipFill>
+        <p:spPr>
+          <a:xfrm>
+            <a:off x="442452" y="8377084"/>
+            <a:ext cx="19497367" cy="4306530"/>
+          </a:xfrm>
+          <a:prstGeom prst="rect">
+            <a:avLst/>
+          </a:prstGeom>
+        </p:spPr>
+      </p:pic>
+      <p:pic>
+        <p:nvPicPr>
+          <p:cNvPr id="7" name="Picture 6">
+            <a:extLst>
+              <a:ext uri="{FF2B5EF4-FFF2-40B4-BE49-F238E27FC236}">
+                <a16:creationId xmlns:a16="http://schemas.microsoft.com/office/drawing/2014/main" id="{558C8E79-9D13-4C13-B7AE-C30CE6E0F45D}"/>
+              </a:ext>
+            </a:extLst>
+          </p:cNvPr>
+          <p:cNvPicPr>
+            <a:picLocks noChangeAspect="1"/>
+          </p:cNvPicPr>
+          <p:nvPr/>
+        </p:nvPicPr>
+        <p:blipFill rotWithShape="1">
+          <a:blip r:embed="rId3">
+            <a:extLst>
+              <a:ext uri="{28A0092B-C50C-407E-A947-70E740481C1C}">
+                <a14:useLocalDpi xmlns:a14="http://schemas.microsoft.com/office/drawing/2010/main" val="0"/>
+              </a:ext>
+            </a:extLst>
+          </a:blip>
+          <a:srcRect t="27466" r="14230" b="45149"/>
+          <a:stretch/>
+        </p:blipFill>
+        <p:spPr>
+          <a:xfrm>
+            <a:off x="442451" y="16317662"/>
+            <a:ext cx="19733342" cy="4405427"/>
+          </a:xfrm>
+          <a:prstGeom prst="rect">
+            <a:avLst/>
+          </a:prstGeom>
+        </p:spPr>
+      </p:pic>
+      <p:pic>
+        <p:nvPicPr>
+          <p:cNvPr id="9" name="Picture 8">
+            <a:extLst>
+              <a:ext uri="{FF2B5EF4-FFF2-40B4-BE49-F238E27FC236}">
+                <a16:creationId xmlns:a16="http://schemas.microsoft.com/office/drawing/2014/main" id="{C59A46C1-5E11-45FE-9F45-0C1FF00B76EA}"/>
+              </a:ext>
+            </a:extLst>
+          </p:cNvPr>
+          <p:cNvPicPr>
+            <a:picLocks noChangeAspect="1"/>
+          </p:cNvPicPr>
+          <p:nvPr/>
+        </p:nvPicPr>
+        <p:blipFill rotWithShape="1">
+          <a:blip r:embed="rId4">
+            <a:extLst>
+              <a:ext uri="{28A0092B-C50C-407E-A947-70E740481C1C}">
+                <a14:useLocalDpi xmlns:a14="http://schemas.microsoft.com/office/drawing/2010/main" val="0"/>
+              </a:ext>
+            </a:extLst>
+          </a:blip>
+          <a:srcRect t="27052" r="15260" b="44617"/>
+          <a:stretch/>
+        </p:blipFill>
+        <p:spPr>
+          <a:xfrm>
+            <a:off x="442451" y="12289748"/>
+            <a:ext cx="19497367" cy="4520677"/>
+          </a:xfrm>
+          <a:prstGeom prst="rect">
+            <a:avLst/>
+          </a:prstGeom>
+        </p:spPr>
+      </p:pic>
+      <p:sp>
+        <p:nvSpPr>
+          <p:cNvPr id="10" name="Left Brace 9">
+            <a:extLst>
+              <a:ext uri="{FF2B5EF4-FFF2-40B4-BE49-F238E27FC236}">
+                <a16:creationId xmlns:a16="http://schemas.microsoft.com/office/drawing/2014/main" id="{57F91F2E-715B-424A-B271-F0552D51024D}"/>
+              </a:ext>
+            </a:extLst>
+          </p:cNvPr>
+          <p:cNvSpPr/>
+          <p:nvPr/>
+        </p:nvSpPr>
+        <p:spPr>
+          <a:xfrm rot="5400000">
+            <a:off x="4559083" y="6128986"/>
+            <a:ext cx="851742" cy="4483511"/>
+          </a:xfrm>
+          <a:prstGeom prst="leftBrace">
+            <a:avLst>
+              <a:gd name="adj1" fmla="val 47727"/>
+              <a:gd name="adj2" fmla="val 48750"/>
+            </a:avLst>
+          </a:prstGeom>
+          <a:ln w="38100"/>
+        </p:spPr>
+        <p:style>
+          <a:lnRef idx="1">
+            <a:schemeClr val="dk1"/>
+          </a:lnRef>
+          <a:fillRef idx="0">
+            <a:schemeClr val="dk1"/>
+          </a:fillRef>
+          <a:effectRef idx="0">
+            <a:schemeClr val="dk1"/>
+          </a:effectRef>
+          <a:fontRef idx="minor">
+            <a:schemeClr val="tx1"/>
+          </a:fontRef>
+        </p:style>
+        <p:txBody>
+          <a:bodyPr rtlCol="0" anchor="ctr"/>
+          <a:lstStyle/>
+          <a:p>
+            <a:pPr algn="ctr"/>
+            <a:endParaRPr lang="en-AU"/>
+          </a:p>
+        </p:txBody>
+      </p:sp>
+      <p:sp>
+        <p:nvSpPr>
+          <p:cNvPr id="11" name="Left Brace 10">
+            <a:extLst>
+              <a:ext uri="{FF2B5EF4-FFF2-40B4-BE49-F238E27FC236}">
+                <a16:creationId xmlns:a16="http://schemas.microsoft.com/office/drawing/2014/main" id="{176270FA-4366-4EE0-ADF6-24072D34D208}"/>
+              </a:ext>
+            </a:extLst>
+          </p:cNvPr>
+          <p:cNvSpPr/>
+          <p:nvPr/>
+        </p:nvSpPr>
+        <p:spPr>
+          <a:xfrm rot="5400000">
+            <a:off x="11761214" y="6110980"/>
+            <a:ext cx="851742" cy="4483511"/>
+          </a:xfrm>
+          <a:prstGeom prst="leftBrace">
+            <a:avLst>
+              <a:gd name="adj1" fmla="val 47727"/>
+              <a:gd name="adj2" fmla="val 48750"/>
+            </a:avLst>
+          </a:prstGeom>
+          <a:ln w="38100"/>
+        </p:spPr>
+        <p:style>
+          <a:lnRef idx="1">
+            <a:schemeClr val="dk1"/>
+          </a:lnRef>
+          <a:fillRef idx="0">
+            <a:schemeClr val="dk1"/>
+          </a:fillRef>
+          <a:effectRef idx="0">
+            <a:schemeClr val="dk1"/>
+          </a:effectRef>
+          <a:fontRef idx="minor">
+            <a:schemeClr val="tx1"/>
+          </a:fontRef>
+        </p:style>
+        <p:txBody>
+          <a:bodyPr rtlCol="0" anchor="ctr"/>
+          <a:lstStyle/>
+          <a:p>
+            <a:pPr algn="ctr"/>
+            <a:endParaRPr lang="en-AU"/>
+          </a:p>
+        </p:txBody>
+      </p:sp>
+      <p:sp>
+        <p:nvSpPr>
+          <p:cNvPr id="12" name="TextBox 11">
+            <a:extLst>
+              <a:ext uri="{FF2B5EF4-FFF2-40B4-BE49-F238E27FC236}">
+                <a16:creationId xmlns:a16="http://schemas.microsoft.com/office/drawing/2014/main" id="{8427FF4F-CC08-4C12-BB4C-FEC9DE54F846}"/>
+              </a:ext>
+            </a:extLst>
+          </p:cNvPr>
+          <p:cNvSpPr txBox="1"/>
+          <p:nvPr/>
+        </p:nvSpPr>
+        <p:spPr>
+          <a:xfrm>
+            <a:off x="2979173" y="7157423"/>
+            <a:ext cx="4689988" cy="769441"/>
+          </a:xfrm>
+          <a:prstGeom prst="rect">
+            <a:avLst/>
+          </a:prstGeom>
+          <a:noFill/>
+        </p:spPr>
+        <p:txBody>
+          <a:bodyPr wrap="square" rtlCol="0">
+            <a:spAutoFit/>
+          </a:bodyPr>
+          <a:lstStyle/>
+          <a:p>
+            <a:r>
+              <a:rPr lang="en-AU" sz="4400" dirty="0">
+                <a:latin typeface="Arial" panose="020B0604020202020204" pitchFamily="34" charset="0"/>
+                <a:cs typeface="Arial" panose="020B0604020202020204" pitchFamily="34" charset="0"/>
+              </a:rPr>
+              <a:t>Original images</a:t>
+            </a:r>
+          </a:p>
+        </p:txBody>
+      </p:sp>
+      <p:sp>
+        <p:nvSpPr>
+          <p:cNvPr id="13" name="TextBox 12">
+            <a:extLst>
+              <a:ext uri="{FF2B5EF4-FFF2-40B4-BE49-F238E27FC236}">
+                <a16:creationId xmlns:a16="http://schemas.microsoft.com/office/drawing/2014/main" id="{5C709E71-A84E-445F-9648-0D72B297E0D8}"/>
+              </a:ext>
+            </a:extLst>
+          </p:cNvPr>
+          <p:cNvSpPr txBox="1"/>
+          <p:nvPr/>
+        </p:nvSpPr>
+        <p:spPr>
+          <a:xfrm>
+            <a:off x="10149348" y="7157422"/>
+            <a:ext cx="4689988" cy="769441"/>
+          </a:xfrm>
+          <a:prstGeom prst="rect">
+            <a:avLst/>
+          </a:prstGeom>
+          <a:noFill/>
+        </p:spPr>
+        <p:txBody>
+          <a:bodyPr wrap="square" rtlCol="0">
+            <a:spAutoFit/>
+          </a:bodyPr>
+          <a:lstStyle/>
+          <a:p>
+            <a:r>
+              <a:rPr lang="en-AU" sz="4400" dirty="0">
+                <a:latin typeface="Arial" panose="020B0604020202020204" pitchFamily="34" charset="0"/>
+                <a:cs typeface="Arial" panose="020B0604020202020204" pitchFamily="34" charset="0"/>
+              </a:rPr>
+              <a:t>Saliency maps</a:t>
+            </a:r>
+          </a:p>
+        </p:txBody>
+      </p:sp>
+      <p:sp>
+        <p:nvSpPr>
+          <p:cNvPr id="14" name="TextBox 13">
+            <a:extLst>
+              <a:ext uri="{FF2B5EF4-FFF2-40B4-BE49-F238E27FC236}">
+                <a16:creationId xmlns:a16="http://schemas.microsoft.com/office/drawing/2014/main" id="{2ABC182A-65DC-4C6D-92D9-DADF092F7B60}"/>
+              </a:ext>
+            </a:extLst>
+          </p:cNvPr>
+          <p:cNvSpPr txBox="1"/>
+          <p:nvPr/>
+        </p:nvSpPr>
+        <p:spPr>
+          <a:xfrm>
+            <a:off x="16387915" y="7321763"/>
+            <a:ext cx="4689988" cy="1446550"/>
+          </a:xfrm>
+          <a:prstGeom prst="rect">
+            <a:avLst/>
+          </a:prstGeom>
+          <a:noFill/>
+        </p:spPr>
+        <p:txBody>
+          <a:bodyPr wrap="square" rtlCol="0">
+            <a:spAutoFit/>
+          </a:bodyPr>
+          <a:lstStyle/>
+          <a:p>
+            <a:r>
+              <a:rPr lang="en-AU" sz="4400" dirty="0">
+                <a:latin typeface="Arial" panose="020B0604020202020204" pitchFamily="34" charset="0"/>
+                <a:cs typeface="Arial" panose="020B0604020202020204" pitchFamily="34" charset="0"/>
+              </a:rPr>
+              <a:t>Saliency difference</a:t>
+            </a:r>
+          </a:p>
+        </p:txBody>
+      </p:sp>
+      <p:sp>
+        <p:nvSpPr>
+          <p:cNvPr id="15" name="Rectangle 14">
+            <a:extLst>
+              <a:ext uri="{FF2B5EF4-FFF2-40B4-BE49-F238E27FC236}">
+                <a16:creationId xmlns:a16="http://schemas.microsoft.com/office/drawing/2014/main" id="{5B4D92FC-4F04-4E05-890E-DF50F99FA4C7}"/>
+              </a:ext>
+            </a:extLst>
+          </p:cNvPr>
+          <p:cNvSpPr/>
+          <p:nvPr/>
+        </p:nvSpPr>
+        <p:spPr>
+          <a:xfrm>
+            <a:off x="17196620" y="8906109"/>
+            <a:ext cx="1091381" cy="1091381"/>
+          </a:xfrm>
+          <a:prstGeom prst="rect">
+            <a:avLst/>
+          </a:prstGeom>
+          <a:noFill/>
+          <a:ln w="76200">
+            <a:solidFill>
+              <a:srgbClr val="FF0000"/>
+            </a:solidFill>
+          </a:ln>
+        </p:spPr>
+        <p:style>
+          <a:lnRef idx="2">
+            <a:schemeClr val="accent1">
+              <a:shade val="50000"/>
+            </a:schemeClr>
+          </a:lnRef>
+          <a:fillRef idx="1">
+            <a:schemeClr val="accent1"/>
+          </a:fillRef>
+          <a:effectRef idx="0">
+            <a:schemeClr val="accent1"/>
+          </a:effectRef>
+          <a:fontRef idx="minor">
+            <a:schemeClr val="lt1"/>
+          </a:fontRef>
+        </p:style>
+        <p:txBody>
+          <a:bodyPr rtlCol="0" anchor="ctr"/>
+          <a:lstStyle/>
+          <a:p>
+            <a:pPr algn="ctr"/>
+            <a:endParaRPr lang="en-AU"/>
+          </a:p>
+        </p:txBody>
+      </p:sp>
+      <p:sp>
+        <p:nvSpPr>
+          <p:cNvPr id="16" name="Rectangle 15">
+            <a:extLst>
+              <a:ext uri="{FF2B5EF4-FFF2-40B4-BE49-F238E27FC236}">
+                <a16:creationId xmlns:a16="http://schemas.microsoft.com/office/drawing/2014/main" id="{7663A362-9739-46F8-8469-2D7EDFC9C9EC}"/>
+              </a:ext>
+            </a:extLst>
+          </p:cNvPr>
+          <p:cNvSpPr/>
+          <p:nvPr/>
+        </p:nvSpPr>
+        <p:spPr>
+          <a:xfrm>
+            <a:off x="17196620" y="12951915"/>
+            <a:ext cx="1091381" cy="1091381"/>
+          </a:xfrm>
+          <a:prstGeom prst="rect">
+            <a:avLst/>
+          </a:prstGeom>
+          <a:noFill/>
+          <a:ln w="76200">
+            <a:solidFill>
+              <a:srgbClr val="FF0000"/>
+            </a:solidFill>
+          </a:ln>
+        </p:spPr>
+        <p:style>
+          <a:lnRef idx="2">
+            <a:schemeClr val="accent1">
+              <a:shade val="50000"/>
+            </a:schemeClr>
+          </a:lnRef>
+          <a:fillRef idx="1">
+            <a:schemeClr val="accent1"/>
+          </a:fillRef>
+          <a:effectRef idx="0">
+            <a:schemeClr val="accent1"/>
+          </a:effectRef>
+          <a:fontRef idx="minor">
+            <a:schemeClr val="lt1"/>
+          </a:fontRef>
+        </p:style>
+        <p:txBody>
+          <a:bodyPr rtlCol="0" anchor="ctr"/>
+          <a:lstStyle/>
+          <a:p>
+            <a:pPr algn="ctr"/>
+            <a:endParaRPr lang="en-AU"/>
+          </a:p>
+        </p:txBody>
+      </p:sp>
+      <p:sp>
+        <p:nvSpPr>
+          <p:cNvPr id="17" name="Rectangle 16">
+            <a:extLst>
+              <a:ext uri="{FF2B5EF4-FFF2-40B4-BE49-F238E27FC236}">
+                <a16:creationId xmlns:a16="http://schemas.microsoft.com/office/drawing/2014/main" id="{77CA4B11-4E95-477F-BB9F-C1C916EA5398}"/>
+              </a:ext>
+            </a:extLst>
+          </p:cNvPr>
+          <p:cNvSpPr/>
+          <p:nvPr/>
+        </p:nvSpPr>
+        <p:spPr>
+          <a:xfrm>
+            <a:off x="18288001" y="18966803"/>
+            <a:ext cx="1091381" cy="1091381"/>
+          </a:xfrm>
+          <a:prstGeom prst="rect">
+            <a:avLst/>
+          </a:prstGeom>
+          <a:noFill/>
+          <a:ln w="76200">
+            <a:solidFill>
+              <a:srgbClr val="FF0000"/>
+            </a:solidFill>
+          </a:ln>
+        </p:spPr>
+        <p:style>
+          <a:lnRef idx="2">
+            <a:schemeClr val="accent1">
+              <a:shade val="50000"/>
+            </a:schemeClr>
+          </a:lnRef>
+          <a:fillRef idx="1">
+            <a:schemeClr val="accent1"/>
+          </a:fillRef>
+          <a:effectRef idx="0">
+            <a:schemeClr val="accent1"/>
+          </a:effectRef>
+          <a:fontRef idx="minor">
+            <a:schemeClr val="lt1"/>
+          </a:fontRef>
+        </p:style>
+        <p:txBody>
+          <a:bodyPr rtlCol="0" anchor="ctr"/>
+          <a:lstStyle/>
+          <a:p>
+            <a:pPr algn="ctr"/>
+            <a:endParaRPr lang="en-AU"/>
+          </a:p>
+        </p:txBody>
+      </p:sp>
+      <p:pic>
+        <p:nvPicPr>
+          <p:cNvPr id="1026" name="Picture 2">
+            <a:extLst>
+              <a:ext uri="{FF2B5EF4-FFF2-40B4-BE49-F238E27FC236}">
+                <a16:creationId xmlns:a16="http://schemas.microsoft.com/office/drawing/2014/main" id="{243831CA-7403-41A7-8835-5D67A088722B}"/>
+              </a:ext>
+            </a:extLst>
+          </p:cNvPr>
+          <p:cNvPicPr>
+            <a:picLocks noChangeAspect="1" noChangeArrowheads="1"/>
+          </p:cNvPicPr>
+          <p:nvPr/>
+        </p:nvPicPr>
+        <p:blipFill rotWithShape="1">
+          <a:blip r:embed="rId5">
+            <a:extLst>
+              <a:ext uri="{28A0092B-C50C-407E-A947-70E740481C1C}">
+                <a14:useLocalDpi xmlns:a14="http://schemas.microsoft.com/office/drawing/2010/main" val="0"/>
+              </a:ext>
+            </a:extLst>
+          </a:blip>
+          <a:srcRect t="19917" b="42500"/>
+          <a:stretch/>
+        </p:blipFill>
+        <p:spPr bwMode="auto">
+          <a:xfrm>
+            <a:off x="1199535" y="22879467"/>
+            <a:ext cx="20092219" cy="6607277"/>
+          </a:xfrm>
+          <a:prstGeom prst="rect">
+            <a:avLst/>
+          </a:prstGeom>
+          <a:noFill/>
+          <a:extLst>
+            <a:ext uri="{909E8E84-426E-40DD-AFC4-6F175D3DCCD1}">
+              <a14:hiddenFill xmlns:a14="http://schemas.microsoft.com/office/drawing/2010/main">
+                <a:solidFill>
+                  <a:srgbClr val="FFFFFF"/>
+                </a:solidFill>
+              </a14:hiddenFill>
+            </a:ext>
+          </a:extLst>
+        </p:spPr>
+      </p:pic>
+      <p:sp>
+        <p:nvSpPr>
+          <p:cNvPr id="19" name="TextBox 18">
+            <a:extLst>
+              <a:ext uri="{FF2B5EF4-FFF2-40B4-BE49-F238E27FC236}">
+                <a16:creationId xmlns:a16="http://schemas.microsoft.com/office/drawing/2014/main" id="{4B7E0910-2D7E-4436-8E2F-CFF244AAADAB}"/>
+              </a:ext>
+            </a:extLst>
+          </p:cNvPr>
+          <p:cNvSpPr txBox="1"/>
+          <p:nvPr/>
+        </p:nvSpPr>
+        <p:spPr>
+          <a:xfrm>
+            <a:off x="2187675" y="22435752"/>
+            <a:ext cx="4689988" cy="769441"/>
+          </a:xfrm>
+          <a:prstGeom prst="rect">
+            <a:avLst/>
+          </a:prstGeom>
+          <a:noFill/>
+        </p:spPr>
+        <p:txBody>
+          <a:bodyPr wrap="square" rtlCol="0">
+            <a:spAutoFit/>
+          </a:bodyPr>
+          <a:lstStyle/>
+          <a:p>
+            <a:r>
+              <a:rPr lang="en-AU" sz="4400" dirty="0">
+                <a:latin typeface="Arial" panose="020B0604020202020204" pitchFamily="34" charset="0"/>
+                <a:cs typeface="Arial" panose="020B0604020202020204" pitchFamily="34" charset="0"/>
+              </a:rPr>
+              <a:t>Original image</a:t>
+            </a:r>
+          </a:p>
+        </p:txBody>
+      </p:sp>
+      <p:sp>
+        <p:nvSpPr>
+          <p:cNvPr id="20" name="TextBox 19">
+            <a:extLst>
+              <a:ext uri="{FF2B5EF4-FFF2-40B4-BE49-F238E27FC236}">
+                <a16:creationId xmlns:a16="http://schemas.microsoft.com/office/drawing/2014/main" id="{2315DF6D-25FA-4ED9-A043-09295F1F8509}"/>
+              </a:ext>
+            </a:extLst>
+          </p:cNvPr>
+          <p:cNvSpPr txBox="1"/>
+          <p:nvPr/>
+        </p:nvSpPr>
+        <p:spPr>
+          <a:xfrm>
+            <a:off x="7086599" y="22435752"/>
+            <a:ext cx="5348749" cy="769441"/>
+          </a:xfrm>
+          <a:prstGeom prst="rect">
+            <a:avLst/>
+          </a:prstGeom>
+          <a:noFill/>
+        </p:spPr>
+        <p:txBody>
+          <a:bodyPr wrap="square" rtlCol="0">
+            <a:spAutoFit/>
+          </a:bodyPr>
+          <a:lstStyle/>
+          <a:p>
+            <a:r>
+              <a:rPr lang="en-AU" sz="4400" dirty="0">
+                <a:latin typeface="Arial" panose="020B0604020202020204" pitchFamily="34" charset="0"/>
+                <a:cs typeface="Arial" panose="020B0604020202020204" pitchFamily="34" charset="0"/>
+              </a:rPr>
+              <a:t>Gradient magnitude</a:t>
+            </a:r>
+          </a:p>
+        </p:txBody>
+      </p:sp>
+      <p:sp>
+        <p:nvSpPr>
+          <p:cNvPr id="21" name="TextBox 20">
+            <a:extLst>
+              <a:ext uri="{FF2B5EF4-FFF2-40B4-BE49-F238E27FC236}">
+                <a16:creationId xmlns:a16="http://schemas.microsoft.com/office/drawing/2014/main" id="{196561C4-901B-4E43-B366-8A8251228275}"/>
+              </a:ext>
+            </a:extLst>
+          </p:cNvPr>
+          <p:cNvSpPr txBox="1"/>
+          <p:nvPr/>
+        </p:nvSpPr>
+        <p:spPr>
+          <a:xfrm>
+            <a:off x="13688959" y="22494746"/>
+            <a:ext cx="6250859" cy="769441"/>
+          </a:xfrm>
+          <a:prstGeom prst="rect">
+            <a:avLst/>
+          </a:prstGeom>
+          <a:noFill/>
+        </p:spPr>
+        <p:txBody>
+          <a:bodyPr wrap="square" rtlCol="0">
+            <a:spAutoFit/>
+          </a:bodyPr>
+          <a:lstStyle/>
+          <a:p>
+            <a:r>
+              <a:rPr lang="en-AU" sz="4400" dirty="0">
+                <a:latin typeface="Arial" panose="020B0604020202020204" pitchFamily="34" charset="0"/>
+                <a:cs typeface="Arial" panose="020B0604020202020204" pitchFamily="34" charset="0"/>
+              </a:rPr>
+              <a:t>Contrast distributions</a:t>
+            </a:r>
+          </a:p>
+        </p:txBody>
+      </p:sp>
+    </p:spTree>
+    <p:extLst>
+      <p:ext uri="{BB962C8B-B14F-4D97-AF65-F5344CB8AC3E}">
+        <p14:creationId xmlns:p14="http://schemas.microsoft.com/office/powerpoint/2010/main" val="1109959588"/>
       </p:ext>
     </p:extLst>
   </p:cSld>

--- a/Exp2Results/formal data/Data figures/big-figures.pptx
+++ b/Exp2Results/formal data/Data figures/big-figures.pptx
@@ -11,6 +11,7 @@
     <p:sldId id="262" r:id="rId5"/>
     <p:sldId id="260" r:id="rId6"/>
     <p:sldId id="263" r:id="rId7"/>
+    <p:sldId id="264" r:id="rId8"/>
   </p:sldIdLst>
   <p:sldSz cx="30275213" cy="42803763"/>
   <p:notesSz cx="6858000" cy="9144000"/>
@@ -4563,7 +4564,7 @@
           <a:p>
             <a:fld id="{7EAB4990-54EF-4F84-B612-5D2B38FEBCE3}" type="datetimeFigureOut">
               <a:rPr lang="en-AU" smtClean="0"/>
-              <a:t>19/01/2022</a:t>
+              <a:t>29/01/2022</a:t>
             </a:fld>
             <a:endParaRPr lang="en-AU"/>
           </a:p>
@@ -4733,7 +4734,7 @@
           <a:p>
             <a:fld id="{7EAB4990-54EF-4F84-B612-5D2B38FEBCE3}" type="datetimeFigureOut">
               <a:rPr lang="en-AU" smtClean="0"/>
-              <a:t>19/01/2022</a:t>
+              <a:t>29/01/2022</a:t>
             </a:fld>
             <a:endParaRPr lang="en-AU"/>
           </a:p>
@@ -4913,7 +4914,7 @@
           <a:p>
             <a:fld id="{7EAB4990-54EF-4F84-B612-5D2B38FEBCE3}" type="datetimeFigureOut">
               <a:rPr lang="en-AU" smtClean="0"/>
-              <a:t>19/01/2022</a:t>
+              <a:t>29/01/2022</a:t>
             </a:fld>
             <a:endParaRPr lang="en-AU"/>
           </a:p>
@@ -5083,7 +5084,7 @@
           <a:p>
             <a:fld id="{7EAB4990-54EF-4F84-B612-5D2B38FEBCE3}" type="datetimeFigureOut">
               <a:rPr lang="en-AU" smtClean="0"/>
-              <a:t>19/01/2022</a:t>
+              <a:t>29/01/2022</a:t>
             </a:fld>
             <a:endParaRPr lang="en-AU"/>
           </a:p>
@@ -5327,7 +5328,7 @@
           <a:p>
             <a:fld id="{7EAB4990-54EF-4F84-B612-5D2B38FEBCE3}" type="datetimeFigureOut">
               <a:rPr lang="en-AU" smtClean="0"/>
-              <a:t>19/01/2022</a:t>
+              <a:t>29/01/2022</a:t>
             </a:fld>
             <a:endParaRPr lang="en-AU"/>
           </a:p>
@@ -5559,7 +5560,7 @@
           <a:p>
             <a:fld id="{7EAB4990-54EF-4F84-B612-5D2B38FEBCE3}" type="datetimeFigureOut">
               <a:rPr lang="en-AU" smtClean="0"/>
-              <a:t>19/01/2022</a:t>
+              <a:t>29/01/2022</a:t>
             </a:fld>
             <a:endParaRPr lang="en-AU"/>
           </a:p>
@@ -5926,7 +5927,7 @@
           <a:p>
             <a:fld id="{7EAB4990-54EF-4F84-B612-5D2B38FEBCE3}" type="datetimeFigureOut">
               <a:rPr lang="en-AU" smtClean="0"/>
-              <a:t>19/01/2022</a:t>
+              <a:t>29/01/2022</a:t>
             </a:fld>
             <a:endParaRPr lang="en-AU"/>
           </a:p>
@@ -6044,7 +6045,7 @@
           <a:p>
             <a:fld id="{7EAB4990-54EF-4F84-B612-5D2B38FEBCE3}" type="datetimeFigureOut">
               <a:rPr lang="en-AU" smtClean="0"/>
-              <a:t>19/01/2022</a:t>
+              <a:t>29/01/2022</a:t>
             </a:fld>
             <a:endParaRPr lang="en-AU"/>
           </a:p>
@@ -6139,7 +6140,7 @@
           <a:p>
             <a:fld id="{7EAB4990-54EF-4F84-B612-5D2B38FEBCE3}" type="datetimeFigureOut">
               <a:rPr lang="en-AU" smtClean="0"/>
-              <a:t>19/01/2022</a:t>
+              <a:t>29/01/2022</a:t>
             </a:fld>
             <a:endParaRPr lang="en-AU"/>
           </a:p>
@@ -6416,7 +6417,7 @@
           <a:p>
             <a:fld id="{7EAB4990-54EF-4F84-B612-5D2B38FEBCE3}" type="datetimeFigureOut">
               <a:rPr lang="en-AU" smtClean="0"/>
-              <a:t>19/01/2022</a:t>
+              <a:t>29/01/2022</a:t>
             </a:fld>
             <a:endParaRPr lang="en-AU"/>
           </a:p>
@@ -6673,7 +6674,7 @@
           <a:p>
             <a:fld id="{7EAB4990-54EF-4F84-B612-5D2B38FEBCE3}" type="datetimeFigureOut">
               <a:rPr lang="en-AU" smtClean="0"/>
-              <a:t>19/01/2022</a:t>
+              <a:t>29/01/2022</a:t>
             </a:fld>
             <a:endParaRPr lang="en-AU"/>
           </a:p>
@@ -6886,7 +6887,7 @@
           <a:p>
             <a:fld id="{7EAB4990-54EF-4F84-B612-5D2B38FEBCE3}" type="datetimeFigureOut">
               <a:rPr lang="en-AU" smtClean="0"/>
-              <a:t>19/01/2022</a:t>
+              <a:t>29/01/2022</a:t>
             </a:fld>
             <a:endParaRPr lang="en-AU"/>
           </a:p>
@@ -14563,118 +14564,42 @@
           <a:chExt cx="0" cy="0"/>
         </a:xfrm>
       </p:grpSpPr>
-      <p:grpSp>
-        <p:nvGrpSpPr>
-          <p:cNvPr id="12" name="Group 11">
+      <p:pic>
+        <p:nvPicPr>
+          <p:cNvPr id="5" name="Picture 4" descr="Chart, scatter chart&#10;&#10;Description automatically generated">
             <a:extLst>
               <a:ext uri="{FF2B5EF4-FFF2-40B4-BE49-F238E27FC236}">
-                <a16:creationId xmlns:a16="http://schemas.microsoft.com/office/drawing/2014/main" id="{11922439-BA63-4AD2-9015-949245CDA759}"/>
+                <a16:creationId xmlns:a16="http://schemas.microsoft.com/office/drawing/2014/main" id="{1AAE0AB8-A5A6-497A-83F5-369392D8CFEA}"/>
               </a:ext>
             </a:extLst>
           </p:cNvPr>
-          <p:cNvGrpSpPr/>
+          <p:cNvPicPr>
+            <a:picLocks noChangeAspect="1"/>
+          </p:cNvPicPr>
           <p:nvPr/>
-        </p:nvGrpSpPr>
-        <p:grpSpPr>
+        </p:nvPicPr>
+        <p:blipFill>
+          <a:blip r:embed="rId2">
+            <a:extLst>
+              <a:ext uri="{28A0092B-C50C-407E-A947-70E740481C1C}">
+                <a14:useLocalDpi xmlns:a14="http://schemas.microsoft.com/office/drawing/2010/main" val="0"/>
+              </a:ext>
+            </a:extLst>
+          </a:blip>
+          <a:stretch>
+            <a:fillRect/>
+          </a:stretch>
+        </p:blipFill>
+        <p:spPr>
           <a:xfrm>
-            <a:off x="13633754" y="6047249"/>
-            <a:ext cx="10025419" cy="10249429"/>
-            <a:chOff x="19197691" y="19896407"/>
-            <a:chExt cx="10025419" cy="10249429"/>
+            <a:off x="13786480" y="5980573"/>
+            <a:ext cx="9646398" cy="10454387"/>
           </a:xfrm>
-        </p:grpSpPr>
-        <p:pic>
-          <p:nvPicPr>
-            <p:cNvPr id="21" name="Picture 20">
-              <a:extLst>
-                <a:ext uri="{FF2B5EF4-FFF2-40B4-BE49-F238E27FC236}">
-                  <a16:creationId xmlns:a16="http://schemas.microsoft.com/office/drawing/2014/main" id="{D75F6C26-4366-4792-9CE4-1E5DE8542953}"/>
-                </a:ext>
-              </a:extLst>
-            </p:cNvPr>
-            <p:cNvPicPr>
-              <a:picLocks noChangeAspect="1"/>
-            </p:cNvPicPr>
-            <p:nvPr/>
-          </p:nvPicPr>
-          <p:blipFill rotWithShape="1">
-            <a:blip r:embed="rId2">
-              <a:extLst>
-                <a:ext uri="{28A0092B-C50C-407E-A947-70E740481C1C}">
-                  <a14:useLocalDpi xmlns:a14="http://schemas.microsoft.com/office/drawing/2010/main" val="0"/>
-                </a:ext>
-              </a:extLst>
-            </a:blip>
-            <a:srcRect l="5642" r="49253"/>
-            <a:stretch/>
-          </p:blipFill>
-          <p:spPr>
-            <a:xfrm>
-              <a:off x="19197691" y="19896407"/>
-              <a:ext cx="10025419" cy="10249429"/>
-            </a:xfrm>
-            <a:prstGeom prst="rect">
-              <a:avLst/>
-            </a:prstGeom>
-          </p:spPr>
-        </p:pic>
-        <p:sp>
-          <p:nvSpPr>
-            <p:cNvPr id="54" name="TextBox 53">
-              <a:extLst>
-                <a:ext uri="{FF2B5EF4-FFF2-40B4-BE49-F238E27FC236}">
-                  <a16:creationId xmlns:a16="http://schemas.microsoft.com/office/drawing/2014/main" id="{8E8EA6EB-C3C1-4323-A199-27D2E743766A}"/>
-                </a:ext>
-              </a:extLst>
-            </p:cNvPr>
-            <p:cNvSpPr txBox="1"/>
-            <p:nvPr/>
-          </p:nvSpPr>
-          <p:spPr>
-            <a:xfrm>
-              <a:off x="21880501" y="26542135"/>
-              <a:ext cx="6029086" cy="1938992"/>
-            </a:xfrm>
-            <a:prstGeom prst="rect">
-              <a:avLst/>
-            </a:prstGeom>
-            <a:noFill/>
-          </p:spPr>
-          <p:txBody>
-            <a:bodyPr wrap="square" rtlCol="0">
-              <a:spAutoFit/>
-            </a:bodyPr>
-            <a:lstStyle/>
-            <a:p>
-              <a:r>
-                <a:rPr lang="en-AU" sz="4000" dirty="0">
-                  <a:latin typeface="Arial" panose="020B0604020202020204" pitchFamily="34" charset="0"/>
-                  <a:cs typeface="Arial" panose="020B0604020202020204" pitchFamily="34" charset="0"/>
-                </a:rPr>
-                <a:t>Size = 18.19****</a:t>
-              </a:r>
-            </a:p>
-            <a:p>
-              <a:r>
-                <a:rPr lang="en-AU" sz="4000" dirty="0">
-                  <a:latin typeface="Arial" panose="020B0604020202020204" pitchFamily="34" charset="0"/>
-                  <a:cs typeface="Arial" panose="020B0604020202020204" pitchFamily="34" charset="0"/>
-                </a:rPr>
-                <a:t>Congruence = 23.56****</a:t>
-              </a:r>
-            </a:p>
-            <a:p>
-              <a:r>
-                <a:rPr lang="en-AU" sz="4000" dirty="0">
-                  <a:latin typeface="Arial" panose="020B0604020202020204" pitchFamily="34" charset="0"/>
-                  <a:cs typeface="Arial" panose="020B0604020202020204" pitchFamily="34" charset="0"/>
-                </a:rPr>
-                <a:t>S×C = 5.02*</a:t>
-              </a:r>
-            </a:p>
-          </p:txBody>
-        </p:sp>
-      </p:grpSp>
+          <a:prstGeom prst="rect">
+            <a:avLst/>
+          </a:prstGeom>
+        </p:spPr>
+      </p:pic>
       <p:sp>
         <p:nvSpPr>
           <p:cNvPr id="4" name="TextBox 3">
@@ -17119,6 +17044,141 @@
 </p:sld>
 </file>
 
+<file path=ppt/slides/slide7.xml><?xml version="1.0" encoding="utf-8"?>
+<p:sld xmlns:a="http://schemas.openxmlformats.org/drawingml/2006/main" xmlns:r="http://schemas.openxmlformats.org/officeDocument/2006/relationships" xmlns:p="http://schemas.openxmlformats.org/presentationml/2006/main">
+  <p:cSld>
+    <p:spTree>
+      <p:nvGrpSpPr>
+        <p:cNvPr id="1" name=""/>
+        <p:cNvGrpSpPr/>
+        <p:nvPr/>
+      </p:nvGrpSpPr>
+      <p:grpSpPr>
+        <a:xfrm>
+          <a:off x="0" y="0"/>
+          <a:ext cx="0" cy="0"/>
+          <a:chOff x="0" y="0"/>
+          <a:chExt cx="0" cy="0"/>
+        </a:xfrm>
+      </p:grpSpPr>
+      <p:pic>
+        <p:nvPicPr>
+          <p:cNvPr id="9" name="Picture 8" descr="Graphical user interface&#10;&#10;Description automatically generated with medium confidence">
+            <a:extLst>
+              <a:ext uri="{FF2B5EF4-FFF2-40B4-BE49-F238E27FC236}">
+                <a16:creationId xmlns:a16="http://schemas.microsoft.com/office/drawing/2014/main" id="{086B243B-4B5E-47D8-AA8C-4E361088D456}"/>
+              </a:ext>
+            </a:extLst>
+          </p:cNvPr>
+          <p:cNvPicPr>
+            <a:picLocks noChangeAspect="1"/>
+          </p:cNvPicPr>
+          <p:nvPr/>
+        </p:nvPicPr>
+        <p:blipFill rotWithShape="1">
+          <a:blip r:embed="rId2">
+            <a:extLst>
+              <a:ext uri="{28A0092B-C50C-407E-A947-70E740481C1C}">
+                <a14:useLocalDpi xmlns:a14="http://schemas.microsoft.com/office/drawing/2010/main" val="0"/>
+              </a:ext>
+            </a:extLst>
+          </a:blip>
+          <a:srcRect t="30455" b="45223"/>
+          <a:stretch/>
+        </p:blipFill>
+        <p:spPr>
+          <a:xfrm>
+            <a:off x="1608727" y="10530348"/>
+            <a:ext cx="23493030" cy="4041058"/>
+          </a:xfrm>
+          <a:prstGeom prst="rect">
+            <a:avLst/>
+          </a:prstGeom>
+        </p:spPr>
+      </p:pic>
+      <p:pic>
+        <p:nvPicPr>
+          <p:cNvPr id="11" name="Picture 10" descr="A picture containing graphical user interface&#10;&#10;Description automatically generated">
+            <a:extLst>
+              <a:ext uri="{FF2B5EF4-FFF2-40B4-BE49-F238E27FC236}">
+                <a16:creationId xmlns:a16="http://schemas.microsoft.com/office/drawing/2014/main" id="{5BB31D4B-EBF3-4E13-ACCB-54E9BE71134B}"/>
+              </a:ext>
+            </a:extLst>
+          </p:cNvPr>
+          <p:cNvPicPr>
+            <a:picLocks noChangeAspect="1"/>
+          </p:cNvPicPr>
+          <p:nvPr/>
+        </p:nvPicPr>
+        <p:blipFill rotWithShape="1">
+          <a:blip r:embed="rId3">
+            <a:extLst>
+              <a:ext uri="{28A0092B-C50C-407E-A947-70E740481C1C}">
+                <a14:useLocalDpi xmlns:a14="http://schemas.microsoft.com/office/drawing/2010/main" val="0"/>
+              </a:ext>
+            </a:extLst>
+          </a:blip>
+          <a:srcRect t="30198" b="41900"/>
+          <a:stretch/>
+        </p:blipFill>
+        <p:spPr>
+          <a:xfrm>
+            <a:off x="1608728" y="14512412"/>
+            <a:ext cx="23493029" cy="4660490"/>
+          </a:xfrm>
+          <a:prstGeom prst="rect">
+            <a:avLst/>
+          </a:prstGeom>
+        </p:spPr>
+      </p:pic>
+      <p:pic>
+        <p:nvPicPr>
+          <p:cNvPr id="13" name="Picture 12" descr="A picture containing chart&#10;&#10;Description automatically generated">
+            <a:extLst>
+              <a:ext uri="{FF2B5EF4-FFF2-40B4-BE49-F238E27FC236}">
+                <a16:creationId xmlns:a16="http://schemas.microsoft.com/office/drawing/2014/main" id="{A5420BAE-0F8C-4754-A82B-8460A2469264}"/>
+              </a:ext>
+            </a:extLst>
+          </p:cNvPr>
+          <p:cNvPicPr>
+            <a:picLocks noChangeAspect="1"/>
+          </p:cNvPicPr>
+          <p:nvPr/>
+        </p:nvPicPr>
+        <p:blipFill rotWithShape="1">
+          <a:blip r:embed="rId4">
+            <a:extLst>
+              <a:ext uri="{28A0092B-C50C-407E-A947-70E740481C1C}">
+                <a14:useLocalDpi xmlns:a14="http://schemas.microsoft.com/office/drawing/2010/main" val="0"/>
+              </a:ext>
+            </a:extLst>
+          </a:blip>
+          <a:srcRect t="27090" b="45313"/>
+          <a:stretch/>
+        </p:blipFill>
+        <p:spPr>
+          <a:xfrm>
+            <a:off x="1608727" y="5928852"/>
+            <a:ext cx="23493030" cy="4601496"/>
+          </a:xfrm>
+          <a:prstGeom prst="rect">
+            <a:avLst/>
+          </a:prstGeom>
+        </p:spPr>
+      </p:pic>
+    </p:spTree>
+    <p:extLst>
+      <p:ext uri="{BB962C8B-B14F-4D97-AF65-F5344CB8AC3E}">
+        <p14:creationId xmlns:p14="http://schemas.microsoft.com/office/powerpoint/2010/main" val="2646463234"/>
+      </p:ext>
+    </p:extLst>
+  </p:cSld>
+  <p:clrMapOvr>
+    <a:masterClrMapping/>
+  </p:clrMapOvr>
+</p:sld>
+</file>
+
 <file path=ppt/theme/theme1.xml><?xml version="1.0" encoding="utf-8"?>
 <a:theme xmlns:a="http://schemas.openxmlformats.org/drawingml/2006/main" name="Office Theme">
   <a:themeElements>

--- a/Exp2Results/formal data/Data figures/big-figures.pptx
+++ b/Exp2Results/formal data/Data figures/big-figures.pptx
@@ -7,11 +7,12 @@
   <p:sldIdLst>
     <p:sldId id="258" r:id="rId2"/>
     <p:sldId id="261" r:id="rId3"/>
-    <p:sldId id="259" r:id="rId4"/>
-    <p:sldId id="262" r:id="rId5"/>
-    <p:sldId id="260" r:id="rId6"/>
-    <p:sldId id="263" r:id="rId7"/>
-    <p:sldId id="264" r:id="rId8"/>
+    <p:sldId id="265" r:id="rId4"/>
+    <p:sldId id="259" r:id="rId5"/>
+    <p:sldId id="262" r:id="rId6"/>
+    <p:sldId id="260" r:id="rId7"/>
+    <p:sldId id="263" r:id="rId8"/>
+    <p:sldId id="264" r:id="rId9"/>
   </p:sldIdLst>
   <p:sldSz cx="30275213" cy="42803763"/>
   <p:notesSz cx="6858000" cy="9144000"/>
@@ -4564,7 +4565,7 @@
           <a:p>
             <a:fld id="{7EAB4990-54EF-4F84-B612-5D2B38FEBCE3}" type="datetimeFigureOut">
               <a:rPr lang="en-AU" smtClean="0"/>
-              <a:t>29/01/2022</a:t>
+              <a:t>2/02/2022</a:t>
             </a:fld>
             <a:endParaRPr lang="en-AU"/>
           </a:p>
@@ -4734,7 +4735,7 @@
           <a:p>
             <a:fld id="{7EAB4990-54EF-4F84-B612-5D2B38FEBCE3}" type="datetimeFigureOut">
               <a:rPr lang="en-AU" smtClean="0"/>
-              <a:t>29/01/2022</a:t>
+              <a:t>2/02/2022</a:t>
             </a:fld>
             <a:endParaRPr lang="en-AU"/>
           </a:p>
@@ -4914,7 +4915,7 @@
           <a:p>
             <a:fld id="{7EAB4990-54EF-4F84-B612-5D2B38FEBCE3}" type="datetimeFigureOut">
               <a:rPr lang="en-AU" smtClean="0"/>
-              <a:t>29/01/2022</a:t>
+              <a:t>2/02/2022</a:t>
             </a:fld>
             <a:endParaRPr lang="en-AU"/>
           </a:p>
@@ -5084,7 +5085,7 @@
           <a:p>
             <a:fld id="{7EAB4990-54EF-4F84-B612-5D2B38FEBCE3}" type="datetimeFigureOut">
               <a:rPr lang="en-AU" smtClean="0"/>
-              <a:t>29/01/2022</a:t>
+              <a:t>2/02/2022</a:t>
             </a:fld>
             <a:endParaRPr lang="en-AU"/>
           </a:p>
@@ -5328,7 +5329,7 @@
           <a:p>
             <a:fld id="{7EAB4990-54EF-4F84-B612-5D2B38FEBCE3}" type="datetimeFigureOut">
               <a:rPr lang="en-AU" smtClean="0"/>
-              <a:t>29/01/2022</a:t>
+              <a:t>2/02/2022</a:t>
             </a:fld>
             <a:endParaRPr lang="en-AU"/>
           </a:p>
@@ -5560,7 +5561,7 @@
           <a:p>
             <a:fld id="{7EAB4990-54EF-4F84-B612-5D2B38FEBCE3}" type="datetimeFigureOut">
               <a:rPr lang="en-AU" smtClean="0"/>
-              <a:t>29/01/2022</a:t>
+              <a:t>2/02/2022</a:t>
             </a:fld>
             <a:endParaRPr lang="en-AU"/>
           </a:p>
@@ -5927,7 +5928,7 @@
           <a:p>
             <a:fld id="{7EAB4990-54EF-4F84-B612-5D2B38FEBCE3}" type="datetimeFigureOut">
               <a:rPr lang="en-AU" smtClean="0"/>
-              <a:t>29/01/2022</a:t>
+              <a:t>2/02/2022</a:t>
             </a:fld>
             <a:endParaRPr lang="en-AU"/>
           </a:p>
@@ -6045,7 +6046,7 @@
           <a:p>
             <a:fld id="{7EAB4990-54EF-4F84-B612-5D2B38FEBCE3}" type="datetimeFigureOut">
               <a:rPr lang="en-AU" smtClean="0"/>
-              <a:t>29/01/2022</a:t>
+              <a:t>2/02/2022</a:t>
             </a:fld>
             <a:endParaRPr lang="en-AU"/>
           </a:p>
@@ -6140,7 +6141,7 @@
           <a:p>
             <a:fld id="{7EAB4990-54EF-4F84-B612-5D2B38FEBCE3}" type="datetimeFigureOut">
               <a:rPr lang="en-AU" smtClean="0"/>
-              <a:t>29/01/2022</a:t>
+              <a:t>2/02/2022</a:t>
             </a:fld>
             <a:endParaRPr lang="en-AU"/>
           </a:p>
@@ -6417,7 +6418,7 @@
           <a:p>
             <a:fld id="{7EAB4990-54EF-4F84-B612-5D2B38FEBCE3}" type="datetimeFigureOut">
               <a:rPr lang="en-AU" smtClean="0"/>
-              <a:t>29/01/2022</a:t>
+              <a:t>2/02/2022</a:t>
             </a:fld>
             <a:endParaRPr lang="en-AU"/>
           </a:p>
@@ -6674,7 +6675,7 @@
           <a:p>
             <a:fld id="{7EAB4990-54EF-4F84-B612-5D2B38FEBCE3}" type="datetimeFigureOut">
               <a:rPr lang="en-AU" smtClean="0"/>
-              <a:t>29/01/2022</a:t>
+              <a:t>2/02/2022</a:t>
             </a:fld>
             <a:endParaRPr lang="en-AU"/>
           </a:p>
@@ -6887,7 +6888,7 @@
           <a:p>
             <a:fld id="{7EAB4990-54EF-4F84-B612-5D2B38FEBCE3}" type="datetimeFigureOut">
               <a:rPr lang="en-AU" smtClean="0"/>
-              <a:t>29/01/2022</a:t>
+              <a:t>2/02/2022</a:t>
             </a:fld>
             <a:endParaRPr lang="en-AU"/>
           </a:p>
@@ -9540,6 +9541,380 @@
       </p:grpSpPr>
       <p:pic>
         <p:nvPicPr>
+          <p:cNvPr id="135" name="Picture 134">
+            <a:extLst>
+              <a:ext uri="{FF2B5EF4-FFF2-40B4-BE49-F238E27FC236}">
+                <a16:creationId xmlns:a16="http://schemas.microsoft.com/office/drawing/2014/main" id="{CD58C3A9-DA5C-4E52-9E31-532AA95A8390}"/>
+              </a:ext>
+            </a:extLst>
+          </p:cNvPr>
+          <p:cNvPicPr>
+            <a:picLocks noChangeAspect="1"/>
+          </p:cNvPicPr>
+          <p:nvPr/>
+        </p:nvPicPr>
+        <p:blipFill rotWithShape="1">
+          <a:blip r:embed="rId2">
+            <a:extLst>
+              <a:ext uri="{28A0092B-C50C-407E-A947-70E740481C1C}">
+                <a14:useLocalDpi xmlns:a14="http://schemas.microsoft.com/office/drawing/2010/main" val="0"/>
+              </a:ext>
+            </a:extLst>
+          </a:blip>
+          <a:srcRect l="4992" t="52524" r="7780" b="3204"/>
+          <a:stretch/>
+        </p:blipFill>
+        <p:spPr>
+          <a:xfrm>
+            <a:off x="1013011" y="17839369"/>
+            <a:ext cx="19740282" cy="10161018"/>
+          </a:xfrm>
+          <a:prstGeom prst="rect">
+            <a:avLst/>
+          </a:prstGeom>
+        </p:spPr>
+      </p:pic>
+      <p:grpSp>
+        <p:nvGrpSpPr>
+          <p:cNvPr id="102" name="Group 101">
+            <a:extLst>
+              <a:ext uri="{FF2B5EF4-FFF2-40B4-BE49-F238E27FC236}">
+                <a16:creationId xmlns:a16="http://schemas.microsoft.com/office/drawing/2014/main" id="{A181DBFD-399F-44F2-AF3A-5358D284FA78}"/>
+              </a:ext>
+            </a:extLst>
+          </p:cNvPr>
+          <p:cNvGrpSpPr/>
+          <p:nvPr/>
+        </p:nvGrpSpPr>
+        <p:grpSpPr>
+          <a:xfrm>
+            <a:off x="1079385" y="28271109"/>
+            <a:ext cx="18955770" cy="13036358"/>
+            <a:chOff x="2845601" y="26874827"/>
+            <a:chExt cx="13425538" cy="9233078"/>
+          </a:xfrm>
+        </p:grpSpPr>
+        <p:pic>
+          <p:nvPicPr>
+            <p:cNvPr id="105" name="Picture 104">
+              <a:extLst>
+                <a:ext uri="{FF2B5EF4-FFF2-40B4-BE49-F238E27FC236}">
+                  <a16:creationId xmlns:a16="http://schemas.microsoft.com/office/drawing/2014/main" id="{2A6DFD40-4DDA-40B7-BE18-0B4D10B43067}"/>
+                </a:ext>
+              </a:extLst>
+            </p:cNvPr>
+            <p:cNvPicPr>
+              <a:picLocks noChangeAspect="1"/>
+            </p:cNvPicPr>
+            <p:nvPr/>
+          </p:nvPicPr>
+          <p:blipFill>
+            <a:blip r:embed="rId3"/>
+            <a:stretch>
+              <a:fillRect/>
+            </a:stretch>
+          </p:blipFill>
+          <p:spPr>
+            <a:xfrm>
+              <a:off x="2845601" y="26879337"/>
+              <a:ext cx="13425538" cy="9228568"/>
+            </a:xfrm>
+            <a:prstGeom prst="rect">
+              <a:avLst/>
+            </a:prstGeom>
+          </p:spPr>
+        </p:pic>
+        <p:pic>
+          <p:nvPicPr>
+            <p:cNvPr id="112" name="Picture 111">
+              <a:extLst>
+                <a:ext uri="{FF2B5EF4-FFF2-40B4-BE49-F238E27FC236}">
+                  <a16:creationId xmlns:a16="http://schemas.microsoft.com/office/drawing/2014/main" id="{4F7C683D-BFBF-4947-86AB-FD6969D15394}"/>
+                </a:ext>
+              </a:extLst>
+            </p:cNvPr>
+            <p:cNvPicPr>
+              <a:picLocks noChangeAspect="1"/>
+            </p:cNvPicPr>
+            <p:nvPr/>
+          </p:nvPicPr>
+          <p:blipFill rotWithShape="1">
+            <a:blip r:embed="rId4"/>
+            <a:srcRect l="11133" r="76151" b="30619"/>
+            <a:stretch/>
+          </p:blipFill>
+          <p:spPr>
+            <a:xfrm>
+              <a:off x="4605691" y="26874828"/>
+              <a:ext cx="2949679" cy="6434486"/>
+            </a:xfrm>
+            <a:prstGeom prst="rect">
+              <a:avLst/>
+            </a:prstGeom>
+          </p:spPr>
+        </p:pic>
+        <p:pic>
+          <p:nvPicPr>
+            <p:cNvPr id="118" name="Picture 117">
+              <a:extLst>
+                <a:ext uri="{FF2B5EF4-FFF2-40B4-BE49-F238E27FC236}">
+                  <a16:creationId xmlns:a16="http://schemas.microsoft.com/office/drawing/2014/main" id="{02C56560-FD61-46EE-A324-27902504638F}"/>
+                </a:ext>
+              </a:extLst>
+            </p:cNvPr>
+            <p:cNvPicPr>
+              <a:picLocks noChangeAspect="1"/>
+            </p:cNvPicPr>
+            <p:nvPr/>
+          </p:nvPicPr>
+          <p:blipFill rotWithShape="1">
+            <a:blip r:embed="rId4"/>
+            <a:srcRect l="44688" r="42597" b="10910"/>
+            <a:stretch/>
+          </p:blipFill>
+          <p:spPr>
+            <a:xfrm>
+              <a:off x="8674291" y="26878890"/>
+              <a:ext cx="2949679" cy="8262331"/>
+            </a:xfrm>
+            <a:prstGeom prst="rect">
+              <a:avLst/>
+            </a:prstGeom>
+          </p:spPr>
+        </p:pic>
+        <p:pic>
+          <p:nvPicPr>
+            <p:cNvPr id="123" name="Picture 122">
+              <a:extLst>
+                <a:ext uri="{FF2B5EF4-FFF2-40B4-BE49-F238E27FC236}">
+                  <a16:creationId xmlns:a16="http://schemas.microsoft.com/office/drawing/2014/main" id="{C0ACBF8B-24FB-472F-B19B-3B95EFDC1249}"/>
+                </a:ext>
+              </a:extLst>
+            </p:cNvPr>
+            <p:cNvPicPr>
+              <a:picLocks noChangeAspect="1"/>
+            </p:cNvPicPr>
+            <p:nvPr/>
+          </p:nvPicPr>
+          <p:blipFill rotWithShape="1">
+            <a:blip r:embed="rId4"/>
+            <a:srcRect l="78765" r="10554" b="13305"/>
+            <a:stretch/>
+          </p:blipFill>
+          <p:spPr>
+            <a:xfrm>
+              <a:off x="12720526" y="26874827"/>
+              <a:ext cx="2477729" cy="8040259"/>
+            </a:xfrm>
+            <a:prstGeom prst="rect">
+              <a:avLst/>
+            </a:prstGeom>
+          </p:spPr>
+        </p:pic>
+        <p:grpSp>
+          <p:nvGrpSpPr>
+            <p:cNvPr id="130" name="Group 129">
+              <a:extLst>
+                <a:ext uri="{FF2B5EF4-FFF2-40B4-BE49-F238E27FC236}">
+                  <a16:creationId xmlns:a16="http://schemas.microsoft.com/office/drawing/2014/main" id="{032C62C6-0F92-4F48-8A0F-4FCAA9A3C419}"/>
+                </a:ext>
+              </a:extLst>
+            </p:cNvPr>
+            <p:cNvGrpSpPr/>
+            <p:nvPr/>
+          </p:nvGrpSpPr>
+          <p:grpSpPr>
+            <a:xfrm>
+              <a:off x="4738789" y="33886611"/>
+              <a:ext cx="4819581" cy="1088526"/>
+              <a:chOff x="17509477" y="28341217"/>
+              <a:chExt cx="4819581" cy="1088526"/>
+            </a:xfrm>
+          </p:grpSpPr>
+          <p:sp>
+            <p:nvSpPr>
+              <p:cNvPr id="131" name="TextBox 130">
+                <a:extLst>
+                  <a:ext uri="{FF2B5EF4-FFF2-40B4-BE49-F238E27FC236}">
+                    <a16:creationId xmlns:a16="http://schemas.microsoft.com/office/drawing/2014/main" id="{034AB82E-8AE8-42BF-8DA4-9DE1A260A2DD}"/>
+                  </a:ext>
+                </a:extLst>
+              </p:cNvPr>
+              <p:cNvSpPr txBox="1"/>
+              <p:nvPr/>
+            </p:nvSpPr>
+            <p:spPr>
+              <a:xfrm>
+                <a:off x="18671458" y="28341217"/>
+                <a:ext cx="3657600" cy="544961"/>
+              </a:xfrm>
+              <a:prstGeom prst="rect">
+                <a:avLst/>
+              </a:prstGeom>
+              <a:noFill/>
+            </p:spPr>
+            <p:txBody>
+              <a:bodyPr wrap="square" rtlCol="0">
+                <a:spAutoFit/>
+              </a:bodyPr>
+              <a:lstStyle/>
+              <a:p>
+                <a:r>
+                  <a:rPr lang="en-AU" sz="4400" dirty="0">
+                    <a:latin typeface="Arial" panose="020B0604020202020204" pitchFamily="34" charset="0"/>
+                    <a:cs typeface="Arial" panose="020B0604020202020204" pitchFamily="34" charset="0"/>
+                  </a:rPr>
+                  <a:t>Congruent</a:t>
+                </a:r>
+              </a:p>
+            </p:txBody>
+          </p:sp>
+          <p:sp>
+            <p:nvSpPr>
+              <p:cNvPr id="132" name="Rectangle 131">
+                <a:extLst>
+                  <a:ext uri="{FF2B5EF4-FFF2-40B4-BE49-F238E27FC236}">
+                    <a16:creationId xmlns:a16="http://schemas.microsoft.com/office/drawing/2014/main" id="{9A34DD78-B2EF-41F2-BE8F-34F59354B154}"/>
+                  </a:ext>
+                </a:extLst>
+              </p:cNvPr>
+              <p:cNvSpPr/>
+              <p:nvPr/>
+            </p:nvSpPr>
+            <p:spPr>
+              <a:xfrm>
+                <a:off x="17509477" y="28346074"/>
+                <a:ext cx="1161981" cy="412955"/>
+              </a:xfrm>
+              <a:prstGeom prst="rect">
+                <a:avLst/>
+              </a:prstGeom>
+              <a:solidFill>
+                <a:srgbClr val="A4B3D5"/>
+              </a:solidFill>
+              <a:ln>
+                <a:noFill/>
+              </a:ln>
+            </p:spPr>
+            <p:style>
+              <a:lnRef idx="2">
+                <a:schemeClr val="accent1">
+                  <a:shade val="50000"/>
+                </a:schemeClr>
+              </a:lnRef>
+              <a:fillRef idx="1">
+                <a:schemeClr val="accent1"/>
+              </a:fillRef>
+              <a:effectRef idx="0">
+                <a:schemeClr val="accent1"/>
+              </a:effectRef>
+              <a:fontRef idx="minor">
+                <a:schemeClr val="lt1"/>
+              </a:fontRef>
+            </p:style>
+            <p:txBody>
+              <a:bodyPr rtlCol="0" anchor="ctr"/>
+              <a:lstStyle/>
+              <a:p>
+                <a:pPr algn="ctr"/>
+                <a:endParaRPr lang="en-AU"/>
+              </a:p>
+            </p:txBody>
+          </p:sp>
+          <p:sp>
+            <p:nvSpPr>
+              <p:cNvPr id="133" name="TextBox 132">
+                <a:extLst>
+                  <a:ext uri="{FF2B5EF4-FFF2-40B4-BE49-F238E27FC236}">
+                    <a16:creationId xmlns:a16="http://schemas.microsoft.com/office/drawing/2014/main" id="{EA00EDBA-60D5-430A-9E56-D6E843A011D6}"/>
+                  </a:ext>
+                </a:extLst>
+              </p:cNvPr>
+              <p:cNvSpPr txBox="1"/>
+              <p:nvPr/>
+            </p:nvSpPr>
+            <p:spPr>
+              <a:xfrm>
+                <a:off x="18671458" y="28884782"/>
+                <a:ext cx="3657600" cy="544961"/>
+              </a:xfrm>
+              <a:prstGeom prst="rect">
+                <a:avLst/>
+              </a:prstGeom>
+              <a:noFill/>
+            </p:spPr>
+            <p:txBody>
+              <a:bodyPr wrap="square" rtlCol="0">
+                <a:spAutoFit/>
+              </a:bodyPr>
+              <a:lstStyle/>
+              <a:p>
+                <a:r>
+                  <a:rPr lang="en-AU" sz="4400" dirty="0">
+                    <a:latin typeface="Arial" panose="020B0604020202020204" pitchFamily="34" charset="0"/>
+                    <a:cs typeface="Arial" panose="020B0604020202020204" pitchFamily="34" charset="0"/>
+                  </a:rPr>
+                  <a:t>Incongruent</a:t>
+                </a:r>
+              </a:p>
+            </p:txBody>
+          </p:sp>
+          <p:sp>
+            <p:nvSpPr>
+              <p:cNvPr id="134" name="Rectangle 133">
+                <a:extLst>
+                  <a:ext uri="{FF2B5EF4-FFF2-40B4-BE49-F238E27FC236}">
+                    <a16:creationId xmlns:a16="http://schemas.microsoft.com/office/drawing/2014/main" id="{12119983-8C37-4EB5-91FB-47F79F8BBA9A}"/>
+                  </a:ext>
+                </a:extLst>
+              </p:cNvPr>
+              <p:cNvSpPr/>
+              <p:nvPr/>
+            </p:nvSpPr>
+            <p:spPr>
+              <a:xfrm>
+                <a:off x="17509477" y="28956737"/>
+                <a:ext cx="1161981" cy="412955"/>
+              </a:xfrm>
+              <a:prstGeom prst="rect">
+                <a:avLst/>
+              </a:prstGeom>
+              <a:solidFill>
+                <a:srgbClr val="FDA481"/>
+              </a:solidFill>
+              <a:ln>
+                <a:noFill/>
+              </a:ln>
+            </p:spPr>
+            <p:style>
+              <a:lnRef idx="2">
+                <a:schemeClr val="accent1">
+                  <a:shade val="50000"/>
+                </a:schemeClr>
+              </a:lnRef>
+              <a:fillRef idx="1">
+                <a:schemeClr val="accent1"/>
+              </a:fillRef>
+              <a:effectRef idx="0">
+                <a:schemeClr val="accent1"/>
+              </a:effectRef>
+              <a:fontRef idx="minor">
+                <a:schemeClr val="lt1"/>
+              </a:fontRef>
+            </p:style>
+            <p:txBody>
+              <a:bodyPr rtlCol="0" anchor="ctr"/>
+              <a:lstStyle/>
+              <a:p>
+                <a:pPr algn="ctr"/>
+                <a:endParaRPr lang="en-AU"/>
+              </a:p>
+            </p:txBody>
+          </p:sp>
+        </p:grpSp>
+      </p:grpSp>
+      <p:pic>
+        <p:nvPicPr>
           <p:cNvPr id="3" name="Picture 2">
             <a:extLst>
               <a:ext uri="{FF2B5EF4-FFF2-40B4-BE49-F238E27FC236}">
@@ -9560,13 +9935,13 @@
               </a:ext>
             </a:extLst>
           </a:blip>
-          <a:srcRect l="4992" r="7780"/>
+          <a:srcRect l="4992" r="7780" b="50738"/>
           <a:stretch/>
         </p:blipFill>
         <p:spPr>
           <a:xfrm>
-            <a:off x="860611" y="2597851"/>
-            <a:ext cx="19740282" cy="22951561"/>
+            <a:off x="860611" y="2971928"/>
+            <a:ext cx="19740282" cy="11306246"/>
           </a:xfrm>
           <a:prstGeom prst="rect">
             <a:avLst/>
@@ -9587,7 +9962,7 @@
         </p:nvSpPr>
         <p:spPr>
           <a:xfrm>
-            <a:off x="1301328" y="2597851"/>
+            <a:off x="1301328" y="2971927"/>
             <a:ext cx="1183342" cy="1107996"/>
           </a:xfrm>
           <a:prstGeom prst="rect">
@@ -9625,7 +10000,7 @@
         </p:nvSpPr>
         <p:spPr>
           <a:xfrm>
-            <a:off x="11046541" y="2597851"/>
+            <a:off x="11046541" y="2971927"/>
             <a:ext cx="1183342" cy="1107996"/>
           </a:xfrm>
           <a:prstGeom prst="rect">
@@ -9663,7 +10038,7 @@
         </p:nvSpPr>
         <p:spPr>
           <a:xfrm>
-            <a:off x="1301328" y="13782044"/>
+            <a:off x="1301328" y="16816193"/>
             <a:ext cx="1183342" cy="1107996"/>
           </a:xfrm>
           <a:prstGeom prst="rect">
@@ -9682,7 +10057,7 @@
                 <a:latin typeface="Arial" panose="020B0604020202020204" pitchFamily="34" charset="0"/>
                 <a:cs typeface="Arial" panose="020B0604020202020204" pitchFamily="34" charset="0"/>
               </a:rPr>
-              <a:t>c)</a:t>
+              <a:t>a)</a:t>
             </a:r>
           </a:p>
         </p:txBody>
@@ -9701,7 +10076,7 @@
         </p:nvSpPr>
         <p:spPr>
           <a:xfrm>
-            <a:off x="11046541" y="13782044"/>
+            <a:off x="11046541" y="16816193"/>
             <a:ext cx="1183342" cy="1107996"/>
           </a:xfrm>
           <a:prstGeom prst="rect">
@@ -9720,7 +10095,7 @@
                 <a:latin typeface="Arial" panose="020B0604020202020204" pitchFamily="34" charset="0"/>
                 <a:cs typeface="Arial" panose="020B0604020202020204" pitchFamily="34" charset="0"/>
               </a:rPr>
-              <a:t>d)</a:t>
+              <a:t>b)</a:t>
             </a:r>
           </a:p>
         </p:txBody>
@@ -9739,7 +10114,7 @@
         </p:nvGrpSpPr>
         <p:grpSpPr>
           <a:xfrm>
-            <a:off x="20102197" y="15128900"/>
+            <a:off x="20143761" y="18370869"/>
             <a:ext cx="4226125" cy="3270148"/>
             <a:chOff x="7278768" y="1722207"/>
             <a:chExt cx="1690036" cy="1307739"/>
@@ -9880,7 +10255,7 @@
             <p:nvPr/>
           </p:nvPicPr>
           <p:blipFill>
-            <a:blip r:embed="rId3">
+            <a:blip r:embed="rId5">
               <a:extLst>
                 <a:ext uri="{28A0092B-C50C-407E-A947-70E740481C1C}">
                   <a14:useLocalDpi xmlns:a14="http://schemas.microsoft.com/office/drawing/2010/main" val="0"/>
@@ -9916,7 +10291,7 @@
             <p:nvPr/>
           </p:nvPicPr>
           <p:blipFill>
-            <a:blip r:embed="rId4">
+            <a:blip r:embed="rId6">
               <a:extLst>
                 <a:ext uri="{28A0092B-C50C-407E-A947-70E740481C1C}">
                   <a14:useLocalDpi xmlns:a14="http://schemas.microsoft.com/office/drawing/2010/main" val="0"/>
@@ -9952,7 +10327,7 @@
             <p:nvPr/>
           </p:nvPicPr>
           <p:blipFill>
-            <a:blip r:embed="rId5">
+            <a:blip r:embed="rId7">
               <a:extLst>
                 <a:ext uri="{28A0092B-C50C-407E-A947-70E740481C1C}">
                   <a14:useLocalDpi xmlns:a14="http://schemas.microsoft.com/office/drawing/2010/main" val="0"/>
@@ -9988,7 +10363,7 @@
         </p:nvGrpSpPr>
         <p:grpSpPr>
           <a:xfrm>
-            <a:off x="25055103" y="15085095"/>
+            <a:off x="25096667" y="18327064"/>
             <a:ext cx="4150158" cy="3169654"/>
             <a:chOff x="3484266" y="1614014"/>
             <a:chExt cx="1720422" cy="1313960"/>
@@ -10135,7 +10510,7 @@
             <p:nvPr/>
           </p:nvPicPr>
           <p:blipFill>
-            <a:blip r:embed="rId6">
+            <a:blip r:embed="rId8">
               <a:extLst>
                 <a:ext uri="{28A0092B-C50C-407E-A947-70E740481C1C}">
                   <a14:useLocalDpi xmlns:a14="http://schemas.microsoft.com/office/drawing/2010/main" val="0"/>
@@ -10171,7 +10546,7 @@
             <p:nvPr/>
           </p:nvPicPr>
           <p:blipFill>
-            <a:blip r:embed="rId4">
+            <a:blip r:embed="rId6">
               <a:extLst>
                 <a:ext uri="{28A0092B-C50C-407E-A947-70E740481C1C}">
                   <a14:useLocalDpi xmlns:a14="http://schemas.microsoft.com/office/drawing/2010/main" val="0"/>
@@ -10207,7 +10582,7 @@
             <p:nvPr/>
           </p:nvPicPr>
           <p:blipFill>
-            <a:blip r:embed="rId5">
+            <a:blip r:embed="rId7">
               <a:extLst>
                 <a:ext uri="{28A0092B-C50C-407E-A947-70E740481C1C}">
                   <a14:useLocalDpi xmlns:a14="http://schemas.microsoft.com/office/drawing/2010/main" val="0"/>
@@ -10243,7 +10618,7 @@
         </p:nvGrpSpPr>
         <p:grpSpPr>
           <a:xfrm>
-            <a:off x="20200471" y="19158182"/>
+            <a:off x="20242035" y="22400151"/>
             <a:ext cx="4245949" cy="3248376"/>
             <a:chOff x="6096000" y="3492421"/>
             <a:chExt cx="1698920" cy="1299764"/>
@@ -10384,7 +10759,7 @@
             <p:nvPr/>
           </p:nvPicPr>
           <p:blipFill>
-            <a:blip r:embed="rId7">
+            <a:blip r:embed="rId9">
               <a:extLst>
                 <a:ext uri="{28A0092B-C50C-407E-A947-70E740481C1C}">
                   <a14:useLocalDpi xmlns:a14="http://schemas.microsoft.com/office/drawing/2010/main" val="0"/>
@@ -10420,7 +10795,7 @@
             <p:nvPr/>
           </p:nvPicPr>
           <p:blipFill>
-            <a:blip r:embed="rId8">
+            <a:blip r:embed="rId10">
               <a:extLst>
                 <a:ext uri="{28A0092B-C50C-407E-A947-70E740481C1C}">
                   <a14:useLocalDpi xmlns:a14="http://schemas.microsoft.com/office/drawing/2010/main" val="0"/>
@@ -10456,7 +10831,7 @@
             <p:nvPr/>
           </p:nvPicPr>
           <p:blipFill>
-            <a:blip r:embed="rId9">
+            <a:blip r:embed="rId11">
               <a:extLst>
                 <a:ext uri="{28A0092B-C50C-407E-A947-70E740481C1C}">
                   <a14:useLocalDpi xmlns:a14="http://schemas.microsoft.com/office/drawing/2010/main" val="0"/>
@@ -10492,7 +10867,7 @@
         </p:nvGrpSpPr>
         <p:grpSpPr>
           <a:xfrm>
-            <a:off x="25049514" y="19069421"/>
+            <a:off x="25091078" y="22311390"/>
             <a:ext cx="4401996" cy="3413829"/>
             <a:chOff x="2845906" y="3470941"/>
             <a:chExt cx="1651687" cy="1357148"/>
@@ -10643,7 +11018,7 @@
             <p:nvPr/>
           </p:nvPicPr>
           <p:blipFill>
-            <a:blip r:embed="rId10">
+            <a:blip r:embed="rId12">
               <a:extLst>
                 <a:ext uri="{28A0092B-C50C-407E-A947-70E740481C1C}">
                   <a14:useLocalDpi xmlns:a14="http://schemas.microsoft.com/office/drawing/2010/main" val="0"/>
@@ -10679,7 +11054,7 @@
             <p:nvPr/>
           </p:nvPicPr>
           <p:blipFill>
-            <a:blip r:embed="rId8">
+            <a:blip r:embed="rId10">
               <a:extLst>
                 <a:ext uri="{28A0092B-C50C-407E-A947-70E740481C1C}">
                   <a14:useLocalDpi xmlns:a14="http://schemas.microsoft.com/office/drawing/2010/main" val="0"/>
@@ -10715,7 +11090,7 @@
             <p:nvPr/>
           </p:nvPicPr>
           <p:blipFill>
-            <a:blip r:embed="rId9">
+            <a:blip r:embed="rId11">
               <a:extLst>
                 <a:ext uri="{28A0092B-C50C-407E-A947-70E740481C1C}">
                   <a14:useLocalDpi xmlns:a14="http://schemas.microsoft.com/office/drawing/2010/main" val="0"/>
@@ -10751,10 +11126,10 @@
         </p:nvGrpSpPr>
         <p:grpSpPr>
           <a:xfrm>
-            <a:off x="17373600" y="14600903"/>
-            <a:ext cx="8952773" cy="1077204"/>
+            <a:off x="17415164" y="17842872"/>
+            <a:ext cx="8994337" cy="1077204"/>
             <a:chOff x="17373600" y="14600903"/>
-            <a:chExt cx="8952773" cy="1077204"/>
+            <a:chExt cx="8994337" cy="1077204"/>
           </a:xfrm>
         </p:grpSpPr>
         <p:cxnSp>
@@ -10810,13 +11185,12 @@
             </p:cNvPr>
             <p:cNvCxnSpPr>
               <a:cxnSpLocks/>
-              <a:endCxn id="22" idx="0"/>
             </p:cNvCxnSpPr>
             <p:nvPr/>
           </p:nvCxnSpPr>
           <p:spPr>
             <a:xfrm>
-              <a:off x="26326373" y="14600903"/>
+              <a:off x="26367937" y="14600904"/>
               <a:ext cx="0" cy="696807"/>
             </a:xfrm>
             <a:prstGeom prst="straightConnector1">
@@ -10902,7 +11276,7 @@
         </p:nvGrpSpPr>
         <p:grpSpPr>
           <a:xfrm>
-            <a:off x="16223233" y="21641226"/>
+            <a:off x="16264797" y="24883195"/>
             <a:ext cx="10103140" cy="1143228"/>
             <a:chOff x="16223232" y="21641225"/>
             <a:chExt cx="10294351" cy="1395755"/>
@@ -11054,7 +11428,7 @@
         </p:nvGrpSpPr>
         <p:grpSpPr>
           <a:xfrm>
-            <a:off x="19184569" y="14824439"/>
+            <a:off x="19226133" y="18066408"/>
             <a:ext cx="2095667" cy="531016"/>
             <a:chOff x="17373600" y="14600903"/>
             <a:chExt cx="8952773" cy="820908"/>
@@ -11212,7 +11586,7 @@
         </p:nvGrpSpPr>
         <p:grpSpPr>
           <a:xfrm>
-            <a:off x="17088902" y="19037320"/>
+            <a:off x="17130466" y="22279289"/>
             <a:ext cx="4272694" cy="429138"/>
             <a:chOff x="17373600" y="14600903"/>
             <a:chExt cx="8952773" cy="820908"/>
@@ -11324,7 +11698,7 @@
         </p:nvGrpSpPr>
         <p:grpSpPr>
           <a:xfrm>
-            <a:off x="20416959" y="4282530"/>
+            <a:off x="20416959" y="4656606"/>
             <a:ext cx="4223817" cy="3445691"/>
             <a:chOff x="20523977" y="3663255"/>
             <a:chExt cx="4223817" cy="3445691"/>
@@ -11345,7 +11719,7 @@
             <p:nvPr/>
           </p:nvPicPr>
           <p:blipFill>
-            <a:blip r:embed="rId11">
+            <a:blip r:embed="rId13">
               <a:extLst>
                 <a:ext uri="{28A0092B-C50C-407E-A947-70E740481C1C}">
                   <a14:useLocalDpi xmlns:a14="http://schemas.microsoft.com/office/drawing/2010/main" val="0"/>
@@ -11463,7 +11837,7 @@
             <p:nvPr/>
           </p:nvPicPr>
           <p:blipFill>
-            <a:blip r:embed="rId12">
+            <a:blip r:embed="rId14">
               <a:extLst>
                 <a:ext uri="{28A0092B-C50C-407E-A947-70E740481C1C}">
                   <a14:useLocalDpi xmlns:a14="http://schemas.microsoft.com/office/drawing/2010/main" val="0"/>
@@ -11499,7 +11873,7 @@
             <p:nvPr/>
           </p:nvPicPr>
           <p:blipFill>
-            <a:blip r:embed="rId13">
+            <a:blip r:embed="rId15">
               <a:extLst>
                 <a:ext uri="{28A0092B-C50C-407E-A947-70E740481C1C}">
                   <a14:useLocalDpi xmlns:a14="http://schemas.microsoft.com/office/drawing/2010/main" val="0"/>
@@ -11573,7 +11947,7 @@
         </p:nvGrpSpPr>
         <p:grpSpPr>
           <a:xfrm>
-            <a:off x="20293430" y="8403566"/>
+            <a:off x="20293430" y="8777642"/>
             <a:ext cx="4152990" cy="3244671"/>
             <a:chOff x="20512625" y="8757256"/>
             <a:chExt cx="4152990" cy="3244671"/>
@@ -11594,7 +11968,7 @@
             <p:nvPr/>
           </p:nvPicPr>
           <p:blipFill>
-            <a:blip r:embed="rId14">
+            <a:blip r:embed="rId16">
               <a:extLst>
                 <a:ext uri="{28A0092B-C50C-407E-A947-70E740481C1C}">
                   <a14:useLocalDpi xmlns:a14="http://schemas.microsoft.com/office/drawing/2010/main" val="0"/>
@@ -11630,7 +12004,7 @@
             <p:nvPr/>
           </p:nvPicPr>
           <p:blipFill>
-            <a:blip r:embed="rId15">
+            <a:blip r:embed="rId17">
               <a:extLst>
                 <a:ext uri="{28A0092B-C50C-407E-A947-70E740481C1C}">
                   <a14:useLocalDpi xmlns:a14="http://schemas.microsoft.com/office/drawing/2010/main" val="0"/>
@@ -11748,7 +12122,7 @@
             <p:nvPr/>
           </p:nvPicPr>
           <p:blipFill>
-            <a:blip r:embed="rId16">
+            <a:blip r:embed="rId18">
               <a:extLst>
                 <a:ext uri="{28A0092B-C50C-407E-A947-70E740481C1C}">
                   <a14:useLocalDpi xmlns:a14="http://schemas.microsoft.com/office/drawing/2010/main" val="0"/>
@@ -11822,7 +12196,7 @@
         </p:nvGrpSpPr>
         <p:grpSpPr>
           <a:xfrm>
-            <a:off x="25183707" y="8377162"/>
+            <a:off x="25183707" y="8751238"/>
             <a:ext cx="4301688" cy="3244671"/>
             <a:chOff x="25149822" y="8671717"/>
             <a:chExt cx="4301688" cy="3244671"/>
@@ -11863,7 +12237,7 @@
               <p:nvPr/>
             </p:nvPicPr>
             <p:blipFill>
-              <a:blip r:embed="rId15">
+              <a:blip r:embed="rId17">
                 <a:extLst>
                   <a:ext uri="{28A0092B-C50C-407E-A947-70E740481C1C}">
                     <a14:useLocalDpi xmlns:a14="http://schemas.microsoft.com/office/drawing/2010/main" val="0"/>
@@ -11987,7 +12361,7 @@
               <p:nvPr/>
             </p:nvPicPr>
             <p:blipFill>
-              <a:blip r:embed="rId16">
+              <a:blip r:embed="rId18">
                 <a:extLst>
                   <a:ext uri="{28A0092B-C50C-407E-A947-70E740481C1C}">
                     <a14:useLocalDpi xmlns:a14="http://schemas.microsoft.com/office/drawing/2010/main" val="0"/>
@@ -12062,7 +12436,7 @@
             <p:nvPr/>
           </p:nvPicPr>
           <p:blipFill>
-            <a:blip r:embed="rId17">
+            <a:blip r:embed="rId19">
               <a:extLst>
                 <a:ext uri="{28A0092B-C50C-407E-A947-70E740481C1C}">
                   <a14:useLocalDpi xmlns:a14="http://schemas.microsoft.com/office/drawing/2010/main" val="0"/>
@@ -12098,7 +12472,7 @@
         </p:nvGrpSpPr>
         <p:grpSpPr>
           <a:xfrm>
-            <a:off x="25294202" y="4255773"/>
+            <a:off x="25294202" y="4629849"/>
             <a:ext cx="4282811" cy="3445691"/>
             <a:chOff x="25294202" y="4255773"/>
             <a:chExt cx="4282811" cy="3445691"/>
@@ -12227,7 +12601,7 @@
               <p:nvPr/>
             </p:nvPicPr>
             <p:blipFill>
-              <a:blip r:embed="rId12">
+              <a:blip r:embed="rId14">
                 <a:extLst>
                   <a:ext uri="{28A0092B-C50C-407E-A947-70E740481C1C}">
                     <a14:useLocalDpi xmlns:a14="http://schemas.microsoft.com/office/drawing/2010/main" val="0"/>
@@ -12263,7 +12637,7 @@
               <p:nvPr/>
             </p:nvPicPr>
             <p:blipFill>
-              <a:blip r:embed="rId13">
+              <a:blip r:embed="rId15">
                 <a:extLst>
                   <a:ext uri="{28A0092B-C50C-407E-A947-70E740481C1C}">
                     <a14:useLocalDpi xmlns:a14="http://schemas.microsoft.com/office/drawing/2010/main" val="0"/>
@@ -12338,7 +12712,7 @@
             <p:nvPr/>
           </p:nvPicPr>
           <p:blipFill>
-            <a:blip r:embed="rId18">
+            <a:blip r:embed="rId20">
               <a:extLst>
                 <a:ext uri="{28A0092B-C50C-407E-A947-70E740481C1C}">
                   <a14:useLocalDpi xmlns:a14="http://schemas.microsoft.com/office/drawing/2010/main" val="0"/>
@@ -12374,7 +12748,7 @@
         </p:nvGrpSpPr>
         <p:grpSpPr>
           <a:xfrm>
-            <a:off x="19704538" y="4422994"/>
+            <a:off x="19704538" y="4797070"/>
             <a:ext cx="1887101" cy="334945"/>
             <a:chOff x="17373600" y="14600903"/>
             <a:chExt cx="8952773" cy="820908"/>
@@ -12486,7 +12860,7 @@
         </p:nvGrpSpPr>
         <p:grpSpPr>
           <a:xfrm>
-            <a:off x="18966426" y="3868884"/>
+            <a:off x="18966426" y="4242960"/>
             <a:ext cx="7580671" cy="889055"/>
             <a:chOff x="17373600" y="14600903"/>
             <a:chExt cx="8952773" cy="2066926"/>
@@ -12636,7 +13010,7 @@
         </p:nvGrpSpPr>
         <p:grpSpPr>
           <a:xfrm rot="5400000" flipV="1">
-            <a:off x="17067004" y="6681152"/>
+            <a:off x="17067004" y="7055228"/>
             <a:ext cx="5251314" cy="1073221"/>
             <a:chOff x="17373600" y="14600903"/>
             <a:chExt cx="8952773" cy="820908"/>
@@ -12748,7 +13122,7 @@
         </p:nvGrpSpPr>
         <p:grpSpPr>
           <a:xfrm>
-            <a:off x="15604136" y="11591720"/>
+            <a:off x="15604136" y="11965796"/>
             <a:ext cx="11007796" cy="237249"/>
             <a:chOff x="16223232" y="22471008"/>
             <a:chExt cx="10294351" cy="565971"/>
@@ -12842,41 +13216,6 @@
           </p:style>
         </p:cxnSp>
       </p:grpSp>
-      <p:pic>
-        <p:nvPicPr>
-          <p:cNvPr id="15" name="Picture 14">
-            <a:extLst>
-              <a:ext uri="{FF2B5EF4-FFF2-40B4-BE49-F238E27FC236}">
-                <a16:creationId xmlns:a16="http://schemas.microsoft.com/office/drawing/2014/main" id="{4C5F86AB-6C08-424B-BD42-6C8F77617F55}"/>
-              </a:ext>
-            </a:extLst>
-          </p:cNvPr>
-          <p:cNvPicPr>
-            <a:picLocks noChangeAspect="1"/>
-          </p:cNvPicPr>
-          <p:nvPr/>
-        </p:nvPicPr>
-        <p:blipFill rotWithShape="1">
-          <a:blip r:embed="rId19">
-            <a:extLst>
-              <a:ext uri="{28A0092B-C50C-407E-A947-70E740481C1C}">
-                <a14:useLocalDpi xmlns:a14="http://schemas.microsoft.com/office/drawing/2010/main" val="0"/>
-              </a:ext>
-            </a:extLst>
-          </a:blip>
-          <a:srcRect l="50940" t="4870" r="8502"/>
-          <a:stretch/>
-        </p:blipFill>
-        <p:spPr>
-          <a:xfrm>
-            <a:off x="860611" y="25202211"/>
-            <a:ext cx="11799695" cy="11849102"/>
-          </a:xfrm>
-          <a:prstGeom prst="rect">
-            <a:avLst/>
-          </a:prstGeom>
-        </p:spPr>
-      </p:pic>
       <p:sp>
         <p:nvSpPr>
           <p:cNvPr id="96" name="TextBox 95">
@@ -12891,7 +13230,7 @@
         </p:nvSpPr>
         <p:spPr>
           <a:xfrm>
-            <a:off x="1301328" y="24042272"/>
+            <a:off x="1270551" y="27536681"/>
             <a:ext cx="1183342" cy="1107996"/>
           </a:xfrm>
           <a:prstGeom prst="rect">
@@ -12910,8 +13249,102 @@
                 <a:latin typeface="Arial" panose="020B0604020202020204" pitchFamily="34" charset="0"/>
                 <a:cs typeface="Arial" panose="020B0604020202020204" pitchFamily="34" charset="0"/>
               </a:rPr>
-              <a:t>e)</a:t>
+              <a:t>c)</a:t>
             </a:r>
+          </a:p>
+        </p:txBody>
+      </p:sp>
+      <p:sp>
+        <p:nvSpPr>
+          <p:cNvPr id="2" name="TextBox 1">
+            <a:extLst>
+              <a:ext uri="{FF2B5EF4-FFF2-40B4-BE49-F238E27FC236}">
+                <a16:creationId xmlns:a16="http://schemas.microsoft.com/office/drawing/2014/main" id="{594595E7-8730-4DCE-8FC9-2A74B7B65680}"/>
+              </a:ext>
+            </a:extLst>
+          </p:cNvPr>
+          <p:cNvSpPr txBox="1"/>
+          <p:nvPr/>
+        </p:nvSpPr>
+        <p:spPr>
+          <a:xfrm>
+            <a:off x="1276251" y="1445978"/>
+            <a:ext cx="16199494" cy="2308324"/>
+          </a:xfrm>
+          <a:prstGeom prst="rect">
+            <a:avLst/>
+          </a:prstGeom>
+          <a:noFill/>
+        </p:spPr>
+        <p:txBody>
+          <a:bodyPr wrap="square" rtlCol="0">
+            <a:spAutoFit/>
+          </a:bodyPr>
+          <a:lstStyle/>
+          <a:p>
+            <a:r>
+              <a:rPr lang="pt-BR" sz="7200" b="1" i="0" u="none" strike="noStrike" dirty="0">
+                <a:solidFill>
+                  <a:srgbClr val="000000"/>
+                </a:solidFill>
+                <a:effectLst/>
+                <a:latin typeface="Arial" panose="020B0604020202020204" pitchFamily="34" charset="0"/>
+              </a:rPr>
+              <a:t>I) Experiment 1 (N=15, in-lab)</a:t>
+            </a:r>
+            <a:endParaRPr lang="pt-BR" sz="7200" dirty="0">
+              <a:effectLst/>
+            </a:endParaRPr>
+          </a:p>
+          <a:p>
+            <a:endParaRPr lang="en-AU" sz="7200" dirty="0"/>
+          </a:p>
+        </p:txBody>
+      </p:sp>
+      <p:sp>
+        <p:nvSpPr>
+          <p:cNvPr id="136" name="TextBox 135">
+            <a:extLst>
+              <a:ext uri="{FF2B5EF4-FFF2-40B4-BE49-F238E27FC236}">
+                <a16:creationId xmlns:a16="http://schemas.microsoft.com/office/drawing/2014/main" id="{0FA71F60-6BD0-46D1-9614-872940EAED52}"/>
+              </a:ext>
+            </a:extLst>
+          </p:cNvPr>
+          <p:cNvSpPr txBox="1"/>
+          <p:nvPr/>
+        </p:nvSpPr>
+        <p:spPr>
+          <a:xfrm>
+            <a:off x="1301328" y="15222649"/>
+            <a:ext cx="16199494" cy="2308324"/>
+          </a:xfrm>
+          <a:prstGeom prst="rect">
+            <a:avLst/>
+          </a:prstGeom>
+          <a:noFill/>
+        </p:spPr>
+        <p:txBody>
+          <a:bodyPr wrap="square" rtlCol="0">
+            <a:spAutoFit/>
+          </a:bodyPr>
+          <a:lstStyle/>
+          <a:p>
+            <a:r>
+              <a:rPr lang="pt-BR" sz="7200" b="1" i="0" u="none" strike="noStrike" dirty="0">
+                <a:solidFill>
+                  <a:srgbClr val="000000"/>
+                </a:solidFill>
+                <a:effectLst/>
+                <a:latin typeface="Arial" panose="020B0604020202020204" pitchFamily="34" charset="0"/>
+              </a:rPr>
+              <a:t>II) Experiment 2 (N=240, online)</a:t>
+            </a:r>
+            <a:endParaRPr lang="pt-BR" sz="7200" dirty="0">
+              <a:effectLst/>
+            </a:endParaRPr>
+          </a:p>
+          <a:p>
+            <a:endParaRPr lang="en-AU" sz="7200" dirty="0"/>
           </a:p>
         </p:txBody>
       </p:sp>
@@ -12929,6 +13362,360 @@
 </file>
 
 <file path=ppt/slides/slide3.xml><?xml version="1.0" encoding="utf-8"?>
+<p:sld xmlns:a="http://schemas.openxmlformats.org/drawingml/2006/main" xmlns:r="http://schemas.openxmlformats.org/officeDocument/2006/relationships" xmlns:p="http://schemas.openxmlformats.org/presentationml/2006/main">
+  <p:cSld>
+    <p:spTree>
+      <p:nvGrpSpPr>
+        <p:cNvPr id="1" name=""/>
+        <p:cNvGrpSpPr/>
+        <p:nvPr/>
+      </p:nvGrpSpPr>
+      <p:grpSpPr>
+        <a:xfrm>
+          <a:off x="0" y="0"/>
+          <a:ext cx="0" cy="0"/>
+          <a:chOff x="0" y="0"/>
+          <a:chExt cx="0" cy="0"/>
+        </a:xfrm>
+      </p:grpSpPr>
+      <p:pic>
+        <p:nvPicPr>
+          <p:cNvPr id="3" name="Picture 2">
+            <a:extLst>
+              <a:ext uri="{FF2B5EF4-FFF2-40B4-BE49-F238E27FC236}">
+                <a16:creationId xmlns:a16="http://schemas.microsoft.com/office/drawing/2014/main" id="{4A0B2A20-8DC3-422C-8198-C2C5EEEF2B77}"/>
+              </a:ext>
+            </a:extLst>
+          </p:cNvPr>
+          <p:cNvPicPr>
+            <a:picLocks noChangeAspect="1"/>
+          </p:cNvPicPr>
+          <p:nvPr/>
+        </p:nvPicPr>
+        <p:blipFill rotWithShape="1">
+          <a:blip r:embed="rId2">
+            <a:extLst>
+              <a:ext uri="{28A0092B-C50C-407E-A947-70E740481C1C}">
+                <a14:useLocalDpi xmlns:a14="http://schemas.microsoft.com/office/drawing/2010/main" val="0"/>
+              </a:ext>
+            </a:extLst>
+          </a:blip>
+          <a:srcRect l="-397" t="30420" r="397" b="42021"/>
+          <a:stretch/>
+        </p:blipFill>
+        <p:spPr>
+          <a:xfrm>
+            <a:off x="199775" y="14456055"/>
+            <a:ext cx="25019715" cy="4813991"/>
+          </a:xfrm>
+          <a:prstGeom prst="rect">
+            <a:avLst/>
+          </a:prstGeom>
+        </p:spPr>
+      </p:pic>
+      <p:pic>
+        <p:nvPicPr>
+          <p:cNvPr id="10" name="Picture 9">
+            <a:extLst>
+              <a:ext uri="{FF2B5EF4-FFF2-40B4-BE49-F238E27FC236}">
+                <a16:creationId xmlns:a16="http://schemas.microsoft.com/office/drawing/2014/main" id="{869DA845-2136-4B66-A873-6AC5E0FFEFCD}"/>
+              </a:ext>
+            </a:extLst>
+          </p:cNvPr>
+          <p:cNvPicPr>
+            <a:picLocks noChangeAspect="1"/>
+          </p:cNvPicPr>
+          <p:nvPr/>
+        </p:nvPicPr>
+        <p:blipFill rotWithShape="1">
+          <a:blip r:embed="rId3">
+            <a:extLst>
+              <a:ext uri="{28A0092B-C50C-407E-A947-70E740481C1C}">
+                <a14:useLocalDpi xmlns:a14="http://schemas.microsoft.com/office/drawing/2010/main" val="0"/>
+              </a:ext>
+            </a:extLst>
+          </a:blip>
+          <a:srcRect t="27764" b="46311"/>
+          <a:stretch/>
+        </p:blipFill>
+        <p:spPr>
+          <a:xfrm>
+            <a:off x="288267" y="9418935"/>
+            <a:ext cx="25019714" cy="4528409"/>
+          </a:xfrm>
+          <a:prstGeom prst="rect">
+            <a:avLst/>
+          </a:prstGeom>
+        </p:spPr>
+      </p:pic>
+      <p:pic>
+        <p:nvPicPr>
+          <p:cNvPr id="8" name="Picture 7">
+            <a:extLst>
+              <a:ext uri="{FF2B5EF4-FFF2-40B4-BE49-F238E27FC236}">
+                <a16:creationId xmlns:a16="http://schemas.microsoft.com/office/drawing/2014/main" id="{82DFD7E0-08AB-4843-AFD8-4A7A5AB9DC80}"/>
+              </a:ext>
+            </a:extLst>
+          </p:cNvPr>
+          <p:cNvPicPr>
+            <a:picLocks noChangeAspect="1"/>
+          </p:cNvPicPr>
+          <p:nvPr/>
+        </p:nvPicPr>
+        <p:blipFill rotWithShape="1">
+          <a:blip r:embed="rId4">
+            <a:extLst>
+              <a:ext uri="{28A0092B-C50C-407E-A947-70E740481C1C}">
+                <a14:useLocalDpi xmlns:a14="http://schemas.microsoft.com/office/drawing/2010/main" val="0"/>
+              </a:ext>
+            </a:extLst>
+          </a:blip>
+          <a:srcRect t="30693" b="41747"/>
+          <a:stretch/>
+        </p:blipFill>
+        <p:spPr>
+          <a:xfrm>
+            <a:off x="324468" y="25024261"/>
+            <a:ext cx="25019710" cy="4813991"/>
+          </a:xfrm>
+          <a:prstGeom prst="rect">
+            <a:avLst/>
+          </a:prstGeom>
+        </p:spPr>
+      </p:pic>
+      <p:pic>
+        <p:nvPicPr>
+          <p:cNvPr id="6" name="Picture 5">
+            <a:extLst>
+              <a:ext uri="{FF2B5EF4-FFF2-40B4-BE49-F238E27FC236}">
+                <a16:creationId xmlns:a16="http://schemas.microsoft.com/office/drawing/2014/main" id="{BAD71D60-C8F2-42AC-85EF-0A42E94C0556}"/>
+              </a:ext>
+            </a:extLst>
+          </p:cNvPr>
+          <p:cNvPicPr>
+            <a:picLocks noChangeAspect="1"/>
+          </p:cNvPicPr>
+          <p:nvPr/>
+        </p:nvPicPr>
+        <p:blipFill rotWithShape="1">
+          <a:blip r:embed="rId5">
+            <a:extLst>
+              <a:ext uri="{28A0092B-C50C-407E-A947-70E740481C1C}">
+                <a14:useLocalDpi xmlns:a14="http://schemas.microsoft.com/office/drawing/2010/main" val="0"/>
+              </a:ext>
+            </a:extLst>
+          </a:blip>
+          <a:srcRect t="30560" b="41880"/>
+          <a:stretch/>
+        </p:blipFill>
+        <p:spPr>
+          <a:xfrm>
+            <a:off x="449578" y="35356818"/>
+            <a:ext cx="24888151" cy="4788676"/>
+          </a:xfrm>
+          <a:prstGeom prst="rect">
+            <a:avLst/>
+          </a:prstGeom>
+        </p:spPr>
+      </p:pic>
+      <p:pic>
+        <p:nvPicPr>
+          <p:cNvPr id="14" name="Picture 13">
+            <a:extLst>
+              <a:ext uri="{FF2B5EF4-FFF2-40B4-BE49-F238E27FC236}">
+                <a16:creationId xmlns:a16="http://schemas.microsoft.com/office/drawing/2014/main" id="{3D75FA4A-690C-495B-8FA3-2639FABEC5A2}"/>
+              </a:ext>
+            </a:extLst>
+          </p:cNvPr>
+          <p:cNvPicPr>
+            <a:picLocks noChangeAspect="1"/>
+          </p:cNvPicPr>
+          <p:nvPr/>
+        </p:nvPicPr>
+        <p:blipFill rotWithShape="1">
+          <a:blip r:embed="rId6">
+            <a:extLst>
+              <a:ext uri="{28A0092B-C50C-407E-A947-70E740481C1C}">
+                <a14:useLocalDpi xmlns:a14="http://schemas.microsoft.com/office/drawing/2010/main" val="0"/>
+              </a:ext>
+            </a:extLst>
+          </a:blip>
+          <a:srcRect t="27160" b="45281"/>
+          <a:stretch/>
+        </p:blipFill>
+        <p:spPr>
+          <a:xfrm>
+            <a:off x="324468" y="20037613"/>
+            <a:ext cx="25019710" cy="4813991"/>
+          </a:xfrm>
+          <a:prstGeom prst="rect">
+            <a:avLst/>
+          </a:prstGeom>
+        </p:spPr>
+      </p:pic>
+      <p:pic>
+        <p:nvPicPr>
+          <p:cNvPr id="20" name="Picture 19">
+            <a:extLst>
+              <a:ext uri="{FF2B5EF4-FFF2-40B4-BE49-F238E27FC236}">
+                <a16:creationId xmlns:a16="http://schemas.microsoft.com/office/drawing/2014/main" id="{65F401E2-52EC-4168-BABC-8CE91B3DA403}"/>
+              </a:ext>
+            </a:extLst>
+          </p:cNvPr>
+          <p:cNvPicPr>
+            <a:picLocks noChangeAspect="1"/>
+          </p:cNvPicPr>
+          <p:nvPr/>
+        </p:nvPicPr>
+        <p:blipFill rotWithShape="1">
+          <a:blip r:embed="rId7">
+            <a:extLst>
+              <a:ext uri="{28A0092B-C50C-407E-A947-70E740481C1C}">
+                <a14:useLocalDpi xmlns:a14="http://schemas.microsoft.com/office/drawing/2010/main" val="0"/>
+              </a:ext>
+            </a:extLst>
+          </a:blip>
+          <a:srcRect t="26918" b="45952"/>
+          <a:stretch/>
+        </p:blipFill>
+        <p:spPr>
+          <a:xfrm>
+            <a:off x="331590" y="30620627"/>
+            <a:ext cx="25019709" cy="4692227"/>
+          </a:xfrm>
+          <a:prstGeom prst="rect">
+            <a:avLst/>
+          </a:prstGeom>
+        </p:spPr>
+      </p:pic>
+      <p:sp>
+        <p:nvSpPr>
+          <p:cNvPr id="21" name="TextBox 20">
+            <a:extLst>
+              <a:ext uri="{FF2B5EF4-FFF2-40B4-BE49-F238E27FC236}">
+                <a16:creationId xmlns:a16="http://schemas.microsoft.com/office/drawing/2014/main" id="{414B9C75-0B86-49D5-899C-DED16ABD3E61}"/>
+              </a:ext>
+            </a:extLst>
+          </p:cNvPr>
+          <p:cNvSpPr txBox="1"/>
+          <p:nvPr/>
+        </p:nvSpPr>
+        <p:spPr>
+          <a:xfrm>
+            <a:off x="1454727" y="8312732"/>
+            <a:ext cx="12302837" cy="1015663"/>
+          </a:xfrm>
+          <a:prstGeom prst="rect">
+            <a:avLst/>
+          </a:prstGeom>
+          <a:noFill/>
+        </p:spPr>
+        <p:txBody>
+          <a:bodyPr wrap="square" rtlCol="0">
+            <a:spAutoFit/>
+          </a:bodyPr>
+          <a:lstStyle/>
+          <a:p>
+            <a:r>
+              <a:rPr lang="en-AU" sz="6000" b="1" dirty="0">
+                <a:latin typeface="Arial" panose="020B0604020202020204" pitchFamily="34" charset="0"/>
+                <a:cs typeface="Arial" panose="020B0604020202020204" pitchFamily="34" charset="0"/>
+              </a:rPr>
+              <a:t>I) ∆RGB &gt; 0 </a:t>
+            </a:r>
+          </a:p>
+        </p:txBody>
+      </p:sp>
+      <p:sp>
+        <p:nvSpPr>
+          <p:cNvPr id="22" name="TextBox 21">
+            <a:extLst>
+              <a:ext uri="{FF2B5EF4-FFF2-40B4-BE49-F238E27FC236}">
+                <a16:creationId xmlns:a16="http://schemas.microsoft.com/office/drawing/2014/main" id="{6CB0E616-7D58-4135-B5C4-045119331541}"/>
+              </a:ext>
+            </a:extLst>
+          </p:cNvPr>
+          <p:cNvSpPr txBox="1"/>
+          <p:nvPr/>
+        </p:nvSpPr>
+        <p:spPr>
+          <a:xfrm>
+            <a:off x="1454726" y="18934871"/>
+            <a:ext cx="12302837" cy="1015663"/>
+          </a:xfrm>
+          <a:prstGeom prst="rect">
+            <a:avLst/>
+          </a:prstGeom>
+          <a:noFill/>
+        </p:spPr>
+        <p:txBody>
+          <a:bodyPr wrap="square" rtlCol="0">
+            <a:spAutoFit/>
+          </a:bodyPr>
+          <a:lstStyle/>
+          <a:p>
+            <a:r>
+              <a:rPr lang="en-AU" sz="6000" b="1" dirty="0">
+                <a:latin typeface="Arial" panose="020B0604020202020204" pitchFamily="34" charset="0"/>
+                <a:cs typeface="Arial" panose="020B0604020202020204" pitchFamily="34" charset="0"/>
+              </a:rPr>
+              <a:t>II) ∆RGB &gt; 50 </a:t>
+            </a:r>
+          </a:p>
+        </p:txBody>
+      </p:sp>
+      <p:sp>
+        <p:nvSpPr>
+          <p:cNvPr id="23" name="TextBox 22">
+            <a:extLst>
+              <a:ext uri="{FF2B5EF4-FFF2-40B4-BE49-F238E27FC236}">
+                <a16:creationId xmlns:a16="http://schemas.microsoft.com/office/drawing/2014/main" id="{E4401EB9-5C17-4110-88AE-B167F2B09C99}"/>
+              </a:ext>
+            </a:extLst>
+          </p:cNvPr>
+          <p:cNvSpPr txBox="1"/>
+          <p:nvPr/>
+        </p:nvSpPr>
+        <p:spPr>
+          <a:xfrm>
+            <a:off x="1454725" y="29721608"/>
+            <a:ext cx="12302837" cy="1015663"/>
+          </a:xfrm>
+          <a:prstGeom prst="rect">
+            <a:avLst/>
+          </a:prstGeom>
+          <a:noFill/>
+        </p:spPr>
+        <p:txBody>
+          <a:bodyPr wrap="square" rtlCol="0">
+            <a:spAutoFit/>
+          </a:bodyPr>
+          <a:lstStyle/>
+          <a:p>
+            <a:r>
+              <a:rPr lang="en-AU" sz="6000" b="1" dirty="0">
+                <a:latin typeface="Arial" panose="020B0604020202020204" pitchFamily="34" charset="0"/>
+                <a:cs typeface="Arial" panose="020B0604020202020204" pitchFamily="34" charset="0"/>
+              </a:rPr>
+              <a:t>III) ∆RGB &gt; 10 </a:t>
+            </a:r>
+          </a:p>
+        </p:txBody>
+      </p:sp>
+    </p:spTree>
+    <p:extLst>
+      <p:ext uri="{BB962C8B-B14F-4D97-AF65-F5344CB8AC3E}">
+        <p14:creationId xmlns:p14="http://schemas.microsoft.com/office/powerpoint/2010/main" val="3909240720"/>
+      </p:ext>
+    </p:extLst>
+  </p:cSld>
+  <p:clrMapOvr>
+    <a:masterClrMapping/>
+  </p:clrMapOvr>
+</p:sld>
+</file>
+
+<file path=ppt/slides/slide4.xml><?xml version="1.0" encoding="utf-8"?>
 <p:sld xmlns:a="http://schemas.openxmlformats.org/drawingml/2006/main" xmlns:r="http://schemas.openxmlformats.org/officeDocument/2006/relationships" xmlns:p="http://schemas.openxmlformats.org/presentationml/2006/main">
   <p:cSld>
     <p:spTree>
@@ -14547,7 +15334,7 @@
 </p:sld>
 </file>
 
-<file path=ppt/slides/slide4.xml><?xml version="1.0" encoding="utf-8"?>
+<file path=ppt/slides/slide5.xml><?xml version="1.0" encoding="utf-8"?>
 <p:sld xmlns:a="http://schemas.openxmlformats.org/drawingml/2006/main" xmlns:r="http://schemas.openxmlformats.org/officeDocument/2006/relationships" xmlns:p="http://schemas.openxmlformats.org/presentationml/2006/main">
   <p:cSld>
     <p:spTree>
@@ -16090,7 +16877,7 @@
 </p:sld>
 </file>
 
-<file path=ppt/slides/slide5.xml><?xml version="1.0" encoding="utf-8"?>
+<file path=ppt/slides/slide6.xml><?xml version="1.0" encoding="utf-8"?>
 <p:sld xmlns:a="http://schemas.openxmlformats.org/drawingml/2006/main" xmlns:r="http://schemas.openxmlformats.org/officeDocument/2006/relationships" xmlns:p="http://schemas.openxmlformats.org/presentationml/2006/main">
   <p:cSld>
     <p:spTree>
@@ -16384,7 +17171,7 @@
 </p:sld>
 </file>
 
-<file path=ppt/slides/slide6.xml><?xml version="1.0" encoding="utf-8"?>
+<file path=ppt/slides/slide7.xml><?xml version="1.0" encoding="utf-8"?>
 <p:sld xmlns:a="http://schemas.openxmlformats.org/drawingml/2006/main" xmlns:r="http://schemas.openxmlformats.org/officeDocument/2006/relationships" xmlns:p="http://schemas.openxmlformats.org/presentationml/2006/main">
   <p:cSld>
     <p:spTree>
@@ -17044,7 +17831,7 @@
 </p:sld>
 </file>
 
-<file path=ppt/slides/slide7.xml><?xml version="1.0" encoding="utf-8"?>
+<file path=ppt/slides/slide8.xml><?xml version="1.0" encoding="utf-8"?>
 <p:sld xmlns:a="http://schemas.openxmlformats.org/drawingml/2006/main" xmlns:r="http://schemas.openxmlformats.org/officeDocument/2006/relationships" xmlns:p="http://schemas.openxmlformats.org/presentationml/2006/main">
   <p:cSld>
     <p:spTree>

--- a/Exp2Results/formal data/Data figures/big-figures.pptx
+++ b/Exp2Results/formal data/Data figures/big-figures.pptx
@@ -4567,7 +4567,7 @@
           <a:p>
             <a:fld id="{7EAB4990-54EF-4F84-B612-5D2B38FEBCE3}" type="datetimeFigureOut">
               <a:rPr lang="en-AU" smtClean="0"/>
-              <a:t>7/02/2022</a:t>
+              <a:t>9/02/2022</a:t>
             </a:fld>
             <a:endParaRPr lang="en-AU"/>
           </a:p>
@@ -4737,7 +4737,7 @@
           <a:p>
             <a:fld id="{7EAB4990-54EF-4F84-B612-5D2B38FEBCE3}" type="datetimeFigureOut">
               <a:rPr lang="en-AU" smtClean="0"/>
-              <a:t>7/02/2022</a:t>
+              <a:t>9/02/2022</a:t>
             </a:fld>
             <a:endParaRPr lang="en-AU"/>
           </a:p>
@@ -4917,7 +4917,7 @@
           <a:p>
             <a:fld id="{7EAB4990-54EF-4F84-B612-5D2B38FEBCE3}" type="datetimeFigureOut">
               <a:rPr lang="en-AU" smtClean="0"/>
-              <a:t>7/02/2022</a:t>
+              <a:t>9/02/2022</a:t>
             </a:fld>
             <a:endParaRPr lang="en-AU"/>
           </a:p>
@@ -5087,7 +5087,7 @@
           <a:p>
             <a:fld id="{7EAB4990-54EF-4F84-B612-5D2B38FEBCE3}" type="datetimeFigureOut">
               <a:rPr lang="en-AU" smtClean="0"/>
-              <a:t>7/02/2022</a:t>
+              <a:t>9/02/2022</a:t>
             </a:fld>
             <a:endParaRPr lang="en-AU"/>
           </a:p>
@@ -5331,7 +5331,7 @@
           <a:p>
             <a:fld id="{7EAB4990-54EF-4F84-B612-5D2B38FEBCE3}" type="datetimeFigureOut">
               <a:rPr lang="en-AU" smtClean="0"/>
-              <a:t>7/02/2022</a:t>
+              <a:t>9/02/2022</a:t>
             </a:fld>
             <a:endParaRPr lang="en-AU"/>
           </a:p>
@@ -5563,7 +5563,7 @@
           <a:p>
             <a:fld id="{7EAB4990-54EF-4F84-B612-5D2B38FEBCE3}" type="datetimeFigureOut">
               <a:rPr lang="en-AU" smtClean="0"/>
-              <a:t>7/02/2022</a:t>
+              <a:t>9/02/2022</a:t>
             </a:fld>
             <a:endParaRPr lang="en-AU"/>
           </a:p>
@@ -5930,7 +5930,7 @@
           <a:p>
             <a:fld id="{7EAB4990-54EF-4F84-B612-5D2B38FEBCE3}" type="datetimeFigureOut">
               <a:rPr lang="en-AU" smtClean="0"/>
-              <a:t>7/02/2022</a:t>
+              <a:t>9/02/2022</a:t>
             </a:fld>
             <a:endParaRPr lang="en-AU"/>
           </a:p>
@@ -6048,7 +6048,7 @@
           <a:p>
             <a:fld id="{7EAB4990-54EF-4F84-B612-5D2B38FEBCE3}" type="datetimeFigureOut">
               <a:rPr lang="en-AU" smtClean="0"/>
-              <a:t>7/02/2022</a:t>
+              <a:t>9/02/2022</a:t>
             </a:fld>
             <a:endParaRPr lang="en-AU"/>
           </a:p>
@@ -6143,7 +6143,7 @@
           <a:p>
             <a:fld id="{7EAB4990-54EF-4F84-B612-5D2B38FEBCE3}" type="datetimeFigureOut">
               <a:rPr lang="en-AU" smtClean="0"/>
-              <a:t>7/02/2022</a:t>
+              <a:t>9/02/2022</a:t>
             </a:fld>
             <a:endParaRPr lang="en-AU"/>
           </a:p>
@@ -6420,7 +6420,7 @@
           <a:p>
             <a:fld id="{7EAB4990-54EF-4F84-B612-5D2B38FEBCE3}" type="datetimeFigureOut">
               <a:rPr lang="en-AU" smtClean="0"/>
-              <a:t>7/02/2022</a:t>
+              <a:t>9/02/2022</a:t>
             </a:fld>
             <a:endParaRPr lang="en-AU"/>
           </a:p>
@@ -6677,7 +6677,7 @@
           <a:p>
             <a:fld id="{7EAB4990-54EF-4F84-B612-5D2B38FEBCE3}" type="datetimeFigureOut">
               <a:rPr lang="en-AU" smtClean="0"/>
-              <a:t>7/02/2022</a:t>
+              <a:t>9/02/2022</a:t>
             </a:fld>
             <a:endParaRPr lang="en-AU"/>
           </a:p>
@@ -6890,7 +6890,7 @@
           <a:p>
             <a:fld id="{7EAB4990-54EF-4F84-B612-5D2B38FEBCE3}" type="datetimeFigureOut">
               <a:rPr lang="en-AU" smtClean="0"/>
-              <a:t>7/02/2022</a:t>
+              <a:t>9/02/2022</a:t>
             </a:fld>
             <a:endParaRPr lang="en-AU"/>
           </a:p>
@@ -14916,6 +14916,76 @@
           <a:chExt cx="0" cy="0"/>
         </a:xfrm>
       </p:grpSpPr>
+      <p:pic>
+        <p:nvPicPr>
+          <p:cNvPr id="139" name="Picture 138">
+            <a:extLst>
+              <a:ext uri="{FF2B5EF4-FFF2-40B4-BE49-F238E27FC236}">
+                <a16:creationId xmlns:a16="http://schemas.microsoft.com/office/drawing/2014/main" id="{643483A2-5E60-4242-8492-1266075C2344}"/>
+              </a:ext>
+            </a:extLst>
+          </p:cNvPr>
+          <p:cNvPicPr>
+            <a:picLocks noChangeAspect="1"/>
+          </p:cNvPicPr>
+          <p:nvPr/>
+        </p:nvPicPr>
+        <p:blipFill rotWithShape="1">
+          <a:blip r:embed="rId2">
+            <a:extLst>
+              <a:ext uri="{28A0092B-C50C-407E-A947-70E740481C1C}">
+                <a14:useLocalDpi xmlns:a14="http://schemas.microsoft.com/office/drawing/2010/main" val="0"/>
+              </a:ext>
+            </a:extLst>
+          </a:blip>
+          <a:srcRect t="51744" b="2055"/>
+          <a:stretch/>
+        </p:blipFill>
+        <p:spPr>
+          <a:xfrm>
+            <a:off x="-400176" y="17208038"/>
+            <a:ext cx="22863302" cy="11206400"/>
+          </a:xfrm>
+          <a:prstGeom prst="rect">
+            <a:avLst/>
+          </a:prstGeom>
+        </p:spPr>
+      </p:pic>
+      <p:pic>
+        <p:nvPicPr>
+          <p:cNvPr id="138" name="Picture 137">
+            <a:extLst>
+              <a:ext uri="{FF2B5EF4-FFF2-40B4-BE49-F238E27FC236}">
+                <a16:creationId xmlns:a16="http://schemas.microsoft.com/office/drawing/2014/main" id="{18B53CF3-C5EB-4A5A-A5C6-BEDF59719DE7}"/>
+              </a:ext>
+            </a:extLst>
+          </p:cNvPr>
+          <p:cNvPicPr>
+            <a:picLocks noChangeAspect="1"/>
+          </p:cNvPicPr>
+          <p:nvPr/>
+        </p:nvPicPr>
+        <p:blipFill rotWithShape="1">
+          <a:blip r:embed="rId2">
+            <a:extLst>
+              <a:ext uri="{28A0092B-C50C-407E-A947-70E740481C1C}">
+                <a14:useLocalDpi xmlns:a14="http://schemas.microsoft.com/office/drawing/2010/main" val="0"/>
+              </a:ext>
+            </a:extLst>
+          </a:blip>
+          <a:srcRect t="3459" b="50339"/>
+          <a:stretch/>
+        </p:blipFill>
+        <p:spPr>
+          <a:xfrm>
+            <a:off x="-223401" y="3685215"/>
+            <a:ext cx="22598808" cy="11076759"/>
+          </a:xfrm>
+          <a:prstGeom prst="rect">
+            <a:avLst/>
+          </a:prstGeom>
+        </p:spPr>
+      </p:pic>
       <p:grpSp>
         <p:nvGrpSpPr>
           <p:cNvPr id="17" name="Group 16">
@@ -14930,7 +15000,7 @@
         </p:nvGrpSpPr>
         <p:grpSpPr>
           <a:xfrm>
-            <a:off x="12055923" y="28218949"/>
+            <a:off x="11786983" y="28541677"/>
             <a:ext cx="17654246" cy="12141267"/>
             <a:chOff x="12321396" y="28041967"/>
             <a:chExt cx="17654246" cy="12141267"/>
@@ -14951,7 +15021,7 @@
             <p:nvPr/>
           </p:nvPicPr>
           <p:blipFill>
-            <a:blip r:embed="rId2"/>
+            <a:blip r:embed="rId3"/>
             <a:stretch>
               <a:fillRect/>
             </a:stretch>
@@ -14981,7 +15051,7 @@
             <p:nvPr/>
           </p:nvPicPr>
           <p:blipFill rotWithShape="1">
-            <a:blip r:embed="rId3"/>
+            <a:blip r:embed="rId4"/>
             <a:srcRect l="11133" r="76151" b="30619"/>
             <a:stretch/>
           </p:blipFill>
@@ -15010,7 +15080,7 @@
             <p:nvPr/>
           </p:nvPicPr>
           <p:blipFill rotWithShape="1">
-            <a:blip r:embed="rId3"/>
+            <a:blip r:embed="rId4"/>
             <a:srcRect l="44688" r="42597" b="10910"/>
             <a:stretch/>
           </p:blipFill>
@@ -15039,7 +15109,7 @@
             <p:nvPr/>
           </p:nvPicPr>
           <p:blipFill rotWithShape="1">
-            <a:blip r:embed="rId3"/>
+            <a:blip r:embed="rId4"/>
             <a:srcRect l="78765" r="10554" b="13305"/>
             <a:stretch/>
           </p:blipFill>
@@ -15069,7 +15139,7 @@
           <p:nvPr/>
         </p:nvPicPr>
         <p:blipFill rotWithShape="1">
-          <a:blip r:embed="rId4">
+          <a:blip r:embed="rId5">
             <a:extLst>
               <a:ext uri="{28A0092B-C50C-407E-A947-70E740481C1C}">
                 <a14:useLocalDpi xmlns:a14="http://schemas.microsoft.com/office/drawing/2010/main" val="0"/>
@@ -15081,7 +15151,7 @@
         </p:blipFill>
         <p:spPr>
           <a:xfrm>
-            <a:off x="1065352" y="28504212"/>
+            <a:off x="903988" y="28826940"/>
             <a:ext cx="11213261" cy="12555300"/>
           </a:xfrm>
           <a:prstGeom prst="rect">
@@ -15103,7 +15173,7 @@
         </p:nvGrpSpPr>
         <p:grpSpPr>
           <a:xfrm>
-            <a:off x="7424867" y="30004185"/>
+            <a:off x="7424867" y="30326913"/>
             <a:ext cx="5754194" cy="1501582"/>
             <a:chOff x="17509477" y="28341217"/>
             <a:chExt cx="4819581" cy="1114822"/>
@@ -15290,76 +15360,6 @@
           </p:txBody>
         </p:sp>
       </p:grpSp>
-      <p:pic>
-        <p:nvPicPr>
-          <p:cNvPr id="135" name="Picture 134">
-            <a:extLst>
-              <a:ext uri="{FF2B5EF4-FFF2-40B4-BE49-F238E27FC236}">
-                <a16:creationId xmlns:a16="http://schemas.microsoft.com/office/drawing/2014/main" id="{CD58C3A9-DA5C-4E52-9E31-532AA95A8390}"/>
-              </a:ext>
-            </a:extLst>
-          </p:cNvPr>
-          <p:cNvPicPr>
-            <a:picLocks noChangeAspect="1"/>
-          </p:cNvPicPr>
-          <p:nvPr/>
-        </p:nvPicPr>
-        <p:blipFill rotWithShape="1">
-          <a:blip r:embed="rId5">
-            <a:extLst>
-              <a:ext uri="{28A0092B-C50C-407E-A947-70E740481C1C}">
-                <a14:useLocalDpi xmlns:a14="http://schemas.microsoft.com/office/drawing/2010/main" val="0"/>
-              </a:ext>
-            </a:extLst>
-          </a:blip>
-          <a:srcRect l="4992" t="52524" r="7780" b="3204"/>
-          <a:stretch/>
-        </p:blipFill>
-        <p:spPr>
-          <a:xfrm>
-            <a:off x="1013011" y="17839369"/>
-            <a:ext cx="19740282" cy="10161018"/>
-          </a:xfrm>
-          <a:prstGeom prst="rect">
-            <a:avLst/>
-          </a:prstGeom>
-        </p:spPr>
-      </p:pic>
-      <p:pic>
-        <p:nvPicPr>
-          <p:cNvPr id="3" name="Picture 2">
-            <a:extLst>
-              <a:ext uri="{FF2B5EF4-FFF2-40B4-BE49-F238E27FC236}">
-                <a16:creationId xmlns:a16="http://schemas.microsoft.com/office/drawing/2014/main" id="{CC7929E3-C39F-4562-8074-B3F0E3BDA025}"/>
-              </a:ext>
-            </a:extLst>
-          </p:cNvPr>
-          <p:cNvPicPr>
-            <a:picLocks noChangeAspect="1"/>
-          </p:cNvPicPr>
-          <p:nvPr/>
-        </p:nvPicPr>
-        <p:blipFill rotWithShape="1">
-          <a:blip r:embed="rId5">
-            <a:extLst>
-              <a:ext uri="{28A0092B-C50C-407E-A947-70E740481C1C}">
-                <a14:useLocalDpi xmlns:a14="http://schemas.microsoft.com/office/drawing/2010/main" val="0"/>
-              </a:ext>
-            </a:extLst>
-          </a:blip>
-          <a:srcRect l="4992" r="7780" b="50738"/>
-          <a:stretch/>
-        </p:blipFill>
-        <p:spPr>
-          <a:xfrm>
-            <a:off x="860611" y="2971928"/>
-            <a:ext cx="19740282" cy="11306246"/>
-          </a:xfrm>
-          <a:prstGeom prst="rect">
-            <a:avLst/>
-          </a:prstGeom>
-        </p:spPr>
-      </p:pic>
       <p:sp>
         <p:nvSpPr>
           <p:cNvPr id="4" name="TextBox 3">
@@ -15450,7 +15450,7 @@
         </p:nvSpPr>
         <p:spPr>
           <a:xfrm>
-            <a:off x="1301328" y="16816193"/>
+            <a:off x="1301328" y="16601041"/>
             <a:ext cx="1183342" cy="1107996"/>
           </a:xfrm>
           <a:prstGeom prst="rect">
@@ -15488,7 +15488,7 @@
         </p:nvSpPr>
         <p:spPr>
           <a:xfrm>
-            <a:off x="11046541" y="16816193"/>
+            <a:off x="11046541" y="16601041"/>
             <a:ext cx="1183342" cy="1107996"/>
           </a:xfrm>
           <a:prstGeom prst="rect">
@@ -15514,10 +15514,10 @@
       </p:sp>
       <p:grpSp>
         <p:nvGrpSpPr>
-          <p:cNvPr id="8" name="Group 7">
+          <p:cNvPr id="15" name="Group 14">
             <a:extLst>
               <a:ext uri="{FF2B5EF4-FFF2-40B4-BE49-F238E27FC236}">
-                <a16:creationId xmlns:a16="http://schemas.microsoft.com/office/drawing/2014/main" id="{3CDC35E8-360F-4871-8960-E817580F5050}"/>
+                <a16:creationId xmlns:a16="http://schemas.microsoft.com/office/drawing/2014/main" id="{F4A3FB60-6A74-467A-A231-3F5A604065E7}"/>
               </a:ext>
             </a:extLst>
           </p:cNvPr>
@@ -15526,1575 +15526,1596 @@
         </p:nvGrpSpPr>
         <p:grpSpPr>
           <a:xfrm>
-            <a:off x="20143761" y="18370869"/>
-            <a:ext cx="4226125" cy="3270148"/>
-            <a:chOff x="7278768" y="1722207"/>
-            <a:chExt cx="1690036" cy="1307739"/>
+            <a:off x="16264797" y="17412568"/>
+            <a:ext cx="13228277" cy="8183551"/>
+            <a:chOff x="16264797" y="17842872"/>
+            <a:chExt cx="13228277" cy="8183551"/>
           </a:xfrm>
         </p:grpSpPr>
-        <p:cxnSp>
-          <p:nvCxnSpPr>
-            <p:cNvPr id="9" name="Straight Arrow Connector 8">
-              <a:extLst>
-                <a:ext uri="{FF2B5EF4-FFF2-40B4-BE49-F238E27FC236}">
-                  <a16:creationId xmlns:a16="http://schemas.microsoft.com/office/drawing/2014/main" id="{663C4C0D-40EC-48F7-927A-F8B1107C090C}"/>
-                </a:ext>
-              </a:extLst>
-            </p:cNvPr>
-            <p:cNvCxnSpPr>
-              <a:cxnSpLocks/>
-            </p:cNvCxnSpPr>
-            <p:nvPr/>
-          </p:nvCxnSpPr>
-          <p:spPr>
-            <a:xfrm flipV="1">
-              <a:off x="8261025" y="1931334"/>
-              <a:ext cx="258489" cy="384673"/>
-            </a:xfrm>
-            <a:prstGeom prst="straightConnector1">
-              <a:avLst/>
-            </a:prstGeom>
-            <a:ln w="19050">
-              <a:tailEnd type="triangle"/>
-            </a:ln>
-          </p:spPr>
-          <p:style>
-            <a:lnRef idx="1">
-              <a:schemeClr val="accent1"/>
-            </a:lnRef>
-            <a:fillRef idx="0">
-              <a:schemeClr val="accent1"/>
-            </a:fillRef>
-            <a:effectRef idx="0">
-              <a:schemeClr val="accent1"/>
-            </a:effectRef>
-            <a:fontRef idx="minor">
-              <a:schemeClr val="tx1"/>
-            </a:fontRef>
-          </p:style>
-        </p:cxnSp>
-        <p:cxnSp>
-          <p:nvCxnSpPr>
-            <p:cNvPr id="10" name="Straight Arrow Connector 9">
-              <a:extLst>
-                <a:ext uri="{FF2B5EF4-FFF2-40B4-BE49-F238E27FC236}">
-                  <a16:creationId xmlns:a16="http://schemas.microsoft.com/office/drawing/2014/main" id="{D1133546-99CB-4364-810C-4F26E2E079DF}"/>
-                </a:ext>
-              </a:extLst>
-            </p:cNvPr>
-            <p:cNvCxnSpPr>
-              <a:cxnSpLocks/>
-            </p:cNvCxnSpPr>
-            <p:nvPr/>
-          </p:nvCxnSpPr>
-          <p:spPr>
-            <a:xfrm>
-              <a:off x="8261025" y="2316007"/>
-              <a:ext cx="259241" cy="366076"/>
-            </a:xfrm>
-            <a:prstGeom prst="straightConnector1">
-              <a:avLst/>
-            </a:prstGeom>
-            <a:ln w="28575">
-              <a:tailEnd type="triangle"/>
-            </a:ln>
-          </p:spPr>
-          <p:style>
-            <a:lnRef idx="1">
-              <a:schemeClr val="accent1"/>
-            </a:lnRef>
-            <a:fillRef idx="0">
-              <a:schemeClr val="accent1"/>
-            </a:fillRef>
-            <a:effectRef idx="0">
-              <a:schemeClr val="accent1"/>
-            </a:effectRef>
-            <a:fontRef idx="minor">
-              <a:schemeClr val="tx1"/>
-            </a:fontRef>
-          </p:style>
-        </p:cxnSp>
-        <p:sp>
-          <p:nvSpPr>
-            <p:cNvPr id="11" name="TextBox 10">
-              <a:extLst>
-                <a:ext uri="{FF2B5EF4-FFF2-40B4-BE49-F238E27FC236}">
-                  <a16:creationId xmlns:a16="http://schemas.microsoft.com/office/drawing/2014/main" id="{31832AE3-0872-4DC9-B9F7-79ABDBE1C71A}"/>
-                </a:ext>
-              </a:extLst>
-            </p:cNvPr>
-            <p:cNvSpPr txBox="1"/>
-            <p:nvPr/>
-          </p:nvSpPr>
-          <p:spPr>
-            <a:xfrm>
-              <a:off x="7278768" y="2771477"/>
-              <a:ext cx="1053929" cy="258469"/>
-            </a:xfrm>
-            <a:prstGeom prst="rect">
-              <a:avLst/>
-            </a:prstGeom>
-            <a:noFill/>
-          </p:spPr>
-          <p:txBody>
-            <a:bodyPr wrap="square" rtlCol="0">
-              <a:spAutoFit/>
-            </a:bodyPr>
-            <a:lstStyle/>
-            <a:p>
-              <a:r>
-                <a:rPr lang="en-AU" sz="3600" dirty="0">
+        <p:grpSp>
+          <p:nvGrpSpPr>
+            <p:cNvPr id="8" name="Group 7">
+              <a:extLst>
+                <a:ext uri="{FF2B5EF4-FFF2-40B4-BE49-F238E27FC236}">
+                  <a16:creationId xmlns:a16="http://schemas.microsoft.com/office/drawing/2014/main" id="{3CDC35E8-360F-4871-8960-E817580F5050}"/>
+                </a:ext>
+              </a:extLst>
+            </p:cNvPr>
+            <p:cNvGrpSpPr/>
+            <p:nvPr/>
+          </p:nvGrpSpPr>
+          <p:grpSpPr>
+            <a:xfrm>
+              <a:off x="20143761" y="18370869"/>
+              <a:ext cx="4226125" cy="3270148"/>
+              <a:chOff x="7278768" y="1722207"/>
+              <a:chExt cx="1690036" cy="1307739"/>
+            </a:xfrm>
+          </p:grpSpPr>
+          <p:cxnSp>
+            <p:nvCxnSpPr>
+              <p:cNvPr id="9" name="Straight Arrow Connector 8">
+                <a:extLst>
+                  <a:ext uri="{FF2B5EF4-FFF2-40B4-BE49-F238E27FC236}">
+                    <a16:creationId xmlns:a16="http://schemas.microsoft.com/office/drawing/2014/main" id="{663C4C0D-40EC-48F7-927A-F8B1107C090C}"/>
+                  </a:ext>
+                </a:extLst>
+              </p:cNvPr>
+              <p:cNvCxnSpPr>
+                <a:cxnSpLocks/>
+              </p:cNvCxnSpPr>
+              <p:nvPr/>
+            </p:nvCxnSpPr>
+            <p:spPr>
+              <a:xfrm flipV="1">
+                <a:off x="8261025" y="1931334"/>
+                <a:ext cx="258489" cy="384673"/>
+              </a:xfrm>
+              <a:prstGeom prst="straightConnector1">
+                <a:avLst/>
+              </a:prstGeom>
+              <a:ln w="19050">
+                <a:tailEnd type="triangle"/>
+              </a:ln>
+            </p:spPr>
+            <p:style>
+              <a:lnRef idx="1">
+                <a:schemeClr val="accent1"/>
+              </a:lnRef>
+              <a:fillRef idx="0">
+                <a:schemeClr val="accent1"/>
+              </a:fillRef>
+              <a:effectRef idx="0">
+                <a:schemeClr val="accent1"/>
+              </a:effectRef>
+              <a:fontRef idx="minor">
+                <a:schemeClr val="tx1"/>
+              </a:fontRef>
+            </p:style>
+          </p:cxnSp>
+          <p:cxnSp>
+            <p:nvCxnSpPr>
+              <p:cNvPr id="10" name="Straight Arrow Connector 9">
+                <a:extLst>
+                  <a:ext uri="{FF2B5EF4-FFF2-40B4-BE49-F238E27FC236}">
+                    <a16:creationId xmlns:a16="http://schemas.microsoft.com/office/drawing/2014/main" id="{D1133546-99CB-4364-810C-4F26E2E079DF}"/>
+                  </a:ext>
+                </a:extLst>
+              </p:cNvPr>
+              <p:cNvCxnSpPr>
+                <a:cxnSpLocks/>
+              </p:cNvCxnSpPr>
+              <p:nvPr/>
+            </p:nvCxnSpPr>
+            <p:spPr>
+              <a:xfrm>
+                <a:off x="8261025" y="2316007"/>
+                <a:ext cx="259241" cy="366076"/>
+              </a:xfrm>
+              <a:prstGeom prst="straightConnector1">
+                <a:avLst/>
+              </a:prstGeom>
+              <a:ln w="28575">
+                <a:tailEnd type="triangle"/>
+              </a:ln>
+            </p:spPr>
+            <p:style>
+              <a:lnRef idx="1">
+                <a:schemeClr val="accent1"/>
+              </a:lnRef>
+              <a:fillRef idx="0">
+                <a:schemeClr val="accent1"/>
+              </a:fillRef>
+              <a:effectRef idx="0">
+                <a:schemeClr val="accent1"/>
+              </a:effectRef>
+              <a:fontRef idx="minor">
+                <a:schemeClr val="tx1"/>
+              </a:fontRef>
+            </p:style>
+          </p:cxnSp>
+          <p:sp>
+            <p:nvSpPr>
+              <p:cNvPr id="11" name="TextBox 10">
+                <a:extLst>
+                  <a:ext uri="{FF2B5EF4-FFF2-40B4-BE49-F238E27FC236}">
+                    <a16:creationId xmlns:a16="http://schemas.microsoft.com/office/drawing/2014/main" id="{31832AE3-0872-4DC9-B9F7-79ABDBE1C71A}"/>
+                  </a:ext>
+                </a:extLst>
+              </p:cNvPr>
+              <p:cNvSpPr txBox="1"/>
+              <p:nvPr/>
+            </p:nvSpPr>
+            <p:spPr>
+              <a:xfrm>
+                <a:off x="7278768" y="2771477"/>
+                <a:ext cx="1053929" cy="258469"/>
+              </a:xfrm>
+              <a:prstGeom prst="rect">
+                <a:avLst/>
+              </a:prstGeom>
+              <a:noFill/>
+            </p:spPr>
+            <p:txBody>
+              <a:bodyPr wrap="square" rtlCol="0">
+                <a:spAutoFit/>
+              </a:bodyPr>
+              <a:lstStyle/>
+              <a:p>
+                <a:r>
+                  <a:rPr lang="en-AU" sz="3600" dirty="0">
+                    <a:latin typeface="Arial" panose="020B0604020202020204" pitchFamily="34" charset="0"/>
+                    <a:cs typeface="Arial" panose="020B0604020202020204" pitchFamily="34" charset="0"/>
+                  </a:rPr>
+                  <a:t>Congruent</a:t>
+                </a:r>
+              </a:p>
+            </p:txBody>
+          </p:sp>
+          <p:pic>
+            <p:nvPicPr>
+              <p:cNvPr id="12" name="Picture 11">
+                <a:extLst>
+                  <a:ext uri="{FF2B5EF4-FFF2-40B4-BE49-F238E27FC236}">
+                    <a16:creationId xmlns:a16="http://schemas.microsoft.com/office/drawing/2014/main" id="{44F4107C-BC4F-4889-BFA5-237DCAEA65E4}"/>
+                  </a:ext>
+                </a:extLst>
+              </p:cNvPr>
+              <p:cNvPicPr>
+                <a:picLocks noChangeAspect="1"/>
+              </p:cNvPicPr>
+              <p:nvPr/>
+            </p:nvPicPr>
+            <p:blipFill>
+              <a:blip r:embed="rId6">
+                <a:extLst>
+                  <a:ext uri="{28A0092B-C50C-407E-A947-70E740481C1C}">
+                    <a14:useLocalDpi xmlns:a14="http://schemas.microsoft.com/office/drawing/2010/main" val="0"/>
+                  </a:ext>
+                </a:extLst>
+              </a:blip>
+              <a:stretch>
+                <a:fillRect/>
+              </a:stretch>
+            </p:blipFill>
+            <p:spPr>
+              <a:xfrm>
+                <a:off x="7307063" y="1812808"/>
+                <a:ext cx="947371" cy="947371"/>
+              </a:xfrm>
+              <a:prstGeom prst="rect">
+                <a:avLst/>
+              </a:prstGeom>
+            </p:spPr>
+          </p:pic>
+          <p:pic>
+            <p:nvPicPr>
+              <p:cNvPr id="13" name="Picture 12">
+                <a:extLst>
+                  <a:ext uri="{FF2B5EF4-FFF2-40B4-BE49-F238E27FC236}">
+                    <a16:creationId xmlns:a16="http://schemas.microsoft.com/office/drawing/2014/main" id="{F0F96D4C-40A8-4566-BBFC-404B625D119C}"/>
+                  </a:ext>
+                </a:extLst>
+              </p:cNvPr>
+              <p:cNvPicPr>
+                <a:picLocks noChangeAspect="1"/>
+              </p:cNvPicPr>
+              <p:nvPr/>
+            </p:nvPicPr>
+            <p:blipFill>
+              <a:blip r:embed="rId7">
+                <a:extLst>
+                  <a:ext uri="{28A0092B-C50C-407E-A947-70E740481C1C}">
+                    <a14:useLocalDpi xmlns:a14="http://schemas.microsoft.com/office/drawing/2010/main" val="0"/>
+                  </a:ext>
+                </a:extLst>
+              </a:blip>
+              <a:stretch>
+                <a:fillRect/>
+              </a:stretch>
+            </p:blipFill>
+            <p:spPr>
+              <a:xfrm>
+                <a:off x="8526105" y="1722207"/>
+                <a:ext cx="442245" cy="439257"/>
+              </a:xfrm>
+              <a:prstGeom prst="rect">
+                <a:avLst/>
+              </a:prstGeom>
+            </p:spPr>
+          </p:pic>
+          <p:pic>
+            <p:nvPicPr>
+              <p:cNvPr id="14" name="Picture 13">
+                <a:extLst>
+                  <a:ext uri="{FF2B5EF4-FFF2-40B4-BE49-F238E27FC236}">
+                    <a16:creationId xmlns:a16="http://schemas.microsoft.com/office/drawing/2014/main" id="{B1220AE5-FEAD-4715-BE7D-E8453214318E}"/>
+                  </a:ext>
+                </a:extLst>
+              </p:cNvPr>
+              <p:cNvPicPr>
+                <a:picLocks noChangeAspect="1"/>
+              </p:cNvPicPr>
+              <p:nvPr/>
+            </p:nvPicPr>
+            <p:blipFill>
+              <a:blip r:embed="rId8">
+                <a:extLst>
+                  <a:ext uri="{28A0092B-C50C-407E-A947-70E740481C1C}">
+                    <a14:useLocalDpi xmlns:a14="http://schemas.microsoft.com/office/drawing/2010/main" val="0"/>
+                  </a:ext>
+                </a:extLst>
+              </a:blip>
+              <a:stretch>
+                <a:fillRect/>
+              </a:stretch>
+            </p:blipFill>
+            <p:spPr>
+              <a:xfrm>
+                <a:off x="8526559" y="2440413"/>
+                <a:ext cx="442245" cy="439257"/>
+              </a:xfrm>
+              <a:prstGeom prst="rect">
+                <a:avLst/>
+              </a:prstGeom>
+            </p:spPr>
+          </p:pic>
+        </p:grpSp>
+        <p:grpSp>
+          <p:nvGrpSpPr>
+            <p:cNvPr id="18" name="Group 17">
+              <a:extLst>
+                <a:ext uri="{FF2B5EF4-FFF2-40B4-BE49-F238E27FC236}">
+                  <a16:creationId xmlns:a16="http://schemas.microsoft.com/office/drawing/2014/main" id="{581BC81E-33CA-458A-8FEF-86DB3A182405}"/>
+                </a:ext>
+              </a:extLst>
+            </p:cNvPr>
+            <p:cNvGrpSpPr/>
+            <p:nvPr/>
+          </p:nvGrpSpPr>
+          <p:grpSpPr>
+            <a:xfrm>
+              <a:off x="25096667" y="18327064"/>
+              <a:ext cx="4150158" cy="3169654"/>
+              <a:chOff x="3484266" y="1614014"/>
+              <a:chExt cx="1720422" cy="1313960"/>
+            </a:xfrm>
+          </p:grpSpPr>
+          <p:cxnSp>
+            <p:nvCxnSpPr>
+              <p:cNvPr id="19" name="Straight Arrow Connector 18">
+                <a:extLst>
+                  <a:ext uri="{FF2B5EF4-FFF2-40B4-BE49-F238E27FC236}">
+                    <a16:creationId xmlns:a16="http://schemas.microsoft.com/office/drawing/2014/main" id="{4DCB6709-1DDB-41D9-B4AA-C6B6C021D8FA}"/>
+                  </a:ext>
+                </a:extLst>
+              </p:cNvPr>
+              <p:cNvCxnSpPr>
+                <a:cxnSpLocks/>
+              </p:cNvCxnSpPr>
+              <p:nvPr/>
+            </p:nvCxnSpPr>
+            <p:spPr>
+              <a:xfrm flipV="1">
+                <a:off x="4491539" y="1835718"/>
+                <a:ext cx="256211" cy="381284"/>
+              </a:xfrm>
+              <a:prstGeom prst="straightConnector1">
+                <a:avLst/>
+              </a:prstGeom>
+              <a:ln w="19050">
+                <a:solidFill>
+                  <a:srgbClr val="C00000"/>
+                </a:solidFill>
+                <a:tailEnd type="triangle"/>
+              </a:ln>
+            </p:spPr>
+            <p:style>
+              <a:lnRef idx="1">
+                <a:schemeClr val="accent1"/>
+              </a:lnRef>
+              <a:fillRef idx="0">
+                <a:schemeClr val="accent1"/>
+              </a:fillRef>
+              <a:effectRef idx="0">
+                <a:schemeClr val="accent1"/>
+              </a:effectRef>
+              <a:fontRef idx="minor">
+                <a:schemeClr val="tx1"/>
+              </a:fontRef>
+            </p:style>
+          </p:cxnSp>
+          <p:cxnSp>
+            <p:nvCxnSpPr>
+              <p:cNvPr id="20" name="Straight Arrow Connector 19">
+                <a:extLst>
+                  <a:ext uri="{FF2B5EF4-FFF2-40B4-BE49-F238E27FC236}">
+                    <a16:creationId xmlns:a16="http://schemas.microsoft.com/office/drawing/2014/main" id="{D86629A7-477E-4D5D-83EC-B60ED7B168D7}"/>
+                  </a:ext>
+                </a:extLst>
+              </p:cNvPr>
+              <p:cNvCxnSpPr>
+                <a:cxnSpLocks/>
+              </p:cNvCxnSpPr>
+              <p:nvPr/>
+            </p:nvCxnSpPr>
+            <p:spPr>
+              <a:xfrm>
+                <a:off x="4491539" y="2217002"/>
+                <a:ext cx="256958" cy="362852"/>
+              </a:xfrm>
+              <a:prstGeom prst="straightConnector1">
+                <a:avLst/>
+              </a:prstGeom>
+              <a:ln w="19050">
+                <a:solidFill>
+                  <a:srgbClr val="C00000"/>
+                </a:solidFill>
+                <a:tailEnd type="triangle"/>
+              </a:ln>
+            </p:spPr>
+            <p:style>
+              <a:lnRef idx="1">
+                <a:schemeClr val="accent1"/>
+              </a:lnRef>
+              <a:fillRef idx="0">
+                <a:schemeClr val="accent1"/>
+              </a:fillRef>
+              <a:effectRef idx="0">
+                <a:schemeClr val="accent1"/>
+              </a:effectRef>
+              <a:fontRef idx="minor">
+                <a:schemeClr val="tx1"/>
+              </a:fontRef>
+            </p:style>
+          </p:cxnSp>
+          <p:sp>
+            <p:nvSpPr>
+              <p:cNvPr id="21" name="TextBox 20">
+                <a:extLst>
+                  <a:ext uri="{FF2B5EF4-FFF2-40B4-BE49-F238E27FC236}">
+                    <a16:creationId xmlns:a16="http://schemas.microsoft.com/office/drawing/2014/main" id="{8ABA3702-FDEA-4415-A84E-0B0DE85A8781}"/>
+                  </a:ext>
+                </a:extLst>
+              </p:cNvPr>
+              <p:cNvSpPr txBox="1"/>
+              <p:nvPr/>
+            </p:nvSpPr>
+            <p:spPr>
+              <a:xfrm>
+                <a:off x="3484266" y="2660042"/>
+                <a:ext cx="1191021" cy="267932"/>
+              </a:xfrm>
+              <a:prstGeom prst="rect">
+                <a:avLst/>
+              </a:prstGeom>
+              <a:noFill/>
+            </p:spPr>
+            <p:txBody>
+              <a:bodyPr wrap="square" rtlCol="0">
+                <a:spAutoFit/>
+              </a:bodyPr>
+              <a:lstStyle/>
+              <a:p>
+                <a:r>
+                  <a:rPr lang="en-AU" sz="3600" dirty="0">
+                    <a:latin typeface="Arial" panose="020B0604020202020204" pitchFamily="34" charset="0"/>
+                    <a:cs typeface="Arial" panose="020B0604020202020204" pitchFamily="34" charset="0"/>
+                  </a:rPr>
+                  <a:t>Incongruent</a:t>
+                </a:r>
+              </a:p>
+            </p:txBody>
+          </p:sp>
+          <p:pic>
+            <p:nvPicPr>
+              <p:cNvPr id="22" name="Picture 21">
+                <a:extLst>
+                  <a:ext uri="{FF2B5EF4-FFF2-40B4-BE49-F238E27FC236}">
+                    <a16:creationId xmlns:a16="http://schemas.microsoft.com/office/drawing/2014/main" id="{D23B3952-4BC6-45F9-86C9-8165BDC02170}"/>
+                  </a:ext>
+                </a:extLst>
+              </p:cNvPr>
+              <p:cNvPicPr>
+                <a:picLocks noChangeAspect="1"/>
+              </p:cNvPicPr>
+              <p:nvPr/>
+            </p:nvPicPr>
+            <p:blipFill>
+              <a:blip r:embed="rId9">
+                <a:extLst>
+                  <a:ext uri="{28A0092B-C50C-407E-A947-70E740481C1C}">
+                    <a14:useLocalDpi xmlns:a14="http://schemas.microsoft.com/office/drawing/2010/main" val="0"/>
+                  </a:ext>
+                </a:extLst>
+              </a:blip>
+              <a:stretch>
+                <a:fillRect/>
+              </a:stretch>
+            </p:blipFill>
+            <p:spPr>
+              <a:xfrm>
+                <a:off x="3537578" y="1702152"/>
+                <a:ext cx="947370" cy="947370"/>
+              </a:xfrm>
+              <a:prstGeom prst="rect">
+                <a:avLst/>
+              </a:prstGeom>
+            </p:spPr>
+          </p:pic>
+          <p:pic>
+            <p:nvPicPr>
+              <p:cNvPr id="23" name="Picture 22">
+                <a:extLst>
+                  <a:ext uri="{FF2B5EF4-FFF2-40B4-BE49-F238E27FC236}">
+                    <a16:creationId xmlns:a16="http://schemas.microsoft.com/office/drawing/2014/main" id="{52753763-963D-4ABA-98A0-0CE629DD331C}"/>
+                  </a:ext>
+                </a:extLst>
+              </p:cNvPr>
+              <p:cNvPicPr>
+                <a:picLocks noChangeAspect="1"/>
+              </p:cNvPicPr>
+              <p:nvPr/>
+            </p:nvPicPr>
+            <p:blipFill>
+              <a:blip r:embed="rId7">
+                <a:extLst>
+                  <a:ext uri="{28A0092B-C50C-407E-A947-70E740481C1C}">
+                    <a14:useLocalDpi xmlns:a14="http://schemas.microsoft.com/office/drawing/2010/main" val="0"/>
+                  </a:ext>
+                </a:extLst>
+              </a:blip>
+              <a:stretch>
+                <a:fillRect/>
+              </a:stretch>
+            </p:blipFill>
+            <p:spPr>
+              <a:xfrm>
+                <a:off x="4761989" y="1614014"/>
+                <a:ext cx="442245" cy="439257"/>
+              </a:xfrm>
+              <a:prstGeom prst="rect">
+                <a:avLst/>
+              </a:prstGeom>
+            </p:spPr>
+          </p:pic>
+          <p:pic>
+            <p:nvPicPr>
+              <p:cNvPr id="24" name="Picture 23">
+                <a:extLst>
+                  <a:ext uri="{FF2B5EF4-FFF2-40B4-BE49-F238E27FC236}">
+                    <a16:creationId xmlns:a16="http://schemas.microsoft.com/office/drawing/2014/main" id="{93E16084-1697-4819-8059-483F61A03153}"/>
+                  </a:ext>
+                </a:extLst>
+              </p:cNvPr>
+              <p:cNvPicPr>
+                <a:picLocks noChangeAspect="1"/>
+              </p:cNvPicPr>
+              <p:nvPr/>
+            </p:nvPicPr>
+            <p:blipFill>
+              <a:blip r:embed="rId8">
+                <a:extLst>
+                  <a:ext uri="{28A0092B-C50C-407E-A947-70E740481C1C}">
+                    <a14:useLocalDpi xmlns:a14="http://schemas.microsoft.com/office/drawing/2010/main" val="0"/>
+                  </a:ext>
+                </a:extLst>
+              </a:blip>
+              <a:stretch>
+                <a:fillRect/>
+              </a:stretch>
+            </p:blipFill>
+            <p:spPr>
+              <a:xfrm>
+                <a:off x="4762443" y="2332220"/>
+                <a:ext cx="442245" cy="439257"/>
+              </a:xfrm>
+              <a:prstGeom prst="rect">
+                <a:avLst/>
+              </a:prstGeom>
+            </p:spPr>
+          </p:pic>
+        </p:grpSp>
+        <p:grpSp>
+          <p:nvGrpSpPr>
+            <p:cNvPr id="28" name="Group 27">
+              <a:extLst>
+                <a:ext uri="{FF2B5EF4-FFF2-40B4-BE49-F238E27FC236}">
+                  <a16:creationId xmlns:a16="http://schemas.microsoft.com/office/drawing/2014/main" id="{053353F5-DA92-4669-A8CC-C56BAF06BA09}"/>
+                </a:ext>
+              </a:extLst>
+            </p:cNvPr>
+            <p:cNvGrpSpPr/>
+            <p:nvPr/>
+          </p:nvGrpSpPr>
+          <p:grpSpPr>
+            <a:xfrm>
+              <a:off x="20242035" y="22400151"/>
+              <a:ext cx="4245949" cy="3248376"/>
+              <a:chOff x="6096000" y="3492421"/>
+              <a:chExt cx="1698920" cy="1299764"/>
+            </a:xfrm>
+          </p:grpSpPr>
+          <p:cxnSp>
+            <p:nvCxnSpPr>
+              <p:cNvPr id="29" name="Straight Arrow Connector 28">
+                <a:extLst>
+                  <a:ext uri="{FF2B5EF4-FFF2-40B4-BE49-F238E27FC236}">
+                    <a16:creationId xmlns:a16="http://schemas.microsoft.com/office/drawing/2014/main" id="{E32C7F82-6209-462D-AA91-E78D34BE1F21}"/>
+                  </a:ext>
+                </a:extLst>
+              </p:cNvPr>
+              <p:cNvCxnSpPr>
+                <a:cxnSpLocks/>
+              </p:cNvCxnSpPr>
+              <p:nvPr/>
+            </p:nvCxnSpPr>
+            <p:spPr>
+              <a:xfrm flipV="1">
+                <a:off x="7049867" y="3693568"/>
+                <a:ext cx="289816" cy="398314"/>
+              </a:xfrm>
+              <a:prstGeom prst="straightConnector1">
+                <a:avLst/>
+              </a:prstGeom>
+              <a:ln w="19050">
+                <a:tailEnd type="triangle"/>
+              </a:ln>
+            </p:spPr>
+            <p:style>
+              <a:lnRef idx="1">
+                <a:schemeClr val="accent1"/>
+              </a:lnRef>
+              <a:fillRef idx="0">
+                <a:schemeClr val="accent1"/>
+              </a:fillRef>
+              <a:effectRef idx="0">
+                <a:schemeClr val="accent1"/>
+              </a:effectRef>
+              <a:fontRef idx="minor">
+                <a:schemeClr val="tx1"/>
+              </a:fontRef>
+            </p:style>
+          </p:cxnSp>
+          <p:cxnSp>
+            <p:nvCxnSpPr>
+              <p:cNvPr id="30" name="Straight Arrow Connector 29">
+                <a:extLst>
+                  <a:ext uri="{FF2B5EF4-FFF2-40B4-BE49-F238E27FC236}">
+                    <a16:creationId xmlns:a16="http://schemas.microsoft.com/office/drawing/2014/main" id="{EB987A23-A840-4D07-8228-28601CD63D32}"/>
+                  </a:ext>
+                </a:extLst>
+              </p:cNvPr>
+              <p:cNvCxnSpPr>
+                <a:cxnSpLocks/>
+              </p:cNvCxnSpPr>
+              <p:nvPr/>
+            </p:nvCxnSpPr>
+            <p:spPr>
+              <a:xfrm>
+                <a:off x="7049867" y="4091882"/>
+                <a:ext cx="296312" cy="394072"/>
+              </a:xfrm>
+              <a:prstGeom prst="straightConnector1">
+                <a:avLst/>
+              </a:prstGeom>
+              <a:ln w="19050">
+                <a:tailEnd type="triangle"/>
+              </a:ln>
+            </p:spPr>
+            <p:style>
+              <a:lnRef idx="1">
+                <a:schemeClr val="accent1"/>
+              </a:lnRef>
+              <a:fillRef idx="0">
+                <a:schemeClr val="accent1"/>
+              </a:fillRef>
+              <a:effectRef idx="0">
+                <a:schemeClr val="accent1"/>
+              </a:effectRef>
+              <a:fontRef idx="minor">
+                <a:schemeClr val="tx1"/>
+              </a:fontRef>
+            </p:style>
+          </p:cxnSp>
+          <p:sp>
+            <p:nvSpPr>
+              <p:cNvPr id="31" name="TextBox 30">
+                <a:extLst>
+                  <a:ext uri="{FF2B5EF4-FFF2-40B4-BE49-F238E27FC236}">
+                    <a16:creationId xmlns:a16="http://schemas.microsoft.com/office/drawing/2014/main" id="{A6C0733C-406D-498E-A530-BFD1FB14284B}"/>
+                  </a:ext>
+                </a:extLst>
+              </p:cNvPr>
+              <p:cNvSpPr txBox="1"/>
+              <p:nvPr/>
+            </p:nvSpPr>
+            <p:spPr>
+              <a:xfrm>
+                <a:off x="6096000" y="4533570"/>
+                <a:ext cx="1023559" cy="258615"/>
+              </a:xfrm>
+              <a:prstGeom prst="rect">
+                <a:avLst/>
+              </a:prstGeom>
+              <a:noFill/>
+            </p:spPr>
+            <p:txBody>
+              <a:bodyPr wrap="square" rtlCol="0">
+                <a:spAutoFit/>
+              </a:bodyPr>
+              <a:lstStyle/>
+              <a:p>
+                <a:r>
+                  <a:rPr lang="en-AU" sz="3600" dirty="0">
+                    <a:latin typeface="Arial" panose="020B0604020202020204" pitchFamily="34" charset="0"/>
+                    <a:cs typeface="Arial" panose="020B0604020202020204" pitchFamily="34" charset="0"/>
+                  </a:rPr>
+                  <a:t>Congruent</a:t>
+                </a:r>
+              </a:p>
+            </p:txBody>
+          </p:sp>
+          <p:pic>
+            <p:nvPicPr>
+              <p:cNvPr id="32" name="Picture 31">
+                <a:extLst>
+                  <a:ext uri="{FF2B5EF4-FFF2-40B4-BE49-F238E27FC236}">
+                    <a16:creationId xmlns:a16="http://schemas.microsoft.com/office/drawing/2014/main" id="{C4F84143-20BC-4FD9-BC0F-B8AFF2FBEE29}"/>
+                  </a:ext>
+                </a:extLst>
+              </p:cNvPr>
+              <p:cNvPicPr>
+                <a:picLocks noChangeAspect="1"/>
+              </p:cNvPicPr>
+              <p:nvPr/>
+            </p:nvPicPr>
+            <p:blipFill>
+              <a:blip r:embed="rId10">
+                <a:extLst>
+                  <a:ext uri="{28A0092B-C50C-407E-A947-70E740481C1C}">
+                    <a14:useLocalDpi xmlns:a14="http://schemas.microsoft.com/office/drawing/2010/main" val="0"/>
+                  </a:ext>
+                </a:extLst>
+              </a:blip>
+              <a:stretch>
+                <a:fillRect/>
+              </a:stretch>
+            </p:blipFill>
+            <p:spPr>
+              <a:xfrm>
+                <a:off x="6096001" y="3608442"/>
+                <a:ext cx="947370" cy="947370"/>
+              </a:xfrm>
+              <a:prstGeom prst="rect">
+                <a:avLst/>
+              </a:prstGeom>
+            </p:spPr>
+          </p:pic>
+          <p:pic>
+            <p:nvPicPr>
+              <p:cNvPr id="33" name="Picture 32">
+                <a:extLst>
+                  <a:ext uri="{FF2B5EF4-FFF2-40B4-BE49-F238E27FC236}">
+                    <a16:creationId xmlns:a16="http://schemas.microsoft.com/office/drawing/2014/main" id="{03E072CE-2959-4F37-9C83-94B0187FF73F}"/>
+                  </a:ext>
+                </a:extLst>
+              </p:cNvPr>
+              <p:cNvPicPr>
+                <a:picLocks noChangeAspect="1"/>
+              </p:cNvPicPr>
+              <p:nvPr/>
+            </p:nvPicPr>
+            <p:blipFill>
+              <a:blip r:embed="rId11">
+                <a:extLst>
+                  <a:ext uri="{28A0092B-C50C-407E-A947-70E740481C1C}">
+                    <a14:useLocalDpi xmlns:a14="http://schemas.microsoft.com/office/drawing/2010/main" val="0"/>
+                  </a:ext>
+                </a:extLst>
+              </a:blip>
+              <a:stretch>
+                <a:fillRect/>
+              </a:stretch>
+            </p:blipFill>
+            <p:spPr>
+              <a:xfrm>
+                <a:off x="7347749" y="3492421"/>
+                <a:ext cx="442245" cy="445253"/>
+              </a:xfrm>
+              <a:prstGeom prst="rect">
+                <a:avLst/>
+              </a:prstGeom>
+            </p:spPr>
+          </p:pic>
+          <p:pic>
+            <p:nvPicPr>
+              <p:cNvPr id="34" name="Picture 33">
+                <a:extLst>
+                  <a:ext uri="{FF2B5EF4-FFF2-40B4-BE49-F238E27FC236}">
+                    <a16:creationId xmlns:a16="http://schemas.microsoft.com/office/drawing/2014/main" id="{DBE48297-4EF6-4D5A-B2BD-D5295FD2A9B8}"/>
+                  </a:ext>
+                </a:extLst>
+              </p:cNvPr>
+              <p:cNvPicPr>
+                <a:picLocks noChangeAspect="1"/>
+              </p:cNvPicPr>
+              <p:nvPr/>
+            </p:nvPicPr>
+            <p:blipFill>
+              <a:blip r:embed="rId12">
+                <a:extLst>
+                  <a:ext uri="{28A0092B-C50C-407E-A947-70E740481C1C}">
+                    <a14:useLocalDpi xmlns:a14="http://schemas.microsoft.com/office/drawing/2010/main" val="0"/>
+                  </a:ext>
+                </a:extLst>
+              </a:blip>
+              <a:stretch>
+                <a:fillRect/>
+              </a:stretch>
+            </p:blipFill>
+            <p:spPr>
+              <a:xfrm>
+                <a:off x="7352675" y="4263327"/>
+                <a:ext cx="442245" cy="445253"/>
+              </a:xfrm>
+              <a:prstGeom prst="rect">
+                <a:avLst/>
+              </a:prstGeom>
+            </p:spPr>
+          </p:pic>
+        </p:grpSp>
+        <p:grpSp>
+          <p:nvGrpSpPr>
+            <p:cNvPr id="35" name="Group 34">
+              <a:extLst>
+                <a:ext uri="{FF2B5EF4-FFF2-40B4-BE49-F238E27FC236}">
+                  <a16:creationId xmlns:a16="http://schemas.microsoft.com/office/drawing/2014/main" id="{B1DE1D6E-E8B3-437A-9BFD-99EEFC823000}"/>
+                </a:ext>
+              </a:extLst>
+            </p:cNvPr>
+            <p:cNvGrpSpPr/>
+            <p:nvPr/>
+          </p:nvGrpSpPr>
+          <p:grpSpPr>
+            <a:xfrm>
+              <a:off x="25091078" y="22311390"/>
+              <a:ext cx="4401996" cy="3413829"/>
+              <a:chOff x="2845906" y="3470941"/>
+              <a:chExt cx="1651687" cy="1357148"/>
+            </a:xfrm>
+          </p:grpSpPr>
+          <p:cxnSp>
+            <p:nvCxnSpPr>
+              <p:cNvPr id="36" name="Straight Arrow Connector 35">
+                <a:extLst>
+                  <a:ext uri="{FF2B5EF4-FFF2-40B4-BE49-F238E27FC236}">
+                    <a16:creationId xmlns:a16="http://schemas.microsoft.com/office/drawing/2014/main" id="{24A6F06B-7485-491E-BE26-3827B4D3641A}"/>
+                  </a:ext>
+                </a:extLst>
+              </p:cNvPr>
+              <p:cNvCxnSpPr>
+                <a:cxnSpLocks/>
+              </p:cNvCxnSpPr>
+              <p:nvPr/>
+            </p:nvCxnSpPr>
+            <p:spPr>
+              <a:xfrm flipV="1">
+                <a:off x="3769143" y="3695383"/>
+                <a:ext cx="256600" cy="413381"/>
+              </a:xfrm>
+              <a:prstGeom prst="straightConnector1">
+                <a:avLst/>
+              </a:prstGeom>
+              <a:ln w="19050">
+                <a:solidFill>
+                  <a:srgbClr val="C00000"/>
+                </a:solidFill>
+                <a:tailEnd type="triangle"/>
+              </a:ln>
+            </p:spPr>
+            <p:style>
+              <a:lnRef idx="1">
+                <a:schemeClr val="accent1"/>
+              </a:lnRef>
+              <a:fillRef idx="0">
+                <a:schemeClr val="accent1"/>
+              </a:fillRef>
+              <a:effectRef idx="0">
+                <a:schemeClr val="accent1"/>
+              </a:effectRef>
+              <a:fontRef idx="minor">
+                <a:schemeClr val="tx1"/>
+              </a:fontRef>
+            </p:style>
+          </p:cxnSp>
+          <p:cxnSp>
+            <p:nvCxnSpPr>
+              <p:cNvPr id="37" name="Straight Arrow Connector 36">
+                <a:extLst>
+                  <a:ext uri="{FF2B5EF4-FFF2-40B4-BE49-F238E27FC236}">
+                    <a16:creationId xmlns:a16="http://schemas.microsoft.com/office/drawing/2014/main" id="{80D60CCF-83F1-4FA0-9EE1-AA33364F43F0}"/>
+                  </a:ext>
+                </a:extLst>
+              </p:cNvPr>
+              <p:cNvCxnSpPr>
+                <a:cxnSpLocks/>
+              </p:cNvCxnSpPr>
+              <p:nvPr/>
+            </p:nvCxnSpPr>
+            <p:spPr>
+              <a:xfrm>
+                <a:off x="3777560" y="4122983"/>
+                <a:ext cx="256598" cy="413381"/>
+              </a:xfrm>
+              <a:prstGeom prst="straightConnector1">
+                <a:avLst/>
+              </a:prstGeom>
+              <a:ln w="19050">
+                <a:solidFill>
+                  <a:srgbClr val="C00000"/>
+                </a:solidFill>
+                <a:tailEnd type="triangle"/>
+              </a:ln>
+            </p:spPr>
+            <p:style>
+              <a:lnRef idx="1">
+                <a:schemeClr val="accent1"/>
+              </a:lnRef>
+              <a:fillRef idx="0">
+                <a:schemeClr val="accent1"/>
+              </a:fillRef>
+              <a:effectRef idx="0">
+                <a:schemeClr val="accent1"/>
+              </a:effectRef>
+              <a:fontRef idx="minor">
+                <a:schemeClr val="tx1"/>
+              </a:fontRef>
+            </p:style>
+          </p:cxnSp>
+          <p:sp>
+            <p:nvSpPr>
+              <p:cNvPr id="38" name="TextBox 37">
+                <a:extLst>
+                  <a:ext uri="{FF2B5EF4-FFF2-40B4-BE49-F238E27FC236}">
+                    <a16:creationId xmlns:a16="http://schemas.microsoft.com/office/drawing/2014/main" id="{A487191C-4827-4380-8ACE-C4E73D726A93}"/>
+                  </a:ext>
+                </a:extLst>
+              </p:cNvPr>
+              <p:cNvSpPr txBox="1"/>
+              <p:nvPr/>
+            </p:nvSpPr>
+            <p:spPr>
+              <a:xfrm>
+                <a:off x="2845906" y="4546673"/>
+                <a:ext cx="1132311" cy="281416"/>
+              </a:xfrm>
+              <a:prstGeom prst="rect">
+                <a:avLst/>
+              </a:prstGeom>
+              <a:noFill/>
+            </p:spPr>
+            <p:txBody>
+              <a:bodyPr wrap="square" rtlCol="0">
+                <a:spAutoFit/>
+              </a:bodyPr>
+              <a:lstStyle/>
+              <a:p>
+                <a:r>
+                  <a:rPr lang="en-AU" sz="4000" dirty="0">
+                    <a:latin typeface="Arial" panose="020B0604020202020204" pitchFamily="34" charset="0"/>
+                    <a:cs typeface="Arial" panose="020B0604020202020204" pitchFamily="34" charset="0"/>
+                  </a:rPr>
+                  <a:t>Incongruent</a:t>
+                </a:r>
+                <a:endParaRPr lang="en-AU" sz="3600" dirty="0">
                   <a:latin typeface="Arial" panose="020B0604020202020204" pitchFamily="34" charset="0"/>
                   <a:cs typeface="Arial" panose="020B0604020202020204" pitchFamily="34" charset="0"/>
-                </a:rPr>
-                <a:t>Congruent</a:t>
-              </a:r>
-            </a:p>
-          </p:txBody>
-        </p:sp>
-        <p:pic>
-          <p:nvPicPr>
-            <p:cNvPr id="12" name="Picture 11">
-              <a:extLst>
-                <a:ext uri="{FF2B5EF4-FFF2-40B4-BE49-F238E27FC236}">
-                  <a16:creationId xmlns:a16="http://schemas.microsoft.com/office/drawing/2014/main" id="{44F4107C-BC4F-4889-BFA5-237DCAEA65E4}"/>
-                </a:ext>
-              </a:extLst>
-            </p:cNvPr>
-            <p:cNvPicPr>
-              <a:picLocks noChangeAspect="1"/>
-            </p:cNvPicPr>
-            <p:nvPr/>
-          </p:nvPicPr>
-          <p:blipFill>
-            <a:blip r:embed="rId6">
-              <a:extLst>
-                <a:ext uri="{28A0092B-C50C-407E-A947-70E740481C1C}">
-                  <a14:useLocalDpi xmlns:a14="http://schemas.microsoft.com/office/drawing/2010/main" val="0"/>
-                </a:ext>
-              </a:extLst>
-            </a:blip>
-            <a:stretch>
-              <a:fillRect/>
-            </a:stretch>
-          </p:blipFill>
-          <p:spPr>
-            <a:xfrm>
-              <a:off x="7307063" y="1812808"/>
-              <a:ext cx="947371" cy="947371"/>
-            </a:xfrm>
-            <a:prstGeom prst="rect">
-              <a:avLst/>
-            </a:prstGeom>
-          </p:spPr>
-        </p:pic>
-        <p:pic>
-          <p:nvPicPr>
-            <p:cNvPr id="13" name="Picture 12">
-              <a:extLst>
-                <a:ext uri="{FF2B5EF4-FFF2-40B4-BE49-F238E27FC236}">
-                  <a16:creationId xmlns:a16="http://schemas.microsoft.com/office/drawing/2014/main" id="{F0F96D4C-40A8-4566-BBFC-404B625D119C}"/>
-                </a:ext>
-              </a:extLst>
-            </p:cNvPr>
-            <p:cNvPicPr>
-              <a:picLocks noChangeAspect="1"/>
-            </p:cNvPicPr>
-            <p:nvPr/>
-          </p:nvPicPr>
-          <p:blipFill>
-            <a:blip r:embed="rId7">
-              <a:extLst>
-                <a:ext uri="{28A0092B-C50C-407E-A947-70E740481C1C}">
-                  <a14:useLocalDpi xmlns:a14="http://schemas.microsoft.com/office/drawing/2010/main" val="0"/>
-                </a:ext>
-              </a:extLst>
-            </a:blip>
-            <a:stretch>
-              <a:fillRect/>
-            </a:stretch>
-          </p:blipFill>
-          <p:spPr>
-            <a:xfrm>
-              <a:off x="8526105" y="1722207"/>
-              <a:ext cx="442245" cy="439257"/>
-            </a:xfrm>
-            <a:prstGeom prst="rect">
-              <a:avLst/>
-            </a:prstGeom>
-          </p:spPr>
-        </p:pic>
-        <p:pic>
-          <p:nvPicPr>
-            <p:cNvPr id="14" name="Picture 13">
-              <a:extLst>
-                <a:ext uri="{FF2B5EF4-FFF2-40B4-BE49-F238E27FC236}">
-                  <a16:creationId xmlns:a16="http://schemas.microsoft.com/office/drawing/2014/main" id="{B1220AE5-FEAD-4715-BE7D-E8453214318E}"/>
-                </a:ext>
-              </a:extLst>
-            </p:cNvPr>
-            <p:cNvPicPr>
-              <a:picLocks noChangeAspect="1"/>
-            </p:cNvPicPr>
-            <p:nvPr/>
-          </p:nvPicPr>
-          <p:blipFill>
-            <a:blip r:embed="rId8">
-              <a:extLst>
-                <a:ext uri="{28A0092B-C50C-407E-A947-70E740481C1C}">
-                  <a14:useLocalDpi xmlns:a14="http://schemas.microsoft.com/office/drawing/2010/main" val="0"/>
-                </a:ext>
-              </a:extLst>
-            </a:blip>
-            <a:stretch>
-              <a:fillRect/>
-            </a:stretch>
-          </p:blipFill>
-          <p:spPr>
-            <a:xfrm>
-              <a:off x="8526559" y="2440413"/>
-              <a:ext cx="442245" cy="439257"/>
-            </a:xfrm>
-            <a:prstGeom prst="rect">
-              <a:avLst/>
-            </a:prstGeom>
-          </p:spPr>
-        </p:pic>
-      </p:grpSp>
-      <p:grpSp>
-        <p:nvGrpSpPr>
-          <p:cNvPr id="18" name="Group 17">
-            <a:extLst>
-              <a:ext uri="{FF2B5EF4-FFF2-40B4-BE49-F238E27FC236}">
-                <a16:creationId xmlns:a16="http://schemas.microsoft.com/office/drawing/2014/main" id="{581BC81E-33CA-458A-8FEF-86DB3A182405}"/>
-              </a:ext>
-            </a:extLst>
-          </p:cNvPr>
-          <p:cNvGrpSpPr/>
-          <p:nvPr/>
-        </p:nvGrpSpPr>
-        <p:grpSpPr>
-          <a:xfrm>
-            <a:off x="25096667" y="18327064"/>
-            <a:ext cx="4150158" cy="3169654"/>
-            <a:chOff x="3484266" y="1614014"/>
-            <a:chExt cx="1720422" cy="1313960"/>
-          </a:xfrm>
-        </p:grpSpPr>
-        <p:cxnSp>
-          <p:nvCxnSpPr>
-            <p:cNvPr id="19" name="Straight Arrow Connector 18">
-              <a:extLst>
-                <a:ext uri="{FF2B5EF4-FFF2-40B4-BE49-F238E27FC236}">
-                  <a16:creationId xmlns:a16="http://schemas.microsoft.com/office/drawing/2014/main" id="{4DCB6709-1DDB-41D9-B4AA-C6B6C021D8FA}"/>
-                </a:ext>
-              </a:extLst>
-            </p:cNvPr>
-            <p:cNvCxnSpPr>
-              <a:cxnSpLocks/>
-            </p:cNvCxnSpPr>
-            <p:nvPr/>
-          </p:nvCxnSpPr>
-          <p:spPr>
-            <a:xfrm flipV="1">
-              <a:off x="4491539" y="1835718"/>
-              <a:ext cx="256211" cy="381284"/>
-            </a:xfrm>
-            <a:prstGeom prst="straightConnector1">
-              <a:avLst/>
-            </a:prstGeom>
-            <a:ln w="19050">
-              <a:solidFill>
-                <a:srgbClr val="C00000"/>
-              </a:solidFill>
-              <a:tailEnd type="triangle"/>
-            </a:ln>
-          </p:spPr>
-          <p:style>
-            <a:lnRef idx="1">
-              <a:schemeClr val="accent1"/>
-            </a:lnRef>
-            <a:fillRef idx="0">
-              <a:schemeClr val="accent1"/>
-            </a:fillRef>
-            <a:effectRef idx="0">
-              <a:schemeClr val="accent1"/>
-            </a:effectRef>
-            <a:fontRef idx="minor">
-              <a:schemeClr val="tx1"/>
-            </a:fontRef>
-          </p:style>
-        </p:cxnSp>
-        <p:cxnSp>
-          <p:nvCxnSpPr>
-            <p:cNvPr id="20" name="Straight Arrow Connector 19">
-              <a:extLst>
-                <a:ext uri="{FF2B5EF4-FFF2-40B4-BE49-F238E27FC236}">
-                  <a16:creationId xmlns:a16="http://schemas.microsoft.com/office/drawing/2014/main" id="{D86629A7-477E-4D5D-83EC-B60ED7B168D7}"/>
-                </a:ext>
-              </a:extLst>
-            </p:cNvPr>
-            <p:cNvCxnSpPr>
-              <a:cxnSpLocks/>
-            </p:cNvCxnSpPr>
-            <p:nvPr/>
-          </p:nvCxnSpPr>
-          <p:spPr>
-            <a:xfrm>
-              <a:off x="4491539" y="2217002"/>
-              <a:ext cx="256958" cy="362852"/>
-            </a:xfrm>
-            <a:prstGeom prst="straightConnector1">
-              <a:avLst/>
-            </a:prstGeom>
-            <a:ln w="19050">
-              <a:solidFill>
-                <a:srgbClr val="C00000"/>
-              </a:solidFill>
-              <a:tailEnd type="triangle"/>
-            </a:ln>
-          </p:spPr>
-          <p:style>
-            <a:lnRef idx="1">
-              <a:schemeClr val="accent1"/>
-            </a:lnRef>
-            <a:fillRef idx="0">
-              <a:schemeClr val="accent1"/>
-            </a:fillRef>
-            <a:effectRef idx="0">
-              <a:schemeClr val="accent1"/>
-            </a:effectRef>
-            <a:fontRef idx="minor">
-              <a:schemeClr val="tx1"/>
-            </a:fontRef>
-          </p:style>
-        </p:cxnSp>
-        <p:sp>
-          <p:nvSpPr>
-            <p:cNvPr id="21" name="TextBox 20">
-              <a:extLst>
-                <a:ext uri="{FF2B5EF4-FFF2-40B4-BE49-F238E27FC236}">
-                  <a16:creationId xmlns:a16="http://schemas.microsoft.com/office/drawing/2014/main" id="{8ABA3702-FDEA-4415-A84E-0B0DE85A8781}"/>
-                </a:ext>
-              </a:extLst>
-            </p:cNvPr>
-            <p:cNvSpPr txBox="1"/>
-            <p:nvPr/>
-          </p:nvSpPr>
-          <p:spPr>
-            <a:xfrm>
-              <a:off x="3484266" y="2660042"/>
-              <a:ext cx="1191021" cy="267932"/>
-            </a:xfrm>
-            <a:prstGeom prst="rect">
-              <a:avLst/>
-            </a:prstGeom>
-            <a:noFill/>
-          </p:spPr>
-          <p:txBody>
-            <a:bodyPr wrap="square" rtlCol="0">
-              <a:spAutoFit/>
-            </a:bodyPr>
-            <a:lstStyle/>
-            <a:p>
-              <a:r>
-                <a:rPr lang="en-AU" sz="3600" dirty="0">
-                  <a:latin typeface="Arial" panose="020B0604020202020204" pitchFamily="34" charset="0"/>
-                  <a:cs typeface="Arial" panose="020B0604020202020204" pitchFamily="34" charset="0"/>
-                </a:rPr>
-                <a:t>Incongruent</a:t>
-              </a:r>
-            </a:p>
-          </p:txBody>
-        </p:sp>
-        <p:pic>
-          <p:nvPicPr>
-            <p:cNvPr id="22" name="Picture 21">
-              <a:extLst>
-                <a:ext uri="{FF2B5EF4-FFF2-40B4-BE49-F238E27FC236}">
-                  <a16:creationId xmlns:a16="http://schemas.microsoft.com/office/drawing/2014/main" id="{D23B3952-4BC6-45F9-86C9-8165BDC02170}"/>
-                </a:ext>
-              </a:extLst>
-            </p:cNvPr>
-            <p:cNvPicPr>
-              <a:picLocks noChangeAspect="1"/>
-            </p:cNvPicPr>
-            <p:nvPr/>
-          </p:nvPicPr>
-          <p:blipFill>
-            <a:blip r:embed="rId9">
-              <a:extLst>
-                <a:ext uri="{28A0092B-C50C-407E-A947-70E740481C1C}">
-                  <a14:useLocalDpi xmlns:a14="http://schemas.microsoft.com/office/drawing/2010/main" val="0"/>
-                </a:ext>
-              </a:extLst>
-            </a:blip>
-            <a:stretch>
-              <a:fillRect/>
-            </a:stretch>
-          </p:blipFill>
-          <p:spPr>
-            <a:xfrm>
-              <a:off x="3537578" y="1702152"/>
-              <a:ext cx="947370" cy="947370"/>
-            </a:xfrm>
-            <a:prstGeom prst="rect">
-              <a:avLst/>
-            </a:prstGeom>
-          </p:spPr>
-        </p:pic>
-        <p:pic>
-          <p:nvPicPr>
-            <p:cNvPr id="23" name="Picture 22">
-              <a:extLst>
-                <a:ext uri="{FF2B5EF4-FFF2-40B4-BE49-F238E27FC236}">
-                  <a16:creationId xmlns:a16="http://schemas.microsoft.com/office/drawing/2014/main" id="{52753763-963D-4ABA-98A0-0CE629DD331C}"/>
-                </a:ext>
-              </a:extLst>
-            </p:cNvPr>
-            <p:cNvPicPr>
-              <a:picLocks noChangeAspect="1"/>
-            </p:cNvPicPr>
-            <p:nvPr/>
-          </p:nvPicPr>
-          <p:blipFill>
-            <a:blip r:embed="rId7">
-              <a:extLst>
-                <a:ext uri="{28A0092B-C50C-407E-A947-70E740481C1C}">
-                  <a14:useLocalDpi xmlns:a14="http://schemas.microsoft.com/office/drawing/2010/main" val="0"/>
-                </a:ext>
-              </a:extLst>
-            </a:blip>
-            <a:stretch>
-              <a:fillRect/>
-            </a:stretch>
-          </p:blipFill>
-          <p:spPr>
-            <a:xfrm>
-              <a:off x="4761989" y="1614014"/>
-              <a:ext cx="442245" cy="439257"/>
-            </a:xfrm>
-            <a:prstGeom prst="rect">
-              <a:avLst/>
-            </a:prstGeom>
-          </p:spPr>
-        </p:pic>
-        <p:pic>
-          <p:nvPicPr>
-            <p:cNvPr id="24" name="Picture 23">
-              <a:extLst>
-                <a:ext uri="{FF2B5EF4-FFF2-40B4-BE49-F238E27FC236}">
-                  <a16:creationId xmlns:a16="http://schemas.microsoft.com/office/drawing/2014/main" id="{93E16084-1697-4819-8059-483F61A03153}"/>
-                </a:ext>
-              </a:extLst>
-            </p:cNvPr>
-            <p:cNvPicPr>
-              <a:picLocks noChangeAspect="1"/>
-            </p:cNvPicPr>
-            <p:nvPr/>
-          </p:nvPicPr>
-          <p:blipFill>
-            <a:blip r:embed="rId8">
-              <a:extLst>
-                <a:ext uri="{28A0092B-C50C-407E-A947-70E740481C1C}">
-                  <a14:useLocalDpi xmlns:a14="http://schemas.microsoft.com/office/drawing/2010/main" val="0"/>
-                </a:ext>
-              </a:extLst>
-            </a:blip>
-            <a:stretch>
-              <a:fillRect/>
-            </a:stretch>
-          </p:blipFill>
-          <p:spPr>
-            <a:xfrm>
-              <a:off x="4762443" y="2332220"/>
-              <a:ext cx="442245" cy="439257"/>
-            </a:xfrm>
-            <a:prstGeom prst="rect">
-              <a:avLst/>
-            </a:prstGeom>
-          </p:spPr>
-        </p:pic>
-      </p:grpSp>
-      <p:grpSp>
-        <p:nvGrpSpPr>
-          <p:cNvPr id="28" name="Group 27">
-            <a:extLst>
-              <a:ext uri="{FF2B5EF4-FFF2-40B4-BE49-F238E27FC236}">
-                <a16:creationId xmlns:a16="http://schemas.microsoft.com/office/drawing/2014/main" id="{053353F5-DA92-4669-A8CC-C56BAF06BA09}"/>
-              </a:ext>
-            </a:extLst>
-          </p:cNvPr>
-          <p:cNvGrpSpPr/>
-          <p:nvPr/>
-        </p:nvGrpSpPr>
-        <p:grpSpPr>
-          <a:xfrm>
-            <a:off x="20242035" y="22400151"/>
-            <a:ext cx="4245949" cy="3248376"/>
-            <a:chOff x="6096000" y="3492421"/>
-            <a:chExt cx="1698920" cy="1299764"/>
-          </a:xfrm>
-        </p:grpSpPr>
-        <p:cxnSp>
-          <p:nvCxnSpPr>
-            <p:cNvPr id="29" name="Straight Arrow Connector 28">
-              <a:extLst>
-                <a:ext uri="{FF2B5EF4-FFF2-40B4-BE49-F238E27FC236}">
-                  <a16:creationId xmlns:a16="http://schemas.microsoft.com/office/drawing/2014/main" id="{E32C7F82-6209-462D-AA91-E78D34BE1F21}"/>
-                </a:ext>
-              </a:extLst>
-            </p:cNvPr>
-            <p:cNvCxnSpPr>
-              <a:cxnSpLocks/>
-            </p:cNvCxnSpPr>
-            <p:nvPr/>
-          </p:nvCxnSpPr>
-          <p:spPr>
-            <a:xfrm flipV="1">
-              <a:off x="7049867" y="3693568"/>
-              <a:ext cx="289816" cy="398314"/>
-            </a:xfrm>
-            <a:prstGeom prst="straightConnector1">
-              <a:avLst/>
-            </a:prstGeom>
-            <a:ln w="19050">
-              <a:tailEnd type="triangle"/>
-            </a:ln>
-          </p:spPr>
-          <p:style>
-            <a:lnRef idx="1">
-              <a:schemeClr val="accent1"/>
-            </a:lnRef>
-            <a:fillRef idx="0">
-              <a:schemeClr val="accent1"/>
-            </a:fillRef>
-            <a:effectRef idx="0">
-              <a:schemeClr val="accent1"/>
-            </a:effectRef>
-            <a:fontRef idx="minor">
-              <a:schemeClr val="tx1"/>
-            </a:fontRef>
-          </p:style>
-        </p:cxnSp>
-        <p:cxnSp>
-          <p:nvCxnSpPr>
-            <p:cNvPr id="30" name="Straight Arrow Connector 29">
-              <a:extLst>
-                <a:ext uri="{FF2B5EF4-FFF2-40B4-BE49-F238E27FC236}">
-                  <a16:creationId xmlns:a16="http://schemas.microsoft.com/office/drawing/2014/main" id="{EB987A23-A840-4D07-8228-28601CD63D32}"/>
-                </a:ext>
-              </a:extLst>
-            </p:cNvPr>
-            <p:cNvCxnSpPr>
-              <a:cxnSpLocks/>
-            </p:cNvCxnSpPr>
-            <p:nvPr/>
-          </p:nvCxnSpPr>
-          <p:spPr>
-            <a:xfrm>
-              <a:off x="7049867" y="4091882"/>
-              <a:ext cx="296312" cy="394072"/>
-            </a:xfrm>
-            <a:prstGeom prst="straightConnector1">
-              <a:avLst/>
-            </a:prstGeom>
-            <a:ln w="19050">
-              <a:tailEnd type="triangle"/>
-            </a:ln>
-          </p:spPr>
-          <p:style>
-            <a:lnRef idx="1">
-              <a:schemeClr val="accent1"/>
-            </a:lnRef>
-            <a:fillRef idx="0">
-              <a:schemeClr val="accent1"/>
-            </a:fillRef>
-            <a:effectRef idx="0">
-              <a:schemeClr val="accent1"/>
-            </a:effectRef>
-            <a:fontRef idx="minor">
-              <a:schemeClr val="tx1"/>
-            </a:fontRef>
-          </p:style>
-        </p:cxnSp>
-        <p:sp>
-          <p:nvSpPr>
-            <p:cNvPr id="31" name="TextBox 30">
-              <a:extLst>
-                <a:ext uri="{FF2B5EF4-FFF2-40B4-BE49-F238E27FC236}">
-                  <a16:creationId xmlns:a16="http://schemas.microsoft.com/office/drawing/2014/main" id="{A6C0733C-406D-498E-A530-BFD1FB14284B}"/>
-                </a:ext>
-              </a:extLst>
-            </p:cNvPr>
-            <p:cNvSpPr txBox="1"/>
-            <p:nvPr/>
-          </p:nvSpPr>
-          <p:spPr>
-            <a:xfrm>
-              <a:off x="6096000" y="4533570"/>
-              <a:ext cx="1023559" cy="258615"/>
-            </a:xfrm>
-            <a:prstGeom prst="rect">
-              <a:avLst/>
-            </a:prstGeom>
-            <a:noFill/>
-          </p:spPr>
-          <p:txBody>
-            <a:bodyPr wrap="square" rtlCol="0">
-              <a:spAutoFit/>
-            </a:bodyPr>
-            <a:lstStyle/>
-            <a:p>
-              <a:r>
-                <a:rPr lang="en-AU" sz="3600" dirty="0">
-                  <a:latin typeface="Arial" panose="020B0604020202020204" pitchFamily="34" charset="0"/>
-                  <a:cs typeface="Arial" panose="020B0604020202020204" pitchFamily="34" charset="0"/>
-                </a:rPr>
-                <a:t>Congruent</a:t>
-              </a:r>
-            </a:p>
-          </p:txBody>
-        </p:sp>
-        <p:pic>
-          <p:nvPicPr>
-            <p:cNvPr id="32" name="Picture 31">
-              <a:extLst>
-                <a:ext uri="{FF2B5EF4-FFF2-40B4-BE49-F238E27FC236}">
-                  <a16:creationId xmlns:a16="http://schemas.microsoft.com/office/drawing/2014/main" id="{C4F84143-20BC-4FD9-BC0F-B8AFF2FBEE29}"/>
-                </a:ext>
-              </a:extLst>
-            </p:cNvPr>
-            <p:cNvPicPr>
-              <a:picLocks noChangeAspect="1"/>
-            </p:cNvPicPr>
-            <p:nvPr/>
-          </p:nvPicPr>
-          <p:blipFill>
-            <a:blip r:embed="rId10">
-              <a:extLst>
-                <a:ext uri="{28A0092B-C50C-407E-A947-70E740481C1C}">
-                  <a14:useLocalDpi xmlns:a14="http://schemas.microsoft.com/office/drawing/2010/main" val="0"/>
-                </a:ext>
-              </a:extLst>
-            </a:blip>
-            <a:stretch>
-              <a:fillRect/>
-            </a:stretch>
-          </p:blipFill>
-          <p:spPr>
-            <a:xfrm>
-              <a:off x="6096001" y="3608442"/>
-              <a:ext cx="947370" cy="947370"/>
-            </a:xfrm>
-            <a:prstGeom prst="rect">
-              <a:avLst/>
-            </a:prstGeom>
-          </p:spPr>
-        </p:pic>
-        <p:pic>
-          <p:nvPicPr>
-            <p:cNvPr id="33" name="Picture 32">
-              <a:extLst>
-                <a:ext uri="{FF2B5EF4-FFF2-40B4-BE49-F238E27FC236}">
-                  <a16:creationId xmlns:a16="http://schemas.microsoft.com/office/drawing/2014/main" id="{03E072CE-2959-4F37-9C83-94B0187FF73F}"/>
-                </a:ext>
-              </a:extLst>
-            </p:cNvPr>
-            <p:cNvPicPr>
-              <a:picLocks noChangeAspect="1"/>
-            </p:cNvPicPr>
-            <p:nvPr/>
-          </p:nvPicPr>
-          <p:blipFill>
-            <a:blip r:embed="rId11">
-              <a:extLst>
-                <a:ext uri="{28A0092B-C50C-407E-A947-70E740481C1C}">
-                  <a14:useLocalDpi xmlns:a14="http://schemas.microsoft.com/office/drawing/2010/main" val="0"/>
-                </a:ext>
-              </a:extLst>
-            </a:blip>
-            <a:stretch>
-              <a:fillRect/>
-            </a:stretch>
-          </p:blipFill>
-          <p:spPr>
-            <a:xfrm>
-              <a:off x="7347749" y="3492421"/>
-              <a:ext cx="442245" cy="445253"/>
-            </a:xfrm>
-            <a:prstGeom prst="rect">
-              <a:avLst/>
-            </a:prstGeom>
-          </p:spPr>
-        </p:pic>
-        <p:pic>
-          <p:nvPicPr>
-            <p:cNvPr id="34" name="Picture 33">
-              <a:extLst>
-                <a:ext uri="{FF2B5EF4-FFF2-40B4-BE49-F238E27FC236}">
-                  <a16:creationId xmlns:a16="http://schemas.microsoft.com/office/drawing/2014/main" id="{DBE48297-4EF6-4D5A-B2BD-D5295FD2A9B8}"/>
-                </a:ext>
-              </a:extLst>
-            </p:cNvPr>
-            <p:cNvPicPr>
-              <a:picLocks noChangeAspect="1"/>
-            </p:cNvPicPr>
-            <p:nvPr/>
-          </p:nvPicPr>
-          <p:blipFill>
-            <a:blip r:embed="rId12">
-              <a:extLst>
-                <a:ext uri="{28A0092B-C50C-407E-A947-70E740481C1C}">
-                  <a14:useLocalDpi xmlns:a14="http://schemas.microsoft.com/office/drawing/2010/main" val="0"/>
-                </a:ext>
-              </a:extLst>
-            </a:blip>
-            <a:stretch>
-              <a:fillRect/>
-            </a:stretch>
-          </p:blipFill>
-          <p:spPr>
-            <a:xfrm>
-              <a:off x="7352675" y="4263327"/>
-              <a:ext cx="442245" cy="445253"/>
-            </a:xfrm>
-            <a:prstGeom prst="rect">
-              <a:avLst/>
-            </a:prstGeom>
-          </p:spPr>
-        </p:pic>
-      </p:grpSp>
-      <p:grpSp>
-        <p:nvGrpSpPr>
-          <p:cNvPr id="35" name="Group 34">
-            <a:extLst>
-              <a:ext uri="{FF2B5EF4-FFF2-40B4-BE49-F238E27FC236}">
-                <a16:creationId xmlns:a16="http://schemas.microsoft.com/office/drawing/2014/main" id="{B1DE1D6E-E8B3-437A-9BFD-99EEFC823000}"/>
-              </a:ext>
-            </a:extLst>
-          </p:cNvPr>
-          <p:cNvGrpSpPr/>
-          <p:nvPr/>
-        </p:nvGrpSpPr>
-        <p:grpSpPr>
-          <a:xfrm>
-            <a:off x="25091078" y="22311390"/>
-            <a:ext cx="4401996" cy="3413829"/>
-            <a:chOff x="2845906" y="3470941"/>
-            <a:chExt cx="1651687" cy="1357148"/>
-          </a:xfrm>
-        </p:grpSpPr>
-        <p:cxnSp>
-          <p:nvCxnSpPr>
-            <p:cNvPr id="36" name="Straight Arrow Connector 35">
-              <a:extLst>
-                <a:ext uri="{FF2B5EF4-FFF2-40B4-BE49-F238E27FC236}">
-                  <a16:creationId xmlns:a16="http://schemas.microsoft.com/office/drawing/2014/main" id="{24A6F06B-7485-491E-BE26-3827B4D3641A}"/>
-                </a:ext>
-              </a:extLst>
-            </p:cNvPr>
-            <p:cNvCxnSpPr>
-              <a:cxnSpLocks/>
-            </p:cNvCxnSpPr>
-            <p:nvPr/>
-          </p:nvCxnSpPr>
-          <p:spPr>
-            <a:xfrm flipV="1">
-              <a:off x="3769143" y="3695383"/>
-              <a:ext cx="256600" cy="413381"/>
-            </a:xfrm>
-            <a:prstGeom prst="straightConnector1">
-              <a:avLst/>
-            </a:prstGeom>
-            <a:ln w="19050">
-              <a:solidFill>
-                <a:srgbClr val="C00000"/>
-              </a:solidFill>
-              <a:tailEnd type="triangle"/>
-            </a:ln>
-          </p:spPr>
-          <p:style>
-            <a:lnRef idx="1">
-              <a:schemeClr val="accent1"/>
-            </a:lnRef>
-            <a:fillRef idx="0">
-              <a:schemeClr val="accent1"/>
-            </a:fillRef>
-            <a:effectRef idx="0">
-              <a:schemeClr val="accent1"/>
-            </a:effectRef>
-            <a:fontRef idx="minor">
-              <a:schemeClr val="tx1"/>
-            </a:fontRef>
-          </p:style>
-        </p:cxnSp>
-        <p:cxnSp>
-          <p:nvCxnSpPr>
-            <p:cNvPr id="37" name="Straight Arrow Connector 36">
-              <a:extLst>
-                <a:ext uri="{FF2B5EF4-FFF2-40B4-BE49-F238E27FC236}">
-                  <a16:creationId xmlns:a16="http://schemas.microsoft.com/office/drawing/2014/main" id="{80D60CCF-83F1-4FA0-9EE1-AA33364F43F0}"/>
-                </a:ext>
-              </a:extLst>
-            </p:cNvPr>
-            <p:cNvCxnSpPr>
-              <a:cxnSpLocks/>
-            </p:cNvCxnSpPr>
-            <p:nvPr/>
-          </p:nvCxnSpPr>
-          <p:spPr>
-            <a:xfrm>
-              <a:off x="3777560" y="4122983"/>
-              <a:ext cx="256598" cy="413381"/>
-            </a:xfrm>
-            <a:prstGeom prst="straightConnector1">
-              <a:avLst/>
-            </a:prstGeom>
-            <a:ln w="19050">
-              <a:solidFill>
-                <a:srgbClr val="C00000"/>
-              </a:solidFill>
-              <a:tailEnd type="triangle"/>
-            </a:ln>
-          </p:spPr>
-          <p:style>
-            <a:lnRef idx="1">
-              <a:schemeClr val="accent1"/>
-            </a:lnRef>
-            <a:fillRef idx="0">
-              <a:schemeClr val="accent1"/>
-            </a:fillRef>
-            <a:effectRef idx="0">
-              <a:schemeClr val="accent1"/>
-            </a:effectRef>
-            <a:fontRef idx="minor">
-              <a:schemeClr val="tx1"/>
-            </a:fontRef>
-          </p:style>
-        </p:cxnSp>
-        <p:sp>
-          <p:nvSpPr>
-            <p:cNvPr id="38" name="TextBox 37">
-              <a:extLst>
-                <a:ext uri="{FF2B5EF4-FFF2-40B4-BE49-F238E27FC236}">
-                  <a16:creationId xmlns:a16="http://schemas.microsoft.com/office/drawing/2014/main" id="{A487191C-4827-4380-8ACE-C4E73D726A93}"/>
-                </a:ext>
-              </a:extLst>
-            </p:cNvPr>
-            <p:cNvSpPr txBox="1"/>
-            <p:nvPr/>
-          </p:nvSpPr>
-          <p:spPr>
-            <a:xfrm>
-              <a:off x="2845906" y="4546673"/>
-              <a:ext cx="1132311" cy="281416"/>
-            </a:xfrm>
-            <a:prstGeom prst="rect">
-              <a:avLst/>
-            </a:prstGeom>
-            <a:noFill/>
-          </p:spPr>
-          <p:txBody>
-            <a:bodyPr wrap="square" rtlCol="0">
-              <a:spAutoFit/>
-            </a:bodyPr>
-            <a:lstStyle/>
-            <a:p>
-              <a:r>
-                <a:rPr lang="en-AU" sz="4000" dirty="0">
-                  <a:latin typeface="Arial" panose="020B0604020202020204" pitchFamily="34" charset="0"/>
-                  <a:cs typeface="Arial" panose="020B0604020202020204" pitchFamily="34" charset="0"/>
-                </a:rPr>
-                <a:t>Incongruent</a:t>
-              </a:r>
-              <a:endParaRPr lang="en-AU" sz="3600" dirty="0">
-                <a:latin typeface="Arial" panose="020B0604020202020204" pitchFamily="34" charset="0"/>
-                <a:cs typeface="Arial" panose="020B0604020202020204" pitchFamily="34" charset="0"/>
-              </a:endParaRPr>
-            </a:p>
-          </p:txBody>
-        </p:sp>
-        <p:pic>
-          <p:nvPicPr>
-            <p:cNvPr id="39" name="Picture 38">
-              <a:extLst>
-                <a:ext uri="{FF2B5EF4-FFF2-40B4-BE49-F238E27FC236}">
-                  <a16:creationId xmlns:a16="http://schemas.microsoft.com/office/drawing/2014/main" id="{BB1C4A80-DE5D-4302-97A9-15246B00AF4D}"/>
-                </a:ext>
-              </a:extLst>
-            </p:cNvPr>
-            <p:cNvPicPr>
-              <a:picLocks noChangeAspect="1"/>
-            </p:cNvPicPr>
-            <p:nvPr/>
-          </p:nvPicPr>
-          <p:blipFill>
-            <a:blip r:embed="rId13">
-              <a:extLst>
-                <a:ext uri="{28A0092B-C50C-407E-A947-70E740481C1C}">
-                  <a14:useLocalDpi xmlns:a14="http://schemas.microsoft.com/office/drawing/2010/main" val="0"/>
-                </a:ext>
-              </a:extLst>
-            </a:blip>
-            <a:stretch>
-              <a:fillRect/>
-            </a:stretch>
-          </p:blipFill>
-          <p:spPr>
-            <a:xfrm>
-              <a:off x="2892936" y="3619165"/>
-              <a:ext cx="892806" cy="947370"/>
-            </a:xfrm>
-            <a:prstGeom prst="rect">
-              <a:avLst/>
-            </a:prstGeom>
-          </p:spPr>
-        </p:pic>
-        <p:pic>
-          <p:nvPicPr>
-            <p:cNvPr id="40" name="Picture 39">
-              <a:extLst>
-                <a:ext uri="{FF2B5EF4-FFF2-40B4-BE49-F238E27FC236}">
-                  <a16:creationId xmlns:a16="http://schemas.microsoft.com/office/drawing/2014/main" id="{FDA34554-8D54-4019-92D0-EE79A60707AB}"/>
-                </a:ext>
-              </a:extLst>
-            </p:cNvPr>
-            <p:cNvPicPr>
-              <a:picLocks noChangeAspect="1"/>
-            </p:cNvPicPr>
-            <p:nvPr/>
-          </p:nvPicPr>
-          <p:blipFill>
-            <a:blip r:embed="rId11">
-              <a:extLst>
-                <a:ext uri="{28A0092B-C50C-407E-A947-70E740481C1C}">
-                  <a14:useLocalDpi xmlns:a14="http://schemas.microsoft.com/office/drawing/2010/main" val="0"/>
-                </a:ext>
-              </a:extLst>
-            </a:blip>
-            <a:stretch>
-              <a:fillRect/>
-            </a:stretch>
-          </p:blipFill>
-          <p:spPr>
-            <a:xfrm>
-              <a:off x="4040797" y="3470941"/>
-              <a:ext cx="442245" cy="445253"/>
-            </a:xfrm>
-            <a:prstGeom prst="rect">
-              <a:avLst/>
-            </a:prstGeom>
-          </p:spPr>
-        </p:pic>
-        <p:pic>
-          <p:nvPicPr>
-            <p:cNvPr id="41" name="Picture 40">
-              <a:extLst>
-                <a:ext uri="{FF2B5EF4-FFF2-40B4-BE49-F238E27FC236}">
-                  <a16:creationId xmlns:a16="http://schemas.microsoft.com/office/drawing/2014/main" id="{727F6E52-3D65-47A0-A5D1-8508930492E5}"/>
-                </a:ext>
-              </a:extLst>
-            </p:cNvPr>
-            <p:cNvPicPr>
-              <a:picLocks noChangeAspect="1"/>
-            </p:cNvPicPr>
-            <p:nvPr/>
-          </p:nvPicPr>
-          <p:blipFill>
-            <a:blip r:embed="rId12">
-              <a:extLst>
-                <a:ext uri="{28A0092B-C50C-407E-A947-70E740481C1C}">
-                  <a14:useLocalDpi xmlns:a14="http://schemas.microsoft.com/office/drawing/2010/main" val="0"/>
-                </a:ext>
-              </a:extLst>
-            </a:blip>
-            <a:stretch>
-              <a:fillRect/>
-            </a:stretch>
-          </p:blipFill>
-          <p:spPr>
-            <a:xfrm>
-              <a:off x="4055348" y="4239152"/>
-              <a:ext cx="442245" cy="445253"/>
-            </a:xfrm>
-            <a:prstGeom prst="rect">
-              <a:avLst/>
-            </a:prstGeom>
-          </p:spPr>
-        </p:pic>
-      </p:grpSp>
-      <p:grpSp>
-        <p:nvGrpSpPr>
-          <p:cNvPr id="58" name="Group 57">
-            <a:extLst>
-              <a:ext uri="{FF2B5EF4-FFF2-40B4-BE49-F238E27FC236}">
-                <a16:creationId xmlns:a16="http://schemas.microsoft.com/office/drawing/2014/main" id="{7046CCFC-1D2B-43E8-AA5C-D1C2533487E0}"/>
-              </a:ext>
-            </a:extLst>
-          </p:cNvPr>
-          <p:cNvGrpSpPr/>
-          <p:nvPr/>
-        </p:nvGrpSpPr>
-        <p:grpSpPr>
-          <a:xfrm>
-            <a:off x="17415164" y="17842872"/>
-            <a:ext cx="8994337" cy="1077204"/>
-            <a:chOff x="17373600" y="14600903"/>
-            <a:chExt cx="8994337" cy="1077204"/>
-          </a:xfrm>
-        </p:grpSpPr>
-        <p:cxnSp>
-          <p:nvCxnSpPr>
-            <p:cNvPr id="52" name="Straight Connector 51">
-              <a:extLst>
-                <a:ext uri="{FF2B5EF4-FFF2-40B4-BE49-F238E27FC236}">
-                  <a16:creationId xmlns:a16="http://schemas.microsoft.com/office/drawing/2014/main" id="{77FD64CB-E8B3-4DC2-B8E2-0BC6E4295EB9}"/>
-                </a:ext>
-              </a:extLst>
-            </p:cNvPr>
-            <p:cNvCxnSpPr/>
-            <p:nvPr/>
-          </p:nvCxnSpPr>
-          <p:spPr>
-            <a:xfrm>
-              <a:off x="17373600" y="14600903"/>
-              <a:ext cx="8952773" cy="0"/>
-            </a:xfrm>
-            <a:prstGeom prst="line">
-              <a:avLst/>
-            </a:prstGeom>
-            <a:ln w="57150">
-              <a:solidFill>
-                <a:srgbClr val="C00000"/>
-              </a:solidFill>
-              <a:prstDash val="sysDot"/>
-            </a:ln>
-          </p:spPr>
-          <p:style>
-            <a:lnRef idx="1">
-              <a:schemeClr val="accent1"/>
-            </a:lnRef>
-            <a:fillRef idx="0">
-              <a:schemeClr val="accent1"/>
-            </a:fillRef>
-            <a:effectRef idx="0">
-              <a:schemeClr val="accent1"/>
-            </a:effectRef>
-            <a:fontRef idx="minor">
-              <a:schemeClr val="tx1"/>
-            </a:fontRef>
-          </p:style>
-        </p:cxnSp>
-        <p:cxnSp>
-          <p:nvCxnSpPr>
-            <p:cNvPr id="54" name="Straight Arrow Connector 53">
-              <a:extLst>
-                <a:ext uri="{FF2B5EF4-FFF2-40B4-BE49-F238E27FC236}">
-                  <a16:creationId xmlns:a16="http://schemas.microsoft.com/office/drawing/2014/main" id="{D3289661-02DD-4BDB-B745-437C74C7BBDD}"/>
-                </a:ext>
-              </a:extLst>
-            </p:cNvPr>
-            <p:cNvCxnSpPr>
-              <a:cxnSpLocks/>
-            </p:cNvCxnSpPr>
-            <p:nvPr/>
-          </p:nvCxnSpPr>
-          <p:spPr>
-            <a:xfrm>
-              <a:off x="26367937" y="14600904"/>
-              <a:ext cx="0" cy="696807"/>
-            </a:xfrm>
-            <a:prstGeom prst="straightConnector1">
-              <a:avLst/>
-            </a:prstGeom>
-            <a:ln w="57150">
-              <a:solidFill>
-                <a:srgbClr val="C00000"/>
-              </a:solidFill>
-              <a:prstDash val="sysDot"/>
-              <a:tailEnd type="triangle"/>
-            </a:ln>
-          </p:spPr>
-          <p:style>
-            <a:lnRef idx="1">
-              <a:schemeClr val="accent1"/>
-            </a:lnRef>
-            <a:fillRef idx="0">
-              <a:schemeClr val="accent1"/>
-            </a:fillRef>
-            <a:effectRef idx="0">
-              <a:schemeClr val="accent1"/>
-            </a:effectRef>
-            <a:fontRef idx="minor">
-              <a:schemeClr val="tx1"/>
-            </a:fontRef>
-          </p:style>
-        </p:cxnSp>
-        <p:cxnSp>
-          <p:nvCxnSpPr>
-            <p:cNvPr id="57" name="Straight Connector 56">
-              <a:extLst>
-                <a:ext uri="{FF2B5EF4-FFF2-40B4-BE49-F238E27FC236}">
-                  <a16:creationId xmlns:a16="http://schemas.microsoft.com/office/drawing/2014/main" id="{4103A71F-CB9F-45F1-9DE9-B44B25ADDBBF}"/>
-                </a:ext>
-              </a:extLst>
-            </p:cNvPr>
-            <p:cNvCxnSpPr/>
-            <p:nvPr/>
-          </p:nvCxnSpPr>
-          <p:spPr>
-            <a:xfrm>
-              <a:off x="17373600" y="14600903"/>
-              <a:ext cx="0" cy="1077204"/>
-            </a:xfrm>
-            <a:prstGeom prst="line">
-              <a:avLst/>
-            </a:prstGeom>
-            <a:ln w="57150">
-              <a:solidFill>
-                <a:srgbClr val="C00000"/>
-              </a:solidFill>
-              <a:prstDash val="sysDot"/>
-            </a:ln>
-          </p:spPr>
-          <p:style>
-            <a:lnRef idx="1">
-              <a:schemeClr val="accent1"/>
-            </a:lnRef>
-            <a:fillRef idx="0">
-              <a:schemeClr val="accent1"/>
-            </a:fillRef>
-            <a:effectRef idx="0">
-              <a:schemeClr val="accent1"/>
-            </a:effectRef>
-            <a:fontRef idx="minor">
-              <a:schemeClr val="tx1"/>
-            </a:fontRef>
-          </p:style>
-        </p:cxnSp>
-      </p:grpSp>
-      <p:grpSp>
-        <p:nvGrpSpPr>
-          <p:cNvPr id="64" name="Group 63">
-            <a:extLst>
-              <a:ext uri="{FF2B5EF4-FFF2-40B4-BE49-F238E27FC236}">
-                <a16:creationId xmlns:a16="http://schemas.microsoft.com/office/drawing/2014/main" id="{F30ED9D2-E93A-4C5B-BF5D-E971F26F9003}"/>
-              </a:ext>
-            </a:extLst>
-          </p:cNvPr>
-          <p:cNvGrpSpPr/>
-          <p:nvPr/>
-        </p:nvGrpSpPr>
-        <p:grpSpPr>
-          <a:xfrm>
-            <a:off x="16264797" y="24883195"/>
-            <a:ext cx="10103140" cy="1143228"/>
-            <a:chOff x="16223232" y="21641225"/>
-            <a:chExt cx="10294351" cy="1395755"/>
-          </a:xfrm>
-        </p:grpSpPr>
-        <p:cxnSp>
-          <p:nvCxnSpPr>
-            <p:cNvPr id="60" name="Straight Connector 59">
-              <a:extLst>
-                <a:ext uri="{FF2B5EF4-FFF2-40B4-BE49-F238E27FC236}">
-                  <a16:creationId xmlns:a16="http://schemas.microsoft.com/office/drawing/2014/main" id="{95768FA4-CD83-43FE-8E36-8A566A3D3645}"/>
-                </a:ext>
-              </a:extLst>
-            </p:cNvPr>
-            <p:cNvCxnSpPr/>
-            <p:nvPr/>
-          </p:nvCxnSpPr>
-          <p:spPr>
-            <a:xfrm flipV="1">
-              <a:off x="16223232" y="23036979"/>
-              <a:ext cx="10294351" cy="0"/>
-            </a:xfrm>
-            <a:prstGeom prst="line">
-              <a:avLst/>
-            </a:prstGeom>
-            <a:ln w="57150">
-              <a:solidFill>
-                <a:srgbClr val="C00000"/>
-              </a:solidFill>
-              <a:prstDash val="sysDot"/>
-            </a:ln>
-          </p:spPr>
-          <p:style>
-            <a:lnRef idx="1">
-              <a:schemeClr val="accent1"/>
-            </a:lnRef>
-            <a:fillRef idx="0">
-              <a:schemeClr val="accent1"/>
-            </a:fillRef>
-            <a:effectRef idx="0">
-              <a:schemeClr val="accent1"/>
-            </a:effectRef>
-            <a:fontRef idx="minor">
-              <a:schemeClr val="tx1"/>
-            </a:fontRef>
-          </p:style>
-        </p:cxnSp>
-        <p:cxnSp>
-          <p:nvCxnSpPr>
-            <p:cNvPr id="61" name="Straight Arrow Connector 60">
-              <a:extLst>
-                <a:ext uri="{FF2B5EF4-FFF2-40B4-BE49-F238E27FC236}">
-                  <a16:creationId xmlns:a16="http://schemas.microsoft.com/office/drawing/2014/main" id="{0F2438EC-A1D3-49FF-8529-E77CE70E6A00}"/>
-                </a:ext>
-              </a:extLst>
-            </p:cNvPr>
-            <p:cNvCxnSpPr>
-              <a:cxnSpLocks/>
-            </p:cNvCxnSpPr>
-            <p:nvPr/>
-          </p:nvCxnSpPr>
-          <p:spPr>
-            <a:xfrm flipV="1">
-              <a:off x="26517583" y="22471008"/>
-              <a:ext cx="0" cy="565971"/>
-            </a:xfrm>
-            <a:prstGeom prst="straightConnector1">
-              <a:avLst/>
-            </a:prstGeom>
-            <a:ln w="57150">
-              <a:solidFill>
-                <a:srgbClr val="C00000"/>
-              </a:solidFill>
-              <a:prstDash val="sysDot"/>
-              <a:tailEnd type="triangle"/>
-            </a:ln>
-          </p:spPr>
-          <p:style>
-            <a:lnRef idx="1">
-              <a:schemeClr val="accent1"/>
-            </a:lnRef>
-            <a:fillRef idx="0">
-              <a:schemeClr val="accent1"/>
-            </a:fillRef>
-            <a:effectRef idx="0">
-              <a:schemeClr val="accent1"/>
-            </a:effectRef>
-            <a:fontRef idx="minor">
-              <a:schemeClr val="tx1"/>
-            </a:fontRef>
-          </p:style>
-        </p:cxnSp>
-        <p:cxnSp>
-          <p:nvCxnSpPr>
-            <p:cNvPr id="62" name="Straight Connector 61">
-              <a:extLst>
-                <a:ext uri="{FF2B5EF4-FFF2-40B4-BE49-F238E27FC236}">
-                  <a16:creationId xmlns:a16="http://schemas.microsoft.com/office/drawing/2014/main" id="{42FDAEB5-C3C5-4BE8-8A63-DDC2C7D4302F}"/>
-                </a:ext>
-              </a:extLst>
-            </p:cNvPr>
-            <p:cNvCxnSpPr>
-              <a:cxnSpLocks/>
-            </p:cNvCxnSpPr>
-            <p:nvPr/>
-          </p:nvCxnSpPr>
-          <p:spPr>
-            <a:xfrm flipV="1">
-              <a:off x="16223232" y="21641225"/>
-              <a:ext cx="0" cy="1395755"/>
-            </a:xfrm>
-            <a:prstGeom prst="line">
-              <a:avLst/>
-            </a:prstGeom>
-            <a:ln w="57150">
-              <a:solidFill>
-                <a:srgbClr val="C00000"/>
-              </a:solidFill>
-              <a:prstDash val="sysDot"/>
-            </a:ln>
-          </p:spPr>
-          <p:style>
-            <a:lnRef idx="1">
-              <a:schemeClr val="accent1"/>
-            </a:lnRef>
-            <a:fillRef idx="0">
-              <a:schemeClr val="accent1"/>
-            </a:fillRef>
-            <a:effectRef idx="0">
-              <a:schemeClr val="accent1"/>
-            </a:effectRef>
-            <a:fontRef idx="minor">
-              <a:schemeClr val="tx1"/>
-            </a:fontRef>
-          </p:style>
-        </p:cxnSp>
-      </p:grpSp>
-      <p:grpSp>
-        <p:nvGrpSpPr>
-          <p:cNvPr id="65" name="Group 64">
-            <a:extLst>
-              <a:ext uri="{FF2B5EF4-FFF2-40B4-BE49-F238E27FC236}">
-                <a16:creationId xmlns:a16="http://schemas.microsoft.com/office/drawing/2014/main" id="{F122D730-5495-4408-89DE-5370C84A6E5D}"/>
-              </a:ext>
-            </a:extLst>
-          </p:cNvPr>
-          <p:cNvGrpSpPr/>
-          <p:nvPr/>
-        </p:nvGrpSpPr>
-        <p:grpSpPr>
-          <a:xfrm>
-            <a:off x="19226133" y="18066408"/>
-            <a:ext cx="2095667" cy="531016"/>
-            <a:chOff x="17373600" y="14600903"/>
-            <a:chExt cx="8952773" cy="820908"/>
-          </a:xfrm>
-        </p:grpSpPr>
-        <p:cxnSp>
-          <p:nvCxnSpPr>
-            <p:cNvPr id="66" name="Straight Connector 65">
-              <a:extLst>
-                <a:ext uri="{FF2B5EF4-FFF2-40B4-BE49-F238E27FC236}">
-                  <a16:creationId xmlns:a16="http://schemas.microsoft.com/office/drawing/2014/main" id="{1F1E6A9E-E932-4F2A-B383-C6091E95C248}"/>
-                </a:ext>
-              </a:extLst>
-            </p:cNvPr>
-            <p:cNvCxnSpPr/>
-            <p:nvPr/>
-          </p:nvCxnSpPr>
-          <p:spPr>
-            <a:xfrm>
-              <a:off x="17373600" y="14600903"/>
-              <a:ext cx="8952773" cy="0"/>
-            </a:xfrm>
-            <a:prstGeom prst="line">
-              <a:avLst/>
-            </a:prstGeom>
-            <a:ln w="57150">
-              <a:solidFill>
-                <a:schemeClr val="accent1">
-                  <a:lumMod val="75000"/>
-                </a:schemeClr>
-              </a:solidFill>
-              <a:prstDash val="sysDot"/>
-            </a:ln>
-          </p:spPr>
-          <p:style>
-            <a:lnRef idx="1">
-              <a:schemeClr val="accent1"/>
-            </a:lnRef>
-            <a:fillRef idx="0">
-              <a:schemeClr val="accent1"/>
-            </a:fillRef>
-            <a:effectRef idx="0">
-              <a:schemeClr val="accent1"/>
-            </a:effectRef>
-            <a:fontRef idx="minor">
-              <a:schemeClr val="tx1"/>
-            </a:fontRef>
-          </p:style>
-        </p:cxnSp>
-        <p:cxnSp>
-          <p:nvCxnSpPr>
-            <p:cNvPr id="67" name="Straight Arrow Connector 66">
-              <a:extLst>
-                <a:ext uri="{FF2B5EF4-FFF2-40B4-BE49-F238E27FC236}">
-                  <a16:creationId xmlns:a16="http://schemas.microsoft.com/office/drawing/2014/main" id="{D2DE46FE-1BF7-4D8E-B9F5-6605AEC8642D}"/>
-                </a:ext>
-              </a:extLst>
-            </p:cNvPr>
-            <p:cNvCxnSpPr>
-              <a:cxnSpLocks/>
-            </p:cNvCxnSpPr>
-            <p:nvPr/>
-          </p:nvCxnSpPr>
-          <p:spPr>
-            <a:xfrm>
-              <a:off x="26326373" y="14600903"/>
-              <a:ext cx="0" cy="820908"/>
-            </a:xfrm>
-            <a:prstGeom prst="straightConnector1">
-              <a:avLst/>
-            </a:prstGeom>
-            <a:ln w="57150">
-              <a:solidFill>
-                <a:schemeClr val="accent1">
-                  <a:lumMod val="75000"/>
-                </a:schemeClr>
-              </a:solidFill>
-              <a:prstDash val="sysDot"/>
-              <a:tailEnd type="triangle"/>
-            </a:ln>
-          </p:spPr>
-          <p:style>
-            <a:lnRef idx="1">
-              <a:schemeClr val="accent1"/>
-            </a:lnRef>
-            <a:fillRef idx="0">
-              <a:schemeClr val="accent1"/>
-            </a:fillRef>
-            <a:effectRef idx="0">
-              <a:schemeClr val="accent1"/>
-            </a:effectRef>
-            <a:fontRef idx="minor">
-              <a:schemeClr val="tx1"/>
-            </a:fontRef>
-          </p:style>
-        </p:cxnSp>
-        <p:cxnSp>
-          <p:nvCxnSpPr>
-            <p:cNvPr id="68" name="Straight Connector 67">
-              <a:extLst>
-                <a:ext uri="{FF2B5EF4-FFF2-40B4-BE49-F238E27FC236}">
-                  <a16:creationId xmlns:a16="http://schemas.microsoft.com/office/drawing/2014/main" id="{71F60640-4FEE-45CF-8253-6FD6B9ECC9A5}"/>
-                </a:ext>
-              </a:extLst>
-            </p:cNvPr>
-            <p:cNvCxnSpPr>
-              <a:cxnSpLocks/>
-            </p:cNvCxnSpPr>
-            <p:nvPr/>
-          </p:nvCxnSpPr>
-          <p:spPr>
-            <a:xfrm>
-              <a:off x="17373600" y="14600903"/>
-              <a:ext cx="0" cy="820908"/>
-            </a:xfrm>
-            <a:prstGeom prst="line">
-              <a:avLst/>
-            </a:prstGeom>
-            <a:ln w="57150">
-              <a:solidFill>
-                <a:schemeClr val="accent1">
-                  <a:lumMod val="75000"/>
-                </a:schemeClr>
-              </a:solidFill>
-              <a:prstDash val="sysDot"/>
-            </a:ln>
-          </p:spPr>
-          <p:style>
-            <a:lnRef idx="1">
-              <a:schemeClr val="accent1"/>
-            </a:lnRef>
-            <a:fillRef idx="0">
-              <a:schemeClr val="accent1"/>
-            </a:fillRef>
-            <a:effectRef idx="0">
-              <a:schemeClr val="accent1"/>
-            </a:effectRef>
-            <a:fontRef idx="minor">
-              <a:schemeClr val="tx1"/>
-            </a:fontRef>
-          </p:style>
-        </p:cxnSp>
-      </p:grpSp>
-      <p:grpSp>
-        <p:nvGrpSpPr>
-          <p:cNvPr id="71" name="Group 70">
-            <a:extLst>
-              <a:ext uri="{FF2B5EF4-FFF2-40B4-BE49-F238E27FC236}">
-                <a16:creationId xmlns:a16="http://schemas.microsoft.com/office/drawing/2014/main" id="{143BE323-35C0-4C6D-A796-89DB9DF0F0C9}"/>
-              </a:ext>
-            </a:extLst>
-          </p:cNvPr>
-          <p:cNvGrpSpPr/>
-          <p:nvPr/>
-        </p:nvGrpSpPr>
-        <p:grpSpPr>
-          <a:xfrm>
-            <a:off x="17130466" y="22279289"/>
-            <a:ext cx="4272694" cy="429138"/>
-            <a:chOff x="17373600" y="14600903"/>
-            <a:chExt cx="8952773" cy="820908"/>
-          </a:xfrm>
-        </p:grpSpPr>
-        <p:cxnSp>
-          <p:nvCxnSpPr>
-            <p:cNvPr id="72" name="Straight Connector 71">
-              <a:extLst>
-                <a:ext uri="{FF2B5EF4-FFF2-40B4-BE49-F238E27FC236}">
-                  <a16:creationId xmlns:a16="http://schemas.microsoft.com/office/drawing/2014/main" id="{080BC24B-C6B3-4E20-B352-69EBF2B793EF}"/>
-                </a:ext>
-              </a:extLst>
-            </p:cNvPr>
-            <p:cNvCxnSpPr/>
-            <p:nvPr/>
-          </p:nvCxnSpPr>
-          <p:spPr>
-            <a:xfrm>
-              <a:off x="17373600" y="14600903"/>
-              <a:ext cx="8952773" cy="0"/>
-            </a:xfrm>
-            <a:prstGeom prst="line">
-              <a:avLst/>
-            </a:prstGeom>
-            <a:ln w="57150">
-              <a:solidFill>
-                <a:schemeClr val="accent1">
-                  <a:lumMod val="75000"/>
-                </a:schemeClr>
-              </a:solidFill>
-              <a:prstDash val="sysDot"/>
-            </a:ln>
-          </p:spPr>
-          <p:style>
-            <a:lnRef idx="1">
-              <a:schemeClr val="accent1"/>
-            </a:lnRef>
-            <a:fillRef idx="0">
-              <a:schemeClr val="accent1"/>
-            </a:fillRef>
-            <a:effectRef idx="0">
-              <a:schemeClr val="accent1"/>
-            </a:effectRef>
-            <a:fontRef idx="minor">
-              <a:schemeClr val="tx1"/>
-            </a:fontRef>
-          </p:style>
-        </p:cxnSp>
-        <p:cxnSp>
-          <p:nvCxnSpPr>
-            <p:cNvPr id="73" name="Straight Arrow Connector 72">
-              <a:extLst>
-                <a:ext uri="{FF2B5EF4-FFF2-40B4-BE49-F238E27FC236}">
-                  <a16:creationId xmlns:a16="http://schemas.microsoft.com/office/drawing/2014/main" id="{5CD256B1-B0EA-4DB1-8D4D-C5DF136E74D2}"/>
-                </a:ext>
-              </a:extLst>
-            </p:cNvPr>
-            <p:cNvCxnSpPr>
-              <a:cxnSpLocks/>
-            </p:cNvCxnSpPr>
-            <p:nvPr/>
-          </p:nvCxnSpPr>
-          <p:spPr>
-            <a:xfrm>
-              <a:off x="26326373" y="14600903"/>
-              <a:ext cx="0" cy="820908"/>
-            </a:xfrm>
-            <a:prstGeom prst="straightConnector1">
-              <a:avLst/>
-            </a:prstGeom>
-            <a:ln w="57150">
-              <a:solidFill>
-                <a:schemeClr val="accent1">
-                  <a:lumMod val="75000"/>
-                </a:schemeClr>
-              </a:solidFill>
-              <a:prstDash val="sysDot"/>
-              <a:tailEnd type="triangle"/>
-            </a:ln>
-          </p:spPr>
-          <p:style>
-            <a:lnRef idx="1">
-              <a:schemeClr val="accent1"/>
-            </a:lnRef>
-            <a:fillRef idx="0">
-              <a:schemeClr val="accent1"/>
-            </a:fillRef>
-            <a:effectRef idx="0">
-              <a:schemeClr val="accent1"/>
-            </a:effectRef>
-            <a:fontRef idx="minor">
-              <a:schemeClr val="tx1"/>
-            </a:fontRef>
-          </p:style>
-        </p:cxnSp>
+                </a:endParaRPr>
+              </a:p>
+            </p:txBody>
+          </p:sp>
+          <p:pic>
+            <p:nvPicPr>
+              <p:cNvPr id="39" name="Picture 38">
+                <a:extLst>
+                  <a:ext uri="{FF2B5EF4-FFF2-40B4-BE49-F238E27FC236}">
+                    <a16:creationId xmlns:a16="http://schemas.microsoft.com/office/drawing/2014/main" id="{BB1C4A80-DE5D-4302-97A9-15246B00AF4D}"/>
+                  </a:ext>
+                </a:extLst>
+              </p:cNvPr>
+              <p:cNvPicPr>
+                <a:picLocks noChangeAspect="1"/>
+              </p:cNvPicPr>
+              <p:nvPr/>
+            </p:nvPicPr>
+            <p:blipFill>
+              <a:blip r:embed="rId13">
+                <a:extLst>
+                  <a:ext uri="{28A0092B-C50C-407E-A947-70E740481C1C}">
+                    <a14:useLocalDpi xmlns:a14="http://schemas.microsoft.com/office/drawing/2010/main" val="0"/>
+                  </a:ext>
+                </a:extLst>
+              </a:blip>
+              <a:stretch>
+                <a:fillRect/>
+              </a:stretch>
+            </p:blipFill>
+            <p:spPr>
+              <a:xfrm>
+                <a:off x="2892936" y="3619165"/>
+                <a:ext cx="892806" cy="947370"/>
+              </a:xfrm>
+              <a:prstGeom prst="rect">
+                <a:avLst/>
+              </a:prstGeom>
+            </p:spPr>
+          </p:pic>
+          <p:pic>
+            <p:nvPicPr>
+              <p:cNvPr id="40" name="Picture 39">
+                <a:extLst>
+                  <a:ext uri="{FF2B5EF4-FFF2-40B4-BE49-F238E27FC236}">
+                    <a16:creationId xmlns:a16="http://schemas.microsoft.com/office/drawing/2014/main" id="{FDA34554-8D54-4019-92D0-EE79A60707AB}"/>
+                  </a:ext>
+                </a:extLst>
+              </p:cNvPr>
+              <p:cNvPicPr>
+                <a:picLocks noChangeAspect="1"/>
+              </p:cNvPicPr>
+              <p:nvPr/>
+            </p:nvPicPr>
+            <p:blipFill>
+              <a:blip r:embed="rId11">
+                <a:extLst>
+                  <a:ext uri="{28A0092B-C50C-407E-A947-70E740481C1C}">
+                    <a14:useLocalDpi xmlns:a14="http://schemas.microsoft.com/office/drawing/2010/main" val="0"/>
+                  </a:ext>
+                </a:extLst>
+              </a:blip>
+              <a:stretch>
+                <a:fillRect/>
+              </a:stretch>
+            </p:blipFill>
+            <p:spPr>
+              <a:xfrm>
+                <a:off x="4040797" y="3470941"/>
+                <a:ext cx="442245" cy="445253"/>
+              </a:xfrm>
+              <a:prstGeom prst="rect">
+                <a:avLst/>
+              </a:prstGeom>
+            </p:spPr>
+          </p:pic>
+          <p:pic>
+            <p:nvPicPr>
+              <p:cNvPr id="41" name="Picture 40">
+                <a:extLst>
+                  <a:ext uri="{FF2B5EF4-FFF2-40B4-BE49-F238E27FC236}">
+                    <a16:creationId xmlns:a16="http://schemas.microsoft.com/office/drawing/2014/main" id="{727F6E52-3D65-47A0-A5D1-8508930492E5}"/>
+                  </a:ext>
+                </a:extLst>
+              </p:cNvPr>
+              <p:cNvPicPr>
+                <a:picLocks noChangeAspect="1"/>
+              </p:cNvPicPr>
+              <p:nvPr/>
+            </p:nvPicPr>
+            <p:blipFill>
+              <a:blip r:embed="rId12">
+                <a:extLst>
+                  <a:ext uri="{28A0092B-C50C-407E-A947-70E740481C1C}">
+                    <a14:useLocalDpi xmlns:a14="http://schemas.microsoft.com/office/drawing/2010/main" val="0"/>
+                  </a:ext>
+                </a:extLst>
+              </a:blip>
+              <a:stretch>
+                <a:fillRect/>
+              </a:stretch>
+            </p:blipFill>
+            <p:spPr>
+              <a:xfrm>
+                <a:off x="4055348" y="4239152"/>
+                <a:ext cx="442245" cy="445253"/>
+              </a:xfrm>
+              <a:prstGeom prst="rect">
+                <a:avLst/>
+              </a:prstGeom>
+            </p:spPr>
+          </p:pic>
+        </p:grpSp>
+        <p:grpSp>
+          <p:nvGrpSpPr>
+            <p:cNvPr id="58" name="Group 57">
+              <a:extLst>
+                <a:ext uri="{FF2B5EF4-FFF2-40B4-BE49-F238E27FC236}">
+                  <a16:creationId xmlns:a16="http://schemas.microsoft.com/office/drawing/2014/main" id="{7046CCFC-1D2B-43E8-AA5C-D1C2533487E0}"/>
+                </a:ext>
+              </a:extLst>
+            </p:cNvPr>
+            <p:cNvGrpSpPr/>
+            <p:nvPr/>
+          </p:nvGrpSpPr>
+          <p:grpSpPr>
+            <a:xfrm>
+              <a:off x="17475745" y="17842872"/>
+              <a:ext cx="8933756" cy="1180722"/>
+              <a:chOff x="17373600" y="14600903"/>
+              <a:chExt cx="8994337" cy="1077204"/>
+            </a:xfrm>
+          </p:grpSpPr>
+          <p:cxnSp>
+            <p:nvCxnSpPr>
+              <p:cNvPr id="52" name="Straight Connector 51">
+                <a:extLst>
+                  <a:ext uri="{FF2B5EF4-FFF2-40B4-BE49-F238E27FC236}">
+                    <a16:creationId xmlns:a16="http://schemas.microsoft.com/office/drawing/2014/main" id="{77FD64CB-E8B3-4DC2-B8E2-0BC6E4295EB9}"/>
+                  </a:ext>
+                </a:extLst>
+              </p:cNvPr>
+              <p:cNvCxnSpPr/>
+              <p:nvPr/>
+            </p:nvCxnSpPr>
+            <p:spPr>
+              <a:xfrm>
+                <a:off x="17373600" y="14600903"/>
+                <a:ext cx="8952773" cy="0"/>
+              </a:xfrm>
+              <a:prstGeom prst="line">
+                <a:avLst/>
+              </a:prstGeom>
+              <a:ln w="57150">
+                <a:solidFill>
+                  <a:srgbClr val="C00000"/>
+                </a:solidFill>
+                <a:prstDash val="sysDot"/>
+              </a:ln>
+            </p:spPr>
+            <p:style>
+              <a:lnRef idx="1">
+                <a:schemeClr val="accent1"/>
+              </a:lnRef>
+              <a:fillRef idx="0">
+                <a:schemeClr val="accent1"/>
+              </a:fillRef>
+              <a:effectRef idx="0">
+                <a:schemeClr val="accent1"/>
+              </a:effectRef>
+              <a:fontRef idx="minor">
+                <a:schemeClr val="tx1"/>
+              </a:fontRef>
+            </p:style>
+          </p:cxnSp>
+          <p:cxnSp>
+            <p:nvCxnSpPr>
+              <p:cNvPr id="54" name="Straight Arrow Connector 53">
+                <a:extLst>
+                  <a:ext uri="{FF2B5EF4-FFF2-40B4-BE49-F238E27FC236}">
+                    <a16:creationId xmlns:a16="http://schemas.microsoft.com/office/drawing/2014/main" id="{D3289661-02DD-4BDB-B745-437C74C7BBDD}"/>
+                  </a:ext>
+                </a:extLst>
+              </p:cNvPr>
+              <p:cNvCxnSpPr>
+                <a:cxnSpLocks/>
+              </p:cNvCxnSpPr>
+              <p:nvPr/>
+            </p:nvCxnSpPr>
+            <p:spPr>
+              <a:xfrm>
+                <a:off x="26367937" y="14600904"/>
+                <a:ext cx="0" cy="696807"/>
+              </a:xfrm>
+              <a:prstGeom prst="straightConnector1">
+                <a:avLst/>
+              </a:prstGeom>
+              <a:ln w="57150">
+                <a:solidFill>
+                  <a:srgbClr val="C00000"/>
+                </a:solidFill>
+                <a:prstDash val="sysDot"/>
+                <a:tailEnd type="triangle"/>
+              </a:ln>
+            </p:spPr>
+            <p:style>
+              <a:lnRef idx="1">
+                <a:schemeClr val="accent1"/>
+              </a:lnRef>
+              <a:fillRef idx="0">
+                <a:schemeClr val="accent1"/>
+              </a:fillRef>
+              <a:effectRef idx="0">
+                <a:schemeClr val="accent1"/>
+              </a:effectRef>
+              <a:fontRef idx="minor">
+                <a:schemeClr val="tx1"/>
+              </a:fontRef>
+            </p:style>
+          </p:cxnSp>
+          <p:cxnSp>
+            <p:nvCxnSpPr>
+              <p:cNvPr id="57" name="Straight Connector 56">
+                <a:extLst>
+                  <a:ext uri="{FF2B5EF4-FFF2-40B4-BE49-F238E27FC236}">
+                    <a16:creationId xmlns:a16="http://schemas.microsoft.com/office/drawing/2014/main" id="{4103A71F-CB9F-45F1-9DE9-B44B25ADDBBF}"/>
+                  </a:ext>
+                </a:extLst>
+              </p:cNvPr>
+              <p:cNvCxnSpPr/>
+              <p:nvPr/>
+            </p:nvCxnSpPr>
+            <p:spPr>
+              <a:xfrm>
+                <a:off x="17373600" y="14600903"/>
+                <a:ext cx="0" cy="1077204"/>
+              </a:xfrm>
+              <a:prstGeom prst="line">
+                <a:avLst/>
+              </a:prstGeom>
+              <a:ln w="57150">
+                <a:solidFill>
+                  <a:srgbClr val="C00000"/>
+                </a:solidFill>
+                <a:prstDash val="sysDot"/>
+              </a:ln>
+            </p:spPr>
+            <p:style>
+              <a:lnRef idx="1">
+                <a:schemeClr val="accent1"/>
+              </a:lnRef>
+              <a:fillRef idx="0">
+                <a:schemeClr val="accent1"/>
+              </a:fillRef>
+              <a:effectRef idx="0">
+                <a:schemeClr val="accent1"/>
+              </a:effectRef>
+              <a:fontRef idx="minor">
+                <a:schemeClr val="tx1"/>
+              </a:fontRef>
+            </p:style>
+          </p:cxnSp>
+        </p:grpSp>
+        <p:grpSp>
+          <p:nvGrpSpPr>
+            <p:cNvPr id="64" name="Group 63">
+              <a:extLst>
+                <a:ext uri="{FF2B5EF4-FFF2-40B4-BE49-F238E27FC236}">
+                  <a16:creationId xmlns:a16="http://schemas.microsoft.com/office/drawing/2014/main" id="{F30ED9D2-E93A-4C5B-BF5D-E971F26F9003}"/>
+                </a:ext>
+              </a:extLst>
+            </p:cNvPr>
+            <p:cNvGrpSpPr/>
+            <p:nvPr/>
+          </p:nvGrpSpPr>
+          <p:grpSpPr>
+            <a:xfrm>
+              <a:off x="16264797" y="24883195"/>
+              <a:ext cx="10103140" cy="1143228"/>
+              <a:chOff x="16223232" y="21641225"/>
+              <a:chExt cx="10294351" cy="1395755"/>
+            </a:xfrm>
+          </p:grpSpPr>
+          <p:cxnSp>
+            <p:nvCxnSpPr>
+              <p:cNvPr id="60" name="Straight Connector 59">
+                <a:extLst>
+                  <a:ext uri="{FF2B5EF4-FFF2-40B4-BE49-F238E27FC236}">
+                    <a16:creationId xmlns:a16="http://schemas.microsoft.com/office/drawing/2014/main" id="{95768FA4-CD83-43FE-8E36-8A566A3D3645}"/>
+                  </a:ext>
+                </a:extLst>
+              </p:cNvPr>
+              <p:cNvCxnSpPr/>
+              <p:nvPr/>
+            </p:nvCxnSpPr>
+            <p:spPr>
+              <a:xfrm flipV="1">
+                <a:off x="16223232" y="23036979"/>
+                <a:ext cx="10294351" cy="0"/>
+              </a:xfrm>
+              <a:prstGeom prst="line">
+                <a:avLst/>
+              </a:prstGeom>
+              <a:ln w="57150">
+                <a:solidFill>
+                  <a:srgbClr val="C00000"/>
+                </a:solidFill>
+                <a:prstDash val="sysDot"/>
+              </a:ln>
+            </p:spPr>
+            <p:style>
+              <a:lnRef idx="1">
+                <a:schemeClr val="accent1"/>
+              </a:lnRef>
+              <a:fillRef idx="0">
+                <a:schemeClr val="accent1"/>
+              </a:fillRef>
+              <a:effectRef idx="0">
+                <a:schemeClr val="accent1"/>
+              </a:effectRef>
+              <a:fontRef idx="minor">
+                <a:schemeClr val="tx1"/>
+              </a:fontRef>
+            </p:style>
+          </p:cxnSp>
+          <p:cxnSp>
+            <p:nvCxnSpPr>
+              <p:cNvPr id="61" name="Straight Arrow Connector 60">
+                <a:extLst>
+                  <a:ext uri="{FF2B5EF4-FFF2-40B4-BE49-F238E27FC236}">
+                    <a16:creationId xmlns:a16="http://schemas.microsoft.com/office/drawing/2014/main" id="{0F2438EC-A1D3-49FF-8529-E77CE70E6A00}"/>
+                  </a:ext>
+                </a:extLst>
+              </p:cNvPr>
+              <p:cNvCxnSpPr>
+                <a:cxnSpLocks/>
+              </p:cNvCxnSpPr>
+              <p:nvPr/>
+            </p:nvCxnSpPr>
+            <p:spPr>
+              <a:xfrm flipV="1">
+                <a:off x="26517583" y="22471008"/>
+                <a:ext cx="0" cy="565971"/>
+              </a:xfrm>
+              <a:prstGeom prst="straightConnector1">
+                <a:avLst/>
+              </a:prstGeom>
+              <a:ln w="57150">
+                <a:solidFill>
+                  <a:srgbClr val="C00000"/>
+                </a:solidFill>
+                <a:prstDash val="sysDot"/>
+                <a:tailEnd type="triangle"/>
+              </a:ln>
+            </p:spPr>
+            <p:style>
+              <a:lnRef idx="1">
+                <a:schemeClr val="accent1"/>
+              </a:lnRef>
+              <a:fillRef idx="0">
+                <a:schemeClr val="accent1"/>
+              </a:fillRef>
+              <a:effectRef idx="0">
+                <a:schemeClr val="accent1"/>
+              </a:effectRef>
+              <a:fontRef idx="minor">
+                <a:schemeClr val="tx1"/>
+              </a:fontRef>
+            </p:style>
+          </p:cxnSp>
+          <p:cxnSp>
+            <p:nvCxnSpPr>
+              <p:cNvPr id="62" name="Straight Connector 61">
+                <a:extLst>
+                  <a:ext uri="{FF2B5EF4-FFF2-40B4-BE49-F238E27FC236}">
+                    <a16:creationId xmlns:a16="http://schemas.microsoft.com/office/drawing/2014/main" id="{42FDAEB5-C3C5-4BE8-8A63-DDC2C7D4302F}"/>
+                  </a:ext>
+                </a:extLst>
+              </p:cNvPr>
+              <p:cNvCxnSpPr>
+                <a:cxnSpLocks/>
+              </p:cNvCxnSpPr>
+              <p:nvPr/>
+            </p:nvCxnSpPr>
+            <p:spPr>
+              <a:xfrm flipV="1">
+                <a:off x="16223232" y="21641225"/>
+                <a:ext cx="0" cy="1395755"/>
+              </a:xfrm>
+              <a:prstGeom prst="line">
+                <a:avLst/>
+              </a:prstGeom>
+              <a:ln w="57150">
+                <a:solidFill>
+                  <a:srgbClr val="C00000"/>
+                </a:solidFill>
+                <a:prstDash val="sysDot"/>
+              </a:ln>
+            </p:spPr>
+            <p:style>
+              <a:lnRef idx="1">
+                <a:schemeClr val="accent1"/>
+              </a:lnRef>
+              <a:fillRef idx="0">
+                <a:schemeClr val="accent1"/>
+              </a:fillRef>
+              <a:effectRef idx="0">
+                <a:schemeClr val="accent1"/>
+              </a:effectRef>
+              <a:fontRef idx="minor">
+                <a:schemeClr val="tx1"/>
+              </a:fontRef>
+            </p:style>
+          </p:cxnSp>
+        </p:grpSp>
+        <p:grpSp>
+          <p:nvGrpSpPr>
+            <p:cNvPr id="65" name="Group 64">
+              <a:extLst>
+                <a:ext uri="{FF2B5EF4-FFF2-40B4-BE49-F238E27FC236}">
+                  <a16:creationId xmlns:a16="http://schemas.microsoft.com/office/drawing/2014/main" id="{F122D730-5495-4408-89DE-5370C84A6E5D}"/>
+                </a:ext>
+              </a:extLst>
+            </p:cNvPr>
+            <p:cNvGrpSpPr/>
+            <p:nvPr/>
+          </p:nvGrpSpPr>
+          <p:grpSpPr>
+            <a:xfrm>
+              <a:off x="19226133" y="18066408"/>
+              <a:ext cx="2095667" cy="531016"/>
+              <a:chOff x="17373600" y="14600903"/>
+              <a:chExt cx="8952773" cy="820908"/>
+            </a:xfrm>
+          </p:grpSpPr>
+          <p:cxnSp>
+            <p:nvCxnSpPr>
+              <p:cNvPr id="66" name="Straight Connector 65">
+                <a:extLst>
+                  <a:ext uri="{FF2B5EF4-FFF2-40B4-BE49-F238E27FC236}">
+                    <a16:creationId xmlns:a16="http://schemas.microsoft.com/office/drawing/2014/main" id="{1F1E6A9E-E932-4F2A-B383-C6091E95C248}"/>
+                  </a:ext>
+                </a:extLst>
+              </p:cNvPr>
+              <p:cNvCxnSpPr/>
+              <p:nvPr/>
+            </p:nvCxnSpPr>
+            <p:spPr>
+              <a:xfrm>
+                <a:off x="17373600" y="14600903"/>
+                <a:ext cx="8952773" cy="0"/>
+              </a:xfrm>
+              <a:prstGeom prst="line">
+                <a:avLst/>
+              </a:prstGeom>
+              <a:ln w="57150">
+                <a:solidFill>
+                  <a:schemeClr val="accent1">
+                    <a:lumMod val="75000"/>
+                  </a:schemeClr>
+                </a:solidFill>
+                <a:prstDash val="sysDot"/>
+              </a:ln>
+            </p:spPr>
+            <p:style>
+              <a:lnRef idx="1">
+                <a:schemeClr val="accent1"/>
+              </a:lnRef>
+              <a:fillRef idx="0">
+                <a:schemeClr val="accent1"/>
+              </a:fillRef>
+              <a:effectRef idx="0">
+                <a:schemeClr val="accent1"/>
+              </a:effectRef>
+              <a:fontRef idx="minor">
+                <a:schemeClr val="tx1"/>
+              </a:fontRef>
+            </p:style>
+          </p:cxnSp>
+          <p:cxnSp>
+            <p:nvCxnSpPr>
+              <p:cNvPr id="67" name="Straight Arrow Connector 66">
+                <a:extLst>
+                  <a:ext uri="{FF2B5EF4-FFF2-40B4-BE49-F238E27FC236}">
+                    <a16:creationId xmlns:a16="http://schemas.microsoft.com/office/drawing/2014/main" id="{D2DE46FE-1BF7-4D8E-B9F5-6605AEC8642D}"/>
+                  </a:ext>
+                </a:extLst>
+              </p:cNvPr>
+              <p:cNvCxnSpPr>
+                <a:cxnSpLocks/>
+              </p:cNvCxnSpPr>
+              <p:nvPr/>
+            </p:nvCxnSpPr>
+            <p:spPr>
+              <a:xfrm>
+                <a:off x="26326373" y="14600903"/>
+                <a:ext cx="0" cy="820908"/>
+              </a:xfrm>
+              <a:prstGeom prst="straightConnector1">
+                <a:avLst/>
+              </a:prstGeom>
+              <a:ln w="57150">
+                <a:solidFill>
+                  <a:schemeClr val="accent1">
+                    <a:lumMod val="75000"/>
+                  </a:schemeClr>
+                </a:solidFill>
+                <a:prstDash val="sysDot"/>
+                <a:tailEnd type="triangle"/>
+              </a:ln>
+            </p:spPr>
+            <p:style>
+              <a:lnRef idx="1">
+                <a:schemeClr val="accent1"/>
+              </a:lnRef>
+              <a:fillRef idx="0">
+                <a:schemeClr val="accent1"/>
+              </a:fillRef>
+              <a:effectRef idx="0">
+                <a:schemeClr val="accent1"/>
+              </a:effectRef>
+              <a:fontRef idx="minor">
+                <a:schemeClr val="tx1"/>
+              </a:fontRef>
+            </p:style>
+          </p:cxnSp>
+          <p:cxnSp>
+            <p:nvCxnSpPr>
+              <p:cNvPr id="68" name="Straight Connector 67">
+                <a:extLst>
+                  <a:ext uri="{FF2B5EF4-FFF2-40B4-BE49-F238E27FC236}">
+                    <a16:creationId xmlns:a16="http://schemas.microsoft.com/office/drawing/2014/main" id="{71F60640-4FEE-45CF-8253-6FD6B9ECC9A5}"/>
+                  </a:ext>
+                </a:extLst>
+              </p:cNvPr>
+              <p:cNvCxnSpPr>
+                <a:cxnSpLocks/>
+              </p:cNvCxnSpPr>
+              <p:nvPr/>
+            </p:nvCxnSpPr>
+            <p:spPr>
+              <a:xfrm>
+                <a:off x="17373600" y="14600903"/>
+                <a:ext cx="0" cy="820908"/>
+              </a:xfrm>
+              <a:prstGeom prst="line">
+                <a:avLst/>
+              </a:prstGeom>
+              <a:ln w="57150">
+                <a:solidFill>
+                  <a:schemeClr val="accent1">
+                    <a:lumMod val="75000"/>
+                  </a:schemeClr>
+                </a:solidFill>
+                <a:prstDash val="sysDot"/>
+              </a:ln>
+            </p:spPr>
+            <p:style>
+              <a:lnRef idx="1">
+                <a:schemeClr val="accent1"/>
+              </a:lnRef>
+              <a:fillRef idx="0">
+                <a:schemeClr val="accent1"/>
+              </a:fillRef>
+              <a:effectRef idx="0">
+                <a:schemeClr val="accent1"/>
+              </a:effectRef>
+              <a:fontRef idx="minor">
+                <a:schemeClr val="tx1"/>
+              </a:fontRef>
+            </p:style>
+          </p:cxnSp>
+        </p:grpSp>
+        <p:grpSp>
+          <p:nvGrpSpPr>
+            <p:cNvPr id="71" name="Group 70">
+              <a:extLst>
+                <a:ext uri="{FF2B5EF4-FFF2-40B4-BE49-F238E27FC236}">
+                  <a16:creationId xmlns:a16="http://schemas.microsoft.com/office/drawing/2014/main" id="{143BE323-35C0-4C6D-A796-89DB9DF0F0C9}"/>
+                </a:ext>
+              </a:extLst>
+            </p:cNvPr>
+            <p:cNvGrpSpPr/>
+            <p:nvPr/>
+          </p:nvGrpSpPr>
+          <p:grpSpPr>
+            <a:xfrm>
+              <a:off x="17475745" y="21925324"/>
+              <a:ext cx="3927414" cy="796663"/>
+              <a:chOff x="17373600" y="14600903"/>
+              <a:chExt cx="8952773" cy="820908"/>
+            </a:xfrm>
+          </p:grpSpPr>
+          <p:cxnSp>
+            <p:nvCxnSpPr>
+              <p:cNvPr id="72" name="Straight Connector 71">
+                <a:extLst>
+                  <a:ext uri="{FF2B5EF4-FFF2-40B4-BE49-F238E27FC236}">
+                    <a16:creationId xmlns:a16="http://schemas.microsoft.com/office/drawing/2014/main" id="{080BC24B-C6B3-4E20-B352-69EBF2B793EF}"/>
+                  </a:ext>
+                </a:extLst>
+              </p:cNvPr>
+              <p:cNvCxnSpPr/>
+              <p:nvPr/>
+            </p:nvCxnSpPr>
+            <p:spPr>
+              <a:xfrm>
+                <a:off x="17373600" y="14600903"/>
+                <a:ext cx="8952773" cy="0"/>
+              </a:xfrm>
+              <a:prstGeom prst="line">
+                <a:avLst/>
+              </a:prstGeom>
+              <a:ln w="57150">
+                <a:solidFill>
+                  <a:schemeClr val="accent1">
+                    <a:lumMod val="75000"/>
+                  </a:schemeClr>
+                </a:solidFill>
+                <a:prstDash val="sysDot"/>
+              </a:ln>
+            </p:spPr>
+            <p:style>
+              <a:lnRef idx="1">
+                <a:schemeClr val="accent1"/>
+              </a:lnRef>
+              <a:fillRef idx="0">
+                <a:schemeClr val="accent1"/>
+              </a:fillRef>
+              <a:effectRef idx="0">
+                <a:schemeClr val="accent1"/>
+              </a:effectRef>
+              <a:fontRef idx="minor">
+                <a:schemeClr val="tx1"/>
+              </a:fontRef>
+            </p:style>
+          </p:cxnSp>
+          <p:cxnSp>
+            <p:nvCxnSpPr>
+              <p:cNvPr id="73" name="Straight Arrow Connector 72">
+                <a:extLst>
+                  <a:ext uri="{FF2B5EF4-FFF2-40B4-BE49-F238E27FC236}">
+                    <a16:creationId xmlns:a16="http://schemas.microsoft.com/office/drawing/2014/main" id="{5CD256B1-B0EA-4DB1-8D4D-C5DF136E74D2}"/>
+                  </a:ext>
+                </a:extLst>
+              </p:cNvPr>
+              <p:cNvCxnSpPr>
+                <a:cxnSpLocks/>
+              </p:cNvCxnSpPr>
+              <p:nvPr/>
+            </p:nvCxnSpPr>
+            <p:spPr>
+              <a:xfrm>
+                <a:off x="26326373" y="14600903"/>
+                <a:ext cx="0" cy="820908"/>
+              </a:xfrm>
+              <a:prstGeom prst="straightConnector1">
+                <a:avLst/>
+              </a:prstGeom>
+              <a:ln w="57150">
+                <a:solidFill>
+                  <a:schemeClr val="accent1">
+                    <a:lumMod val="75000"/>
+                  </a:schemeClr>
+                </a:solidFill>
+                <a:prstDash val="sysDot"/>
+                <a:tailEnd type="triangle"/>
+              </a:ln>
+            </p:spPr>
+            <p:style>
+              <a:lnRef idx="1">
+                <a:schemeClr val="accent1"/>
+              </a:lnRef>
+              <a:fillRef idx="0">
+                <a:schemeClr val="accent1"/>
+              </a:fillRef>
+              <a:effectRef idx="0">
+                <a:schemeClr val="accent1"/>
+              </a:effectRef>
+              <a:fontRef idx="minor">
+                <a:schemeClr val="tx1"/>
+              </a:fontRef>
+            </p:style>
+          </p:cxnSp>
+        </p:grpSp>
       </p:grpSp>
       <p:grpSp>
         <p:nvGrpSpPr>
@@ -18534,8 +18555,8 @@
         </p:nvGrpSpPr>
         <p:grpSpPr>
           <a:xfrm>
-            <a:off x="15604136" y="11965796"/>
-            <a:ext cx="11007796" cy="237249"/>
+            <a:off x="15338324" y="11965796"/>
+            <a:ext cx="11273608" cy="570332"/>
             <a:chOff x="16223232" y="22471008"/>
             <a:chExt cx="10294351" cy="565971"/>
           </a:xfrm>
@@ -18642,7 +18663,7 @@
         </p:nvSpPr>
         <p:spPr>
           <a:xfrm>
-            <a:off x="1270551" y="27566178"/>
+            <a:off x="1270551" y="27888906"/>
             <a:ext cx="1183342" cy="1107996"/>
           </a:xfrm>
           <a:prstGeom prst="rect">
@@ -18728,7 +18749,7 @@
         <p:spPr>
           <a:xfrm>
             <a:off x="1301328" y="15222649"/>
-            <a:ext cx="16199494" cy="2308324"/>
+            <a:ext cx="16199494" cy="1200329"/>
           </a:xfrm>
           <a:prstGeom prst="rect">
             <a:avLst/>
@@ -18755,9 +18776,6 @@
               <a:effectLst/>
             </a:endParaRPr>
           </a:p>
-          <a:p>
-            <a:endParaRPr lang="en-AU" sz="7200" dirty="0"/>
-          </a:p>
         </p:txBody>
       </p:sp>
       <p:sp>
@@ -18774,7 +18792,7 @@
         </p:nvSpPr>
         <p:spPr>
           <a:xfrm>
-            <a:off x="12100280" y="27566178"/>
+            <a:off x="12100280" y="27888906"/>
             <a:ext cx="1183342" cy="1107996"/>
           </a:xfrm>
           <a:prstGeom prst="rect">

--- a/Exp2Results/formal data/Data figures/big-figures.pptx
+++ b/Exp2Results/formal data/Data figures/big-figures.pptx
@@ -4567,7 +4567,7 @@
           <a:p>
             <a:fld id="{7EAB4990-54EF-4F84-B612-5D2B38FEBCE3}" type="datetimeFigureOut">
               <a:rPr lang="en-AU" smtClean="0"/>
-              <a:t>9/02/2022</a:t>
+              <a:t>14/02/2022</a:t>
             </a:fld>
             <a:endParaRPr lang="en-AU"/>
           </a:p>
@@ -4737,7 +4737,7 @@
           <a:p>
             <a:fld id="{7EAB4990-54EF-4F84-B612-5D2B38FEBCE3}" type="datetimeFigureOut">
               <a:rPr lang="en-AU" smtClean="0"/>
-              <a:t>9/02/2022</a:t>
+              <a:t>14/02/2022</a:t>
             </a:fld>
             <a:endParaRPr lang="en-AU"/>
           </a:p>
@@ -4917,7 +4917,7 @@
           <a:p>
             <a:fld id="{7EAB4990-54EF-4F84-B612-5D2B38FEBCE3}" type="datetimeFigureOut">
               <a:rPr lang="en-AU" smtClean="0"/>
-              <a:t>9/02/2022</a:t>
+              <a:t>14/02/2022</a:t>
             </a:fld>
             <a:endParaRPr lang="en-AU"/>
           </a:p>
@@ -5087,7 +5087,7 @@
           <a:p>
             <a:fld id="{7EAB4990-54EF-4F84-B612-5D2B38FEBCE3}" type="datetimeFigureOut">
               <a:rPr lang="en-AU" smtClean="0"/>
-              <a:t>9/02/2022</a:t>
+              <a:t>14/02/2022</a:t>
             </a:fld>
             <a:endParaRPr lang="en-AU"/>
           </a:p>
@@ -5331,7 +5331,7 @@
           <a:p>
             <a:fld id="{7EAB4990-54EF-4F84-B612-5D2B38FEBCE3}" type="datetimeFigureOut">
               <a:rPr lang="en-AU" smtClean="0"/>
-              <a:t>9/02/2022</a:t>
+              <a:t>14/02/2022</a:t>
             </a:fld>
             <a:endParaRPr lang="en-AU"/>
           </a:p>
@@ -5563,7 +5563,7 @@
           <a:p>
             <a:fld id="{7EAB4990-54EF-4F84-B612-5D2B38FEBCE3}" type="datetimeFigureOut">
               <a:rPr lang="en-AU" smtClean="0"/>
-              <a:t>9/02/2022</a:t>
+              <a:t>14/02/2022</a:t>
             </a:fld>
             <a:endParaRPr lang="en-AU"/>
           </a:p>
@@ -5930,7 +5930,7 @@
           <a:p>
             <a:fld id="{7EAB4990-54EF-4F84-B612-5D2B38FEBCE3}" type="datetimeFigureOut">
               <a:rPr lang="en-AU" smtClean="0"/>
-              <a:t>9/02/2022</a:t>
+              <a:t>14/02/2022</a:t>
             </a:fld>
             <a:endParaRPr lang="en-AU"/>
           </a:p>
@@ -6048,7 +6048,7 @@
           <a:p>
             <a:fld id="{7EAB4990-54EF-4F84-B612-5D2B38FEBCE3}" type="datetimeFigureOut">
               <a:rPr lang="en-AU" smtClean="0"/>
-              <a:t>9/02/2022</a:t>
+              <a:t>14/02/2022</a:t>
             </a:fld>
             <a:endParaRPr lang="en-AU"/>
           </a:p>
@@ -6143,7 +6143,7 @@
           <a:p>
             <a:fld id="{7EAB4990-54EF-4F84-B612-5D2B38FEBCE3}" type="datetimeFigureOut">
               <a:rPr lang="en-AU" smtClean="0"/>
-              <a:t>9/02/2022</a:t>
+              <a:t>14/02/2022</a:t>
             </a:fld>
             <a:endParaRPr lang="en-AU"/>
           </a:p>
@@ -6420,7 +6420,7 @@
           <a:p>
             <a:fld id="{7EAB4990-54EF-4F84-B612-5D2B38FEBCE3}" type="datetimeFigureOut">
               <a:rPr lang="en-AU" smtClean="0"/>
-              <a:t>9/02/2022</a:t>
+              <a:t>14/02/2022</a:t>
             </a:fld>
             <a:endParaRPr lang="en-AU"/>
           </a:p>
@@ -6677,7 +6677,7 @@
           <a:p>
             <a:fld id="{7EAB4990-54EF-4F84-B612-5D2B38FEBCE3}" type="datetimeFigureOut">
               <a:rPr lang="en-AU" smtClean="0"/>
-              <a:t>9/02/2022</a:t>
+              <a:t>14/02/2022</a:t>
             </a:fld>
             <a:endParaRPr lang="en-AU"/>
           </a:p>
@@ -6890,7 +6890,7 @@
           <a:p>
             <a:fld id="{7EAB4990-54EF-4F84-B612-5D2B38FEBCE3}" type="datetimeFigureOut">
               <a:rPr lang="en-AU" smtClean="0"/>
-              <a:t>9/02/2022</a:t>
+              <a:t>14/02/2022</a:t>
             </a:fld>
             <a:endParaRPr lang="en-AU"/>
           </a:p>

--- a/Exp2Results/formal data/Data figures/big-figures.pptx
+++ b/Exp2Results/formal data/Data figures/big-figures.pptx
@@ -6,7 +6,7 @@
   </p:sldMasterIdLst>
   <p:sldIdLst>
     <p:sldId id="258" r:id="rId2"/>
-    <p:sldId id="268" r:id="rId3"/>
+    <p:sldId id="269" r:id="rId3"/>
     <p:sldId id="261" r:id="rId4"/>
     <p:sldId id="265" r:id="rId5"/>
     <p:sldId id="262" r:id="rId6"/>
@@ -4567,7 +4567,7 @@
           <a:p>
             <a:fld id="{7EAB4990-54EF-4F84-B612-5D2B38FEBCE3}" type="datetimeFigureOut">
               <a:rPr lang="en-AU" smtClean="0"/>
-              <a:t>14/02/2022</a:t>
+              <a:t>1/03/2022</a:t>
             </a:fld>
             <a:endParaRPr lang="en-AU"/>
           </a:p>
@@ -4737,7 +4737,7 @@
           <a:p>
             <a:fld id="{7EAB4990-54EF-4F84-B612-5D2B38FEBCE3}" type="datetimeFigureOut">
               <a:rPr lang="en-AU" smtClean="0"/>
-              <a:t>14/02/2022</a:t>
+              <a:t>1/03/2022</a:t>
             </a:fld>
             <a:endParaRPr lang="en-AU"/>
           </a:p>
@@ -4917,7 +4917,7 @@
           <a:p>
             <a:fld id="{7EAB4990-54EF-4F84-B612-5D2B38FEBCE3}" type="datetimeFigureOut">
               <a:rPr lang="en-AU" smtClean="0"/>
-              <a:t>14/02/2022</a:t>
+              <a:t>1/03/2022</a:t>
             </a:fld>
             <a:endParaRPr lang="en-AU"/>
           </a:p>
@@ -5087,7 +5087,7 @@
           <a:p>
             <a:fld id="{7EAB4990-54EF-4F84-B612-5D2B38FEBCE3}" type="datetimeFigureOut">
               <a:rPr lang="en-AU" smtClean="0"/>
-              <a:t>14/02/2022</a:t>
+              <a:t>1/03/2022</a:t>
             </a:fld>
             <a:endParaRPr lang="en-AU"/>
           </a:p>
@@ -5331,7 +5331,7 @@
           <a:p>
             <a:fld id="{7EAB4990-54EF-4F84-B612-5D2B38FEBCE3}" type="datetimeFigureOut">
               <a:rPr lang="en-AU" smtClean="0"/>
-              <a:t>14/02/2022</a:t>
+              <a:t>1/03/2022</a:t>
             </a:fld>
             <a:endParaRPr lang="en-AU"/>
           </a:p>
@@ -5563,7 +5563,7 @@
           <a:p>
             <a:fld id="{7EAB4990-54EF-4F84-B612-5D2B38FEBCE3}" type="datetimeFigureOut">
               <a:rPr lang="en-AU" smtClean="0"/>
-              <a:t>14/02/2022</a:t>
+              <a:t>1/03/2022</a:t>
             </a:fld>
             <a:endParaRPr lang="en-AU"/>
           </a:p>
@@ -5930,7 +5930,7 @@
           <a:p>
             <a:fld id="{7EAB4990-54EF-4F84-B612-5D2B38FEBCE3}" type="datetimeFigureOut">
               <a:rPr lang="en-AU" smtClean="0"/>
-              <a:t>14/02/2022</a:t>
+              <a:t>1/03/2022</a:t>
             </a:fld>
             <a:endParaRPr lang="en-AU"/>
           </a:p>
@@ -6048,7 +6048,7 @@
           <a:p>
             <a:fld id="{7EAB4990-54EF-4F84-B612-5D2B38FEBCE3}" type="datetimeFigureOut">
               <a:rPr lang="en-AU" smtClean="0"/>
-              <a:t>14/02/2022</a:t>
+              <a:t>1/03/2022</a:t>
             </a:fld>
             <a:endParaRPr lang="en-AU"/>
           </a:p>
@@ -6143,7 +6143,7 @@
           <a:p>
             <a:fld id="{7EAB4990-54EF-4F84-B612-5D2B38FEBCE3}" type="datetimeFigureOut">
               <a:rPr lang="en-AU" smtClean="0"/>
-              <a:t>14/02/2022</a:t>
+              <a:t>1/03/2022</a:t>
             </a:fld>
             <a:endParaRPr lang="en-AU"/>
           </a:p>
@@ -6420,7 +6420,7 @@
           <a:p>
             <a:fld id="{7EAB4990-54EF-4F84-B612-5D2B38FEBCE3}" type="datetimeFigureOut">
               <a:rPr lang="en-AU" smtClean="0"/>
-              <a:t>14/02/2022</a:t>
+              <a:t>1/03/2022</a:t>
             </a:fld>
             <a:endParaRPr lang="en-AU"/>
           </a:p>
@@ -6677,7 +6677,7 @@
           <a:p>
             <a:fld id="{7EAB4990-54EF-4F84-B612-5D2B38FEBCE3}" type="datetimeFigureOut">
               <a:rPr lang="en-AU" smtClean="0"/>
-              <a:t>14/02/2022</a:t>
+              <a:t>1/03/2022</a:t>
             </a:fld>
             <a:endParaRPr lang="en-AU"/>
           </a:p>
@@ -6890,7 +6890,7 @@
           <a:p>
             <a:fld id="{7EAB4990-54EF-4F84-B612-5D2B38FEBCE3}" type="datetimeFigureOut">
               <a:rPr lang="en-AU" smtClean="0"/>
-              <a:t>14/02/2022</a:t>
+              <a:t>1/03/2022</a:t>
             </a:fld>
             <a:endParaRPr lang="en-AU"/>
           </a:p>
@@ -11660,3236 +11660,1410 @@
           <a:chExt cx="0" cy="0"/>
         </a:xfrm>
       </p:grpSpPr>
-      <p:grpSp>
-        <p:nvGrpSpPr>
-          <p:cNvPr id="8" name="Group 7">
+      <p:pic>
+        <p:nvPicPr>
+          <p:cNvPr id="1031" name="Picture 7">
             <a:extLst>
               <a:ext uri="{FF2B5EF4-FFF2-40B4-BE49-F238E27FC236}">
-                <a16:creationId xmlns:a16="http://schemas.microsoft.com/office/drawing/2014/main" id="{9727ABB6-677E-4A2E-9F8C-F17BAB12AE58}"/>
+                <a16:creationId xmlns:a16="http://schemas.microsoft.com/office/drawing/2014/main" id="{060073C0-FC54-4B14-9DD4-2060E0A6F775}"/>
               </a:ext>
             </a:extLst>
           </p:cNvPr>
-          <p:cNvGrpSpPr/>
+          <p:cNvPicPr>
+            <a:picLocks noChangeAspect="1" noChangeArrowheads="1"/>
+          </p:cNvPicPr>
           <p:nvPr/>
-        </p:nvGrpSpPr>
-        <p:grpSpPr>
+        </p:nvPicPr>
+        <p:blipFill>
+          <a:blip r:embed="rId2">
+            <a:extLst>
+              <a:ext uri="{28A0092B-C50C-407E-A947-70E740481C1C}">
+                <a14:useLocalDpi xmlns:a14="http://schemas.microsoft.com/office/drawing/2010/main" val="0"/>
+              </a:ext>
+            </a:extLst>
+          </a:blip>
+          <a:srcRect/>
+          <a:stretch>
+            <a:fillRect/>
+          </a:stretch>
+        </p:blipFill>
+        <p:spPr bwMode="auto">
           <a:xfrm>
-            <a:off x="61885" y="416573"/>
-            <a:ext cx="29454542" cy="20705098"/>
-            <a:chOff x="61885" y="416573"/>
-            <a:chExt cx="29454542" cy="20705098"/>
+            <a:off x="1023761" y="20972304"/>
+            <a:ext cx="28995989" cy="22049032"/>
           </a:xfrm>
-        </p:grpSpPr>
-        <p:pic>
-          <p:nvPicPr>
-            <p:cNvPr id="127" name="Picture 126">
-              <a:extLst>
-                <a:ext uri="{FF2B5EF4-FFF2-40B4-BE49-F238E27FC236}">
-                  <a16:creationId xmlns:a16="http://schemas.microsoft.com/office/drawing/2014/main" id="{BDB52896-5C7B-4F0B-8325-2415F537C03E}"/>
-                </a:ext>
-              </a:extLst>
-            </p:cNvPr>
-            <p:cNvPicPr>
-              <a:picLocks noChangeAspect="1"/>
-            </p:cNvPicPr>
-            <p:nvPr/>
-          </p:nvPicPr>
-          <p:blipFill rotWithShape="1">
-            <a:blip r:embed="rId2">
-              <a:extLst>
-                <a:ext uri="{28A0092B-C50C-407E-A947-70E740481C1C}">
-                  <a14:useLocalDpi xmlns:a14="http://schemas.microsoft.com/office/drawing/2010/main" val="0"/>
-                </a:ext>
-              </a:extLst>
-            </a:blip>
-            <a:srcRect t="11643"/>
-            <a:stretch/>
-          </p:blipFill>
-          <p:spPr>
-            <a:xfrm>
-              <a:off x="992255" y="1616902"/>
-              <a:ext cx="28524172" cy="19504769"/>
-            </a:xfrm>
-            <a:prstGeom prst="rect">
-              <a:avLst/>
-            </a:prstGeom>
-          </p:spPr>
-        </p:pic>
-        <p:sp>
-          <p:nvSpPr>
-            <p:cNvPr id="97" name="TextBox 96">
-              <a:extLst>
-                <a:ext uri="{FF2B5EF4-FFF2-40B4-BE49-F238E27FC236}">
-                  <a16:creationId xmlns:a16="http://schemas.microsoft.com/office/drawing/2014/main" id="{C455390C-C587-463A-A526-DA648BA54BFE}"/>
-                </a:ext>
-              </a:extLst>
-            </p:cNvPr>
-            <p:cNvSpPr txBox="1"/>
-            <p:nvPr/>
-          </p:nvSpPr>
-          <p:spPr>
-            <a:xfrm>
-              <a:off x="1187385" y="2021484"/>
-              <a:ext cx="1384804" cy="808769"/>
-            </a:xfrm>
-            <a:prstGeom prst="rect">
-              <a:avLst/>
-            </a:prstGeom>
-            <a:noFill/>
-          </p:spPr>
-          <p:txBody>
-            <a:bodyPr wrap="square" rtlCol="0">
-              <a:spAutoFit/>
-            </a:bodyPr>
-            <a:lstStyle/>
-            <a:p>
-              <a:r>
-                <a:rPr lang="en-AU" sz="4800" b="1" dirty="0">
-                  <a:latin typeface="Arial" panose="020B0604020202020204" pitchFamily="34" charset="0"/>
-                  <a:cs typeface="Arial" panose="020B0604020202020204" pitchFamily="34" charset="0"/>
-                </a:rPr>
-                <a:t>a)</a:t>
-              </a:r>
-            </a:p>
-          </p:txBody>
-        </p:sp>
-        <p:sp>
-          <p:nvSpPr>
-            <p:cNvPr id="98" name="TextBox 97">
-              <a:extLst>
-                <a:ext uri="{FF2B5EF4-FFF2-40B4-BE49-F238E27FC236}">
-                  <a16:creationId xmlns:a16="http://schemas.microsoft.com/office/drawing/2014/main" id="{7514B6B6-5563-45C2-B2BF-FAEF2125ACC2}"/>
-                </a:ext>
-              </a:extLst>
-            </p:cNvPr>
-            <p:cNvSpPr txBox="1"/>
-            <p:nvPr/>
-          </p:nvSpPr>
-          <p:spPr>
-            <a:xfrm>
-              <a:off x="8857005" y="2021484"/>
-              <a:ext cx="1384804" cy="808769"/>
-            </a:xfrm>
-            <a:prstGeom prst="rect">
-              <a:avLst/>
-            </a:prstGeom>
-            <a:noFill/>
-          </p:spPr>
-          <p:txBody>
-            <a:bodyPr wrap="square" rtlCol="0">
-              <a:spAutoFit/>
-            </a:bodyPr>
-            <a:lstStyle/>
-            <a:p>
-              <a:r>
-                <a:rPr lang="en-AU" sz="4800" b="1" dirty="0">
-                  <a:latin typeface="Arial" panose="020B0604020202020204" pitchFamily="34" charset="0"/>
-                  <a:cs typeface="Arial" panose="020B0604020202020204" pitchFamily="34" charset="0"/>
-                </a:rPr>
-                <a:t>b)</a:t>
-              </a:r>
-            </a:p>
-          </p:txBody>
-        </p:sp>
-        <p:sp>
-          <p:nvSpPr>
-            <p:cNvPr id="99" name="TextBox 98">
-              <a:extLst>
-                <a:ext uri="{FF2B5EF4-FFF2-40B4-BE49-F238E27FC236}">
-                  <a16:creationId xmlns:a16="http://schemas.microsoft.com/office/drawing/2014/main" id="{339A3B03-2450-4454-8F38-86C0505BABFE}"/>
-                </a:ext>
-              </a:extLst>
-            </p:cNvPr>
-            <p:cNvSpPr txBox="1"/>
-            <p:nvPr/>
-          </p:nvSpPr>
-          <p:spPr>
-            <a:xfrm>
-              <a:off x="15892068" y="2021484"/>
-              <a:ext cx="1384804" cy="808769"/>
-            </a:xfrm>
-            <a:prstGeom prst="rect">
-              <a:avLst/>
-            </a:prstGeom>
-            <a:noFill/>
-          </p:spPr>
-          <p:txBody>
-            <a:bodyPr wrap="square" rtlCol="0">
-              <a:spAutoFit/>
-            </a:bodyPr>
-            <a:lstStyle/>
-            <a:p>
-              <a:r>
-                <a:rPr lang="en-AU" sz="4800" b="1" dirty="0">
-                  <a:latin typeface="Arial" panose="020B0604020202020204" pitchFamily="34" charset="0"/>
-                  <a:cs typeface="Arial" panose="020B0604020202020204" pitchFamily="34" charset="0"/>
-                </a:rPr>
-                <a:t>c)</a:t>
-              </a:r>
-            </a:p>
-          </p:txBody>
-        </p:sp>
-        <p:sp>
-          <p:nvSpPr>
-            <p:cNvPr id="100" name="TextBox 99">
-              <a:extLst>
-                <a:ext uri="{FF2B5EF4-FFF2-40B4-BE49-F238E27FC236}">
-                  <a16:creationId xmlns:a16="http://schemas.microsoft.com/office/drawing/2014/main" id="{98C2B09D-0E81-48F6-A945-1B214D2A4E55}"/>
-                </a:ext>
-              </a:extLst>
-            </p:cNvPr>
-            <p:cNvSpPr txBox="1"/>
-            <p:nvPr/>
-          </p:nvSpPr>
-          <p:spPr>
-            <a:xfrm>
-              <a:off x="22430703" y="2078861"/>
-              <a:ext cx="1384804" cy="808769"/>
-            </a:xfrm>
-            <a:prstGeom prst="rect">
-              <a:avLst/>
-            </a:prstGeom>
-            <a:noFill/>
-          </p:spPr>
-          <p:txBody>
-            <a:bodyPr wrap="square" rtlCol="0">
-              <a:spAutoFit/>
-            </a:bodyPr>
-            <a:lstStyle/>
-            <a:p>
-              <a:r>
-                <a:rPr lang="en-AU" sz="4800" b="1" dirty="0">
-                  <a:latin typeface="Arial" panose="020B0604020202020204" pitchFamily="34" charset="0"/>
-                  <a:cs typeface="Arial" panose="020B0604020202020204" pitchFamily="34" charset="0"/>
-                </a:rPr>
-                <a:t>d)</a:t>
-              </a:r>
-            </a:p>
-          </p:txBody>
-        </p:sp>
-        <p:sp>
-          <p:nvSpPr>
-            <p:cNvPr id="101" name="TextBox 100">
-              <a:extLst>
-                <a:ext uri="{FF2B5EF4-FFF2-40B4-BE49-F238E27FC236}">
-                  <a16:creationId xmlns:a16="http://schemas.microsoft.com/office/drawing/2014/main" id="{28E0497C-D327-42DA-AFB7-EC95BCADA9D6}"/>
-                </a:ext>
-              </a:extLst>
-            </p:cNvPr>
-            <p:cNvSpPr txBox="1"/>
-            <p:nvPr/>
-          </p:nvSpPr>
-          <p:spPr>
-            <a:xfrm>
-              <a:off x="1381101" y="7518297"/>
-              <a:ext cx="1384804" cy="808769"/>
-            </a:xfrm>
-            <a:prstGeom prst="rect">
-              <a:avLst/>
-            </a:prstGeom>
-            <a:noFill/>
-          </p:spPr>
-          <p:txBody>
-            <a:bodyPr wrap="square" rtlCol="0">
-              <a:spAutoFit/>
-            </a:bodyPr>
-            <a:lstStyle/>
-            <a:p>
-              <a:r>
-                <a:rPr lang="en-AU" sz="4800" b="1" dirty="0">
-                  <a:latin typeface="Arial" panose="020B0604020202020204" pitchFamily="34" charset="0"/>
-                  <a:cs typeface="Arial" panose="020B0604020202020204" pitchFamily="34" charset="0"/>
-                </a:rPr>
-                <a:t>e)</a:t>
-              </a:r>
-            </a:p>
-          </p:txBody>
-        </p:sp>
-        <p:sp>
-          <p:nvSpPr>
-            <p:cNvPr id="102" name="TextBox 101">
-              <a:extLst>
-                <a:ext uri="{FF2B5EF4-FFF2-40B4-BE49-F238E27FC236}">
-                  <a16:creationId xmlns:a16="http://schemas.microsoft.com/office/drawing/2014/main" id="{FF56385C-0256-42C1-A8F0-343315F5272A}"/>
-                </a:ext>
-              </a:extLst>
-            </p:cNvPr>
-            <p:cNvSpPr txBox="1"/>
-            <p:nvPr/>
-          </p:nvSpPr>
-          <p:spPr>
-            <a:xfrm>
-              <a:off x="9005959" y="7768307"/>
-              <a:ext cx="1384804" cy="808769"/>
-            </a:xfrm>
-            <a:prstGeom prst="rect">
-              <a:avLst/>
-            </a:prstGeom>
-            <a:noFill/>
-          </p:spPr>
-          <p:txBody>
-            <a:bodyPr wrap="square" rtlCol="0">
-              <a:spAutoFit/>
-            </a:bodyPr>
-            <a:lstStyle/>
-            <a:p>
-              <a:r>
-                <a:rPr lang="en-AU" sz="4800" b="1" dirty="0">
-                  <a:latin typeface="Arial" panose="020B0604020202020204" pitchFamily="34" charset="0"/>
-                  <a:cs typeface="Arial" panose="020B0604020202020204" pitchFamily="34" charset="0"/>
-                </a:rPr>
-                <a:t>f)</a:t>
-              </a:r>
-            </a:p>
-          </p:txBody>
-        </p:sp>
-        <p:sp>
-          <p:nvSpPr>
-            <p:cNvPr id="103" name="TextBox 102">
-              <a:extLst>
-                <a:ext uri="{FF2B5EF4-FFF2-40B4-BE49-F238E27FC236}">
-                  <a16:creationId xmlns:a16="http://schemas.microsoft.com/office/drawing/2014/main" id="{884E130C-3363-4A95-9127-77A0D4C0B2AE}"/>
-                </a:ext>
-              </a:extLst>
-            </p:cNvPr>
-            <p:cNvSpPr txBox="1"/>
-            <p:nvPr/>
-          </p:nvSpPr>
-          <p:spPr>
-            <a:xfrm>
-              <a:off x="15907032" y="7679880"/>
-              <a:ext cx="1384804" cy="808769"/>
-            </a:xfrm>
-            <a:prstGeom prst="rect">
-              <a:avLst/>
-            </a:prstGeom>
-            <a:noFill/>
-          </p:spPr>
-          <p:txBody>
-            <a:bodyPr wrap="square" rtlCol="0">
-              <a:spAutoFit/>
-            </a:bodyPr>
-            <a:lstStyle/>
-            <a:p>
-              <a:r>
-                <a:rPr lang="en-AU" sz="4800" b="1" dirty="0">
-                  <a:latin typeface="Arial" panose="020B0604020202020204" pitchFamily="34" charset="0"/>
-                  <a:cs typeface="Arial" panose="020B0604020202020204" pitchFamily="34" charset="0"/>
-                </a:rPr>
-                <a:t>g)</a:t>
-              </a:r>
-            </a:p>
-          </p:txBody>
-        </p:sp>
-        <p:sp>
-          <p:nvSpPr>
-            <p:cNvPr id="104" name="TextBox 103">
-              <a:extLst>
-                <a:ext uri="{FF2B5EF4-FFF2-40B4-BE49-F238E27FC236}">
-                  <a16:creationId xmlns:a16="http://schemas.microsoft.com/office/drawing/2014/main" id="{BCD5E2D4-D13E-4BEE-977F-02F1E3C288FA}"/>
-                </a:ext>
-              </a:extLst>
-            </p:cNvPr>
-            <p:cNvSpPr txBox="1"/>
-            <p:nvPr/>
-          </p:nvSpPr>
-          <p:spPr>
-            <a:xfrm>
-              <a:off x="22409304" y="7679880"/>
-              <a:ext cx="1384804" cy="808769"/>
-            </a:xfrm>
-            <a:prstGeom prst="rect">
-              <a:avLst/>
-            </a:prstGeom>
-            <a:noFill/>
-          </p:spPr>
-          <p:txBody>
-            <a:bodyPr wrap="square" rtlCol="0">
-              <a:spAutoFit/>
-            </a:bodyPr>
-            <a:lstStyle/>
-            <a:p>
-              <a:r>
-                <a:rPr lang="en-AU" sz="4800" b="1" dirty="0">
-                  <a:latin typeface="Arial" panose="020B0604020202020204" pitchFamily="34" charset="0"/>
-                  <a:cs typeface="Arial" panose="020B0604020202020204" pitchFamily="34" charset="0"/>
-                </a:rPr>
-                <a:t>h)</a:t>
-              </a:r>
-            </a:p>
-          </p:txBody>
-        </p:sp>
-        <p:sp>
-          <p:nvSpPr>
-            <p:cNvPr id="105" name="TextBox 104">
-              <a:extLst>
-                <a:ext uri="{FF2B5EF4-FFF2-40B4-BE49-F238E27FC236}">
-                  <a16:creationId xmlns:a16="http://schemas.microsoft.com/office/drawing/2014/main" id="{F0E9CC56-D230-45DD-A08D-C8CC4192028E}"/>
-                </a:ext>
-              </a:extLst>
-            </p:cNvPr>
-            <p:cNvSpPr txBox="1"/>
-            <p:nvPr/>
-          </p:nvSpPr>
-          <p:spPr>
-            <a:xfrm>
-              <a:off x="1302449" y="13610791"/>
-              <a:ext cx="1384804" cy="808769"/>
-            </a:xfrm>
-            <a:prstGeom prst="rect">
-              <a:avLst/>
-            </a:prstGeom>
-            <a:noFill/>
-          </p:spPr>
-          <p:txBody>
-            <a:bodyPr wrap="square" rtlCol="0">
-              <a:spAutoFit/>
-            </a:bodyPr>
-            <a:lstStyle/>
-            <a:p>
-              <a:r>
-                <a:rPr lang="en-AU" sz="4800" b="1" dirty="0">
-                  <a:latin typeface="Arial" panose="020B0604020202020204" pitchFamily="34" charset="0"/>
-                  <a:cs typeface="Arial" panose="020B0604020202020204" pitchFamily="34" charset="0"/>
-                </a:rPr>
-                <a:t>i)</a:t>
-              </a:r>
-            </a:p>
-          </p:txBody>
-        </p:sp>
-        <p:sp>
-          <p:nvSpPr>
-            <p:cNvPr id="106" name="TextBox 105">
-              <a:extLst>
-                <a:ext uri="{FF2B5EF4-FFF2-40B4-BE49-F238E27FC236}">
-                  <a16:creationId xmlns:a16="http://schemas.microsoft.com/office/drawing/2014/main" id="{1297DE34-B62E-4059-B3A6-137810CB98D5}"/>
-                </a:ext>
-              </a:extLst>
-            </p:cNvPr>
-            <p:cNvSpPr txBox="1"/>
-            <p:nvPr/>
-          </p:nvSpPr>
-          <p:spPr>
-            <a:xfrm>
-              <a:off x="9138332" y="13817270"/>
-              <a:ext cx="1384804" cy="808769"/>
-            </a:xfrm>
-            <a:prstGeom prst="rect">
-              <a:avLst/>
-            </a:prstGeom>
-            <a:noFill/>
-          </p:spPr>
-          <p:txBody>
-            <a:bodyPr wrap="square" rtlCol="0">
-              <a:spAutoFit/>
-            </a:bodyPr>
-            <a:lstStyle/>
-            <a:p>
-              <a:r>
-                <a:rPr lang="en-AU" sz="4800" b="1" dirty="0">
-                  <a:latin typeface="Arial" panose="020B0604020202020204" pitchFamily="34" charset="0"/>
-                  <a:cs typeface="Arial" panose="020B0604020202020204" pitchFamily="34" charset="0"/>
-                </a:rPr>
-                <a:t>j)</a:t>
-              </a:r>
-            </a:p>
-          </p:txBody>
-        </p:sp>
-        <p:sp>
-          <p:nvSpPr>
-            <p:cNvPr id="107" name="TextBox 106">
-              <a:extLst>
-                <a:ext uri="{FF2B5EF4-FFF2-40B4-BE49-F238E27FC236}">
-                  <a16:creationId xmlns:a16="http://schemas.microsoft.com/office/drawing/2014/main" id="{8B3BC0E9-6E90-42D6-AC64-B88C5B534548}"/>
-                </a:ext>
-              </a:extLst>
-            </p:cNvPr>
-            <p:cNvSpPr txBox="1"/>
-            <p:nvPr/>
-          </p:nvSpPr>
-          <p:spPr>
-            <a:xfrm>
-              <a:off x="15939351" y="13804837"/>
-              <a:ext cx="1384804" cy="808769"/>
-            </a:xfrm>
-            <a:prstGeom prst="rect">
-              <a:avLst/>
-            </a:prstGeom>
-            <a:noFill/>
-          </p:spPr>
-          <p:txBody>
-            <a:bodyPr wrap="square" rtlCol="0">
-              <a:spAutoFit/>
-            </a:bodyPr>
-            <a:lstStyle/>
-            <a:p>
-              <a:r>
-                <a:rPr lang="en-AU" sz="4800" b="1" dirty="0">
-                  <a:latin typeface="Arial" panose="020B0604020202020204" pitchFamily="34" charset="0"/>
-                  <a:cs typeface="Arial" panose="020B0604020202020204" pitchFamily="34" charset="0"/>
-                </a:rPr>
-                <a:t>k)</a:t>
-              </a:r>
-            </a:p>
-          </p:txBody>
-        </p:sp>
-        <p:sp>
-          <p:nvSpPr>
-            <p:cNvPr id="108" name="TextBox 107">
-              <a:extLst>
-                <a:ext uri="{FF2B5EF4-FFF2-40B4-BE49-F238E27FC236}">
-                  <a16:creationId xmlns:a16="http://schemas.microsoft.com/office/drawing/2014/main" id="{19E2BD2F-D0F5-4757-AC70-05A09079A567}"/>
-                </a:ext>
-              </a:extLst>
-            </p:cNvPr>
-            <p:cNvSpPr txBox="1"/>
-            <p:nvPr/>
-          </p:nvSpPr>
-          <p:spPr>
-            <a:xfrm>
-              <a:off x="22642262" y="13881209"/>
-              <a:ext cx="1384804" cy="808769"/>
-            </a:xfrm>
-            <a:prstGeom prst="rect">
-              <a:avLst/>
-            </a:prstGeom>
-            <a:noFill/>
-          </p:spPr>
-          <p:txBody>
-            <a:bodyPr wrap="square" rtlCol="0">
-              <a:spAutoFit/>
-            </a:bodyPr>
-            <a:lstStyle/>
-            <a:p>
-              <a:r>
-                <a:rPr lang="en-AU" sz="4800" b="1" dirty="0">
-                  <a:latin typeface="Arial" panose="020B0604020202020204" pitchFamily="34" charset="0"/>
-                  <a:cs typeface="Arial" panose="020B0604020202020204" pitchFamily="34" charset="0"/>
-                </a:rPr>
-                <a:t>l)</a:t>
-              </a:r>
-            </a:p>
-          </p:txBody>
-        </p:sp>
-        <p:sp>
-          <p:nvSpPr>
-            <p:cNvPr id="109" name="TextBox 108">
-              <a:extLst>
-                <a:ext uri="{FF2B5EF4-FFF2-40B4-BE49-F238E27FC236}">
-                  <a16:creationId xmlns:a16="http://schemas.microsoft.com/office/drawing/2014/main" id="{9707568F-6630-4397-BC89-BB0190E39A53}"/>
-                </a:ext>
-              </a:extLst>
-            </p:cNvPr>
-            <p:cNvSpPr txBox="1"/>
-            <p:nvPr/>
-          </p:nvSpPr>
-          <p:spPr>
-            <a:xfrm rot="16200000">
-              <a:off x="-6128518" y="8021412"/>
-              <a:ext cx="13396470" cy="1015663"/>
-            </a:xfrm>
-            <a:prstGeom prst="rect">
-              <a:avLst/>
-            </a:prstGeom>
-            <a:noFill/>
-          </p:spPr>
-          <p:txBody>
-            <a:bodyPr wrap="square" rtlCol="0">
-              <a:spAutoFit/>
-            </a:bodyPr>
-            <a:lstStyle/>
-            <a:p>
-              <a:r>
-                <a:rPr lang="en-AU" sz="6000" dirty="0">
-                  <a:latin typeface="Arial" panose="020B0604020202020204" pitchFamily="34" charset="0"/>
-                  <a:cs typeface="Arial" panose="020B0604020202020204" pitchFamily="34" charset="0"/>
-                </a:rPr>
-                <a:t>Proportion of responses</a:t>
-              </a:r>
-            </a:p>
-          </p:txBody>
-        </p:sp>
-        <p:sp>
-          <p:nvSpPr>
-            <p:cNvPr id="110" name="TextBox 109">
-              <a:extLst>
-                <a:ext uri="{FF2B5EF4-FFF2-40B4-BE49-F238E27FC236}">
-                  <a16:creationId xmlns:a16="http://schemas.microsoft.com/office/drawing/2014/main" id="{E2660D5D-4E06-43CB-8CF0-4A37D6E6E895}"/>
-                </a:ext>
-              </a:extLst>
-            </p:cNvPr>
-            <p:cNvSpPr txBox="1"/>
-            <p:nvPr/>
-          </p:nvSpPr>
-          <p:spPr>
-            <a:xfrm>
-              <a:off x="10845375" y="19714848"/>
-              <a:ext cx="13396470" cy="1015663"/>
-            </a:xfrm>
-            <a:prstGeom prst="rect">
-              <a:avLst/>
-            </a:prstGeom>
-            <a:noFill/>
-          </p:spPr>
-          <p:txBody>
-            <a:bodyPr wrap="square" rtlCol="0">
-              <a:spAutoFit/>
-            </a:bodyPr>
-            <a:lstStyle/>
-            <a:p>
-              <a:r>
-                <a:rPr lang="en-AU" sz="6000" dirty="0">
-                  <a:latin typeface="Arial" panose="020B0604020202020204" pitchFamily="34" charset="0"/>
-                  <a:cs typeface="Arial" panose="020B0604020202020204" pitchFamily="34" charset="0"/>
-                </a:rPr>
-                <a:t>Decision × Confidence (D×C)</a:t>
-              </a:r>
-            </a:p>
-          </p:txBody>
-        </p:sp>
-        <p:sp>
-          <p:nvSpPr>
-            <p:cNvPr id="111" name="TextBox 110">
-              <a:extLst>
-                <a:ext uri="{FF2B5EF4-FFF2-40B4-BE49-F238E27FC236}">
-                  <a16:creationId xmlns:a16="http://schemas.microsoft.com/office/drawing/2014/main" id="{B7CA424A-5CA4-445E-A552-9372F9C3DF96}"/>
-                </a:ext>
-              </a:extLst>
-            </p:cNvPr>
-            <p:cNvSpPr txBox="1"/>
-            <p:nvPr/>
-          </p:nvSpPr>
-          <p:spPr>
-            <a:xfrm>
-              <a:off x="7552242" y="9922616"/>
-              <a:ext cx="1581199" cy="830997"/>
-            </a:xfrm>
-            <a:prstGeom prst="rect">
-              <a:avLst/>
-            </a:prstGeom>
-            <a:noFill/>
-          </p:spPr>
-          <p:txBody>
-            <a:bodyPr wrap="square" rtlCol="0">
-              <a:spAutoFit/>
-            </a:bodyPr>
-            <a:lstStyle/>
-            <a:p>
-              <a:r>
-                <a:rPr lang="en-AU" sz="4800" dirty="0">
-                  <a:latin typeface="Arial" panose="020B0604020202020204" pitchFamily="34" charset="0"/>
-                  <a:cs typeface="Arial" panose="020B0604020202020204" pitchFamily="34" charset="0"/>
-                </a:rPr>
-                <a:t>*</a:t>
-              </a:r>
-            </a:p>
-          </p:txBody>
-        </p:sp>
-        <p:sp>
-          <p:nvSpPr>
-            <p:cNvPr id="7" name="TextBox 6">
-              <a:extLst>
-                <a:ext uri="{FF2B5EF4-FFF2-40B4-BE49-F238E27FC236}">
-                  <a16:creationId xmlns:a16="http://schemas.microsoft.com/office/drawing/2014/main" id="{DF72E6FA-7DC6-4A9B-8F07-1CB3D06C544A}"/>
-                </a:ext>
-              </a:extLst>
-            </p:cNvPr>
-            <p:cNvSpPr txBox="1"/>
-            <p:nvPr/>
-          </p:nvSpPr>
-          <p:spPr>
-            <a:xfrm>
-              <a:off x="1023761" y="416573"/>
-              <a:ext cx="22380988" cy="1200329"/>
-            </a:xfrm>
-            <a:prstGeom prst="rect">
-              <a:avLst/>
-            </a:prstGeom>
-            <a:noFill/>
-          </p:spPr>
-          <p:txBody>
-            <a:bodyPr wrap="square" rtlCol="0">
-              <a:spAutoFit/>
-            </a:bodyPr>
-            <a:lstStyle/>
-            <a:p>
-              <a:r>
-                <a:rPr lang="pt-BR" sz="7200" b="1" i="0" u="none" strike="noStrike" dirty="0">
-                  <a:solidFill>
-                    <a:srgbClr val="000000"/>
-                  </a:solidFill>
-                  <a:effectLst/>
-                  <a:latin typeface="Arial" panose="020B0604020202020204" pitchFamily="34" charset="0"/>
-                </a:rPr>
-                <a:t>I) Experiment 1, first 6 patches in every trial  </a:t>
-              </a:r>
-              <a:endParaRPr lang="en-AU" sz="7200" dirty="0"/>
-            </a:p>
-          </p:txBody>
-        </p:sp>
-        <p:sp>
-          <p:nvSpPr>
-            <p:cNvPr id="124" name="TextBox 123">
-              <a:extLst>
-                <a:ext uri="{FF2B5EF4-FFF2-40B4-BE49-F238E27FC236}">
-                  <a16:creationId xmlns:a16="http://schemas.microsoft.com/office/drawing/2014/main" id="{43031E8B-6BDF-49D4-B444-6EF4B8D791B5}"/>
-                </a:ext>
-              </a:extLst>
-            </p:cNvPr>
-            <p:cNvSpPr txBox="1"/>
-            <p:nvPr/>
-          </p:nvSpPr>
-          <p:spPr>
-            <a:xfrm>
-              <a:off x="2592962" y="4457257"/>
-              <a:ext cx="762000" cy="830997"/>
-            </a:xfrm>
-            <a:prstGeom prst="rect">
-              <a:avLst/>
-            </a:prstGeom>
-            <a:noFill/>
-          </p:spPr>
-          <p:txBody>
-            <a:bodyPr wrap="square" rtlCol="0">
-              <a:spAutoFit/>
-            </a:bodyPr>
-            <a:lstStyle/>
-            <a:p>
-              <a:r>
-                <a:rPr lang="en-AU" sz="4800" dirty="0">
-                  <a:latin typeface="Arial" panose="020B0604020202020204" pitchFamily="34" charset="0"/>
-                  <a:cs typeface="Arial" panose="020B0604020202020204" pitchFamily="34" charset="0"/>
-                </a:rPr>
-                <a:t>*</a:t>
-              </a:r>
-            </a:p>
-          </p:txBody>
-        </p:sp>
-        <p:sp>
-          <p:nvSpPr>
-            <p:cNvPr id="125" name="TextBox 124">
-              <a:extLst>
-                <a:ext uri="{FF2B5EF4-FFF2-40B4-BE49-F238E27FC236}">
-                  <a16:creationId xmlns:a16="http://schemas.microsoft.com/office/drawing/2014/main" id="{0C929C0A-DAAD-4558-BB05-485F2374E107}"/>
-                </a:ext>
-              </a:extLst>
-            </p:cNvPr>
-            <p:cNvSpPr txBox="1"/>
-            <p:nvPr/>
-          </p:nvSpPr>
-          <p:spPr>
-            <a:xfrm>
-              <a:off x="3239055" y="5315414"/>
-              <a:ext cx="960541" cy="830997"/>
-            </a:xfrm>
-            <a:prstGeom prst="rect">
-              <a:avLst/>
-            </a:prstGeom>
-            <a:noFill/>
-          </p:spPr>
-          <p:txBody>
-            <a:bodyPr wrap="square" rtlCol="0">
-              <a:spAutoFit/>
-            </a:bodyPr>
-            <a:lstStyle/>
-            <a:p>
-              <a:r>
-                <a:rPr lang="en-AU" sz="4800" dirty="0">
-                  <a:latin typeface="Arial" panose="020B0604020202020204" pitchFamily="34" charset="0"/>
-                  <a:cs typeface="Arial" panose="020B0604020202020204" pitchFamily="34" charset="0"/>
-                </a:rPr>
-                <a:t>*</a:t>
-              </a:r>
-            </a:p>
-          </p:txBody>
-        </p:sp>
-        <p:sp>
-          <p:nvSpPr>
-            <p:cNvPr id="126" name="TextBox 125">
-              <a:extLst>
-                <a:ext uri="{FF2B5EF4-FFF2-40B4-BE49-F238E27FC236}">
-                  <a16:creationId xmlns:a16="http://schemas.microsoft.com/office/drawing/2014/main" id="{D3F45D34-9525-4A87-906B-AC547E31B402}"/>
-                </a:ext>
-              </a:extLst>
-            </p:cNvPr>
-            <p:cNvSpPr txBox="1"/>
-            <p:nvPr/>
-          </p:nvSpPr>
-          <p:spPr>
-            <a:xfrm>
-              <a:off x="4009415" y="5248050"/>
-              <a:ext cx="960541" cy="830997"/>
-            </a:xfrm>
-            <a:prstGeom prst="rect">
-              <a:avLst/>
-            </a:prstGeom>
-            <a:noFill/>
-          </p:spPr>
-          <p:txBody>
-            <a:bodyPr wrap="square" rtlCol="0">
-              <a:spAutoFit/>
-            </a:bodyPr>
-            <a:lstStyle/>
-            <a:p>
-              <a:r>
-                <a:rPr lang="en-AU" sz="4800" dirty="0">
-                  <a:latin typeface="Arial" panose="020B0604020202020204" pitchFamily="34" charset="0"/>
-                  <a:cs typeface="Arial" panose="020B0604020202020204" pitchFamily="34" charset="0"/>
-                </a:rPr>
-                <a:t>*</a:t>
-              </a:r>
-            </a:p>
-          </p:txBody>
-        </p:sp>
-        <p:sp>
-          <p:nvSpPr>
-            <p:cNvPr id="128" name="TextBox 127">
-              <a:extLst>
-                <a:ext uri="{FF2B5EF4-FFF2-40B4-BE49-F238E27FC236}">
-                  <a16:creationId xmlns:a16="http://schemas.microsoft.com/office/drawing/2014/main" id="{533155ED-5485-4EFB-8076-BCD9EDD48750}"/>
-                </a:ext>
-              </a:extLst>
-            </p:cNvPr>
-            <p:cNvSpPr txBox="1"/>
-            <p:nvPr/>
-          </p:nvSpPr>
-          <p:spPr>
-            <a:xfrm>
-              <a:off x="6129259" y="5709341"/>
-              <a:ext cx="960541" cy="830997"/>
-            </a:xfrm>
-            <a:prstGeom prst="rect">
-              <a:avLst/>
-            </a:prstGeom>
-            <a:noFill/>
-          </p:spPr>
-          <p:txBody>
-            <a:bodyPr wrap="square" rtlCol="0">
-              <a:spAutoFit/>
-            </a:bodyPr>
-            <a:lstStyle/>
-            <a:p>
-              <a:r>
-                <a:rPr lang="en-AU" sz="4800" dirty="0">
-                  <a:latin typeface="Arial" panose="020B0604020202020204" pitchFamily="34" charset="0"/>
-                  <a:cs typeface="Arial" panose="020B0604020202020204" pitchFamily="34" charset="0"/>
-                </a:rPr>
-                <a:t>*</a:t>
-              </a:r>
-            </a:p>
-          </p:txBody>
-        </p:sp>
-        <p:sp>
-          <p:nvSpPr>
-            <p:cNvPr id="129" name="TextBox 128">
-              <a:extLst>
-                <a:ext uri="{FF2B5EF4-FFF2-40B4-BE49-F238E27FC236}">
-                  <a16:creationId xmlns:a16="http://schemas.microsoft.com/office/drawing/2014/main" id="{1F1CB487-7C8B-4D05-BB45-58634B7FACB8}"/>
-                </a:ext>
-              </a:extLst>
-            </p:cNvPr>
-            <p:cNvSpPr txBox="1"/>
-            <p:nvPr/>
-          </p:nvSpPr>
-          <p:spPr>
-            <a:xfrm>
-              <a:off x="6739180" y="5269796"/>
-              <a:ext cx="960541" cy="830997"/>
-            </a:xfrm>
-            <a:prstGeom prst="rect">
-              <a:avLst/>
-            </a:prstGeom>
-            <a:noFill/>
-          </p:spPr>
-          <p:txBody>
-            <a:bodyPr wrap="square" rtlCol="0">
-              <a:spAutoFit/>
-            </a:bodyPr>
-            <a:lstStyle/>
-            <a:p>
-              <a:r>
-                <a:rPr lang="en-AU" sz="4800" dirty="0">
-                  <a:latin typeface="Arial" panose="020B0604020202020204" pitchFamily="34" charset="0"/>
-                  <a:cs typeface="Arial" panose="020B0604020202020204" pitchFamily="34" charset="0"/>
-                </a:rPr>
-                <a:t>**</a:t>
-              </a:r>
-            </a:p>
-          </p:txBody>
-        </p:sp>
-        <p:sp>
-          <p:nvSpPr>
-            <p:cNvPr id="130" name="TextBox 129">
-              <a:extLst>
-                <a:ext uri="{FF2B5EF4-FFF2-40B4-BE49-F238E27FC236}">
-                  <a16:creationId xmlns:a16="http://schemas.microsoft.com/office/drawing/2014/main" id="{3E5E703F-F8C4-486D-AB91-E3B36FB18132}"/>
-                </a:ext>
-              </a:extLst>
-            </p:cNvPr>
-            <p:cNvSpPr txBox="1"/>
-            <p:nvPr/>
-          </p:nvSpPr>
-          <p:spPr>
-            <a:xfrm>
-              <a:off x="7445962" y="4600937"/>
-              <a:ext cx="960541" cy="830997"/>
-            </a:xfrm>
-            <a:prstGeom prst="rect">
-              <a:avLst/>
-            </a:prstGeom>
-            <a:noFill/>
-          </p:spPr>
-          <p:txBody>
-            <a:bodyPr wrap="square" rtlCol="0">
-              <a:spAutoFit/>
-            </a:bodyPr>
-            <a:lstStyle/>
-            <a:p>
-              <a:r>
-                <a:rPr lang="en-AU" sz="4800" dirty="0">
-                  <a:latin typeface="Arial" panose="020B0604020202020204" pitchFamily="34" charset="0"/>
-                  <a:cs typeface="Arial" panose="020B0604020202020204" pitchFamily="34" charset="0"/>
-                </a:rPr>
-                <a:t>**</a:t>
-              </a:r>
-            </a:p>
-          </p:txBody>
-        </p:sp>
-        <p:sp>
-          <p:nvSpPr>
-            <p:cNvPr id="131" name="TextBox 130">
-              <a:extLst>
-                <a:ext uri="{FF2B5EF4-FFF2-40B4-BE49-F238E27FC236}">
-                  <a16:creationId xmlns:a16="http://schemas.microsoft.com/office/drawing/2014/main" id="{03877EB1-223E-4847-8A14-0C3EB6EC2394}"/>
-                </a:ext>
-              </a:extLst>
-            </p:cNvPr>
-            <p:cNvSpPr txBox="1"/>
-            <p:nvPr/>
-          </p:nvSpPr>
-          <p:spPr>
-            <a:xfrm>
-              <a:off x="10275560" y="4275677"/>
-              <a:ext cx="762000" cy="830997"/>
-            </a:xfrm>
-            <a:prstGeom prst="rect">
-              <a:avLst/>
-            </a:prstGeom>
-            <a:noFill/>
-          </p:spPr>
-          <p:txBody>
-            <a:bodyPr wrap="square" rtlCol="0">
-              <a:spAutoFit/>
-            </a:bodyPr>
-            <a:lstStyle/>
-            <a:p>
-              <a:r>
-                <a:rPr lang="en-AU" sz="4800" dirty="0">
-                  <a:latin typeface="Arial" panose="020B0604020202020204" pitchFamily="34" charset="0"/>
-                  <a:cs typeface="Arial" panose="020B0604020202020204" pitchFamily="34" charset="0"/>
-                </a:rPr>
-                <a:t>*</a:t>
-              </a:r>
-            </a:p>
-          </p:txBody>
-        </p:sp>
-        <p:sp>
-          <p:nvSpPr>
-            <p:cNvPr id="132" name="TextBox 131">
-              <a:extLst>
-                <a:ext uri="{FF2B5EF4-FFF2-40B4-BE49-F238E27FC236}">
-                  <a16:creationId xmlns:a16="http://schemas.microsoft.com/office/drawing/2014/main" id="{6B9CDA2E-71DD-4AB9-9534-3A45774C980C}"/>
-                </a:ext>
-              </a:extLst>
-            </p:cNvPr>
-            <p:cNvSpPr txBox="1"/>
-            <p:nvPr/>
-          </p:nvSpPr>
-          <p:spPr>
-            <a:xfrm>
-              <a:off x="11677999" y="5060598"/>
-              <a:ext cx="960541" cy="830997"/>
-            </a:xfrm>
-            <a:prstGeom prst="rect">
-              <a:avLst/>
-            </a:prstGeom>
-            <a:noFill/>
-          </p:spPr>
-          <p:txBody>
-            <a:bodyPr wrap="square" rtlCol="0">
-              <a:spAutoFit/>
-            </a:bodyPr>
-            <a:lstStyle/>
-            <a:p>
-              <a:r>
-                <a:rPr lang="en-AU" sz="4800" dirty="0">
-                  <a:latin typeface="Arial" panose="020B0604020202020204" pitchFamily="34" charset="0"/>
-                  <a:cs typeface="Arial" panose="020B0604020202020204" pitchFamily="34" charset="0"/>
-                </a:rPr>
-                <a:t>*</a:t>
-              </a:r>
-            </a:p>
-          </p:txBody>
-        </p:sp>
-        <p:sp>
-          <p:nvSpPr>
-            <p:cNvPr id="133" name="TextBox 132">
-              <a:extLst>
-                <a:ext uri="{FF2B5EF4-FFF2-40B4-BE49-F238E27FC236}">
-                  <a16:creationId xmlns:a16="http://schemas.microsoft.com/office/drawing/2014/main" id="{5ED83321-4095-4AAB-BD72-6E246CEF18EA}"/>
-                </a:ext>
-              </a:extLst>
-            </p:cNvPr>
-            <p:cNvSpPr txBox="1"/>
-            <p:nvPr/>
-          </p:nvSpPr>
-          <p:spPr>
-            <a:xfrm>
-              <a:off x="10972270" y="5431934"/>
-              <a:ext cx="960541" cy="830997"/>
-            </a:xfrm>
-            <a:prstGeom prst="rect">
-              <a:avLst/>
-            </a:prstGeom>
-            <a:noFill/>
-          </p:spPr>
-          <p:txBody>
-            <a:bodyPr wrap="square" rtlCol="0">
-              <a:spAutoFit/>
-            </a:bodyPr>
-            <a:lstStyle/>
-            <a:p>
-              <a:r>
-                <a:rPr lang="en-AU" sz="4800" dirty="0">
-                  <a:latin typeface="Arial" panose="020B0604020202020204" pitchFamily="34" charset="0"/>
-                  <a:cs typeface="Arial" panose="020B0604020202020204" pitchFamily="34" charset="0"/>
-                </a:rPr>
-                <a:t>*</a:t>
-              </a:r>
-            </a:p>
-          </p:txBody>
-        </p:sp>
-        <p:sp>
-          <p:nvSpPr>
-            <p:cNvPr id="135" name="TextBox 134">
-              <a:extLst>
-                <a:ext uri="{FF2B5EF4-FFF2-40B4-BE49-F238E27FC236}">
-                  <a16:creationId xmlns:a16="http://schemas.microsoft.com/office/drawing/2014/main" id="{67B4B7F5-FC64-4E54-8ECD-5E4DA8E46530}"/>
-                </a:ext>
-              </a:extLst>
-            </p:cNvPr>
-            <p:cNvSpPr txBox="1"/>
-            <p:nvPr/>
-          </p:nvSpPr>
-          <p:spPr>
-            <a:xfrm>
-              <a:off x="14531934" y="5224953"/>
-              <a:ext cx="960541" cy="830997"/>
-            </a:xfrm>
-            <a:prstGeom prst="rect">
-              <a:avLst/>
-            </a:prstGeom>
-            <a:noFill/>
-          </p:spPr>
-          <p:txBody>
-            <a:bodyPr wrap="square" rtlCol="0">
-              <a:spAutoFit/>
-            </a:bodyPr>
-            <a:lstStyle/>
-            <a:p>
-              <a:r>
-                <a:rPr lang="en-AU" sz="4800" dirty="0">
-                  <a:latin typeface="Arial" panose="020B0604020202020204" pitchFamily="34" charset="0"/>
-                  <a:cs typeface="Arial" panose="020B0604020202020204" pitchFamily="34" charset="0"/>
-                </a:rPr>
-                <a:t>*</a:t>
-              </a:r>
-            </a:p>
-          </p:txBody>
-        </p:sp>
-        <p:sp>
-          <p:nvSpPr>
-            <p:cNvPr id="136" name="TextBox 135">
-              <a:extLst>
-                <a:ext uri="{FF2B5EF4-FFF2-40B4-BE49-F238E27FC236}">
-                  <a16:creationId xmlns:a16="http://schemas.microsoft.com/office/drawing/2014/main" id="{F43BED8B-2828-45A4-998E-CAB0B5C4AD01}"/>
-                </a:ext>
-              </a:extLst>
-            </p:cNvPr>
-            <p:cNvSpPr txBox="1"/>
-            <p:nvPr/>
-          </p:nvSpPr>
-          <p:spPr>
-            <a:xfrm>
-              <a:off x="16823647" y="4570010"/>
-              <a:ext cx="960541" cy="830997"/>
-            </a:xfrm>
-            <a:prstGeom prst="rect">
-              <a:avLst/>
-            </a:prstGeom>
-            <a:noFill/>
-          </p:spPr>
-          <p:txBody>
-            <a:bodyPr wrap="square" rtlCol="0">
-              <a:spAutoFit/>
-            </a:bodyPr>
-            <a:lstStyle/>
-            <a:p>
-              <a:r>
-                <a:rPr lang="en-AU" sz="4800" dirty="0">
-                  <a:latin typeface="Arial" panose="020B0604020202020204" pitchFamily="34" charset="0"/>
-                  <a:cs typeface="Arial" panose="020B0604020202020204" pitchFamily="34" charset="0"/>
-                </a:rPr>
-                <a:t>*</a:t>
-              </a:r>
-            </a:p>
-          </p:txBody>
-        </p:sp>
-        <p:sp>
-          <p:nvSpPr>
-            <p:cNvPr id="137" name="TextBox 136">
-              <a:extLst>
-                <a:ext uri="{FF2B5EF4-FFF2-40B4-BE49-F238E27FC236}">
-                  <a16:creationId xmlns:a16="http://schemas.microsoft.com/office/drawing/2014/main" id="{54C6C2F7-DCD9-4EC6-ADDB-F77201191058}"/>
-                </a:ext>
-              </a:extLst>
-            </p:cNvPr>
-            <p:cNvSpPr txBox="1"/>
-            <p:nvPr/>
-          </p:nvSpPr>
-          <p:spPr>
-            <a:xfrm>
-              <a:off x="17403657" y="5320854"/>
-              <a:ext cx="762000" cy="830997"/>
-            </a:xfrm>
-            <a:prstGeom prst="rect">
-              <a:avLst/>
-            </a:prstGeom>
-            <a:noFill/>
-          </p:spPr>
-          <p:txBody>
-            <a:bodyPr wrap="square" rtlCol="0">
-              <a:spAutoFit/>
-            </a:bodyPr>
-            <a:lstStyle/>
-            <a:p>
-              <a:r>
-                <a:rPr lang="en-AU" sz="4800" dirty="0">
-                  <a:latin typeface="Arial" panose="020B0604020202020204" pitchFamily="34" charset="0"/>
-                  <a:cs typeface="Arial" panose="020B0604020202020204" pitchFamily="34" charset="0"/>
-                </a:rPr>
-                <a:t>**</a:t>
-              </a:r>
-            </a:p>
-          </p:txBody>
-        </p:sp>
-        <p:sp>
-          <p:nvSpPr>
-            <p:cNvPr id="138" name="TextBox 137">
-              <a:extLst>
-                <a:ext uri="{FF2B5EF4-FFF2-40B4-BE49-F238E27FC236}">
-                  <a16:creationId xmlns:a16="http://schemas.microsoft.com/office/drawing/2014/main" id="{038FBD82-5A4B-46C5-99AD-967113ADBF32}"/>
-                </a:ext>
-              </a:extLst>
-            </p:cNvPr>
-            <p:cNvSpPr txBox="1"/>
-            <p:nvPr/>
-          </p:nvSpPr>
-          <p:spPr>
-            <a:xfrm>
-              <a:off x="15121092" y="3772748"/>
-              <a:ext cx="960541" cy="830997"/>
-            </a:xfrm>
-            <a:prstGeom prst="rect">
-              <a:avLst/>
-            </a:prstGeom>
-            <a:noFill/>
-          </p:spPr>
-          <p:txBody>
-            <a:bodyPr wrap="square" rtlCol="0">
-              <a:spAutoFit/>
-            </a:bodyPr>
-            <a:lstStyle/>
-            <a:p>
-              <a:r>
-                <a:rPr lang="en-AU" sz="4800" dirty="0">
-                  <a:latin typeface="Arial" panose="020B0604020202020204" pitchFamily="34" charset="0"/>
-                  <a:cs typeface="Arial" panose="020B0604020202020204" pitchFamily="34" charset="0"/>
-                </a:rPr>
-                <a:t>**</a:t>
-              </a:r>
-            </a:p>
-          </p:txBody>
-        </p:sp>
-        <p:sp>
-          <p:nvSpPr>
-            <p:cNvPr id="139" name="TextBox 138">
-              <a:extLst>
-                <a:ext uri="{FF2B5EF4-FFF2-40B4-BE49-F238E27FC236}">
-                  <a16:creationId xmlns:a16="http://schemas.microsoft.com/office/drawing/2014/main" id="{C018F08D-0309-499A-BB14-3BDE7EC4E457}"/>
-                </a:ext>
-              </a:extLst>
-            </p:cNvPr>
-            <p:cNvSpPr txBox="1"/>
-            <p:nvPr/>
-          </p:nvSpPr>
-          <p:spPr>
-            <a:xfrm>
-              <a:off x="18260407" y="5293843"/>
-              <a:ext cx="960541" cy="830997"/>
-            </a:xfrm>
-            <a:prstGeom prst="rect">
-              <a:avLst/>
-            </a:prstGeom>
-            <a:noFill/>
-          </p:spPr>
-          <p:txBody>
-            <a:bodyPr wrap="square" rtlCol="0">
-              <a:spAutoFit/>
-            </a:bodyPr>
-            <a:lstStyle/>
-            <a:p>
-              <a:r>
-                <a:rPr lang="en-AU" sz="4800" dirty="0">
-                  <a:latin typeface="Arial" panose="020B0604020202020204" pitchFamily="34" charset="0"/>
-                  <a:cs typeface="Arial" panose="020B0604020202020204" pitchFamily="34" charset="0"/>
-                </a:rPr>
-                <a:t>*</a:t>
-              </a:r>
-            </a:p>
-          </p:txBody>
-        </p:sp>
-        <p:sp>
-          <p:nvSpPr>
-            <p:cNvPr id="140" name="TextBox 139">
-              <a:extLst>
-                <a:ext uri="{FF2B5EF4-FFF2-40B4-BE49-F238E27FC236}">
-                  <a16:creationId xmlns:a16="http://schemas.microsoft.com/office/drawing/2014/main" id="{72E2F860-5420-4E07-865A-4B2326551D1A}"/>
-                </a:ext>
-              </a:extLst>
-            </p:cNvPr>
-            <p:cNvSpPr txBox="1"/>
-            <p:nvPr/>
-          </p:nvSpPr>
-          <p:spPr>
-            <a:xfrm>
-              <a:off x="20392747" y="5704595"/>
-              <a:ext cx="960541" cy="830997"/>
-            </a:xfrm>
-            <a:prstGeom prst="rect">
-              <a:avLst/>
-            </a:prstGeom>
-            <a:noFill/>
-          </p:spPr>
-          <p:txBody>
-            <a:bodyPr wrap="square" rtlCol="0">
-              <a:spAutoFit/>
-            </a:bodyPr>
-            <a:lstStyle/>
-            <a:p>
-              <a:r>
-                <a:rPr lang="en-AU" sz="4800" dirty="0">
-                  <a:latin typeface="Arial" panose="020B0604020202020204" pitchFamily="34" charset="0"/>
-                  <a:cs typeface="Arial" panose="020B0604020202020204" pitchFamily="34" charset="0"/>
-                </a:rPr>
-                <a:t>*</a:t>
-              </a:r>
-            </a:p>
-          </p:txBody>
-        </p:sp>
-        <p:sp>
-          <p:nvSpPr>
-            <p:cNvPr id="141" name="TextBox 140">
-              <a:extLst>
-                <a:ext uri="{FF2B5EF4-FFF2-40B4-BE49-F238E27FC236}">
-                  <a16:creationId xmlns:a16="http://schemas.microsoft.com/office/drawing/2014/main" id="{FE765353-7ACF-44F9-8ABC-F0B03601D7DB}"/>
-                </a:ext>
-              </a:extLst>
-            </p:cNvPr>
-            <p:cNvSpPr txBox="1"/>
-            <p:nvPr/>
-          </p:nvSpPr>
-          <p:spPr>
-            <a:xfrm>
-              <a:off x="21123076" y="5172321"/>
-              <a:ext cx="960541" cy="830997"/>
-            </a:xfrm>
-            <a:prstGeom prst="rect">
-              <a:avLst/>
-            </a:prstGeom>
-            <a:noFill/>
-          </p:spPr>
-          <p:txBody>
-            <a:bodyPr wrap="square" rtlCol="0">
-              <a:spAutoFit/>
-            </a:bodyPr>
-            <a:lstStyle/>
-            <a:p>
-              <a:r>
-                <a:rPr lang="en-AU" sz="4800" dirty="0">
-                  <a:latin typeface="Arial" panose="020B0604020202020204" pitchFamily="34" charset="0"/>
-                  <a:cs typeface="Arial" panose="020B0604020202020204" pitchFamily="34" charset="0"/>
-                </a:rPr>
-                <a:t>*</a:t>
-              </a:r>
-            </a:p>
-          </p:txBody>
-        </p:sp>
-        <p:sp>
-          <p:nvSpPr>
-            <p:cNvPr id="142" name="TextBox 141">
-              <a:extLst>
-                <a:ext uri="{FF2B5EF4-FFF2-40B4-BE49-F238E27FC236}">
-                  <a16:creationId xmlns:a16="http://schemas.microsoft.com/office/drawing/2014/main" id="{6296ED62-BA37-4D9F-B9C8-91F6B0C4C8DD}"/>
-                </a:ext>
-              </a:extLst>
-            </p:cNvPr>
-            <p:cNvSpPr txBox="1"/>
-            <p:nvPr/>
-          </p:nvSpPr>
-          <p:spPr>
-            <a:xfrm>
-              <a:off x="21716651" y="4402257"/>
-              <a:ext cx="960541" cy="830997"/>
-            </a:xfrm>
-            <a:prstGeom prst="rect">
-              <a:avLst/>
-            </a:prstGeom>
-            <a:noFill/>
-          </p:spPr>
-          <p:txBody>
-            <a:bodyPr wrap="square" rtlCol="0">
-              <a:spAutoFit/>
-            </a:bodyPr>
-            <a:lstStyle/>
-            <a:p>
-              <a:r>
-                <a:rPr lang="en-AU" sz="4800" dirty="0">
-                  <a:latin typeface="Arial" panose="020B0604020202020204" pitchFamily="34" charset="0"/>
-                  <a:cs typeface="Arial" panose="020B0604020202020204" pitchFamily="34" charset="0"/>
-                </a:rPr>
-                <a:t>**</a:t>
-              </a:r>
-            </a:p>
-          </p:txBody>
-        </p:sp>
-        <p:sp>
-          <p:nvSpPr>
-            <p:cNvPr id="143" name="TextBox 142">
-              <a:extLst>
-                <a:ext uri="{FF2B5EF4-FFF2-40B4-BE49-F238E27FC236}">
-                  <a16:creationId xmlns:a16="http://schemas.microsoft.com/office/drawing/2014/main" id="{1AE8D035-8C80-4C8D-A54C-7A36260CB019}"/>
-                </a:ext>
-              </a:extLst>
-            </p:cNvPr>
-            <p:cNvSpPr txBox="1"/>
-            <p:nvPr/>
-          </p:nvSpPr>
-          <p:spPr>
-            <a:xfrm>
-              <a:off x="23391878" y="4462846"/>
-              <a:ext cx="762000" cy="830997"/>
-            </a:xfrm>
-            <a:prstGeom prst="rect">
-              <a:avLst/>
-            </a:prstGeom>
-            <a:noFill/>
-          </p:spPr>
-          <p:txBody>
-            <a:bodyPr wrap="square" rtlCol="0">
-              <a:spAutoFit/>
-            </a:bodyPr>
-            <a:lstStyle/>
-            <a:p>
-              <a:r>
-                <a:rPr lang="en-AU" sz="4800" dirty="0">
-                  <a:latin typeface="Arial" panose="020B0604020202020204" pitchFamily="34" charset="0"/>
-                  <a:cs typeface="Arial" panose="020B0604020202020204" pitchFamily="34" charset="0"/>
-                </a:rPr>
-                <a:t>*</a:t>
-              </a:r>
-            </a:p>
-          </p:txBody>
-        </p:sp>
-        <p:sp>
-          <p:nvSpPr>
-            <p:cNvPr id="144" name="TextBox 143">
-              <a:extLst>
-                <a:ext uri="{FF2B5EF4-FFF2-40B4-BE49-F238E27FC236}">
-                  <a16:creationId xmlns:a16="http://schemas.microsoft.com/office/drawing/2014/main" id="{F5A56339-4F61-49AD-8FF4-C0FB98AE449B}"/>
-                </a:ext>
-              </a:extLst>
-            </p:cNvPr>
-            <p:cNvSpPr txBox="1"/>
-            <p:nvPr/>
-          </p:nvSpPr>
-          <p:spPr>
-            <a:xfrm>
-              <a:off x="24104281" y="5256572"/>
-              <a:ext cx="960541" cy="830997"/>
-            </a:xfrm>
-            <a:prstGeom prst="rect">
-              <a:avLst/>
-            </a:prstGeom>
-            <a:noFill/>
-          </p:spPr>
-          <p:txBody>
-            <a:bodyPr wrap="square" rtlCol="0">
-              <a:spAutoFit/>
-            </a:bodyPr>
-            <a:lstStyle/>
-            <a:p>
-              <a:r>
-                <a:rPr lang="en-AU" sz="4800" dirty="0">
-                  <a:latin typeface="Arial" panose="020B0604020202020204" pitchFamily="34" charset="0"/>
-                  <a:cs typeface="Arial" panose="020B0604020202020204" pitchFamily="34" charset="0"/>
-                </a:rPr>
-                <a:t>*</a:t>
-              </a:r>
-            </a:p>
-          </p:txBody>
-        </p:sp>
-        <p:sp>
-          <p:nvSpPr>
-            <p:cNvPr id="145" name="TextBox 144">
-              <a:extLst>
-                <a:ext uri="{FF2B5EF4-FFF2-40B4-BE49-F238E27FC236}">
-                  <a16:creationId xmlns:a16="http://schemas.microsoft.com/office/drawing/2014/main" id="{3BCAEE20-C90D-49B0-9986-085CC44E6190}"/>
-                </a:ext>
-              </a:extLst>
-            </p:cNvPr>
-            <p:cNvSpPr txBox="1"/>
-            <p:nvPr/>
-          </p:nvSpPr>
-          <p:spPr>
-            <a:xfrm>
-              <a:off x="24802433" y="5045317"/>
-              <a:ext cx="960541" cy="830997"/>
-            </a:xfrm>
-            <a:prstGeom prst="rect">
-              <a:avLst/>
-            </a:prstGeom>
-            <a:noFill/>
-          </p:spPr>
-          <p:txBody>
-            <a:bodyPr wrap="square" rtlCol="0">
-              <a:spAutoFit/>
-            </a:bodyPr>
-            <a:lstStyle/>
-            <a:p>
-              <a:r>
-                <a:rPr lang="en-AU" sz="4800" dirty="0">
-                  <a:latin typeface="Arial" panose="020B0604020202020204" pitchFamily="34" charset="0"/>
-                  <a:cs typeface="Arial" panose="020B0604020202020204" pitchFamily="34" charset="0"/>
-                </a:rPr>
-                <a:t>*</a:t>
-              </a:r>
-            </a:p>
-          </p:txBody>
-        </p:sp>
-        <p:sp>
-          <p:nvSpPr>
-            <p:cNvPr id="146" name="TextBox 145">
-              <a:extLst>
-                <a:ext uri="{FF2B5EF4-FFF2-40B4-BE49-F238E27FC236}">
-                  <a16:creationId xmlns:a16="http://schemas.microsoft.com/office/drawing/2014/main" id="{A8D5EE5D-C522-4782-9279-78E7CF09CFF3}"/>
-                </a:ext>
-              </a:extLst>
-            </p:cNvPr>
-            <p:cNvSpPr txBox="1"/>
-            <p:nvPr/>
-          </p:nvSpPr>
-          <p:spPr>
-            <a:xfrm>
-              <a:off x="26986173" y="5580287"/>
-              <a:ext cx="960541" cy="830997"/>
-            </a:xfrm>
-            <a:prstGeom prst="rect">
-              <a:avLst/>
-            </a:prstGeom>
-            <a:noFill/>
-          </p:spPr>
-          <p:txBody>
-            <a:bodyPr wrap="square" rtlCol="0">
-              <a:spAutoFit/>
-            </a:bodyPr>
-            <a:lstStyle/>
-            <a:p>
-              <a:r>
-                <a:rPr lang="en-AU" sz="4800" dirty="0">
-                  <a:latin typeface="Arial" panose="020B0604020202020204" pitchFamily="34" charset="0"/>
-                  <a:cs typeface="Arial" panose="020B0604020202020204" pitchFamily="34" charset="0"/>
-                </a:rPr>
-                <a:t>*</a:t>
-              </a:r>
-            </a:p>
-          </p:txBody>
-        </p:sp>
-        <p:sp>
-          <p:nvSpPr>
-            <p:cNvPr id="147" name="TextBox 146">
-              <a:extLst>
-                <a:ext uri="{FF2B5EF4-FFF2-40B4-BE49-F238E27FC236}">
-                  <a16:creationId xmlns:a16="http://schemas.microsoft.com/office/drawing/2014/main" id="{DE13F446-AB1D-4630-814F-13C19FCC5928}"/>
-                </a:ext>
-              </a:extLst>
-            </p:cNvPr>
-            <p:cNvSpPr txBox="1"/>
-            <p:nvPr/>
-          </p:nvSpPr>
-          <p:spPr>
-            <a:xfrm>
-              <a:off x="27538321" y="5356851"/>
-              <a:ext cx="960541" cy="830997"/>
-            </a:xfrm>
-            <a:prstGeom prst="rect">
-              <a:avLst/>
-            </a:prstGeom>
-            <a:noFill/>
-          </p:spPr>
-          <p:txBody>
-            <a:bodyPr wrap="square" rtlCol="0">
-              <a:spAutoFit/>
-            </a:bodyPr>
-            <a:lstStyle/>
-            <a:p>
-              <a:r>
-                <a:rPr lang="en-AU" sz="4800" dirty="0">
-                  <a:latin typeface="Arial" panose="020B0604020202020204" pitchFamily="34" charset="0"/>
-                  <a:cs typeface="Arial" panose="020B0604020202020204" pitchFamily="34" charset="0"/>
-                </a:rPr>
-                <a:t>**</a:t>
-              </a:r>
-            </a:p>
-          </p:txBody>
-        </p:sp>
-        <p:sp>
-          <p:nvSpPr>
-            <p:cNvPr id="148" name="TextBox 147">
-              <a:extLst>
-                <a:ext uri="{FF2B5EF4-FFF2-40B4-BE49-F238E27FC236}">
-                  <a16:creationId xmlns:a16="http://schemas.microsoft.com/office/drawing/2014/main" id="{B5254F29-04D3-4CB1-B4FC-B128C366115D}"/>
-                </a:ext>
-              </a:extLst>
-            </p:cNvPr>
-            <p:cNvSpPr txBox="1"/>
-            <p:nvPr/>
-          </p:nvSpPr>
-          <p:spPr>
-            <a:xfrm>
-              <a:off x="28263224" y="4910963"/>
-              <a:ext cx="960541" cy="830997"/>
-            </a:xfrm>
-            <a:prstGeom prst="rect">
-              <a:avLst/>
-            </a:prstGeom>
-            <a:noFill/>
-          </p:spPr>
-          <p:txBody>
-            <a:bodyPr wrap="square" rtlCol="0">
-              <a:spAutoFit/>
-            </a:bodyPr>
-            <a:lstStyle/>
-            <a:p>
-              <a:r>
-                <a:rPr lang="en-AU" sz="4800" dirty="0">
-                  <a:latin typeface="Arial" panose="020B0604020202020204" pitchFamily="34" charset="0"/>
-                  <a:cs typeface="Arial" panose="020B0604020202020204" pitchFamily="34" charset="0"/>
-                </a:rPr>
-                <a:t>**</a:t>
-              </a:r>
-            </a:p>
-          </p:txBody>
-        </p:sp>
-        <p:sp>
-          <p:nvSpPr>
-            <p:cNvPr id="149" name="TextBox 148">
-              <a:extLst>
-                <a:ext uri="{FF2B5EF4-FFF2-40B4-BE49-F238E27FC236}">
-                  <a16:creationId xmlns:a16="http://schemas.microsoft.com/office/drawing/2014/main" id="{17DA3885-B026-447E-A615-4E9D6886DE7B}"/>
-                </a:ext>
-              </a:extLst>
-            </p:cNvPr>
-            <p:cNvSpPr txBox="1"/>
-            <p:nvPr/>
-          </p:nvSpPr>
-          <p:spPr>
-            <a:xfrm>
-              <a:off x="25517442" y="5815721"/>
-              <a:ext cx="960541" cy="830997"/>
-            </a:xfrm>
-            <a:prstGeom prst="rect">
-              <a:avLst/>
-            </a:prstGeom>
-            <a:noFill/>
-          </p:spPr>
-          <p:txBody>
-            <a:bodyPr wrap="square" rtlCol="0">
-              <a:spAutoFit/>
-            </a:bodyPr>
-            <a:lstStyle/>
-            <a:p>
-              <a:r>
-                <a:rPr lang="en-AU" sz="4800" dirty="0">
-                  <a:latin typeface="Arial" panose="020B0604020202020204" pitchFamily="34" charset="0"/>
-                  <a:cs typeface="Arial" panose="020B0604020202020204" pitchFamily="34" charset="0"/>
-                </a:rPr>
-                <a:t>*</a:t>
-              </a:r>
-            </a:p>
-          </p:txBody>
-        </p:sp>
-        <p:sp>
-          <p:nvSpPr>
-            <p:cNvPr id="150" name="TextBox 149">
-              <a:extLst>
-                <a:ext uri="{FF2B5EF4-FFF2-40B4-BE49-F238E27FC236}">
-                  <a16:creationId xmlns:a16="http://schemas.microsoft.com/office/drawing/2014/main" id="{123FC82D-690A-4948-B933-EAE6189A01DC}"/>
-                </a:ext>
-              </a:extLst>
-            </p:cNvPr>
-            <p:cNvSpPr txBox="1"/>
-            <p:nvPr/>
-          </p:nvSpPr>
-          <p:spPr>
-            <a:xfrm>
-              <a:off x="23974069" y="1681224"/>
-              <a:ext cx="3895509" cy="707886"/>
-            </a:xfrm>
-            <a:prstGeom prst="rect">
-              <a:avLst/>
-            </a:prstGeom>
-            <a:solidFill>
-              <a:schemeClr val="bg1"/>
-            </a:solidFill>
-          </p:spPr>
-          <p:txBody>
-            <a:bodyPr wrap="square" rtlCol="0">
-              <a:spAutoFit/>
-            </a:bodyPr>
-            <a:lstStyle/>
-            <a:p>
-              <a:pPr algn="ctr"/>
-              <a:r>
-                <a:rPr lang="en-US" sz="4000" dirty="0">
-                  <a:latin typeface="Arial" panose="020B0604020202020204" pitchFamily="34" charset="0"/>
-                  <a:cs typeface="Arial" panose="020B0604020202020204" pitchFamily="34" charset="0"/>
-                </a:rPr>
-                <a:t>Peripheral</a:t>
-              </a:r>
-              <a:endParaRPr lang="en-AU" sz="4000" dirty="0">
-                <a:latin typeface="Arial" panose="020B0604020202020204" pitchFamily="34" charset="0"/>
-                <a:cs typeface="Arial" panose="020B0604020202020204" pitchFamily="34" charset="0"/>
-              </a:endParaRPr>
-            </a:p>
-          </p:txBody>
-        </p:sp>
-        <p:sp>
-          <p:nvSpPr>
-            <p:cNvPr id="151" name="TextBox 150">
-              <a:extLst>
-                <a:ext uri="{FF2B5EF4-FFF2-40B4-BE49-F238E27FC236}">
-                  <a16:creationId xmlns:a16="http://schemas.microsoft.com/office/drawing/2014/main" id="{101EE0C8-450C-4B9B-A572-9E871FF6EB9D}"/>
-                </a:ext>
-              </a:extLst>
-            </p:cNvPr>
-            <p:cNvSpPr txBox="1"/>
-            <p:nvPr/>
-          </p:nvSpPr>
-          <p:spPr>
-            <a:xfrm>
-              <a:off x="17696271" y="1632996"/>
-              <a:ext cx="3895509" cy="707886"/>
-            </a:xfrm>
-            <a:prstGeom prst="rect">
-              <a:avLst/>
-            </a:prstGeom>
-            <a:solidFill>
-              <a:schemeClr val="bg1"/>
-            </a:solidFill>
-          </p:spPr>
-          <p:txBody>
-            <a:bodyPr wrap="square" rtlCol="0">
-              <a:spAutoFit/>
-            </a:bodyPr>
-            <a:lstStyle/>
-            <a:p>
-              <a:pPr algn="ctr"/>
-              <a:r>
-                <a:rPr lang="en-US" sz="4000" dirty="0">
-                  <a:latin typeface="Arial" panose="020B0604020202020204" pitchFamily="34" charset="0"/>
-                  <a:cs typeface="Arial" panose="020B0604020202020204" pitchFamily="34" charset="0"/>
-                </a:rPr>
-                <a:t>Para-foveal</a:t>
-              </a:r>
-              <a:endParaRPr lang="en-AU" sz="4000" dirty="0">
-                <a:latin typeface="Arial" panose="020B0604020202020204" pitchFamily="34" charset="0"/>
-                <a:cs typeface="Arial" panose="020B0604020202020204" pitchFamily="34" charset="0"/>
-              </a:endParaRPr>
-            </a:p>
-          </p:txBody>
-        </p:sp>
-      </p:grpSp>
-      <p:grpSp>
-        <p:nvGrpSpPr>
-          <p:cNvPr id="9" name="Group 8">
+          <a:prstGeom prst="rect">
+            <a:avLst/>
+          </a:prstGeom>
+          <a:noFill/>
+          <a:extLst>
+            <a:ext uri="{909E8E84-426E-40DD-AFC4-6F175D3DCCD1}">
+              <a14:hiddenFill xmlns:a14="http://schemas.microsoft.com/office/drawing/2010/main">
+                <a:solidFill>
+                  <a:srgbClr val="FFFFFF"/>
+                </a:solidFill>
+              </a14:hiddenFill>
+            </a:ext>
+          </a:extLst>
+        </p:spPr>
+      </p:pic>
+      <p:pic>
+        <p:nvPicPr>
+          <p:cNvPr id="1026" name="Picture 2">
             <a:extLst>
               <a:ext uri="{FF2B5EF4-FFF2-40B4-BE49-F238E27FC236}">
-                <a16:creationId xmlns:a16="http://schemas.microsoft.com/office/drawing/2014/main" id="{3FC1D9DE-D3FD-4899-9461-C0A6EA0CC08A}"/>
+                <a16:creationId xmlns:a16="http://schemas.microsoft.com/office/drawing/2014/main" id="{542B1BDC-1D10-42AA-AE8D-38B5BB9D8596}"/>
               </a:ext>
             </a:extLst>
           </p:cNvPr>
-          <p:cNvGrpSpPr/>
+          <p:cNvPicPr>
+            <a:picLocks noChangeAspect="1" noChangeArrowheads="1"/>
+          </p:cNvPicPr>
           <p:nvPr/>
-        </p:nvGrpSpPr>
-        <p:grpSpPr>
+        </p:nvPicPr>
+        <p:blipFill rotWithShape="1">
+          <a:blip r:embed="rId3">
+            <a:extLst>
+              <a:ext uri="{28A0092B-C50C-407E-A947-70E740481C1C}">
+                <a14:useLocalDpi xmlns:a14="http://schemas.microsoft.com/office/drawing/2010/main" val="0"/>
+              </a:ext>
+            </a:extLst>
+          </a:blip>
+          <a:srcRect t="11319"/>
+          <a:stretch/>
+        </p:blipFill>
+        <p:spPr bwMode="auto">
           <a:xfrm>
-            <a:off x="-94206" y="21505795"/>
-            <a:ext cx="29911412" cy="21379822"/>
-            <a:chOff x="-94206" y="21505795"/>
-            <a:chExt cx="29911412" cy="21379822"/>
+            <a:off x="913497" y="1705393"/>
+            <a:ext cx="28605330" cy="19669022"/>
           </a:xfrm>
-        </p:grpSpPr>
-        <p:pic>
-          <p:nvPicPr>
-            <p:cNvPr id="6" name="Picture 5">
-              <a:extLst>
-                <a:ext uri="{FF2B5EF4-FFF2-40B4-BE49-F238E27FC236}">
-                  <a16:creationId xmlns:a16="http://schemas.microsoft.com/office/drawing/2014/main" id="{654D3F65-BA3D-4C51-AF65-1F7B518920E8}"/>
-                </a:ext>
-              </a:extLst>
-            </p:cNvPr>
-            <p:cNvPicPr>
-              <a:picLocks noChangeAspect="1"/>
-            </p:cNvPicPr>
-            <p:nvPr/>
-          </p:nvPicPr>
-          <p:blipFill rotWithShape="1">
-            <a:blip r:embed="rId3">
-              <a:extLst>
-                <a:ext uri="{28A0092B-C50C-407E-A947-70E740481C1C}">
-                  <a14:useLocalDpi xmlns:a14="http://schemas.microsoft.com/office/drawing/2010/main" val="0"/>
-                </a:ext>
-              </a:extLst>
-            </a:blip>
-            <a:srcRect t="11818"/>
-            <a:stretch/>
-          </p:blipFill>
-          <p:spPr>
-            <a:xfrm>
-              <a:off x="1035172" y="23903293"/>
-              <a:ext cx="28782034" cy="18472319"/>
-            </a:xfrm>
-            <a:prstGeom prst="rect">
-              <a:avLst/>
-            </a:prstGeom>
-          </p:spPr>
-        </p:pic>
-        <p:sp>
-          <p:nvSpPr>
-            <p:cNvPr id="40" name="TextBox 39">
-              <a:extLst>
-                <a:ext uri="{FF2B5EF4-FFF2-40B4-BE49-F238E27FC236}">
-                  <a16:creationId xmlns:a16="http://schemas.microsoft.com/office/drawing/2014/main" id="{1B41EC31-61E9-4367-B609-C1B7DAF10C6D}"/>
-                </a:ext>
-              </a:extLst>
-            </p:cNvPr>
-            <p:cNvSpPr txBox="1"/>
-            <p:nvPr/>
-          </p:nvSpPr>
-          <p:spPr>
-            <a:xfrm>
-              <a:off x="11252687" y="41726945"/>
-              <a:ext cx="14856507" cy="1158672"/>
-            </a:xfrm>
-            <a:prstGeom prst="rect">
-              <a:avLst/>
-            </a:prstGeom>
-            <a:noFill/>
-          </p:spPr>
-          <p:txBody>
-            <a:bodyPr wrap="square" rtlCol="0">
-              <a:spAutoFit/>
-            </a:bodyPr>
-            <a:lstStyle/>
-            <a:p>
-              <a:r>
-                <a:rPr lang="en-AU" sz="6000" dirty="0">
-                  <a:latin typeface="Arial" panose="020B0604020202020204" pitchFamily="34" charset="0"/>
-                  <a:cs typeface="Arial" panose="020B0604020202020204" pitchFamily="34" charset="0"/>
-                </a:rPr>
-                <a:t>Decision × Confidence (D×C)</a:t>
-              </a:r>
-            </a:p>
-          </p:txBody>
-        </p:sp>
-        <p:sp>
-          <p:nvSpPr>
-            <p:cNvPr id="41" name="TextBox 40">
-              <a:extLst>
-                <a:ext uri="{FF2B5EF4-FFF2-40B4-BE49-F238E27FC236}">
-                  <a16:creationId xmlns:a16="http://schemas.microsoft.com/office/drawing/2014/main" id="{359F6B72-8202-4C7D-92C0-F8BC6E902B0F}"/>
-                </a:ext>
-              </a:extLst>
-            </p:cNvPr>
-            <p:cNvSpPr txBox="1"/>
-            <p:nvPr/>
-          </p:nvSpPr>
-          <p:spPr>
-            <a:xfrm rot="16200000">
-              <a:off x="-4272718" y="31553321"/>
-              <a:ext cx="9515695" cy="1158672"/>
-            </a:xfrm>
-            <a:prstGeom prst="rect">
-              <a:avLst/>
-            </a:prstGeom>
-            <a:noFill/>
-          </p:spPr>
-          <p:txBody>
-            <a:bodyPr wrap="square" rtlCol="0">
-              <a:spAutoFit/>
-            </a:bodyPr>
-            <a:lstStyle/>
-            <a:p>
-              <a:r>
-                <a:rPr lang="en-AU" sz="6000" dirty="0">
-                  <a:latin typeface="Arial" panose="020B0604020202020204" pitchFamily="34" charset="0"/>
-                  <a:cs typeface="Arial" panose="020B0604020202020204" pitchFamily="34" charset="0"/>
-                </a:rPr>
-                <a:t>Proportion of responses</a:t>
-              </a:r>
-            </a:p>
-          </p:txBody>
-        </p:sp>
-        <p:sp>
-          <p:nvSpPr>
-            <p:cNvPr id="47" name="TextBox 46">
-              <a:extLst>
-                <a:ext uri="{FF2B5EF4-FFF2-40B4-BE49-F238E27FC236}">
-                  <a16:creationId xmlns:a16="http://schemas.microsoft.com/office/drawing/2014/main" id="{75C130B3-333F-4B56-8A57-667D0A442243}"/>
-                </a:ext>
-              </a:extLst>
-            </p:cNvPr>
-            <p:cNvSpPr txBox="1"/>
-            <p:nvPr/>
-          </p:nvSpPr>
-          <p:spPr>
-            <a:xfrm>
-              <a:off x="7662615" y="31313060"/>
-              <a:ext cx="960541" cy="830997"/>
-            </a:xfrm>
-            <a:prstGeom prst="rect">
-              <a:avLst/>
-            </a:prstGeom>
-            <a:noFill/>
-          </p:spPr>
-          <p:txBody>
-            <a:bodyPr wrap="square" rtlCol="0">
-              <a:spAutoFit/>
-            </a:bodyPr>
-            <a:lstStyle/>
-            <a:p>
-              <a:r>
-                <a:rPr lang="en-AU" sz="4800" dirty="0">
-                  <a:latin typeface="Arial" panose="020B0604020202020204" pitchFamily="34" charset="0"/>
-                  <a:cs typeface="Arial" panose="020B0604020202020204" pitchFamily="34" charset="0"/>
-                </a:rPr>
-                <a:t>*</a:t>
-              </a:r>
-            </a:p>
-          </p:txBody>
-        </p:sp>
-        <p:sp>
-          <p:nvSpPr>
-            <p:cNvPr id="64" name="TextBox 63">
-              <a:extLst>
-                <a:ext uri="{FF2B5EF4-FFF2-40B4-BE49-F238E27FC236}">
-                  <a16:creationId xmlns:a16="http://schemas.microsoft.com/office/drawing/2014/main" id="{E5C8BE60-65B2-4B70-9E39-E75CA1460C01}"/>
-                </a:ext>
-              </a:extLst>
-            </p:cNvPr>
-            <p:cNvSpPr txBox="1"/>
-            <p:nvPr/>
-          </p:nvSpPr>
-          <p:spPr>
-            <a:xfrm>
-              <a:off x="1189665" y="23885328"/>
-              <a:ext cx="1211318" cy="948004"/>
-            </a:xfrm>
-            <a:prstGeom prst="rect">
-              <a:avLst/>
-            </a:prstGeom>
-            <a:noFill/>
-          </p:spPr>
-          <p:txBody>
-            <a:bodyPr wrap="square" rtlCol="0">
-              <a:spAutoFit/>
-            </a:bodyPr>
-            <a:lstStyle/>
-            <a:p>
-              <a:r>
-                <a:rPr lang="en-AU" sz="4800" b="1" dirty="0">
-                  <a:latin typeface="Arial" panose="020B0604020202020204" pitchFamily="34" charset="0"/>
-                  <a:cs typeface="Arial" panose="020B0604020202020204" pitchFamily="34" charset="0"/>
-                </a:rPr>
-                <a:t>a)</a:t>
-              </a:r>
-            </a:p>
-          </p:txBody>
-        </p:sp>
-        <p:sp>
-          <p:nvSpPr>
-            <p:cNvPr id="65" name="TextBox 64">
-              <a:extLst>
-                <a:ext uri="{FF2B5EF4-FFF2-40B4-BE49-F238E27FC236}">
-                  <a16:creationId xmlns:a16="http://schemas.microsoft.com/office/drawing/2014/main" id="{537744EE-49DF-4FDC-8C01-39516167409A}"/>
-                </a:ext>
-              </a:extLst>
-            </p:cNvPr>
-            <p:cNvSpPr txBox="1"/>
-            <p:nvPr/>
-          </p:nvSpPr>
-          <p:spPr>
-            <a:xfrm>
-              <a:off x="1189665" y="29128554"/>
-              <a:ext cx="1211318" cy="948004"/>
-            </a:xfrm>
-            <a:prstGeom prst="rect">
-              <a:avLst/>
-            </a:prstGeom>
-            <a:noFill/>
-          </p:spPr>
-          <p:txBody>
-            <a:bodyPr wrap="square" rtlCol="0">
-              <a:spAutoFit/>
-            </a:bodyPr>
-            <a:lstStyle/>
-            <a:p>
-              <a:r>
-                <a:rPr lang="en-AU" sz="4800" b="1" dirty="0">
-                  <a:latin typeface="Arial" panose="020B0604020202020204" pitchFamily="34" charset="0"/>
-                  <a:cs typeface="Arial" panose="020B0604020202020204" pitchFamily="34" charset="0"/>
-                </a:rPr>
-                <a:t>e)</a:t>
-              </a:r>
-            </a:p>
-          </p:txBody>
-        </p:sp>
-        <p:sp>
-          <p:nvSpPr>
-            <p:cNvPr id="66" name="TextBox 65">
-              <a:extLst>
-                <a:ext uri="{FF2B5EF4-FFF2-40B4-BE49-F238E27FC236}">
-                  <a16:creationId xmlns:a16="http://schemas.microsoft.com/office/drawing/2014/main" id="{63FFBBA0-9B40-4EA4-B290-783EC2AD3CDB}"/>
-                </a:ext>
-              </a:extLst>
-            </p:cNvPr>
-            <p:cNvSpPr txBox="1"/>
-            <p:nvPr/>
-          </p:nvSpPr>
-          <p:spPr>
-            <a:xfrm>
-              <a:off x="1257343" y="34826433"/>
-              <a:ext cx="1211318" cy="948004"/>
-            </a:xfrm>
-            <a:prstGeom prst="rect">
-              <a:avLst/>
-            </a:prstGeom>
-            <a:noFill/>
-          </p:spPr>
-          <p:txBody>
-            <a:bodyPr wrap="square" rtlCol="0">
-              <a:spAutoFit/>
-            </a:bodyPr>
-            <a:lstStyle/>
-            <a:p>
-              <a:r>
-                <a:rPr lang="en-AU" sz="4800" b="1" dirty="0">
-                  <a:latin typeface="Arial" panose="020B0604020202020204" pitchFamily="34" charset="0"/>
-                  <a:cs typeface="Arial" panose="020B0604020202020204" pitchFamily="34" charset="0"/>
-                </a:rPr>
-                <a:t>i)</a:t>
-              </a:r>
-            </a:p>
-          </p:txBody>
-        </p:sp>
-        <p:sp>
-          <p:nvSpPr>
-            <p:cNvPr id="67" name="TextBox 66">
-              <a:extLst>
-                <a:ext uri="{FF2B5EF4-FFF2-40B4-BE49-F238E27FC236}">
-                  <a16:creationId xmlns:a16="http://schemas.microsoft.com/office/drawing/2014/main" id="{5A53655D-60C7-424A-AE16-EC059D410DC9}"/>
-                </a:ext>
-              </a:extLst>
-            </p:cNvPr>
-            <p:cNvSpPr txBox="1"/>
-            <p:nvPr/>
-          </p:nvSpPr>
-          <p:spPr>
-            <a:xfrm>
-              <a:off x="8849540" y="23918149"/>
-              <a:ext cx="1211318" cy="948004"/>
-            </a:xfrm>
-            <a:prstGeom prst="rect">
-              <a:avLst/>
-            </a:prstGeom>
-            <a:noFill/>
-          </p:spPr>
-          <p:txBody>
-            <a:bodyPr wrap="square" rtlCol="0">
-              <a:spAutoFit/>
-            </a:bodyPr>
-            <a:lstStyle/>
-            <a:p>
-              <a:r>
-                <a:rPr lang="en-AU" sz="4800" b="1" dirty="0">
-                  <a:latin typeface="Arial" panose="020B0604020202020204" pitchFamily="34" charset="0"/>
-                  <a:cs typeface="Arial" panose="020B0604020202020204" pitchFamily="34" charset="0"/>
-                </a:rPr>
-                <a:t>b)</a:t>
-              </a:r>
-            </a:p>
-          </p:txBody>
-        </p:sp>
-        <p:sp>
-          <p:nvSpPr>
-            <p:cNvPr id="68" name="TextBox 67">
-              <a:extLst>
-                <a:ext uri="{FF2B5EF4-FFF2-40B4-BE49-F238E27FC236}">
-                  <a16:creationId xmlns:a16="http://schemas.microsoft.com/office/drawing/2014/main" id="{35DBA2B8-0299-4C61-A1C4-8B0B390898DD}"/>
-                </a:ext>
-              </a:extLst>
-            </p:cNvPr>
-            <p:cNvSpPr txBox="1"/>
-            <p:nvPr/>
-          </p:nvSpPr>
-          <p:spPr>
-            <a:xfrm>
-              <a:off x="8849540" y="29161375"/>
-              <a:ext cx="1211318" cy="948004"/>
-            </a:xfrm>
-            <a:prstGeom prst="rect">
-              <a:avLst/>
-            </a:prstGeom>
-            <a:noFill/>
-          </p:spPr>
-          <p:txBody>
-            <a:bodyPr wrap="square" rtlCol="0">
-              <a:spAutoFit/>
-            </a:bodyPr>
-            <a:lstStyle/>
-            <a:p>
-              <a:r>
-                <a:rPr lang="en-AU" sz="4800" b="1" dirty="0">
-                  <a:latin typeface="Arial" panose="020B0604020202020204" pitchFamily="34" charset="0"/>
-                  <a:cs typeface="Arial" panose="020B0604020202020204" pitchFamily="34" charset="0"/>
-                </a:rPr>
-                <a:t>f)</a:t>
-              </a:r>
-            </a:p>
-          </p:txBody>
-        </p:sp>
-        <p:sp>
-          <p:nvSpPr>
-            <p:cNvPr id="69" name="TextBox 68">
-              <a:extLst>
-                <a:ext uri="{FF2B5EF4-FFF2-40B4-BE49-F238E27FC236}">
-                  <a16:creationId xmlns:a16="http://schemas.microsoft.com/office/drawing/2014/main" id="{C5F66902-AFFB-4696-83E7-28570F415C32}"/>
-                </a:ext>
-              </a:extLst>
-            </p:cNvPr>
-            <p:cNvSpPr txBox="1"/>
-            <p:nvPr/>
-          </p:nvSpPr>
-          <p:spPr>
-            <a:xfrm>
-              <a:off x="8917217" y="34859254"/>
-              <a:ext cx="1211318" cy="948004"/>
-            </a:xfrm>
-            <a:prstGeom prst="rect">
-              <a:avLst/>
-            </a:prstGeom>
-            <a:noFill/>
-          </p:spPr>
-          <p:txBody>
-            <a:bodyPr wrap="square" rtlCol="0">
-              <a:spAutoFit/>
-            </a:bodyPr>
-            <a:lstStyle/>
-            <a:p>
-              <a:r>
-                <a:rPr lang="en-AU" sz="4800" b="1" dirty="0">
-                  <a:latin typeface="Arial" panose="020B0604020202020204" pitchFamily="34" charset="0"/>
-                  <a:cs typeface="Arial" panose="020B0604020202020204" pitchFamily="34" charset="0"/>
-                </a:rPr>
-                <a:t>j)</a:t>
-              </a:r>
-            </a:p>
-          </p:txBody>
-        </p:sp>
-        <p:sp>
-          <p:nvSpPr>
-            <p:cNvPr id="70" name="TextBox 69">
-              <a:extLst>
-                <a:ext uri="{FF2B5EF4-FFF2-40B4-BE49-F238E27FC236}">
-                  <a16:creationId xmlns:a16="http://schemas.microsoft.com/office/drawing/2014/main" id="{B81D1415-3F2B-4B9A-A56E-A7738DA187D6}"/>
-                </a:ext>
-              </a:extLst>
-            </p:cNvPr>
-            <p:cNvSpPr txBox="1"/>
-            <p:nvPr/>
-          </p:nvSpPr>
-          <p:spPr>
-            <a:xfrm>
-              <a:off x="16069674" y="23888190"/>
-              <a:ext cx="1211318" cy="948004"/>
-            </a:xfrm>
-            <a:prstGeom prst="rect">
-              <a:avLst/>
-            </a:prstGeom>
-            <a:noFill/>
-          </p:spPr>
-          <p:txBody>
-            <a:bodyPr wrap="square" rtlCol="0">
-              <a:spAutoFit/>
-            </a:bodyPr>
-            <a:lstStyle/>
-            <a:p>
-              <a:r>
-                <a:rPr lang="en-AU" sz="4800" b="1" dirty="0">
-                  <a:latin typeface="Arial" panose="020B0604020202020204" pitchFamily="34" charset="0"/>
-                  <a:cs typeface="Arial" panose="020B0604020202020204" pitchFamily="34" charset="0"/>
-                </a:rPr>
-                <a:t>c)</a:t>
-              </a:r>
-            </a:p>
-          </p:txBody>
-        </p:sp>
-        <p:sp>
-          <p:nvSpPr>
-            <p:cNvPr id="71" name="TextBox 70">
-              <a:extLst>
-                <a:ext uri="{FF2B5EF4-FFF2-40B4-BE49-F238E27FC236}">
-                  <a16:creationId xmlns:a16="http://schemas.microsoft.com/office/drawing/2014/main" id="{81A31CBE-4687-415A-8615-8549C66ED553}"/>
-                </a:ext>
-              </a:extLst>
-            </p:cNvPr>
-            <p:cNvSpPr txBox="1"/>
-            <p:nvPr/>
-          </p:nvSpPr>
-          <p:spPr>
-            <a:xfrm>
-              <a:off x="16069674" y="29131416"/>
-              <a:ext cx="1211318" cy="948004"/>
-            </a:xfrm>
-            <a:prstGeom prst="rect">
-              <a:avLst/>
-            </a:prstGeom>
-            <a:noFill/>
-          </p:spPr>
-          <p:txBody>
-            <a:bodyPr wrap="square" rtlCol="0">
-              <a:spAutoFit/>
-            </a:bodyPr>
-            <a:lstStyle/>
-            <a:p>
-              <a:r>
-                <a:rPr lang="en-AU" sz="4800" b="1" dirty="0">
-                  <a:latin typeface="Arial" panose="020B0604020202020204" pitchFamily="34" charset="0"/>
-                  <a:cs typeface="Arial" panose="020B0604020202020204" pitchFamily="34" charset="0"/>
-                </a:rPr>
-                <a:t>g)</a:t>
-              </a:r>
-            </a:p>
-          </p:txBody>
-        </p:sp>
-        <p:sp>
-          <p:nvSpPr>
-            <p:cNvPr id="72" name="TextBox 71">
-              <a:extLst>
-                <a:ext uri="{FF2B5EF4-FFF2-40B4-BE49-F238E27FC236}">
-                  <a16:creationId xmlns:a16="http://schemas.microsoft.com/office/drawing/2014/main" id="{0C05A317-5654-442E-9890-0BAFB54F7D91}"/>
-                </a:ext>
-              </a:extLst>
-            </p:cNvPr>
-            <p:cNvSpPr txBox="1"/>
-            <p:nvPr/>
-          </p:nvSpPr>
-          <p:spPr>
-            <a:xfrm>
-              <a:off x="16137351" y="34829297"/>
-              <a:ext cx="1211318" cy="948004"/>
-            </a:xfrm>
-            <a:prstGeom prst="rect">
-              <a:avLst/>
-            </a:prstGeom>
-            <a:noFill/>
-          </p:spPr>
-          <p:txBody>
-            <a:bodyPr wrap="square" rtlCol="0">
-              <a:spAutoFit/>
-            </a:bodyPr>
-            <a:lstStyle/>
-            <a:p>
-              <a:r>
-                <a:rPr lang="en-AU" sz="4800" b="1" dirty="0">
-                  <a:latin typeface="Arial" panose="020B0604020202020204" pitchFamily="34" charset="0"/>
-                  <a:cs typeface="Arial" panose="020B0604020202020204" pitchFamily="34" charset="0"/>
-                </a:rPr>
-                <a:t>k)</a:t>
-              </a:r>
-            </a:p>
-          </p:txBody>
-        </p:sp>
-        <p:sp>
-          <p:nvSpPr>
-            <p:cNvPr id="73" name="TextBox 72">
-              <a:extLst>
-                <a:ext uri="{FF2B5EF4-FFF2-40B4-BE49-F238E27FC236}">
-                  <a16:creationId xmlns:a16="http://schemas.microsoft.com/office/drawing/2014/main" id="{DB2D5378-C72B-45BD-BAEF-2198F85A0569}"/>
-                </a:ext>
-              </a:extLst>
-            </p:cNvPr>
-            <p:cNvSpPr txBox="1"/>
-            <p:nvPr/>
-          </p:nvSpPr>
-          <p:spPr>
-            <a:xfrm>
-              <a:off x="22729005" y="23933765"/>
-              <a:ext cx="1211318" cy="948004"/>
-            </a:xfrm>
-            <a:prstGeom prst="rect">
-              <a:avLst/>
-            </a:prstGeom>
-            <a:noFill/>
-          </p:spPr>
-          <p:txBody>
-            <a:bodyPr wrap="square" rtlCol="0">
-              <a:spAutoFit/>
-            </a:bodyPr>
-            <a:lstStyle/>
-            <a:p>
-              <a:r>
-                <a:rPr lang="en-AU" sz="4800" b="1" dirty="0">
-                  <a:latin typeface="Arial" panose="020B0604020202020204" pitchFamily="34" charset="0"/>
-                  <a:cs typeface="Arial" panose="020B0604020202020204" pitchFamily="34" charset="0"/>
-                </a:rPr>
-                <a:t>d)</a:t>
-              </a:r>
-            </a:p>
-          </p:txBody>
-        </p:sp>
-        <p:sp>
-          <p:nvSpPr>
-            <p:cNvPr id="74" name="TextBox 73">
-              <a:extLst>
-                <a:ext uri="{FF2B5EF4-FFF2-40B4-BE49-F238E27FC236}">
-                  <a16:creationId xmlns:a16="http://schemas.microsoft.com/office/drawing/2014/main" id="{A716701F-0331-4F0C-A064-6A418FAFC917}"/>
-                </a:ext>
-              </a:extLst>
-            </p:cNvPr>
-            <p:cNvSpPr txBox="1"/>
-            <p:nvPr/>
-          </p:nvSpPr>
-          <p:spPr>
-            <a:xfrm>
-              <a:off x="22729005" y="29176991"/>
-              <a:ext cx="1211318" cy="948004"/>
-            </a:xfrm>
-            <a:prstGeom prst="rect">
-              <a:avLst/>
-            </a:prstGeom>
-            <a:noFill/>
-          </p:spPr>
-          <p:txBody>
-            <a:bodyPr wrap="square" rtlCol="0">
-              <a:spAutoFit/>
-            </a:bodyPr>
-            <a:lstStyle/>
-            <a:p>
-              <a:r>
-                <a:rPr lang="en-AU" sz="4800" b="1" dirty="0">
-                  <a:latin typeface="Arial" panose="020B0604020202020204" pitchFamily="34" charset="0"/>
-                  <a:cs typeface="Arial" panose="020B0604020202020204" pitchFamily="34" charset="0"/>
-                </a:rPr>
-                <a:t>h)</a:t>
-              </a:r>
-            </a:p>
-          </p:txBody>
-        </p:sp>
-        <p:sp>
-          <p:nvSpPr>
-            <p:cNvPr id="75" name="TextBox 74">
-              <a:extLst>
-                <a:ext uri="{FF2B5EF4-FFF2-40B4-BE49-F238E27FC236}">
-                  <a16:creationId xmlns:a16="http://schemas.microsoft.com/office/drawing/2014/main" id="{AAC8D951-B3FB-4DC8-ACAD-EE58DF31F525}"/>
-                </a:ext>
-              </a:extLst>
-            </p:cNvPr>
-            <p:cNvSpPr txBox="1"/>
-            <p:nvPr/>
-          </p:nvSpPr>
-          <p:spPr>
-            <a:xfrm>
-              <a:off x="22965553" y="34874870"/>
-              <a:ext cx="1211318" cy="948004"/>
-            </a:xfrm>
-            <a:prstGeom prst="rect">
-              <a:avLst/>
-            </a:prstGeom>
-            <a:noFill/>
-          </p:spPr>
-          <p:txBody>
-            <a:bodyPr wrap="square" rtlCol="0">
-              <a:spAutoFit/>
-            </a:bodyPr>
-            <a:lstStyle/>
-            <a:p>
-              <a:r>
-                <a:rPr lang="en-AU" sz="4800" b="1" dirty="0">
-                  <a:latin typeface="Arial" panose="020B0604020202020204" pitchFamily="34" charset="0"/>
-                  <a:cs typeface="Arial" panose="020B0604020202020204" pitchFamily="34" charset="0"/>
-                </a:rPr>
-                <a:t>l)</a:t>
-              </a:r>
-            </a:p>
-          </p:txBody>
-        </p:sp>
-        <p:sp>
-          <p:nvSpPr>
-            <p:cNvPr id="3" name="TextBox 2">
-              <a:extLst>
-                <a:ext uri="{FF2B5EF4-FFF2-40B4-BE49-F238E27FC236}">
-                  <a16:creationId xmlns:a16="http://schemas.microsoft.com/office/drawing/2014/main" id="{67D58341-E961-4EDD-ABA4-AAB3C6598C34}"/>
-                </a:ext>
-              </a:extLst>
-            </p:cNvPr>
-            <p:cNvSpPr txBox="1"/>
-            <p:nvPr/>
-          </p:nvSpPr>
-          <p:spPr>
-            <a:xfrm>
-              <a:off x="24665890" y="23866197"/>
-              <a:ext cx="3895509" cy="707886"/>
-            </a:xfrm>
-            <a:prstGeom prst="rect">
-              <a:avLst/>
-            </a:prstGeom>
-            <a:solidFill>
-              <a:schemeClr val="bg1"/>
-            </a:solidFill>
-          </p:spPr>
-          <p:txBody>
-            <a:bodyPr wrap="square" rtlCol="0">
-              <a:spAutoFit/>
-            </a:bodyPr>
-            <a:lstStyle/>
-            <a:p>
-              <a:pPr algn="ctr"/>
-              <a:r>
-                <a:rPr lang="en-US" sz="4000" dirty="0">
-                  <a:latin typeface="Arial" panose="020B0604020202020204" pitchFamily="34" charset="0"/>
-                  <a:cs typeface="Arial" panose="020B0604020202020204" pitchFamily="34" charset="0"/>
-                </a:rPr>
-                <a:t>Peripheral</a:t>
-              </a:r>
-              <a:endParaRPr lang="en-AU" sz="4000" dirty="0">
+          <a:prstGeom prst="rect">
+            <a:avLst/>
+          </a:prstGeom>
+          <a:noFill/>
+          <a:extLst>
+            <a:ext uri="{909E8E84-426E-40DD-AFC4-6F175D3DCCD1}">
+              <a14:hiddenFill xmlns:a14="http://schemas.microsoft.com/office/drawing/2010/main">
+                <a:solidFill>
+                  <a:srgbClr val="FFFFFF"/>
+                </a:solidFill>
+              </a14:hiddenFill>
+            </a:ext>
+          </a:extLst>
+        </p:spPr>
+      </p:pic>
+      <p:pic>
+        <p:nvPicPr>
+          <p:cNvPr id="1027" name="Picture 3">
+            <a:extLst>
+              <a:ext uri="{FF2B5EF4-FFF2-40B4-BE49-F238E27FC236}">
+                <a16:creationId xmlns:a16="http://schemas.microsoft.com/office/drawing/2014/main" id="{808ABD2F-C4B8-41BB-A986-A980AF457605}"/>
+              </a:ext>
+            </a:extLst>
+          </p:cNvPr>
+          <p:cNvPicPr>
+            <a:picLocks noChangeAspect="1" noChangeArrowheads="1"/>
+          </p:cNvPicPr>
+          <p:nvPr/>
+        </p:nvPicPr>
+        <p:blipFill>
+          <a:blip r:embed="rId4">
+            <a:extLst>
+              <a:ext uri="{28A0092B-C50C-407E-A947-70E740481C1C}">
+                <a14:useLocalDpi xmlns:a14="http://schemas.microsoft.com/office/drawing/2010/main" val="0"/>
+              </a:ext>
+            </a:extLst>
+          </a:blip>
+          <a:srcRect/>
+          <a:stretch>
+            <a:fillRect/>
+          </a:stretch>
+        </p:blipFill>
+        <p:spPr bwMode="auto">
+          <a:xfrm>
+            <a:off x="2468661" y="2541260"/>
+            <a:ext cx="4945228" cy="1717504"/>
+          </a:xfrm>
+          <a:prstGeom prst="rect">
+            <a:avLst/>
+          </a:prstGeom>
+          <a:noFill/>
+          <a:extLst>
+            <a:ext uri="{909E8E84-426E-40DD-AFC4-6F175D3DCCD1}">
+              <a14:hiddenFill xmlns:a14="http://schemas.microsoft.com/office/drawing/2010/main">
+                <a:solidFill>
+                  <a:srgbClr val="FFFFFF"/>
+                </a:solidFill>
+              </a14:hiddenFill>
+            </a:ext>
+          </a:extLst>
+        </p:spPr>
+      </p:pic>
+      <p:pic>
+        <p:nvPicPr>
+          <p:cNvPr id="1028" name="Picture 4">
+            <a:extLst>
+              <a:ext uri="{FF2B5EF4-FFF2-40B4-BE49-F238E27FC236}">
+                <a16:creationId xmlns:a16="http://schemas.microsoft.com/office/drawing/2014/main" id="{E67E1ED8-1B7F-48A6-BAE1-5AAAABB1C5CF}"/>
+              </a:ext>
+            </a:extLst>
+          </p:cNvPr>
+          <p:cNvPicPr>
+            <a:picLocks noChangeAspect="1" noChangeArrowheads="1"/>
+          </p:cNvPicPr>
+          <p:nvPr/>
+        </p:nvPicPr>
+        <p:blipFill>
+          <a:blip r:embed="rId5">
+            <a:extLst>
+              <a:ext uri="{28A0092B-C50C-407E-A947-70E740481C1C}">
+                <a14:useLocalDpi xmlns:a14="http://schemas.microsoft.com/office/drawing/2010/main" val="0"/>
+              </a:ext>
+            </a:extLst>
+          </a:blip>
+          <a:srcRect/>
+          <a:stretch>
+            <a:fillRect/>
+          </a:stretch>
+        </p:blipFill>
+        <p:spPr bwMode="auto">
+          <a:xfrm>
+            <a:off x="2572189" y="8697212"/>
+            <a:ext cx="2813154" cy="1243710"/>
+          </a:xfrm>
+          <a:prstGeom prst="rect">
+            <a:avLst/>
+          </a:prstGeom>
+          <a:noFill/>
+          <a:extLst>
+            <a:ext uri="{909E8E84-426E-40DD-AFC4-6F175D3DCCD1}">
+              <a14:hiddenFill xmlns:a14="http://schemas.microsoft.com/office/drawing/2010/main">
+                <a:solidFill>
+                  <a:srgbClr val="FFFFFF"/>
+                </a:solidFill>
+              </a14:hiddenFill>
+            </a:ext>
+          </a:extLst>
+        </p:spPr>
+      </p:pic>
+      <p:pic>
+        <p:nvPicPr>
+          <p:cNvPr id="1029" name="Picture 5">
+            <a:extLst>
+              <a:ext uri="{FF2B5EF4-FFF2-40B4-BE49-F238E27FC236}">
+                <a16:creationId xmlns:a16="http://schemas.microsoft.com/office/drawing/2014/main" id="{2AA0DD06-F9AA-40E8-89B6-53369FBD8711}"/>
+              </a:ext>
+            </a:extLst>
+          </p:cNvPr>
+          <p:cNvPicPr>
+            <a:picLocks noChangeAspect="1" noChangeArrowheads="1"/>
+          </p:cNvPicPr>
+          <p:nvPr/>
+        </p:nvPicPr>
+        <p:blipFill>
+          <a:blip r:embed="rId6">
+            <a:extLst>
+              <a:ext uri="{28A0092B-C50C-407E-A947-70E740481C1C}">
+                <a14:useLocalDpi xmlns:a14="http://schemas.microsoft.com/office/drawing/2010/main" val="0"/>
+              </a:ext>
+            </a:extLst>
+          </a:blip>
+          <a:srcRect/>
+          <a:stretch>
+            <a:fillRect/>
+          </a:stretch>
+        </p:blipFill>
+        <p:spPr bwMode="auto">
+          <a:xfrm>
+            <a:off x="2424129" y="14689978"/>
+            <a:ext cx="2961214" cy="1125261"/>
+          </a:xfrm>
+          <a:prstGeom prst="rect">
+            <a:avLst/>
+          </a:prstGeom>
+          <a:noFill/>
+          <a:extLst>
+            <a:ext uri="{909E8E84-426E-40DD-AFC4-6F175D3DCCD1}">
+              <a14:hiddenFill xmlns:a14="http://schemas.microsoft.com/office/drawing/2010/main">
+                <a:solidFill>
+                  <a:srgbClr val="FFFFFF"/>
+                </a:solidFill>
+              </a14:hiddenFill>
+            </a:ext>
+          </a:extLst>
+        </p:spPr>
+      </p:pic>
+      <p:sp>
+        <p:nvSpPr>
+          <p:cNvPr id="97" name="TextBox 96">
+            <a:extLst>
+              <a:ext uri="{FF2B5EF4-FFF2-40B4-BE49-F238E27FC236}">
+                <a16:creationId xmlns:a16="http://schemas.microsoft.com/office/drawing/2014/main" id="{C455390C-C587-463A-A526-DA648BA54BFE}"/>
+              </a:ext>
+            </a:extLst>
+          </p:cNvPr>
+          <p:cNvSpPr txBox="1"/>
+          <p:nvPr/>
+        </p:nvSpPr>
+        <p:spPr>
+          <a:xfrm>
+            <a:off x="1187385" y="2021484"/>
+            <a:ext cx="1384804" cy="808769"/>
+          </a:xfrm>
+          <a:prstGeom prst="rect">
+            <a:avLst/>
+          </a:prstGeom>
+          <a:noFill/>
+        </p:spPr>
+        <p:txBody>
+          <a:bodyPr wrap="square" rtlCol="0">
+            <a:spAutoFit/>
+          </a:bodyPr>
+          <a:lstStyle/>
+          <a:p>
+            <a:r>
+              <a:rPr lang="en-AU" sz="4800" b="1" dirty="0">
                 <a:latin typeface="Arial" panose="020B0604020202020204" pitchFamily="34" charset="0"/>
                 <a:cs typeface="Arial" panose="020B0604020202020204" pitchFamily="34" charset="0"/>
-              </a:endParaRPr>
-            </a:p>
-          </p:txBody>
-        </p:sp>
-        <p:sp>
-          <p:nvSpPr>
-            <p:cNvPr id="76" name="TextBox 75">
-              <a:extLst>
-                <a:ext uri="{FF2B5EF4-FFF2-40B4-BE49-F238E27FC236}">
-                  <a16:creationId xmlns:a16="http://schemas.microsoft.com/office/drawing/2014/main" id="{3C9557EF-8F9B-4E7A-9CF0-810B80116276}"/>
-                </a:ext>
-              </a:extLst>
-            </p:cNvPr>
-            <p:cNvSpPr txBox="1"/>
-            <p:nvPr/>
-          </p:nvSpPr>
-          <p:spPr>
-            <a:xfrm>
-              <a:off x="17790402" y="23817795"/>
-              <a:ext cx="3895509" cy="707886"/>
-            </a:xfrm>
-            <a:prstGeom prst="rect">
-              <a:avLst/>
-            </a:prstGeom>
-            <a:solidFill>
-              <a:schemeClr val="bg1"/>
-            </a:solidFill>
-          </p:spPr>
-          <p:txBody>
-            <a:bodyPr wrap="square" rtlCol="0">
-              <a:spAutoFit/>
-            </a:bodyPr>
-            <a:lstStyle/>
-            <a:p>
-              <a:pPr algn="ctr"/>
-              <a:r>
-                <a:rPr lang="en-US" sz="4000" dirty="0">
-                  <a:latin typeface="Arial" panose="020B0604020202020204" pitchFamily="34" charset="0"/>
-                  <a:cs typeface="Arial" panose="020B0604020202020204" pitchFamily="34" charset="0"/>
-                </a:rPr>
-                <a:t>Para-foveal</a:t>
-              </a:r>
-              <a:endParaRPr lang="en-AU" sz="4000" dirty="0">
+              </a:rPr>
+              <a:t>a)</a:t>
+            </a:r>
+          </a:p>
+        </p:txBody>
+      </p:sp>
+      <p:sp>
+        <p:nvSpPr>
+          <p:cNvPr id="98" name="TextBox 97">
+            <a:extLst>
+              <a:ext uri="{FF2B5EF4-FFF2-40B4-BE49-F238E27FC236}">
+                <a16:creationId xmlns:a16="http://schemas.microsoft.com/office/drawing/2014/main" id="{7514B6B6-5563-45C2-B2BF-FAEF2125ACC2}"/>
+              </a:ext>
+            </a:extLst>
+          </p:cNvPr>
+          <p:cNvSpPr txBox="1"/>
+          <p:nvPr/>
+        </p:nvSpPr>
+        <p:spPr>
+          <a:xfrm>
+            <a:off x="8857005" y="2021484"/>
+            <a:ext cx="1384804" cy="808769"/>
+          </a:xfrm>
+          <a:prstGeom prst="rect">
+            <a:avLst/>
+          </a:prstGeom>
+          <a:noFill/>
+        </p:spPr>
+        <p:txBody>
+          <a:bodyPr wrap="square" rtlCol="0">
+            <a:spAutoFit/>
+          </a:bodyPr>
+          <a:lstStyle/>
+          <a:p>
+            <a:r>
+              <a:rPr lang="en-AU" sz="4800" b="1" dirty="0">
                 <a:latin typeface="Arial" panose="020B0604020202020204" pitchFamily="34" charset="0"/>
                 <a:cs typeface="Arial" panose="020B0604020202020204" pitchFamily="34" charset="0"/>
-              </a:endParaRPr>
-            </a:p>
-          </p:txBody>
-        </p:sp>
-        <p:sp>
-          <p:nvSpPr>
-            <p:cNvPr id="77" name="TextBox 76">
-              <a:extLst>
-                <a:ext uri="{FF2B5EF4-FFF2-40B4-BE49-F238E27FC236}">
-                  <a16:creationId xmlns:a16="http://schemas.microsoft.com/office/drawing/2014/main" id="{7FBB2F4C-CD7D-43C2-8BB0-4228F2D3C909}"/>
-                </a:ext>
-              </a:extLst>
-            </p:cNvPr>
-            <p:cNvSpPr txBox="1"/>
-            <p:nvPr/>
-          </p:nvSpPr>
-          <p:spPr>
-            <a:xfrm>
-              <a:off x="2612263" y="26796987"/>
-              <a:ext cx="960541" cy="830997"/>
-            </a:xfrm>
-            <a:prstGeom prst="rect">
-              <a:avLst/>
-            </a:prstGeom>
-            <a:noFill/>
-          </p:spPr>
-          <p:txBody>
-            <a:bodyPr wrap="square" rtlCol="0">
-              <a:spAutoFit/>
-            </a:bodyPr>
-            <a:lstStyle/>
-            <a:p>
-              <a:r>
-                <a:rPr lang="en-AU" sz="4800" dirty="0">
-                  <a:latin typeface="Arial" panose="020B0604020202020204" pitchFamily="34" charset="0"/>
-                  <a:cs typeface="Arial" panose="020B0604020202020204" pitchFamily="34" charset="0"/>
-                </a:rPr>
-                <a:t>*</a:t>
-              </a:r>
-            </a:p>
-          </p:txBody>
-        </p:sp>
-        <p:sp>
-          <p:nvSpPr>
-            <p:cNvPr id="78" name="TextBox 77">
-              <a:extLst>
-                <a:ext uri="{FF2B5EF4-FFF2-40B4-BE49-F238E27FC236}">
-                  <a16:creationId xmlns:a16="http://schemas.microsoft.com/office/drawing/2014/main" id="{7A7FC6D5-8CD5-4B60-894A-928D9C9F73D9}"/>
-                </a:ext>
-              </a:extLst>
-            </p:cNvPr>
-            <p:cNvSpPr txBox="1"/>
-            <p:nvPr/>
-          </p:nvSpPr>
-          <p:spPr>
-            <a:xfrm>
-              <a:off x="3204195" y="27459859"/>
-              <a:ext cx="960541" cy="830997"/>
-            </a:xfrm>
-            <a:prstGeom prst="rect">
-              <a:avLst/>
-            </a:prstGeom>
-            <a:noFill/>
-          </p:spPr>
-          <p:txBody>
-            <a:bodyPr wrap="square" rtlCol="0">
-              <a:spAutoFit/>
-            </a:bodyPr>
-            <a:lstStyle/>
-            <a:p>
-              <a:r>
-                <a:rPr lang="en-AU" sz="4800" dirty="0">
-                  <a:latin typeface="Arial" panose="020B0604020202020204" pitchFamily="34" charset="0"/>
-                  <a:cs typeface="Arial" panose="020B0604020202020204" pitchFamily="34" charset="0"/>
-                </a:rPr>
-                <a:t>**</a:t>
-              </a:r>
-            </a:p>
-          </p:txBody>
-        </p:sp>
-        <p:sp>
-          <p:nvSpPr>
-            <p:cNvPr id="79" name="TextBox 78">
-              <a:extLst>
-                <a:ext uri="{FF2B5EF4-FFF2-40B4-BE49-F238E27FC236}">
-                  <a16:creationId xmlns:a16="http://schemas.microsoft.com/office/drawing/2014/main" id="{F4860AC9-5838-43A8-8EC3-7D8CC6677098}"/>
-                </a:ext>
-              </a:extLst>
-            </p:cNvPr>
-            <p:cNvSpPr txBox="1"/>
-            <p:nvPr/>
-          </p:nvSpPr>
-          <p:spPr>
-            <a:xfrm>
-              <a:off x="4035051" y="26960389"/>
-              <a:ext cx="506936" cy="830997"/>
-            </a:xfrm>
-            <a:prstGeom prst="rect">
-              <a:avLst/>
-            </a:prstGeom>
-            <a:noFill/>
-          </p:spPr>
-          <p:txBody>
-            <a:bodyPr wrap="square" rtlCol="0">
-              <a:spAutoFit/>
-            </a:bodyPr>
-            <a:lstStyle/>
-            <a:p>
-              <a:r>
-                <a:rPr lang="en-AU" sz="4800" dirty="0">
-                  <a:latin typeface="Arial" panose="020B0604020202020204" pitchFamily="34" charset="0"/>
-                  <a:cs typeface="Arial" panose="020B0604020202020204" pitchFamily="34" charset="0"/>
-                </a:rPr>
-                <a:t>*</a:t>
-              </a:r>
-            </a:p>
-          </p:txBody>
-        </p:sp>
-        <p:sp>
-          <p:nvSpPr>
-            <p:cNvPr id="81" name="TextBox 80">
-              <a:extLst>
-                <a:ext uri="{FF2B5EF4-FFF2-40B4-BE49-F238E27FC236}">
-                  <a16:creationId xmlns:a16="http://schemas.microsoft.com/office/drawing/2014/main" id="{D56BE2E2-E271-47AE-AA92-19D1978D477C}"/>
-                </a:ext>
-              </a:extLst>
-            </p:cNvPr>
-            <p:cNvSpPr txBox="1"/>
-            <p:nvPr/>
-          </p:nvSpPr>
-          <p:spPr>
-            <a:xfrm>
-              <a:off x="6236662" y="27670360"/>
-              <a:ext cx="660859" cy="830997"/>
-            </a:xfrm>
-            <a:prstGeom prst="rect">
-              <a:avLst/>
-            </a:prstGeom>
-            <a:noFill/>
-          </p:spPr>
-          <p:txBody>
-            <a:bodyPr wrap="square" rtlCol="0">
-              <a:spAutoFit/>
-            </a:bodyPr>
-            <a:lstStyle/>
-            <a:p>
-              <a:r>
-                <a:rPr lang="en-AU" sz="4800" dirty="0">
-                  <a:latin typeface="Arial" panose="020B0604020202020204" pitchFamily="34" charset="0"/>
-                  <a:cs typeface="Arial" panose="020B0604020202020204" pitchFamily="34" charset="0"/>
-                </a:rPr>
-                <a:t>*</a:t>
-              </a:r>
-            </a:p>
-          </p:txBody>
-        </p:sp>
-        <p:sp>
-          <p:nvSpPr>
-            <p:cNvPr id="82" name="TextBox 81">
-              <a:extLst>
-                <a:ext uri="{FF2B5EF4-FFF2-40B4-BE49-F238E27FC236}">
-                  <a16:creationId xmlns:a16="http://schemas.microsoft.com/office/drawing/2014/main" id="{C4C17922-1EEF-47C1-A7A5-6207FD1F1B83}"/>
-                </a:ext>
-              </a:extLst>
-            </p:cNvPr>
-            <p:cNvSpPr txBox="1"/>
-            <p:nvPr/>
-          </p:nvSpPr>
-          <p:spPr>
-            <a:xfrm>
-              <a:off x="6807362" y="27260781"/>
-              <a:ext cx="960541" cy="830997"/>
-            </a:xfrm>
-            <a:prstGeom prst="rect">
-              <a:avLst/>
-            </a:prstGeom>
-            <a:noFill/>
-          </p:spPr>
-          <p:txBody>
-            <a:bodyPr wrap="square" rtlCol="0">
-              <a:spAutoFit/>
-            </a:bodyPr>
-            <a:lstStyle/>
-            <a:p>
-              <a:r>
-                <a:rPr lang="en-AU" sz="4800" dirty="0">
-                  <a:latin typeface="Arial" panose="020B0604020202020204" pitchFamily="34" charset="0"/>
-                  <a:cs typeface="Arial" panose="020B0604020202020204" pitchFamily="34" charset="0"/>
-                </a:rPr>
-                <a:t>**</a:t>
-              </a:r>
-            </a:p>
-          </p:txBody>
-        </p:sp>
-        <p:sp>
-          <p:nvSpPr>
-            <p:cNvPr id="83" name="TextBox 82">
-              <a:extLst>
-                <a:ext uri="{FF2B5EF4-FFF2-40B4-BE49-F238E27FC236}">
-                  <a16:creationId xmlns:a16="http://schemas.microsoft.com/office/drawing/2014/main" id="{347A7978-4375-4FC9-A49E-8CB10DE2BB0F}"/>
-                </a:ext>
-              </a:extLst>
-            </p:cNvPr>
-            <p:cNvSpPr txBox="1"/>
-            <p:nvPr/>
-          </p:nvSpPr>
-          <p:spPr>
-            <a:xfrm>
-              <a:off x="7571697" y="26651240"/>
-              <a:ext cx="960541" cy="830997"/>
-            </a:xfrm>
-            <a:prstGeom prst="rect">
-              <a:avLst/>
-            </a:prstGeom>
-            <a:noFill/>
-          </p:spPr>
-          <p:txBody>
-            <a:bodyPr wrap="square" rtlCol="0">
-              <a:spAutoFit/>
-            </a:bodyPr>
-            <a:lstStyle/>
-            <a:p>
-              <a:r>
-                <a:rPr lang="en-AU" sz="4800" dirty="0">
-                  <a:latin typeface="Arial" panose="020B0604020202020204" pitchFamily="34" charset="0"/>
-                  <a:cs typeface="Arial" panose="020B0604020202020204" pitchFamily="34" charset="0"/>
-                </a:rPr>
-                <a:t>**</a:t>
-              </a:r>
-            </a:p>
-          </p:txBody>
-        </p:sp>
-        <p:sp>
-          <p:nvSpPr>
-            <p:cNvPr id="84" name="TextBox 83">
-              <a:extLst>
-                <a:ext uri="{FF2B5EF4-FFF2-40B4-BE49-F238E27FC236}">
-                  <a16:creationId xmlns:a16="http://schemas.microsoft.com/office/drawing/2014/main" id="{B47FB95C-607D-44E1-AE98-6649C3FAD2DA}"/>
-                </a:ext>
-              </a:extLst>
-            </p:cNvPr>
-            <p:cNvSpPr txBox="1"/>
-            <p:nvPr/>
-          </p:nvSpPr>
-          <p:spPr>
-            <a:xfrm>
-              <a:off x="10413026" y="26651240"/>
-              <a:ext cx="797323" cy="830997"/>
-            </a:xfrm>
-            <a:prstGeom prst="rect">
-              <a:avLst/>
-            </a:prstGeom>
-            <a:noFill/>
-          </p:spPr>
-          <p:txBody>
-            <a:bodyPr wrap="square" rtlCol="0">
-              <a:spAutoFit/>
-            </a:bodyPr>
-            <a:lstStyle/>
-            <a:p>
-              <a:r>
-                <a:rPr lang="en-AU" sz="4800" dirty="0">
-                  <a:latin typeface="Arial" panose="020B0604020202020204" pitchFamily="34" charset="0"/>
-                  <a:cs typeface="Arial" panose="020B0604020202020204" pitchFamily="34" charset="0"/>
-                </a:rPr>
-                <a:t>*</a:t>
-              </a:r>
-            </a:p>
-          </p:txBody>
-        </p:sp>
-        <p:sp>
-          <p:nvSpPr>
-            <p:cNvPr id="85" name="TextBox 84">
-              <a:extLst>
-                <a:ext uri="{FF2B5EF4-FFF2-40B4-BE49-F238E27FC236}">
-                  <a16:creationId xmlns:a16="http://schemas.microsoft.com/office/drawing/2014/main" id="{984CB922-63B8-40EC-966E-0F4144D51E92}"/>
-                </a:ext>
-              </a:extLst>
-            </p:cNvPr>
-            <p:cNvSpPr txBox="1"/>
-            <p:nvPr/>
-          </p:nvSpPr>
-          <p:spPr>
-            <a:xfrm>
-              <a:off x="10972269" y="27502970"/>
-              <a:ext cx="960541" cy="830997"/>
-            </a:xfrm>
-            <a:prstGeom prst="rect">
-              <a:avLst/>
-            </a:prstGeom>
-            <a:noFill/>
-          </p:spPr>
-          <p:txBody>
-            <a:bodyPr wrap="square" rtlCol="0">
-              <a:spAutoFit/>
-            </a:bodyPr>
-            <a:lstStyle/>
-            <a:p>
-              <a:r>
-                <a:rPr lang="en-AU" sz="4800" dirty="0">
-                  <a:latin typeface="Arial" panose="020B0604020202020204" pitchFamily="34" charset="0"/>
-                  <a:cs typeface="Arial" panose="020B0604020202020204" pitchFamily="34" charset="0"/>
-                </a:rPr>
-                <a:t>**</a:t>
-              </a:r>
-            </a:p>
-          </p:txBody>
-        </p:sp>
-        <p:sp>
-          <p:nvSpPr>
-            <p:cNvPr id="86" name="TextBox 85">
-              <a:extLst>
-                <a:ext uri="{FF2B5EF4-FFF2-40B4-BE49-F238E27FC236}">
-                  <a16:creationId xmlns:a16="http://schemas.microsoft.com/office/drawing/2014/main" id="{5D2201FB-6863-465E-80EE-BB59AD29CCD3}"/>
-                </a:ext>
-              </a:extLst>
-            </p:cNvPr>
-            <p:cNvSpPr txBox="1"/>
-            <p:nvPr/>
-          </p:nvSpPr>
-          <p:spPr>
-            <a:xfrm>
-              <a:off x="11828744" y="27011930"/>
-              <a:ext cx="960541" cy="830997"/>
-            </a:xfrm>
-            <a:prstGeom prst="rect">
-              <a:avLst/>
-            </a:prstGeom>
-            <a:noFill/>
-          </p:spPr>
-          <p:txBody>
-            <a:bodyPr wrap="square" rtlCol="0">
-              <a:spAutoFit/>
-            </a:bodyPr>
-            <a:lstStyle/>
-            <a:p>
-              <a:r>
-                <a:rPr lang="en-AU" sz="4800" dirty="0">
-                  <a:latin typeface="Arial" panose="020B0604020202020204" pitchFamily="34" charset="0"/>
-                  <a:cs typeface="Arial" panose="020B0604020202020204" pitchFamily="34" charset="0"/>
-                </a:rPr>
-                <a:t>*</a:t>
-              </a:r>
-            </a:p>
-          </p:txBody>
-        </p:sp>
-        <p:sp>
-          <p:nvSpPr>
-            <p:cNvPr id="90" name="TextBox 89">
-              <a:extLst>
-                <a:ext uri="{FF2B5EF4-FFF2-40B4-BE49-F238E27FC236}">
-                  <a16:creationId xmlns:a16="http://schemas.microsoft.com/office/drawing/2014/main" id="{5F0EBA74-FFBE-49A0-86A8-CE3B5503D225}"/>
-                </a:ext>
-              </a:extLst>
-            </p:cNvPr>
-            <p:cNvSpPr txBox="1"/>
-            <p:nvPr/>
-          </p:nvSpPr>
-          <p:spPr>
-            <a:xfrm>
-              <a:off x="15315221" y="25520110"/>
-              <a:ext cx="960541" cy="830997"/>
-            </a:xfrm>
-            <a:prstGeom prst="rect">
-              <a:avLst/>
-            </a:prstGeom>
-            <a:noFill/>
-          </p:spPr>
-          <p:txBody>
-            <a:bodyPr wrap="square" rtlCol="0">
-              <a:spAutoFit/>
-            </a:bodyPr>
-            <a:lstStyle/>
-            <a:p>
-              <a:r>
-                <a:rPr lang="en-AU" sz="4800" dirty="0">
-                  <a:latin typeface="Arial" panose="020B0604020202020204" pitchFamily="34" charset="0"/>
-                  <a:cs typeface="Arial" panose="020B0604020202020204" pitchFamily="34" charset="0"/>
-                </a:rPr>
-                <a:t>**</a:t>
-              </a:r>
-            </a:p>
-          </p:txBody>
-        </p:sp>
-        <p:sp>
-          <p:nvSpPr>
-            <p:cNvPr id="91" name="TextBox 90">
-              <a:extLst>
-                <a:ext uri="{FF2B5EF4-FFF2-40B4-BE49-F238E27FC236}">
-                  <a16:creationId xmlns:a16="http://schemas.microsoft.com/office/drawing/2014/main" id="{B9DA8AD9-C264-4784-BD5F-F9BDB8CE30DB}"/>
-                </a:ext>
-              </a:extLst>
-            </p:cNvPr>
-            <p:cNvSpPr txBox="1"/>
-            <p:nvPr/>
-          </p:nvSpPr>
-          <p:spPr>
-            <a:xfrm>
-              <a:off x="17026112" y="26817823"/>
-              <a:ext cx="960541" cy="830997"/>
-            </a:xfrm>
-            <a:prstGeom prst="rect">
-              <a:avLst/>
-            </a:prstGeom>
-            <a:noFill/>
-          </p:spPr>
-          <p:txBody>
-            <a:bodyPr wrap="square" rtlCol="0">
-              <a:spAutoFit/>
-            </a:bodyPr>
-            <a:lstStyle/>
-            <a:p>
-              <a:r>
-                <a:rPr lang="en-AU" sz="4800" dirty="0">
-                  <a:latin typeface="Arial" panose="020B0604020202020204" pitchFamily="34" charset="0"/>
-                  <a:cs typeface="Arial" panose="020B0604020202020204" pitchFamily="34" charset="0"/>
-                </a:rPr>
-                <a:t>*</a:t>
-              </a:r>
-            </a:p>
-          </p:txBody>
-        </p:sp>
-        <p:sp>
-          <p:nvSpPr>
-            <p:cNvPr id="92" name="TextBox 91">
-              <a:extLst>
-                <a:ext uri="{FF2B5EF4-FFF2-40B4-BE49-F238E27FC236}">
-                  <a16:creationId xmlns:a16="http://schemas.microsoft.com/office/drawing/2014/main" id="{722E145C-51CA-4BA7-8056-CCF3C6B1A4FA}"/>
-                </a:ext>
-              </a:extLst>
-            </p:cNvPr>
-            <p:cNvSpPr txBox="1"/>
-            <p:nvPr/>
-          </p:nvSpPr>
-          <p:spPr>
-            <a:xfrm>
-              <a:off x="17630957" y="27317617"/>
-              <a:ext cx="960541" cy="830997"/>
-            </a:xfrm>
-            <a:prstGeom prst="rect">
-              <a:avLst/>
-            </a:prstGeom>
-            <a:noFill/>
-          </p:spPr>
-          <p:txBody>
-            <a:bodyPr wrap="square" rtlCol="0">
-              <a:spAutoFit/>
-            </a:bodyPr>
-            <a:lstStyle/>
-            <a:p>
-              <a:r>
-                <a:rPr lang="en-AU" sz="4800" dirty="0">
-                  <a:latin typeface="Arial" panose="020B0604020202020204" pitchFamily="34" charset="0"/>
-                  <a:cs typeface="Arial" panose="020B0604020202020204" pitchFamily="34" charset="0"/>
-                </a:rPr>
-                <a:t>**</a:t>
-              </a:r>
-            </a:p>
-          </p:txBody>
-        </p:sp>
-        <p:sp>
-          <p:nvSpPr>
-            <p:cNvPr id="93" name="TextBox 92">
-              <a:extLst>
-                <a:ext uri="{FF2B5EF4-FFF2-40B4-BE49-F238E27FC236}">
-                  <a16:creationId xmlns:a16="http://schemas.microsoft.com/office/drawing/2014/main" id="{7F3D6C45-1D76-462A-BA39-209898836DD6}"/>
-                </a:ext>
-              </a:extLst>
-            </p:cNvPr>
-            <p:cNvSpPr txBox="1"/>
-            <p:nvPr/>
-          </p:nvSpPr>
-          <p:spPr>
-            <a:xfrm>
-              <a:off x="18469790" y="27001111"/>
-              <a:ext cx="751057" cy="830997"/>
-            </a:xfrm>
-            <a:prstGeom prst="rect">
-              <a:avLst/>
-            </a:prstGeom>
-            <a:noFill/>
-          </p:spPr>
-          <p:txBody>
-            <a:bodyPr wrap="square" rtlCol="0">
-              <a:spAutoFit/>
-            </a:bodyPr>
-            <a:lstStyle/>
-            <a:p>
-              <a:r>
-                <a:rPr lang="en-AU" sz="4800" dirty="0">
-                  <a:latin typeface="Arial" panose="020B0604020202020204" pitchFamily="34" charset="0"/>
-                  <a:cs typeface="Arial" panose="020B0604020202020204" pitchFamily="34" charset="0"/>
-                </a:rPr>
-                <a:t>*</a:t>
-              </a:r>
-            </a:p>
-          </p:txBody>
-        </p:sp>
-        <p:sp>
-          <p:nvSpPr>
-            <p:cNvPr id="95" name="TextBox 94">
-              <a:extLst>
-                <a:ext uri="{FF2B5EF4-FFF2-40B4-BE49-F238E27FC236}">
-                  <a16:creationId xmlns:a16="http://schemas.microsoft.com/office/drawing/2014/main" id="{B8BDE483-5D73-4F1E-B2C9-78DFE1E39C61}"/>
-                </a:ext>
-              </a:extLst>
-            </p:cNvPr>
-            <p:cNvSpPr txBox="1"/>
-            <p:nvPr/>
-          </p:nvSpPr>
-          <p:spPr>
-            <a:xfrm>
-              <a:off x="20635740" y="27712127"/>
-              <a:ext cx="960541" cy="830997"/>
-            </a:xfrm>
-            <a:prstGeom prst="rect">
-              <a:avLst/>
-            </a:prstGeom>
-            <a:noFill/>
-          </p:spPr>
-          <p:txBody>
-            <a:bodyPr wrap="square" rtlCol="0">
-              <a:spAutoFit/>
-            </a:bodyPr>
-            <a:lstStyle/>
-            <a:p>
-              <a:r>
-                <a:rPr lang="en-AU" sz="4800" dirty="0">
-                  <a:latin typeface="Arial" panose="020B0604020202020204" pitchFamily="34" charset="0"/>
-                  <a:cs typeface="Arial" panose="020B0604020202020204" pitchFamily="34" charset="0"/>
-                </a:rPr>
-                <a:t>*</a:t>
-              </a:r>
-            </a:p>
-          </p:txBody>
-        </p:sp>
-        <p:sp>
-          <p:nvSpPr>
-            <p:cNvPr id="114" name="TextBox 113">
-              <a:extLst>
-                <a:ext uri="{FF2B5EF4-FFF2-40B4-BE49-F238E27FC236}">
-                  <a16:creationId xmlns:a16="http://schemas.microsoft.com/office/drawing/2014/main" id="{3B1DC186-793C-448D-8891-73C461086182}"/>
-                </a:ext>
-              </a:extLst>
-            </p:cNvPr>
-            <p:cNvSpPr txBox="1"/>
-            <p:nvPr/>
-          </p:nvSpPr>
-          <p:spPr>
-            <a:xfrm>
-              <a:off x="21358899" y="27240951"/>
-              <a:ext cx="960541" cy="830997"/>
-            </a:xfrm>
-            <a:prstGeom prst="rect">
-              <a:avLst/>
-            </a:prstGeom>
-            <a:noFill/>
-          </p:spPr>
-          <p:txBody>
-            <a:bodyPr wrap="square" rtlCol="0">
-              <a:spAutoFit/>
-            </a:bodyPr>
-            <a:lstStyle/>
-            <a:p>
-              <a:r>
-                <a:rPr lang="en-AU" sz="4800" dirty="0">
-                  <a:latin typeface="Arial" panose="020B0604020202020204" pitchFamily="34" charset="0"/>
-                  <a:cs typeface="Arial" panose="020B0604020202020204" pitchFamily="34" charset="0"/>
-                </a:rPr>
-                <a:t>*</a:t>
-              </a:r>
-            </a:p>
-          </p:txBody>
-        </p:sp>
-        <p:sp>
-          <p:nvSpPr>
-            <p:cNvPr id="115" name="TextBox 114">
-              <a:extLst>
-                <a:ext uri="{FF2B5EF4-FFF2-40B4-BE49-F238E27FC236}">
-                  <a16:creationId xmlns:a16="http://schemas.microsoft.com/office/drawing/2014/main" id="{46F80F7E-15C8-4C54-8115-B0611760EC70}"/>
-                </a:ext>
-              </a:extLst>
-            </p:cNvPr>
-            <p:cNvSpPr txBox="1"/>
-            <p:nvPr/>
-          </p:nvSpPr>
-          <p:spPr>
-            <a:xfrm>
-              <a:off x="21988248" y="26539685"/>
-              <a:ext cx="960541" cy="830997"/>
-            </a:xfrm>
-            <a:prstGeom prst="rect">
-              <a:avLst/>
-            </a:prstGeom>
-            <a:noFill/>
-          </p:spPr>
-          <p:txBody>
-            <a:bodyPr wrap="square" rtlCol="0">
-              <a:spAutoFit/>
-            </a:bodyPr>
-            <a:lstStyle/>
-            <a:p>
-              <a:r>
-                <a:rPr lang="en-AU" sz="4800" dirty="0">
-                  <a:latin typeface="Arial" panose="020B0604020202020204" pitchFamily="34" charset="0"/>
-                  <a:cs typeface="Arial" panose="020B0604020202020204" pitchFamily="34" charset="0"/>
-                </a:rPr>
-                <a:t>**</a:t>
-              </a:r>
-            </a:p>
-          </p:txBody>
-        </p:sp>
-        <p:sp>
-          <p:nvSpPr>
-            <p:cNvPr id="116" name="TextBox 115">
-              <a:extLst>
-                <a:ext uri="{FF2B5EF4-FFF2-40B4-BE49-F238E27FC236}">
-                  <a16:creationId xmlns:a16="http://schemas.microsoft.com/office/drawing/2014/main" id="{63F2DD16-4202-4248-9C1C-113B85070E3D}"/>
-                </a:ext>
-              </a:extLst>
-            </p:cNvPr>
-            <p:cNvSpPr txBox="1"/>
-            <p:nvPr/>
-          </p:nvSpPr>
-          <p:spPr>
-            <a:xfrm>
-              <a:off x="23631371" y="26965941"/>
-              <a:ext cx="569558" cy="830997"/>
-            </a:xfrm>
-            <a:prstGeom prst="rect">
-              <a:avLst/>
-            </a:prstGeom>
-            <a:noFill/>
-          </p:spPr>
-          <p:txBody>
-            <a:bodyPr wrap="square" rtlCol="0">
-              <a:spAutoFit/>
-            </a:bodyPr>
-            <a:lstStyle/>
-            <a:p>
-              <a:r>
-                <a:rPr lang="en-AU" sz="4800" dirty="0">
-                  <a:latin typeface="Arial" panose="020B0604020202020204" pitchFamily="34" charset="0"/>
-                  <a:cs typeface="Arial" panose="020B0604020202020204" pitchFamily="34" charset="0"/>
-                </a:rPr>
-                <a:t>*</a:t>
-              </a:r>
-            </a:p>
-          </p:txBody>
-        </p:sp>
-        <p:sp>
-          <p:nvSpPr>
-            <p:cNvPr id="117" name="TextBox 116">
-              <a:extLst>
-                <a:ext uri="{FF2B5EF4-FFF2-40B4-BE49-F238E27FC236}">
-                  <a16:creationId xmlns:a16="http://schemas.microsoft.com/office/drawing/2014/main" id="{FF2D929A-779F-45A8-BFBC-CD4EBDE52F09}"/>
-                </a:ext>
-              </a:extLst>
-            </p:cNvPr>
-            <p:cNvSpPr txBox="1"/>
-            <p:nvPr/>
-          </p:nvSpPr>
-          <p:spPr>
-            <a:xfrm>
-              <a:off x="24363624" y="27450039"/>
-              <a:ext cx="536190" cy="830997"/>
-            </a:xfrm>
-            <a:prstGeom prst="rect">
-              <a:avLst/>
-            </a:prstGeom>
-            <a:noFill/>
-          </p:spPr>
-          <p:txBody>
-            <a:bodyPr wrap="square" rtlCol="0">
-              <a:spAutoFit/>
-            </a:bodyPr>
-            <a:lstStyle/>
-            <a:p>
-              <a:r>
-                <a:rPr lang="en-AU" sz="4800" dirty="0">
-                  <a:latin typeface="Arial" panose="020B0604020202020204" pitchFamily="34" charset="0"/>
-                  <a:cs typeface="Arial" panose="020B0604020202020204" pitchFamily="34" charset="0"/>
-                </a:rPr>
-                <a:t>*</a:t>
-              </a:r>
-            </a:p>
-          </p:txBody>
-        </p:sp>
-        <p:sp>
-          <p:nvSpPr>
-            <p:cNvPr id="121" name="TextBox 120">
-              <a:extLst>
-                <a:ext uri="{FF2B5EF4-FFF2-40B4-BE49-F238E27FC236}">
-                  <a16:creationId xmlns:a16="http://schemas.microsoft.com/office/drawing/2014/main" id="{2B91B302-C717-4AF0-B399-E1A94FB1C195}"/>
-                </a:ext>
-              </a:extLst>
-            </p:cNvPr>
-            <p:cNvSpPr txBox="1"/>
-            <p:nvPr/>
-          </p:nvSpPr>
-          <p:spPr>
-            <a:xfrm>
-              <a:off x="27877708" y="27244323"/>
-              <a:ext cx="960541" cy="830997"/>
-            </a:xfrm>
-            <a:prstGeom prst="rect">
-              <a:avLst/>
-            </a:prstGeom>
-            <a:noFill/>
-          </p:spPr>
-          <p:txBody>
-            <a:bodyPr wrap="square" rtlCol="0">
-              <a:spAutoFit/>
-            </a:bodyPr>
-            <a:lstStyle/>
-            <a:p>
-              <a:r>
-                <a:rPr lang="en-AU" sz="4800" dirty="0">
-                  <a:latin typeface="Arial" panose="020B0604020202020204" pitchFamily="34" charset="0"/>
-                  <a:cs typeface="Arial" panose="020B0604020202020204" pitchFamily="34" charset="0"/>
-                </a:rPr>
-                <a:t>**</a:t>
-              </a:r>
-            </a:p>
-          </p:txBody>
-        </p:sp>
-        <p:sp>
-          <p:nvSpPr>
-            <p:cNvPr id="122" name="TextBox 121">
-              <a:extLst>
-                <a:ext uri="{FF2B5EF4-FFF2-40B4-BE49-F238E27FC236}">
-                  <a16:creationId xmlns:a16="http://schemas.microsoft.com/office/drawing/2014/main" id="{A463DC89-1C5A-4EDB-8836-0E96E3B4D19B}"/>
-                </a:ext>
-              </a:extLst>
-            </p:cNvPr>
-            <p:cNvSpPr txBox="1"/>
-            <p:nvPr/>
-          </p:nvSpPr>
-          <p:spPr>
-            <a:xfrm>
-              <a:off x="28676642" y="26881130"/>
-              <a:ext cx="960541" cy="830997"/>
-            </a:xfrm>
-            <a:prstGeom prst="rect">
-              <a:avLst/>
-            </a:prstGeom>
-            <a:noFill/>
-          </p:spPr>
-          <p:txBody>
-            <a:bodyPr wrap="square" rtlCol="0">
-              <a:spAutoFit/>
-            </a:bodyPr>
-            <a:lstStyle/>
-            <a:p>
-              <a:r>
-                <a:rPr lang="en-AU" sz="4800" dirty="0">
-                  <a:latin typeface="Arial" panose="020B0604020202020204" pitchFamily="34" charset="0"/>
-                  <a:cs typeface="Arial" panose="020B0604020202020204" pitchFamily="34" charset="0"/>
-                </a:rPr>
-                <a:t>*</a:t>
-              </a:r>
-            </a:p>
-          </p:txBody>
-        </p:sp>
-        <p:sp>
-          <p:nvSpPr>
-            <p:cNvPr id="123" name="TextBox 122">
-              <a:extLst>
-                <a:ext uri="{FF2B5EF4-FFF2-40B4-BE49-F238E27FC236}">
-                  <a16:creationId xmlns:a16="http://schemas.microsoft.com/office/drawing/2014/main" id="{9324937D-EC27-4680-A598-AFACA64A297B}"/>
-                </a:ext>
-              </a:extLst>
-            </p:cNvPr>
-            <p:cNvSpPr txBox="1"/>
-            <p:nvPr/>
-          </p:nvSpPr>
-          <p:spPr>
-            <a:xfrm>
-              <a:off x="1279533" y="21505795"/>
-              <a:ext cx="13829053" cy="1200329"/>
-            </a:xfrm>
-            <a:prstGeom prst="rect">
-              <a:avLst/>
-            </a:prstGeom>
-            <a:noFill/>
-          </p:spPr>
-          <p:txBody>
-            <a:bodyPr wrap="square" rtlCol="0">
-              <a:spAutoFit/>
-            </a:bodyPr>
-            <a:lstStyle/>
-            <a:p>
-              <a:r>
-                <a:rPr lang="pt-BR" sz="7200" b="1" i="0" u="none" strike="noStrike" dirty="0">
-                  <a:solidFill>
-                    <a:srgbClr val="000000"/>
-                  </a:solidFill>
-                  <a:effectLst/>
-                  <a:latin typeface="Arial" panose="020B0604020202020204" pitchFamily="34" charset="0"/>
-                </a:rPr>
-                <a:t>II) Experiment 1, first 24 trials</a:t>
-              </a:r>
-              <a:endParaRPr lang="en-AU" sz="7200" dirty="0"/>
-            </a:p>
-          </p:txBody>
-        </p:sp>
-        <p:sp>
-          <p:nvSpPr>
-            <p:cNvPr id="152" name="TextBox 151">
-              <a:extLst>
-                <a:ext uri="{FF2B5EF4-FFF2-40B4-BE49-F238E27FC236}">
-                  <a16:creationId xmlns:a16="http://schemas.microsoft.com/office/drawing/2014/main" id="{130C778F-0754-4577-8738-2439D17A8BB8}"/>
-                </a:ext>
-              </a:extLst>
-            </p:cNvPr>
-            <p:cNvSpPr txBox="1"/>
-            <p:nvPr/>
-          </p:nvSpPr>
-          <p:spPr>
-            <a:xfrm>
-              <a:off x="13298055" y="28201359"/>
-              <a:ext cx="960541" cy="830997"/>
-            </a:xfrm>
-            <a:prstGeom prst="rect">
-              <a:avLst/>
-            </a:prstGeom>
-            <a:noFill/>
-          </p:spPr>
-          <p:txBody>
-            <a:bodyPr wrap="square" rtlCol="0">
-              <a:spAutoFit/>
-            </a:bodyPr>
-            <a:lstStyle/>
-            <a:p>
-              <a:r>
-                <a:rPr lang="en-AU" sz="4800" dirty="0">
-                  <a:latin typeface="Arial" panose="020B0604020202020204" pitchFamily="34" charset="0"/>
-                  <a:cs typeface="Arial" panose="020B0604020202020204" pitchFamily="34" charset="0"/>
-                </a:rPr>
-                <a:t>*</a:t>
-              </a:r>
-            </a:p>
-          </p:txBody>
-        </p:sp>
-      </p:grpSp>
+              </a:rPr>
+              <a:t>b)</a:t>
+            </a:r>
+          </a:p>
+        </p:txBody>
+      </p:sp>
+      <p:sp>
+        <p:nvSpPr>
+          <p:cNvPr id="99" name="TextBox 98">
+            <a:extLst>
+              <a:ext uri="{FF2B5EF4-FFF2-40B4-BE49-F238E27FC236}">
+                <a16:creationId xmlns:a16="http://schemas.microsoft.com/office/drawing/2014/main" id="{339A3B03-2450-4454-8F38-86C0505BABFE}"/>
+              </a:ext>
+            </a:extLst>
+          </p:cNvPr>
+          <p:cNvSpPr txBox="1"/>
+          <p:nvPr/>
+        </p:nvSpPr>
+        <p:spPr>
+          <a:xfrm>
+            <a:off x="15892068" y="2021484"/>
+            <a:ext cx="1384804" cy="808769"/>
+          </a:xfrm>
+          <a:prstGeom prst="rect">
+            <a:avLst/>
+          </a:prstGeom>
+          <a:noFill/>
+        </p:spPr>
+        <p:txBody>
+          <a:bodyPr wrap="square" rtlCol="0">
+            <a:spAutoFit/>
+          </a:bodyPr>
+          <a:lstStyle/>
+          <a:p>
+            <a:r>
+              <a:rPr lang="en-AU" sz="4800" b="1" dirty="0">
+                <a:latin typeface="Arial" panose="020B0604020202020204" pitchFamily="34" charset="0"/>
+                <a:cs typeface="Arial" panose="020B0604020202020204" pitchFamily="34" charset="0"/>
+              </a:rPr>
+              <a:t>c)</a:t>
+            </a:r>
+          </a:p>
+        </p:txBody>
+      </p:sp>
+      <p:sp>
+        <p:nvSpPr>
+          <p:cNvPr id="100" name="TextBox 99">
+            <a:extLst>
+              <a:ext uri="{FF2B5EF4-FFF2-40B4-BE49-F238E27FC236}">
+                <a16:creationId xmlns:a16="http://schemas.microsoft.com/office/drawing/2014/main" id="{98C2B09D-0E81-48F6-A945-1B214D2A4E55}"/>
+              </a:ext>
+            </a:extLst>
+          </p:cNvPr>
+          <p:cNvSpPr txBox="1"/>
+          <p:nvPr/>
+        </p:nvSpPr>
+        <p:spPr>
+          <a:xfrm>
+            <a:off x="22430703" y="2078861"/>
+            <a:ext cx="1384804" cy="808769"/>
+          </a:xfrm>
+          <a:prstGeom prst="rect">
+            <a:avLst/>
+          </a:prstGeom>
+          <a:noFill/>
+        </p:spPr>
+        <p:txBody>
+          <a:bodyPr wrap="square" rtlCol="0">
+            <a:spAutoFit/>
+          </a:bodyPr>
+          <a:lstStyle/>
+          <a:p>
+            <a:r>
+              <a:rPr lang="en-AU" sz="4800" b="1" dirty="0">
+                <a:latin typeface="Arial" panose="020B0604020202020204" pitchFamily="34" charset="0"/>
+                <a:cs typeface="Arial" panose="020B0604020202020204" pitchFamily="34" charset="0"/>
+              </a:rPr>
+              <a:t>d)</a:t>
+            </a:r>
+          </a:p>
+        </p:txBody>
+      </p:sp>
+      <p:sp>
+        <p:nvSpPr>
+          <p:cNvPr id="101" name="TextBox 100">
+            <a:extLst>
+              <a:ext uri="{FF2B5EF4-FFF2-40B4-BE49-F238E27FC236}">
+                <a16:creationId xmlns:a16="http://schemas.microsoft.com/office/drawing/2014/main" id="{28E0497C-D327-42DA-AFB7-EC95BCADA9D6}"/>
+              </a:ext>
+            </a:extLst>
+          </p:cNvPr>
+          <p:cNvSpPr txBox="1"/>
+          <p:nvPr/>
+        </p:nvSpPr>
+        <p:spPr>
+          <a:xfrm>
+            <a:off x="1381101" y="7518297"/>
+            <a:ext cx="1384804" cy="808769"/>
+          </a:xfrm>
+          <a:prstGeom prst="rect">
+            <a:avLst/>
+          </a:prstGeom>
+          <a:noFill/>
+        </p:spPr>
+        <p:txBody>
+          <a:bodyPr wrap="square" rtlCol="0">
+            <a:spAutoFit/>
+          </a:bodyPr>
+          <a:lstStyle/>
+          <a:p>
+            <a:r>
+              <a:rPr lang="en-AU" sz="4800" b="1" dirty="0">
+                <a:latin typeface="Arial" panose="020B0604020202020204" pitchFamily="34" charset="0"/>
+                <a:cs typeface="Arial" panose="020B0604020202020204" pitchFamily="34" charset="0"/>
+              </a:rPr>
+              <a:t>e)</a:t>
+            </a:r>
+          </a:p>
+        </p:txBody>
+      </p:sp>
+      <p:sp>
+        <p:nvSpPr>
+          <p:cNvPr id="102" name="TextBox 101">
+            <a:extLst>
+              <a:ext uri="{FF2B5EF4-FFF2-40B4-BE49-F238E27FC236}">
+                <a16:creationId xmlns:a16="http://schemas.microsoft.com/office/drawing/2014/main" id="{FF56385C-0256-42C1-A8F0-343315F5272A}"/>
+              </a:ext>
+            </a:extLst>
+          </p:cNvPr>
+          <p:cNvSpPr txBox="1"/>
+          <p:nvPr/>
+        </p:nvSpPr>
+        <p:spPr>
+          <a:xfrm>
+            <a:off x="9035456" y="7768307"/>
+            <a:ext cx="1384804" cy="808769"/>
+          </a:xfrm>
+          <a:prstGeom prst="rect">
+            <a:avLst/>
+          </a:prstGeom>
+          <a:noFill/>
+        </p:spPr>
+        <p:txBody>
+          <a:bodyPr wrap="square" rtlCol="0">
+            <a:spAutoFit/>
+          </a:bodyPr>
+          <a:lstStyle/>
+          <a:p>
+            <a:r>
+              <a:rPr lang="en-AU" sz="4800" b="1" dirty="0">
+                <a:latin typeface="Arial" panose="020B0604020202020204" pitchFamily="34" charset="0"/>
+                <a:cs typeface="Arial" panose="020B0604020202020204" pitchFamily="34" charset="0"/>
+              </a:rPr>
+              <a:t>f)</a:t>
+            </a:r>
+          </a:p>
+        </p:txBody>
+      </p:sp>
+      <p:sp>
+        <p:nvSpPr>
+          <p:cNvPr id="103" name="TextBox 102">
+            <a:extLst>
+              <a:ext uri="{FF2B5EF4-FFF2-40B4-BE49-F238E27FC236}">
+                <a16:creationId xmlns:a16="http://schemas.microsoft.com/office/drawing/2014/main" id="{884E130C-3363-4A95-9127-77A0D4C0B2AE}"/>
+              </a:ext>
+            </a:extLst>
+          </p:cNvPr>
+          <p:cNvSpPr txBox="1"/>
+          <p:nvPr/>
+        </p:nvSpPr>
+        <p:spPr>
+          <a:xfrm>
+            <a:off x="15936529" y="7679880"/>
+            <a:ext cx="1384804" cy="808769"/>
+          </a:xfrm>
+          <a:prstGeom prst="rect">
+            <a:avLst/>
+          </a:prstGeom>
+          <a:noFill/>
+        </p:spPr>
+        <p:txBody>
+          <a:bodyPr wrap="square" rtlCol="0">
+            <a:spAutoFit/>
+          </a:bodyPr>
+          <a:lstStyle/>
+          <a:p>
+            <a:r>
+              <a:rPr lang="en-AU" sz="4800" b="1" dirty="0">
+                <a:latin typeface="Arial" panose="020B0604020202020204" pitchFamily="34" charset="0"/>
+                <a:cs typeface="Arial" panose="020B0604020202020204" pitchFamily="34" charset="0"/>
+              </a:rPr>
+              <a:t>g)</a:t>
+            </a:r>
+          </a:p>
+        </p:txBody>
+      </p:sp>
+      <p:sp>
+        <p:nvSpPr>
+          <p:cNvPr id="104" name="TextBox 103">
+            <a:extLst>
+              <a:ext uri="{FF2B5EF4-FFF2-40B4-BE49-F238E27FC236}">
+                <a16:creationId xmlns:a16="http://schemas.microsoft.com/office/drawing/2014/main" id="{BCD5E2D4-D13E-4BEE-977F-02F1E3C288FA}"/>
+              </a:ext>
+            </a:extLst>
+          </p:cNvPr>
+          <p:cNvSpPr txBox="1"/>
+          <p:nvPr/>
+        </p:nvSpPr>
+        <p:spPr>
+          <a:xfrm>
+            <a:off x="22438801" y="7679880"/>
+            <a:ext cx="1384804" cy="808769"/>
+          </a:xfrm>
+          <a:prstGeom prst="rect">
+            <a:avLst/>
+          </a:prstGeom>
+          <a:noFill/>
+        </p:spPr>
+        <p:txBody>
+          <a:bodyPr wrap="square" rtlCol="0">
+            <a:spAutoFit/>
+          </a:bodyPr>
+          <a:lstStyle/>
+          <a:p>
+            <a:r>
+              <a:rPr lang="en-AU" sz="4800" b="1" dirty="0">
+                <a:latin typeface="Arial" panose="020B0604020202020204" pitchFamily="34" charset="0"/>
+                <a:cs typeface="Arial" panose="020B0604020202020204" pitchFamily="34" charset="0"/>
+              </a:rPr>
+              <a:t>h)</a:t>
+            </a:r>
+          </a:p>
+        </p:txBody>
+      </p:sp>
+      <p:sp>
+        <p:nvSpPr>
+          <p:cNvPr id="105" name="TextBox 104">
+            <a:extLst>
+              <a:ext uri="{FF2B5EF4-FFF2-40B4-BE49-F238E27FC236}">
+                <a16:creationId xmlns:a16="http://schemas.microsoft.com/office/drawing/2014/main" id="{F0E9CC56-D230-45DD-A08D-C8CC4192028E}"/>
+              </a:ext>
+            </a:extLst>
+          </p:cNvPr>
+          <p:cNvSpPr txBox="1"/>
+          <p:nvPr/>
+        </p:nvSpPr>
+        <p:spPr>
+          <a:xfrm>
+            <a:off x="1302449" y="13610791"/>
+            <a:ext cx="1384804" cy="808769"/>
+          </a:xfrm>
+          <a:prstGeom prst="rect">
+            <a:avLst/>
+          </a:prstGeom>
+          <a:noFill/>
+        </p:spPr>
+        <p:txBody>
+          <a:bodyPr wrap="square" rtlCol="0">
+            <a:spAutoFit/>
+          </a:bodyPr>
+          <a:lstStyle/>
+          <a:p>
+            <a:r>
+              <a:rPr lang="en-AU" sz="4800" b="1" dirty="0">
+                <a:latin typeface="Arial" panose="020B0604020202020204" pitchFamily="34" charset="0"/>
+                <a:cs typeface="Arial" panose="020B0604020202020204" pitchFamily="34" charset="0"/>
+              </a:rPr>
+              <a:t>i)</a:t>
+            </a:r>
+          </a:p>
+        </p:txBody>
+      </p:sp>
+      <p:sp>
+        <p:nvSpPr>
+          <p:cNvPr id="106" name="TextBox 105">
+            <a:extLst>
+              <a:ext uri="{FF2B5EF4-FFF2-40B4-BE49-F238E27FC236}">
+                <a16:creationId xmlns:a16="http://schemas.microsoft.com/office/drawing/2014/main" id="{1297DE34-B62E-4059-B3A6-137810CB98D5}"/>
+              </a:ext>
+            </a:extLst>
+          </p:cNvPr>
+          <p:cNvSpPr txBox="1"/>
+          <p:nvPr/>
+        </p:nvSpPr>
+        <p:spPr>
+          <a:xfrm>
+            <a:off x="9138332" y="13817270"/>
+            <a:ext cx="1384804" cy="808769"/>
+          </a:xfrm>
+          <a:prstGeom prst="rect">
+            <a:avLst/>
+          </a:prstGeom>
+          <a:noFill/>
+        </p:spPr>
+        <p:txBody>
+          <a:bodyPr wrap="square" rtlCol="0">
+            <a:spAutoFit/>
+          </a:bodyPr>
+          <a:lstStyle/>
+          <a:p>
+            <a:r>
+              <a:rPr lang="en-AU" sz="4800" b="1" dirty="0">
+                <a:latin typeface="Arial" panose="020B0604020202020204" pitchFamily="34" charset="0"/>
+                <a:cs typeface="Arial" panose="020B0604020202020204" pitchFamily="34" charset="0"/>
+              </a:rPr>
+              <a:t>j)</a:t>
+            </a:r>
+          </a:p>
+        </p:txBody>
+      </p:sp>
+      <p:sp>
+        <p:nvSpPr>
+          <p:cNvPr id="107" name="TextBox 106">
+            <a:extLst>
+              <a:ext uri="{FF2B5EF4-FFF2-40B4-BE49-F238E27FC236}">
+                <a16:creationId xmlns:a16="http://schemas.microsoft.com/office/drawing/2014/main" id="{8B3BC0E9-6E90-42D6-AC64-B88C5B534548}"/>
+              </a:ext>
+            </a:extLst>
+          </p:cNvPr>
+          <p:cNvSpPr txBox="1"/>
+          <p:nvPr/>
+        </p:nvSpPr>
+        <p:spPr>
+          <a:xfrm>
+            <a:off x="15939351" y="13804837"/>
+            <a:ext cx="1384804" cy="808769"/>
+          </a:xfrm>
+          <a:prstGeom prst="rect">
+            <a:avLst/>
+          </a:prstGeom>
+          <a:noFill/>
+        </p:spPr>
+        <p:txBody>
+          <a:bodyPr wrap="square" rtlCol="0">
+            <a:spAutoFit/>
+          </a:bodyPr>
+          <a:lstStyle/>
+          <a:p>
+            <a:r>
+              <a:rPr lang="en-AU" sz="4800" b="1" dirty="0">
+                <a:latin typeface="Arial" panose="020B0604020202020204" pitchFamily="34" charset="0"/>
+                <a:cs typeface="Arial" panose="020B0604020202020204" pitchFamily="34" charset="0"/>
+              </a:rPr>
+              <a:t>k)</a:t>
+            </a:r>
+          </a:p>
+        </p:txBody>
+      </p:sp>
+      <p:sp>
+        <p:nvSpPr>
+          <p:cNvPr id="108" name="TextBox 107">
+            <a:extLst>
+              <a:ext uri="{FF2B5EF4-FFF2-40B4-BE49-F238E27FC236}">
+                <a16:creationId xmlns:a16="http://schemas.microsoft.com/office/drawing/2014/main" id="{19E2BD2F-D0F5-4757-AC70-05A09079A567}"/>
+              </a:ext>
+            </a:extLst>
+          </p:cNvPr>
+          <p:cNvSpPr txBox="1"/>
+          <p:nvPr/>
+        </p:nvSpPr>
+        <p:spPr>
+          <a:xfrm>
+            <a:off x="22642262" y="13881209"/>
+            <a:ext cx="1384804" cy="808769"/>
+          </a:xfrm>
+          <a:prstGeom prst="rect">
+            <a:avLst/>
+          </a:prstGeom>
+          <a:noFill/>
+        </p:spPr>
+        <p:txBody>
+          <a:bodyPr wrap="square" rtlCol="0">
+            <a:spAutoFit/>
+          </a:bodyPr>
+          <a:lstStyle/>
+          <a:p>
+            <a:r>
+              <a:rPr lang="en-AU" sz="4800" b="1" dirty="0">
+                <a:latin typeface="Arial" panose="020B0604020202020204" pitchFamily="34" charset="0"/>
+                <a:cs typeface="Arial" panose="020B0604020202020204" pitchFamily="34" charset="0"/>
+              </a:rPr>
+              <a:t>l)</a:t>
+            </a:r>
+          </a:p>
+        </p:txBody>
+      </p:sp>
+      <p:sp>
+        <p:nvSpPr>
+          <p:cNvPr id="109" name="TextBox 108">
+            <a:extLst>
+              <a:ext uri="{FF2B5EF4-FFF2-40B4-BE49-F238E27FC236}">
+                <a16:creationId xmlns:a16="http://schemas.microsoft.com/office/drawing/2014/main" id="{9707568F-6630-4397-BC89-BB0190E39A53}"/>
+              </a:ext>
+            </a:extLst>
+          </p:cNvPr>
+          <p:cNvSpPr txBox="1"/>
+          <p:nvPr/>
+        </p:nvSpPr>
+        <p:spPr>
+          <a:xfrm rot="16200000">
+            <a:off x="-6128518" y="8021412"/>
+            <a:ext cx="13396470" cy="1015663"/>
+          </a:xfrm>
+          <a:prstGeom prst="rect">
+            <a:avLst/>
+          </a:prstGeom>
+          <a:noFill/>
+        </p:spPr>
+        <p:txBody>
+          <a:bodyPr wrap="square" rtlCol="0">
+            <a:spAutoFit/>
+          </a:bodyPr>
+          <a:lstStyle/>
+          <a:p>
+            <a:r>
+              <a:rPr lang="en-AU" sz="6000" dirty="0">
+                <a:latin typeface="Arial" panose="020B0604020202020204" pitchFamily="34" charset="0"/>
+                <a:cs typeface="Arial" panose="020B0604020202020204" pitchFamily="34" charset="0"/>
+              </a:rPr>
+              <a:t>Proportion of responses</a:t>
+            </a:r>
+          </a:p>
+        </p:txBody>
+      </p:sp>
+      <p:sp>
+        <p:nvSpPr>
+          <p:cNvPr id="110" name="TextBox 109">
+            <a:extLst>
+              <a:ext uri="{FF2B5EF4-FFF2-40B4-BE49-F238E27FC236}">
+                <a16:creationId xmlns:a16="http://schemas.microsoft.com/office/drawing/2014/main" id="{E2660D5D-4E06-43CB-8CF0-4A37D6E6E895}"/>
+              </a:ext>
+            </a:extLst>
+          </p:cNvPr>
+          <p:cNvSpPr txBox="1"/>
+          <p:nvPr/>
+        </p:nvSpPr>
+        <p:spPr>
+          <a:xfrm>
+            <a:off x="10845375" y="20068812"/>
+            <a:ext cx="13396470" cy="1015663"/>
+          </a:xfrm>
+          <a:prstGeom prst="rect">
+            <a:avLst/>
+          </a:prstGeom>
+          <a:noFill/>
+        </p:spPr>
+        <p:txBody>
+          <a:bodyPr wrap="square" rtlCol="0">
+            <a:spAutoFit/>
+          </a:bodyPr>
+          <a:lstStyle/>
+          <a:p>
+            <a:r>
+              <a:rPr lang="en-AU" sz="6000" dirty="0">
+                <a:latin typeface="Arial" panose="020B0604020202020204" pitchFamily="34" charset="0"/>
+                <a:cs typeface="Arial" panose="020B0604020202020204" pitchFamily="34" charset="0"/>
+              </a:rPr>
+              <a:t>Decision × Confidence (D×C)</a:t>
+            </a:r>
+          </a:p>
+        </p:txBody>
+      </p:sp>
+      <p:sp>
+        <p:nvSpPr>
+          <p:cNvPr id="7" name="TextBox 6">
+            <a:extLst>
+              <a:ext uri="{FF2B5EF4-FFF2-40B4-BE49-F238E27FC236}">
+                <a16:creationId xmlns:a16="http://schemas.microsoft.com/office/drawing/2014/main" id="{DF72E6FA-7DC6-4A9B-8F07-1CB3D06C544A}"/>
+              </a:ext>
+            </a:extLst>
+          </p:cNvPr>
+          <p:cNvSpPr txBox="1"/>
+          <p:nvPr/>
+        </p:nvSpPr>
+        <p:spPr>
+          <a:xfrm>
+            <a:off x="1023761" y="416573"/>
+            <a:ext cx="26526226" cy="1200329"/>
+          </a:xfrm>
+          <a:prstGeom prst="rect">
+            <a:avLst/>
+          </a:prstGeom>
+          <a:noFill/>
+        </p:spPr>
+        <p:txBody>
+          <a:bodyPr wrap="square" rtlCol="0">
+            <a:spAutoFit/>
+          </a:bodyPr>
+          <a:lstStyle/>
+          <a:p>
+            <a:r>
+              <a:rPr lang="pt-BR" sz="7200" b="1" i="0" u="none" strike="noStrike" dirty="0">
+                <a:solidFill>
+                  <a:srgbClr val="000000"/>
+                </a:solidFill>
+                <a:effectLst/>
+                <a:latin typeface="Arial" panose="020B0604020202020204" pitchFamily="34" charset="0"/>
+              </a:rPr>
+              <a:t>I) Experiment 1, first 6 patches in every trial v.s. all patches  </a:t>
+            </a:r>
+            <a:endParaRPr lang="en-AU" sz="7200" dirty="0"/>
+          </a:p>
+        </p:txBody>
+      </p:sp>
+      <p:sp>
+        <p:nvSpPr>
+          <p:cNvPr id="40" name="TextBox 39">
+            <a:extLst>
+              <a:ext uri="{FF2B5EF4-FFF2-40B4-BE49-F238E27FC236}">
+                <a16:creationId xmlns:a16="http://schemas.microsoft.com/office/drawing/2014/main" id="{1B41EC31-61E9-4367-B609-C1B7DAF10C6D}"/>
+              </a:ext>
+            </a:extLst>
+          </p:cNvPr>
+          <p:cNvSpPr txBox="1"/>
+          <p:nvPr/>
+        </p:nvSpPr>
+        <p:spPr>
+          <a:xfrm>
+            <a:off x="11252687" y="41726945"/>
+            <a:ext cx="14856507" cy="1158672"/>
+          </a:xfrm>
+          <a:prstGeom prst="rect">
+            <a:avLst/>
+          </a:prstGeom>
+          <a:noFill/>
+        </p:spPr>
+        <p:txBody>
+          <a:bodyPr wrap="square" rtlCol="0">
+            <a:spAutoFit/>
+          </a:bodyPr>
+          <a:lstStyle/>
+          <a:p>
+            <a:r>
+              <a:rPr lang="en-AU" sz="6000" dirty="0">
+                <a:latin typeface="Arial" panose="020B0604020202020204" pitchFamily="34" charset="0"/>
+                <a:cs typeface="Arial" panose="020B0604020202020204" pitchFamily="34" charset="0"/>
+              </a:rPr>
+              <a:t>Decision × Confidence (D×C)</a:t>
+            </a:r>
+          </a:p>
+        </p:txBody>
+      </p:sp>
+      <p:sp>
+        <p:nvSpPr>
+          <p:cNvPr id="41" name="TextBox 40">
+            <a:extLst>
+              <a:ext uri="{FF2B5EF4-FFF2-40B4-BE49-F238E27FC236}">
+                <a16:creationId xmlns:a16="http://schemas.microsoft.com/office/drawing/2014/main" id="{359F6B72-8202-4C7D-92C0-F8BC6E902B0F}"/>
+              </a:ext>
+            </a:extLst>
+          </p:cNvPr>
+          <p:cNvSpPr txBox="1"/>
+          <p:nvPr/>
+        </p:nvSpPr>
+        <p:spPr>
+          <a:xfrm rot="16200000">
+            <a:off x="-4272718" y="31553321"/>
+            <a:ext cx="9515695" cy="1158672"/>
+          </a:xfrm>
+          <a:prstGeom prst="rect">
+            <a:avLst/>
+          </a:prstGeom>
+          <a:noFill/>
+        </p:spPr>
+        <p:txBody>
+          <a:bodyPr wrap="square" rtlCol="0">
+            <a:spAutoFit/>
+          </a:bodyPr>
+          <a:lstStyle/>
+          <a:p>
+            <a:r>
+              <a:rPr lang="en-AU" sz="6000" dirty="0">
+                <a:latin typeface="Arial" panose="020B0604020202020204" pitchFamily="34" charset="0"/>
+                <a:cs typeface="Arial" panose="020B0604020202020204" pitchFamily="34" charset="0"/>
+              </a:rPr>
+              <a:t>Proportion of responses</a:t>
+            </a:r>
+          </a:p>
+        </p:txBody>
+      </p:sp>
+      <p:sp>
+        <p:nvSpPr>
+          <p:cNvPr id="64" name="TextBox 63">
+            <a:extLst>
+              <a:ext uri="{FF2B5EF4-FFF2-40B4-BE49-F238E27FC236}">
+                <a16:creationId xmlns:a16="http://schemas.microsoft.com/office/drawing/2014/main" id="{E5C8BE60-65B2-4B70-9E39-E75CA1460C01}"/>
+              </a:ext>
+            </a:extLst>
+          </p:cNvPr>
+          <p:cNvSpPr txBox="1"/>
+          <p:nvPr/>
+        </p:nvSpPr>
+        <p:spPr>
+          <a:xfrm>
+            <a:off x="1189665" y="23885328"/>
+            <a:ext cx="1211318" cy="948004"/>
+          </a:xfrm>
+          <a:prstGeom prst="rect">
+            <a:avLst/>
+          </a:prstGeom>
+          <a:noFill/>
+        </p:spPr>
+        <p:txBody>
+          <a:bodyPr wrap="square" rtlCol="0">
+            <a:spAutoFit/>
+          </a:bodyPr>
+          <a:lstStyle/>
+          <a:p>
+            <a:r>
+              <a:rPr lang="en-AU" sz="4800" b="1" dirty="0">
+                <a:latin typeface="Arial" panose="020B0604020202020204" pitchFamily="34" charset="0"/>
+                <a:cs typeface="Arial" panose="020B0604020202020204" pitchFamily="34" charset="0"/>
+              </a:rPr>
+              <a:t>a)</a:t>
+            </a:r>
+          </a:p>
+        </p:txBody>
+      </p:sp>
+      <p:sp>
+        <p:nvSpPr>
+          <p:cNvPr id="65" name="TextBox 64">
+            <a:extLst>
+              <a:ext uri="{FF2B5EF4-FFF2-40B4-BE49-F238E27FC236}">
+                <a16:creationId xmlns:a16="http://schemas.microsoft.com/office/drawing/2014/main" id="{537744EE-49DF-4FDC-8C01-39516167409A}"/>
+              </a:ext>
+            </a:extLst>
+          </p:cNvPr>
+          <p:cNvSpPr txBox="1"/>
+          <p:nvPr/>
+        </p:nvSpPr>
+        <p:spPr>
+          <a:xfrm>
+            <a:off x="1219162" y="29158051"/>
+            <a:ext cx="1211318" cy="948004"/>
+          </a:xfrm>
+          <a:prstGeom prst="rect">
+            <a:avLst/>
+          </a:prstGeom>
+          <a:noFill/>
+        </p:spPr>
+        <p:txBody>
+          <a:bodyPr wrap="square" rtlCol="0">
+            <a:spAutoFit/>
+          </a:bodyPr>
+          <a:lstStyle/>
+          <a:p>
+            <a:r>
+              <a:rPr lang="en-AU" sz="4800" b="1" dirty="0">
+                <a:latin typeface="Arial" panose="020B0604020202020204" pitchFamily="34" charset="0"/>
+                <a:cs typeface="Arial" panose="020B0604020202020204" pitchFamily="34" charset="0"/>
+              </a:rPr>
+              <a:t>e)</a:t>
+            </a:r>
+          </a:p>
+        </p:txBody>
+      </p:sp>
+      <p:sp>
+        <p:nvSpPr>
+          <p:cNvPr id="66" name="TextBox 65">
+            <a:extLst>
+              <a:ext uri="{FF2B5EF4-FFF2-40B4-BE49-F238E27FC236}">
+                <a16:creationId xmlns:a16="http://schemas.microsoft.com/office/drawing/2014/main" id="{63FFBBA0-9B40-4EA4-B290-783EC2AD3CDB}"/>
+              </a:ext>
+            </a:extLst>
+          </p:cNvPr>
+          <p:cNvSpPr txBox="1"/>
+          <p:nvPr/>
+        </p:nvSpPr>
+        <p:spPr>
+          <a:xfrm>
+            <a:off x="1323204" y="35297346"/>
+            <a:ext cx="1211318" cy="948004"/>
+          </a:xfrm>
+          <a:prstGeom prst="rect">
+            <a:avLst/>
+          </a:prstGeom>
+          <a:noFill/>
+        </p:spPr>
+        <p:txBody>
+          <a:bodyPr wrap="square" rtlCol="0">
+            <a:spAutoFit/>
+          </a:bodyPr>
+          <a:lstStyle/>
+          <a:p>
+            <a:r>
+              <a:rPr lang="en-AU" sz="4800" b="1" dirty="0">
+                <a:latin typeface="Arial" panose="020B0604020202020204" pitchFamily="34" charset="0"/>
+                <a:cs typeface="Arial" panose="020B0604020202020204" pitchFamily="34" charset="0"/>
+              </a:rPr>
+              <a:t>i)</a:t>
+            </a:r>
+          </a:p>
+        </p:txBody>
+      </p:sp>
+      <p:sp>
+        <p:nvSpPr>
+          <p:cNvPr id="67" name="TextBox 66">
+            <a:extLst>
+              <a:ext uri="{FF2B5EF4-FFF2-40B4-BE49-F238E27FC236}">
+                <a16:creationId xmlns:a16="http://schemas.microsoft.com/office/drawing/2014/main" id="{5A53655D-60C7-424A-AE16-EC059D410DC9}"/>
+              </a:ext>
+            </a:extLst>
+          </p:cNvPr>
+          <p:cNvSpPr txBox="1"/>
+          <p:nvPr/>
+        </p:nvSpPr>
+        <p:spPr>
+          <a:xfrm>
+            <a:off x="8849540" y="23918149"/>
+            <a:ext cx="1211318" cy="948004"/>
+          </a:xfrm>
+          <a:prstGeom prst="rect">
+            <a:avLst/>
+          </a:prstGeom>
+          <a:noFill/>
+        </p:spPr>
+        <p:txBody>
+          <a:bodyPr wrap="square" rtlCol="0">
+            <a:spAutoFit/>
+          </a:bodyPr>
+          <a:lstStyle/>
+          <a:p>
+            <a:r>
+              <a:rPr lang="en-AU" sz="4800" b="1" dirty="0">
+                <a:latin typeface="Arial" panose="020B0604020202020204" pitchFamily="34" charset="0"/>
+                <a:cs typeface="Arial" panose="020B0604020202020204" pitchFamily="34" charset="0"/>
+              </a:rPr>
+              <a:t>b)</a:t>
+            </a:r>
+          </a:p>
+        </p:txBody>
+      </p:sp>
+      <p:sp>
+        <p:nvSpPr>
+          <p:cNvPr id="68" name="TextBox 67">
+            <a:extLst>
+              <a:ext uri="{FF2B5EF4-FFF2-40B4-BE49-F238E27FC236}">
+                <a16:creationId xmlns:a16="http://schemas.microsoft.com/office/drawing/2014/main" id="{35DBA2B8-0299-4C61-A1C4-8B0B390898DD}"/>
+              </a:ext>
+            </a:extLst>
+          </p:cNvPr>
+          <p:cNvSpPr txBox="1"/>
+          <p:nvPr/>
+        </p:nvSpPr>
+        <p:spPr>
+          <a:xfrm>
+            <a:off x="8961727" y="29111817"/>
+            <a:ext cx="1211318" cy="948004"/>
+          </a:xfrm>
+          <a:prstGeom prst="rect">
+            <a:avLst/>
+          </a:prstGeom>
+          <a:noFill/>
+        </p:spPr>
+        <p:txBody>
+          <a:bodyPr wrap="square" rtlCol="0">
+            <a:spAutoFit/>
+          </a:bodyPr>
+          <a:lstStyle/>
+          <a:p>
+            <a:r>
+              <a:rPr lang="en-AU" sz="4800" b="1" dirty="0">
+                <a:latin typeface="Arial" panose="020B0604020202020204" pitchFamily="34" charset="0"/>
+                <a:cs typeface="Arial" panose="020B0604020202020204" pitchFamily="34" charset="0"/>
+              </a:rPr>
+              <a:t>f)</a:t>
+            </a:r>
+          </a:p>
+        </p:txBody>
+      </p:sp>
+      <p:sp>
+        <p:nvSpPr>
+          <p:cNvPr id="69" name="TextBox 68">
+            <a:extLst>
+              <a:ext uri="{FF2B5EF4-FFF2-40B4-BE49-F238E27FC236}">
+                <a16:creationId xmlns:a16="http://schemas.microsoft.com/office/drawing/2014/main" id="{C5F66902-AFFB-4696-83E7-28570F415C32}"/>
+              </a:ext>
+            </a:extLst>
+          </p:cNvPr>
+          <p:cNvSpPr txBox="1"/>
+          <p:nvPr/>
+        </p:nvSpPr>
+        <p:spPr>
+          <a:xfrm>
+            <a:off x="9208942" y="35286717"/>
+            <a:ext cx="1211318" cy="948004"/>
+          </a:xfrm>
+          <a:prstGeom prst="rect">
+            <a:avLst/>
+          </a:prstGeom>
+          <a:noFill/>
+        </p:spPr>
+        <p:txBody>
+          <a:bodyPr wrap="square" rtlCol="0">
+            <a:spAutoFit/>
+          </a:bodyPr>
+          <a:lstStyle/>
+          <a:p>
+            <a:r>
+              <a:rPr lang="en-AU" sz="4800" b="1" dirty="0">
+                <a:latin typeface="Arial" panose="020B0604020202020204" pitchFamily="34" charset="0"/>
+                <a:cs typeface="Arial" panose="020B0604020202020204" pitchFamily="34" charset="0"/>
+              </a:rPr>
+              <a:t>j)</a:t>
+            </a:r>
+          </a:p>
+        </p:txBody>
+      </p:sp>
+      <p:sp>
+        <p:nvSpPr>
+          <p:cNvPr id="70" name="TextBox 69">
+            <a:extLst>
+              <a:ext uri="{FF2B5EF4-FFF2-40B4-BE49-F238E27FC236}">
+                <a16:creationId xmlns:a16="http://schemas.microsoft.com/office/drawing/2014/main" id="{B81D1415-3F2B-4B9A-A56E-A7738DA187D6}"/>
+              </a:ext>
+            </a:extLst>
+          </p:cNvPr>
+          <p:cNvSpPr txBox="1"/>
+          <p:nvPr/>
+        </p:nvSpPr>
+        <p:spPr>
+          <a:xfrm>
+            <a:off x="16069674" y="23888190"/>
+            <a:ext cx="1211318" cy="948004"/>
+          </a:xfrm>
+          <a:prstGeom prst="rect">
+            <a:avLst/>
+          </a:prstGeom>
+          <a:noFill/>
+        </p:spPr>
+        <p:txBody>
+          <a:bodyPr wrap="square" rtlCol="0">
+            <a:spAutoFit/>
+          </a:bodyPr>
+          <a:lstStyle/>
+          <a:p>
+            <a:r>
+              <a:rPr lang="en-AU" sz="4800" b="1" dirty="0">
+                <a:latin typeface="Arial" panose="020B0604020202020204" pitchFamily="34" charset="0"/>
+                <a:cs typeface="Arial" panose="020B0604020202020204" pitchFamily="34" charset="0"/>
+              </a:rPr>
+              <a:t>c)</a:t>
+            </a:r>
+          </a:p>
+        </p:txBody>
+      </p:sp>
+      <p:sp>
+        <p:nvSpPr>
+          <p:cNvPr id="71" name="TextBox 70">
+            <a:extLst>
+              <a:ext uri="{FF2B5EF4-FFF2-40B4-BE49-F238E27FC236}">
+                <a16:creationId xmlns:a16="http://schemas.microsoft.com/office/drawing/2014/main" id="{81A31CBE-4687-415A-8615-8549C66ED553}"/>
+              </a:ext>
+            </a:extLst>
+          </p:cNvPr>
+          <p:cNvSpPr txBox="1"/>
+          <p:nvPr/>
+        </p:nvSpPr>
+        <p:spPr>
+          <a:xfrm>
+            <a:off x="16246656" y="29308398"/>
+            <a:ext cx="1211318" cy="948004"/>
+          </a:xfrm>
+          <a:prstGeom prst="rect">
+            <a:avLst/>
+          </a:prstGeom>
+          <a:noFill/>
+        </p:spPr>
+        <p:txBody>
+          <a:bodyPr wrap="square" rtlCol="0">
+            <a:spAutoFit/>
+          </a:bodyPr>
+          <a:lstStyle/>
+          <a:p>
+            <a:r>
+              <a:rPr lang="en-AU" sz="4800" b="1" dirty="0">
+                <a:latin typeface="Arial" panose="020B0604020202020204" pitchFamily="34" charset="0"/>
+                <a:cs typeface="Arial" panose="020B0604020202020204" pitchFamily="34" charset="0"/>
+              </a:rPr>
+              <a:t>g)</a:t>
+            </a:r>
+          </a:p>
+        </p:txBody>
+      </p:sp>
+      <p:sp>
+        <p:nvSpPr>
+          <p:cNvPr id="72" name="TextBox 71">
+            <a:extLst>
+              <a:ext uri="{FF2B5EF4-FFF2-40B4-BE49-F238E27FC236}">
+                <a16:creationId xmlns:a16="http://schemas.microsoft.com/office/drawing/2014/main" id="{0C05A317-5654-442E-9890-0BAFB54F7D91}"/>
+              </a:ext>
+            </a:extLst>
+          </p:cNvPr>
+          <p:cNvSpPr txBox="1"/>
+          <p:nvPr/>
+        </p:nvSpPr>
+        <p:spPr>
+          <a:xfrm>
+            <a:off x="16244548" y="35498764"/>
+            <a:ext cx="1211318" cy="948004"/>
+          </a:xfrm>
+          <a:prstGeom prst="rect">
+            <a:avLst/>
+          </a:prstGeom>
+          <a:noFill/>
+        </p:spPr>
+        <p:txBody>
+          <a:bodyPr wrap="square" rtlCol="0">
+            <a:spAutoFit/>
+          </a:bodyPr>
+          <a:lstStyle/>
+          <a:p>
+            <a:r>
+              <a:rPr lang="en-AU" sz="4800" b="1" dirty="0">
+                <a:latin typeface="Arial" panose="020B0604020202020204" pitchFamily="34" charset="0"/>
+                <a:cs typeface="Arial" panose="020B0604020202020204" pitchFamily="34" charset="0"/>
+              </a:rPr>
+              <a:t>k)</a:t>
+            </a:r>
+          </a:p>
+        </p:txBody>
+      </p:sp>
+      <p:sp>
+        <p:nvSpPr>
+          <p:cNvPr id="73" name="TextBox 72">
+            <a:extLst>
+              <a:ext uri="{FF2B5EF4-FFF2-40B4-BE49-F238E27FC236}">
+                <a16:creationId xmlns:a16="http://schemas.microsoft.com/office/drawing/2014/main" id="{DB2D5378-C72B-45BD-BAEF-2198F85A0569}"/>
+              </a:ext>
+            </a:extLst>
+          </p:cNvPr>
+          <p:cNvSpPr txBox="1"/>
+          <p:nvPr/>
+        </p:nvSpPr>
+        <p:spPr>
+          <a:xfrm>
+            <a:off x="22729005" y="23933765"/>
+            <a:ext cx="1211318" cy="948004"/>
+          </a:xfrm>
+          <a:prstGeom prst="rect">
+            <a:avLst/>
+          </a:prstGeom>
+          <a:noFill/>
+        </p:spPr>
+        <p:txBody>
+          <a:bodyPr wrap="square" rtlCol="0">
+            <a:spAutoFit/>
+          </a:bodyPr>
+          <a:lstStyle/>
+          <a:p>
+            <a:r>
+              <a:rPr lang="en-AU" sz="4800" b="1" dirty="0">
+                <a:latin typeface="Arial" panose="020B0604020202020204" pitchFamily="34" charset="0"/>
+                <a:cs typeface="Arial" panose="020B0604020202020204" pitchFamily="34" charset="0"/>
+              </a:rPr>
+              <a:t>d)</a:t>
+            </a:r>
+          </a:p>
+        </p:txBody>
+      </p:sp>
+      <p:sp>
+        <p:nvSpPr>
+          <p:cNvPr id="74" name="TextBox 73">
+            <a:extLst>
+              <a:ext uri="{FF2B5EF4-FFF2-40B4-BE49-F238E27FC236}">
+                <a16:creationId xmlns:a16="http://schemas.microsoft.com/office/drawing/2014/main" id="{A716701F-0331-4F0C-A064-6A418FAFC917}"/>
+              </a:ext>
+            </a:extLst>
+          </p:cNvPr>
+          <p:cNvSpPr txBox="1"/>
+          <p:nvPr/>
+        </p:nvSpPr>
+        <p:spPr>
+          <a:xfrm>
+            <a:off x="22905987" y="29353973"/>
+            <a:ext cx="1211318" cy="948004"/>
+          </a:xfrm>
+          <a:prstGeom prst="rect">
+            <a:avLst/>
+          </a:prstGeom>
+          <a:noFill/>
+        </p:spPr>
+        <p:txBody>
+          <a:bodyPr wrap="square" rtlCol="0">
+            <a:spAutoFit/>
+          </a:bodyPr>
+          <a:lstStyle/>
+          <a:p>
+            <a:r>
+              <a:rPr lang="en-AU" sz="4800" b="1" dirty="0">
+                <a:latin typeface="Arial" panose="020B0604020202020204" pitchFamily="34" charset="0"/>
+                <a:cs typeface="Arial" panose="020B0604020202020204" pitchFamily="34" charset="0"/>
+              </a:rPr>
+              <a:t>h)</a:t>
+            </a:r>
+          </a:p>
+        </p:txBody>
+      </p:sp>
+      <p:sp>
+        <p:nvSpPr>
+          <p:cNvPr id="75" name="TextBox 74">
+            <a:extLst>
+              <a:ext uri="{FF2B5EF4-FFF2-40B4-BE49-F238E27FC236}">
+                <a16:creationId xmlns:a16="http://schemas.microsoft.com/office/drawing/2014/main" id="{AAC8D951-B3FB-4DC8-ACAD-EE58DF31F525}"/>
+              </a:ext>
+            </a:extLst>
+          </p:cNvPr>
+          <p:cNvSpPr txBox="1"/>
+          <p:nvPr/>
+        </p:nvSpPr>
+        <p:spPr>
+          <a:xfrm>
+            <a:off x="23072750" y="35544337"/>
+            <a:ext cx="1211318" cy="948004"/>
+          </a:xfrm>
+          <a:prstGeom prst="rect">
+            <a:avLst/>
+          </a:prstGeom>
+          <a:noFill/>
+        </p:spPr>
+        <p:txBody>
+          <a:bodyPr wrap="square" rtlCol="0">
+            <a:spAutoFit/>
+          </a:bodyPr>
+          <a:lstStyle/>
+          <a:p>
+            <a:r>
+              <a:rPr lang="en-AU" sz="4800" b="1" dirty="0">
+                <a:latin typeface="Arial" panose="020B0604020202020204" pitchFamily="34" charset="0"/>
+                <a:cs typeface="Arial" panose="020B0604020202020204" pitchFamily="34" charset="0"/>
+              </a:rPr>
+              <a:t>l)</a:t>
+            </a:r>
+          </a:p>
+        </p:txBody>
+      </p:sp>
+      <p:sp>
+        <p:nvSpPr>
+          <p:cNvPr id="123" name="TextBox 122">
+            <a:extLst>
+              <a:ext uri="{FF2B5EF4-FFF2-40B4-BE49-F238E27FC236}">
+                <a16:creationId xmlns:a16="http://schemas.microsoft.com/office/drawing/2014/main" id="{9324937D-EC27-4680-A598-AFACA64A297B}"/>
+              </a:ext>
+            </a:extLst>
+          </p:cNvPr>
+          <p:cNvSpPr txBox="1"/>
+          <p:nvPr/>
+        </p:nvSpPr>
+        <p:spPr>
+          <a:xfrm>
+            <a:off x="1279533" y="22095734"/>
+            <a:ext cx="24353164" cy="1200329"/>
+          </a:xfrm>
+          <a:prstGeom prst="rect">
+            <a:avLst/>
+          </a:prstGeom>
+          <a:noFill/>
+        </p:spPr>
+        <p:txBody>
+          <a:bodyPr wrap="square" rtlCol="0">
+            <a:spAutoFit/>
+          </a:bodyPr>
+          <a:lstStyle/>
+          <a:p>
+            <a:r>
+              <a:rPr lang="pt-BR" sz="7200" b="1" i="0" u="none" strike="noStrike" dirty="0">
+                <a:solidFill>
+                  <a:srgbClr val="000000"/>
+                </a:solidFill>
+                <a:effectLst/>
+                <a:latin typeface="Arial" panose="020B0604020202020204" pitchFamily="34" charset="0"/>
+              </a:rPr>
+              <a:t>II) Experiment 1, first 24 trials v.s. </a:t>
+            </a:r>
+            <a:r>
+              <a:rPr lang="pt-BR" sz="7200" b="1" dirty="0">
+                <a:solidFill>
+                  <a:srgbClr val="000000"/>
+                </a:solidFill>
+                <a:latin typeface="Arial" panose="020B0604020202020204" pitchFamily="34" charset="0"/>
+              </a:rPr>
+              <a:t>a</a:t>
+            </a:r>
+            <a:r>
+              <a:rPr lang="pt-BR" sz="7200" b="1" i="0" u="none" strike="noStrike" dirty="0">
+                <a:solidFill>
+                  <a:srgbClr val="000000"/>
+                </a:solidFill>
+                <a:effectLst/>
+                <a:latin typeface="Arial" panose="020B0604020202020204" pitchFamily="34" charset="0"/>
+              </a:rPr>
+              <a:t>ll trials</a:t>
+            </a:r>
+            <a:endParaRPr lang="en-AU" sz="7200" dirty="0"/>
+          </a:p>
+        </p:txBody>
+      </p:sp>
     </p:spTree>
     <p:extLst>
       <p:ext uri="{BB962C8B-B14F-4D97-AF65-F5344CB8AC3E}">
-        <p14:creationId xmlns:p14="http://schemas.microsoft.com/office/powerpoint/2010/main" val="1865657684"/>
+        <p14:creationId xmlns:p14="http://schemas.microsoft.com/office/powerpoint/2010/main" val="2812594807"/>
       </p:ext>
     </p:extLst>
   </p:cSld>
@@ -19569,7 +17743,7 @@
                 <a:latin typeface="Arial" panose="020B0604020202020204" pitchFamily="34" charset="0"/>
                 <a:cs typeface="Arial" panose="020B0604020202020204" pitchFamily="34" charset="0"/>
               </a:rPr>
-              <a:t>C)</a:t>
+              <a:t>D)</a:t>
             </a:r>
           </a:p>
         </p:txBody>
@@ -19638,6 +17812,488 @@
           </a:prstGeom>
         </p:spPr>
       </p:pic>
+      <p:grpSp>
+        <p:nvGrpSpPr>
+          <p:cNvPr id="14" name="Group 13">
+            <a:extLst>
+              <a:ext uri="{FF2B5EF4-FFF2-40B4-BE49-F238E27FC236}">
+                <a16:creationId xmlns:a16="http://schemas.microsoft.com/office/drawing/2014/main" id="{A252D2BC-EF21-438C-A256-038AA73F2AA5}"/>
+              </a:ext>
+            </a:extLst>
+          </p:cNvPr>
+          <p:cNvGrpSpPr/>
+          <p:nvPr/>
+        </p:nvGrpSpPr>
+        <p:grpSpPr>
+          <a:xfrm>
+            <a:off x="2086990" y="23349116"/>
+            <a:ext cx="13250079" cy="12265994"/>
+            <a:chOff x="51749" y="27339036"/>
+            <a:chExt cx="13250079" cy="12265994"/>
+          </a:xfrm>
+        </p:grpSpPr>
+        <p:pic>
+          <p:nvPicPr>
+            <p:cNvPr id="15" name="Picture 14">
+              <a:extLst>
+                <a:ext uri="{FF2B5EF4-FFF2-40B4-BE49-F238E27FC236}">
+                  <a16:creationId xmlns:a16="http://schemas.microsoft.com/office/drawing/2014/main" id="{30460384-B0A8-4A7A-AA6E-49C8B4A2E977}"/>
+                </a:ext>
+              </a:extLst>
+            </p:cNvPr>
+            <p:cNvPicPr>
+              <a:picLocks noChangeAspect="1"/>
+            </p:cNvPicPr>
+            <p:nvPr/>
+          </p:nvPicPr>
+          <p:blipFill rotWithShape="1">
+            <a:blip r:embed="rId8">
+              <a:extLst>
+                <a:ext uri="{28A0092B-C50C-407E-A947-70E740481C1C}">
+                  <a14:useLocalDpi xmlns:a14="http://schemas.microsoft.com/office/drawing/2010/main" val="0"/>
+                </a:ext>
+              </a:extLst>
+            </a:blip>
+            <a:srcRect l="10559" t="24116" r="52269" b="22830"/>
+            <a:stretch/>
+          </p:blipFill>
+          <p:spPr>
+            <a:xfrm>
+              <a:off x="638054" y="28137002"/>
+              <a:ext cx="5226017" cy="5551006"/>
+            </a:xfrm>
+            <a:prstGeom prst="rect">
+              <a:avLst/>
+            </a:prstGeom>
+          </p:spPr>
+        </p:pic>
+        <p:pic>
+          <p:nvPicPr>
+            <p:cNvPr id="16" name="Picture 15">
+              <a:extLst>
+                <a:ext uri="{FF2B5EF4-FFF2-40B4-BE49-F238E27FC236}">
+                  <a16:creationId xmlns:a16="http://schemas.microsoft.com/office/drawing/2014/main" id="{997B45EC-55AB-452D-BFFE-76EBBBD17B1B}"/>
+                </a:ext>
+              </a:extLst>
+            </p:cNvPr>
+            <p:cNvPicPr>
+              <a:picLocks noChangeAspect="1"/>
+            </p:cNvPicPr>
+            <p:nvPr/>
+          </p:nvPicPr>
+          <p:blipFill rotWithShape="1">
+            <a:blip r:embed="rId9">
+              <a:extLst>
+                <a:ext uri="{28A0092B-C50C-407E-A947-70E740481C1C}">
+                  <a14:useLocalDpi xmlns:a14="http://schemas.microsoft.com/office/drawing/2010/main" val="0"/>
+                </a:ext>
+              </a:extLst>
+            </a:blip>
+            <a:srcRect l="11053" t="22962" r="51364" b="18583"/>
+            <a:stretch/>
+          </p:blipFill>
+          <p:spPr>
+            <a:xfrm>
+              <a:off x="688459" y="33378158"/>
+              <a:ext cx="5343440" cy="6191308"/>
+            </a:xfrm>
+            <a:prstGeom prst="rect">
+              <a:avLst/>
+            </a:prstGeom>
+          </p:spPr>
+        </p:pic>
+        <p:sp>
+          <p:nvSpPr>
+            <p:cNvPr id="17" name="TextBox 16">
+              <a:extLst>
+                <a:ext uri="{FF2B5EF4-FFF2-40B4-BE49-F238E27FC236}">
+                  <a16:creationId xmlns:a16="http://schemas.microsoft.com/office/drawing/2014/main" id="{B7AEBAB4-90B4-4FC8-850F-39C652E424E2}"/>
+                </a:ext>
+              </a:extLst>
+            </p:cNvPr>
+            <p:cNvSpPr txBox="1"/>
+            <p:nvPr/>
+          </p:nvSpPr>
+          <p:spPr>
+            <a:xfrm>
+              <a:off x="1206260" y="27503629"/>
+              <a:ext cx="4915726" cy="800219"/>
+            </a:xfrm>
+            <a:prstGeom prst="rect">
+              <a:avLst/>
+            </a:prstGeom>
+            <a:noFill/>
+          </p:spPr>
+          <p:txBody>
+            <a:bodyPr wrap="square" rtlCol="0">
+              <a:spAutoFit/>
+            </a:bodyPr>
+            <a:lstStyle/>
+            <a:p>
+              <a:r>
+                <a:rPr lang="en-AU" sz="4600" dirty="0">
+                  <a:latin typeface="Arial" panose="020B0604020202020204" pitchFamily="34" charset="0"/>
+                  <a:cs typeface="Arial" panose="020B0604020202020204" pitchFamily="34" charset="0"/>
+                </a:rPr>
+                <a:t>Gradient images</a:t>
+              </a:r>
+            </a:p>
+          </p:txBody>
+        </p:sp>
+        <p:sp>
+          <p:nvSpPr>
+            <p:cNvPr id="18" name="TextBox 17">
+              <a:extLst>
+                <a:ext uri="{FF2B5EF4-FFF2-40B4-BE49-F238E27FC236}">
+                  <a16:creationId xmlns:a16="http://schemas.microsoft.com/office/drawing/2014/main" id="{A1759526-D463-4BED-B3FD-617F2109E886}"/>
+                </a:ext>
+              </a:extLst>
+            </p:cNvPr>
+            <p:cNvSpPr txBox="1"/>
+            <p:nvPr/>
+          </p:nvSpPr>
+          <p:spPr>
+            <a:xfrm>
+              <a:off x="6871254" y="27514830"/>
+              <a:ext cx="6430574" cy="830997"/>
+            </a:xfrm>
+            <a:prstGeom prst="rect">
+              <a:avLst/>
+            </a:prstGeom>
+            <a:noFill/>
+          </p:spPr>
+          <p:txBody>
+            <a:bodyPr wrap="square" rtlCol="0">
+              <a:spAutoFit/>
+            </a:bodyPr>
+            <a:lstStyle/>
+            <a:p>
+              <a:r>
+                <a:rPr lang="en-AU" sz="4600" dirty="0">
+                  <a:latin typeface="Arial" panose="020B0604020202020204" pitchFamily="34" charset="0"/>
+                  <a:cs typeface="Arial" panose="020B0604020202020204" pitchFamily="34" charset="0"/>
+                </a:rPr>
+                <a:t>Contrast Distributions</a:t>
+              </a:r>
+            </a:p>
+          </p:txBody>
+        </p:sp>
+        <p:sp>
+          <p:nvSpPr>
+            <p:cNvPr id="19" name="TextBox 18">
+              <a:extLst>
+                <a:ext uri="{FF2B5EF4-FFF2-40B4-BE49-F238E27FC236}">
+                  <a16:creationId xmlns:a16="http://schemas.microsoft.com/office/drawing/2014/main" id="{7A3F09BD-B64E-4681-9588-B1FF3BA2B89A}"/>
+                </a:ext>
+              </a:extLst>
+            </p:cNvPr>
+            <p:cNvSpPr txBox="1"/>
+            <p:nvPr/>
+          </p:nvSpPr>
+          <p:spPr>
+            <a:xfrm>
+              <a:off x="51749" y="27339036"/>
+              <a:ext cx="1339354" cy="1107996"/>
+            </a:xfrm>
+            <a:prstGeom prst="rect">
+              <a:avLst/>
+            </a:prstGeom>
+            <a:noFill/>
+          </p:spPr>
+          <p:txBody>
+            <a:bodyPr wrap="square" rtlCol="0">
+              <a:spAutoFit/>
+            </a:bodyPr>
+            <a:lstStyle/>
+            <a:p>
+              <a:r>
+                <a:rPr lang="en-AU" sz="6600" b="1" dirty="0">
+                  <a:latin typeface="Arial" panose="020B0604020202020204" pitchFamily="34" charset="0"/>
+                  <a:cs typeface="Arial" panose="020B0604020202020204" pitchFamily="34" charset="0"/>
+                </a:rPr>
+                <a:t>C)</a:t>
+              </a:r>
+            </a:p>
+          </p:txBody>
+        </p:sp>
+        <p:pic>
+          <p:nvPicPr>
+            <p:cNvPr id="20" name="Picture 19">
+              <a:extLst>
+                <a:ext uri="{FF2B5EF4-FFF2-40B4-BE49-F238E27FC236}">
+                  <a16:creationId xmlns:a16="http://schemas.microsoft.com/office/drawing/2014/main" id="{F66F07CC-0F5E-4894-8379-14857392D8A5}"/>
+                </a:ext>
+              </a:extLst>
+            </p:cNvPr>
+            <p:cNvPicPr>
+              <a:picLocks noChangeAspect="1"/>
+            </p:cNvPicPr>
+            <p:nvPr/>
+          </p:nvPicPr>
+          <p:blipFill rotWithShape="1">
+            <a:blip r:embed="rId8">
+              <a:extLst>
+                <a:ext uri="{28A0092B-C50C-407E-A947-70E740481C1C}">
+                  <a14:useLocalDpi xmlns:a14="http://schemas.microsoft.com/office/drawing/2010/main" val="0"/>
+                </a:ext>
+              </a:extLst>
+            </a:blip>
+            <a:srcRect l="48043" t="24116" r="5261" b="22830"/>
+            <a:stretch/>
+          </p:blipFill>
+          <p:spPr>
+            <a:xfrm>
+              <a:off x="6195507" y="28157820"/>
+              <a:ext cx="6565047" cy="5551006"/>
+            </a:xfrm>
+            <a:prstGeom prst="rect">
+              <a:avLst/>
+            </a:prstGeom>
+          </p:spPr>
+        </p:pic>
+        <p:sp>
+          <p:nvSpPr>
+            <p:cNvPr id="21" name="TextBox 20">
+              <a:extLst>
+                <a:ext uri="{FF2B5EF4-FFF2-40B4-BE49-F238E27FC236}">
+                  <a16:creationId xmlns:a16="http://schemas.microsoft.com/office/drawing/2014/main" id="{6772DE4C-A170-4A1F-905A-49099540D689}"/>
+                </a:ext>
+              </a:extLst>
+            </p:cNvPr>
+            <p:cNvSpPr txBox="1"/>
+            <p:nvPr/>
+          </p:nvSpPr>
+          <p:spPr>
+            <a:xfrm>
+              <a:off x="9179591" y="28866628"/>
+              <a:ext cx="2759764" cy="830997"/>
+            </a:xfrm>
+            <a:prstGeom prst="rect">
+              <a:avLst/>
+            </a:prstGeom>
+            <a:noFill/>
+          </p:spPr>
+          <p:txBody>
+            <a:bodyPr wrap="square" rtlCol="0">
+              <a:spAutoFit/>
+            </a:bodyPr>
+            <a:lstStyle/>
+            <a:p>
+              <a:r>
+                <a:rPr lang="el-GR" sz="4800" dirty="0"/>
+                <a:t>β</a:t>
+              </a:r>
+              <a:r>
+                <a:rPr lang="en-AU" sz="4800" dirty="0"/>
+                <a:t> </a:t>
+              </a:r>
+              <a:r>
+                <a:rPr lang="en-AU" sz="4800" dirty="0">
+                  <a:latin typeface="Arial" panose="020B0604020202020204" pitchFamily="34" charset="0"/>
+                  <a:cs typeface="Arial" panose="020B0604020202020204" pitchFamily="34" charset="0"/>
+                </a:rPr>
+                <a:t>= 32.86</a:t>
+              </a:r>
+            </a:p>
+          </p:txBody>
+        </p:sp>
+        <p:grpSp>
+          <p:nvGrpSpPr>
+            <p:cNvPr id="22" name="Group 21">
+              <a:extLst>
+                <a:ext uri="{FF2B5EF4-FFF2-40B4-BE49-F238E27FC236}">
+                  <a16:creationId xmlns:a16="http://schemas.microsoft.com/office/drawing/2014/main" id="{D8DEFC4B-2275-48C7-BEC7-47E7B0F2A3B0}"/>
+                </a:ext>
+              </a:extLst>
+            </p:cNvPr>
+            <p:cNvGrpSpPr/>
+            <p:nvPr/>
+          </p:nvGrpSpPr>
+          <p:grpSpPr>
+            <a:xfrm>
+              <a:off x="6062046" y="33413722"/>
+              <a:ext cx="6563838" cy="6191308"/>
+              <a:chOff x="6107766" y="33550882"/>
+              <a:chExt cx="6563838" cy="6191308"/>
+            </a:xfrm>
+          </p:grpSpPr>
+          <p:pic>
+            <p:nvPicPr>
+              <p:cNvPr id="24" name="Picture 23">
+                <a:extLst>
+                  <a:ext uri="{FF2B5EF4-FFF2-40B4-BE49-F238E27FC236}">
+                    <a16:creationId xmlns:a16="http://schemas.microsoft.com/office/drawing/2014/main" id="{207BC61C-0B62-4577-ADDA-96F5D8287B00}"/>
+                  </a:ext>
+                </a:extLst>
+              </p:cNvPr>
+              <p:cNvPicPr>
+                <a:picLocks noChangeAspect="1"/>
+              </p:cNvPicPr>
+              <p:nvPr/>
+            </p:nvPicPr>
+            <p:blipFill rotWithShape="1">
+              <a:blip r:embed="rId9">
+                <a:extLst>
+                  <a:ext uri="{28A0092B-C50C-407E-A947-70E740481C1C}">
+                    <a14:useLocalDpi xmlns:a14="http://schemas.microsoft.com/office/drawing/2010/main" val="0"/>
+                  </a:ext>
+                </a:extLst>
+              </a:blip>
+              <a:srcRect l="47458" t="22962" r="6376" b="18583"/>
+              <a:stretch/>
+            </p:blipFill>
+            <p:spPr>
+              <a:xfrm>
+                <a:off x="6107766" y="33550882"/>
+                <a:ext cx="6563838" cy="6191308"/>
+              </a:xfrm>
+              <a:prstGeom prst="rect">
+                <a:avLst/>
+              </a:prstGeom>
+            </p:spPr>
+          </p:pic>
+          <p:sp>
+            <p:nvSpPr>
+              <p:cNvPr id="25" name="TextBox 24">
+                <a:extLst>
+                  <a:ext uri="{FF2B5EF4-FFF2-40B4-BE49-F238E27FC236}">
+                    <a16:creationId xmlns:a16="http://schemas.microsoft.com/office/drawing/2014/main" id="{24598D56-275F-4FF7-A327-D0C2CB780FD3}"/>
+                  </a:ext>
+                </a:extLst>
+              </p:cNvPr>
+              <p:cNvSpPr txBox="1"/>
+              <p:nvPr/>
+            </p:nvSpPr>
+            <p:spPr>
+              <a:xfrm>
+                <a:off x="9301768" y="34575063"/>
+                <a:ext cx="2759764" cy="830997"/>
+              </a:xfrm>
+              <a:prstGeom prst="rect">
+                <a:avLst/>
+              </a:prstGeom>
+              <a:noFill/>
+            </p:spPr>
+            <p:txBody>
+              <a:bodyPr wrap="square" rtlCol="0">
+                <a:spAutoFit/>
+              </a:bodyPr>
+              <a:lstStyle/>
+              <a:p>
+                <a:r>
+                  <a:rPr lang="el-GR" sz="4800" dirty="0"/>
+                  <a:t>β</a:t>
+                </a:r>
+                <a:r>
+                  <a:rPr lang="en-AU" sz="4800" dirty="0"/>
+                  <a:t> </a:t>
+                </a:r>
+                <a:r>
+                  <a:rPr lang="en-AU" sz="4800" dirty="0">
+                    <a:latin typeface="Arial" panose="020B0604020202020204" pitchFamily="34" charset="0"/>
+                    <a:cs typeface="Arial" panose="020B0604020202020204" pitchFamily="34" charset="0"/>
+                  </a:rPr>
+                  <a:t>= 39.73</a:t>
+                </a:r>
+              </a:p>
+            </p:txBody>
+          </p:sp>
+        </p:grpSp>
+      </p:grpSp>
+      <p:grpSp>
+        <p:nvGrpSpPr>
+          <p:cNvPr id="26" name="Group 25">
+            <a:extLst>
+              <a:ext uri="{FF2B5EF4-FFF2-40B4-BE49-F238E27FC236}">
+                <a16:creationId xmlns:a16="http://schemas.microsoft.com/office/drawing/2014/main" id="{461B7E8E-B1D5-4474-A3FF-0AEF3BE6E61B}"/>
+              </a:ext>
+            </a:extLst>
+          </p:cNvPr>
+          <p:cNvGrpSpPr/>
+          <p:nvPr/>
+        </p:nvGrpSpPr>
+        <p:grpSpPr>
+          <a:xfrm>
+            <a:off x="15489638" y="23877861"/>
+            <a:ext cx="10077795" cy="10942415"/>
+            <a:chOff x="13538722" y="28680288"/>
+            <a:chExt cx="10077795" cy="10942415"/>
+          </a:xfrm>
+        </p:grpSpPr>
+        <p:pic>
+          <p:nvPicPr>
+            <p:cNvPr id="31" name="Picture 30">
+              <a:extLst>
+                <a:ext uri="{FF2B5EF4-FFF2-40B4-BE49-F238E27FC236}">
+                  <a16:creationId xmlns:a16="http://schemas.microsoft.com/office/drawing/2014/main" id="{74E55AEC-30B3-448C-B15B-D0E75A0F31B3}"/>
+                </a:ext>
+              </a:extLst>
+            </p:cNvPr>
+            <p:cNvPicPr>
+              <a:picLocks noChangeAspect="1"/>
+            </p:cNvPicPr>
+            <p:nvPr/>
+          </p:nvPicPr>
+          <p:blipFill rotWithShape="1">
+            <a:blip r:embed="rId10">
+              <a:extLst>
+                <a:ext uri="{28A0092B-C50C-407E-A947-70E740481C1C}">
+                  <a14:useLocalDpi xmlns:a14="http://schemas.microsoft.com/office/drawing/2010/main" val="0"/>
+                </a:ext>
+              </a:extLst>
+            </a:blip>
+            <a:srcRect l="6305" r="50000"/>
+            <a:stretch/>
+          </p:blipFill>
+          <p:spPr>
+            <a:xfrm>
+              <a:off x="13595834" y="29047439"/>
+              <a:ext cx="10020683" cy="10575264"/>
+            </a:xfrm>
+            <a:prstGeom prst="rect">
+              <a:avLst/>
+            </a:prstGeom>
+          </p:spPr>
+        </p:pic>
+        <p:sp>
+          <p:nvSpPr>
+            <p:cNvPr id="30" name="TextBox 29">
+              <a:extLst>
+                <a:ext uri="{FF2B5EF4-FFF2-40B4-BE49-F238E27FC236}">
+                  <a16:creationId xmlns:a16="http://schemas.microsoft.com/office/drawing/2014/main" id="{D6D02A9A-CC3D-4629-9758-680AADA1913A}"/>
+                </a:ext>
+              </a:extLst>
+            </p:cNvPr>
+            <p:cNvSpPr txBox="1"/>
+            <p:nvPr/>
+          </p:nvSpPr>
+          <p:spPr>
+            <a:xfrm>
+              <a:off x="13538722" y="28680288"/>
+              <a:ext cx="1339354" cy="1107996"/>
+            </a:xfrm>
+            <a:prstGeom prst="rect">
+              <a:avLst/>
+            </a:prstGeom>
+            <a:noFill/>
+          </p:spPr>
+          <p:txBody>
+            <a:bodyPr wrap="square" rtlCol="0">
+              <a:spAutoFit/>
+            </a:bodyPr>
+            <a:lstStyle/>
+            <a:p>
+              <a:r>
+                <a:rPr lang="en-AU" sz="6600" b="1" dirty="0">
+                  <a:latin typeface="Arial" panose="020B0604020202020204" pitchFamily="34" charset="0"/>
+                  <a:cs typeface="Arial" panose="020B0604020202020204" pitchFamily="34" charset="0"/>
+                </a:rPr>
+                <a:t>E)</a:t>
+              </a:r>
+            </a:p>
+          </p:txBody>
+        </p:sp>
+      </p:grpSp>
     </p:spTree>
     <p:extLst>
       <p:ext uri="{BB962C8B-B14F-4D97-AF65-F5344CB8AC3E}">
@@ -20698,565 +19354,6 @@
           </a:prstGeom>
         </p:spPr>
       </p:pic>
-      <p:grpSp>
-        <p:nvGrpSpPr>
-          <p:cNvPr id="16" name="Group 15">
-            <a:extLst>
-              <a:ext uri="{FF2B5EF4-FFF2-40B4-BE49-F238E27FC236}">
-                <a16:creationId xmlns:a16="http://schemas.microsoft.com/office/drawing/2014/main" id="{8BD6F9C1-824F-43B6-B1BA-5D0FCD188E80}"/>
-              </a:ext>
-            </a:extLst>
-          </p:cNvPr>
-          <p:cNvGrpSpPr/>
-          <p:nvPr/>
-        </p:nvGrpSpPr>
-        <p:grpSpPr>
-          <a:xfrm>
-            <a:off x="13729368" y="26989711"/>
-            <a:ext cx="10077795" cy="10942415"/>
-            <a:chOff x="13538722" y="28680288"/>
-            <a:chExt cx="10077795" cy="10942415"/>
-          </a:xfrm>
-        </p:grpSpPr>
-        <p:grpSp>
-          <p:nvGrpSpPr>
-            <p:cNvPr id="7" name="Group 6">
-              <a:extLst>
-                <a:ext uri="{FF2B5EF4-FFF2-40B4-BE49-F238E27FC236}">
-                  <a16:creationId xmlns:a16="http://schemas.microsoft.com/office/drawing/2014/main" id="{D5CC07AC-659C-4C92-9439-389A3D6AC290}"/>
-                </a:ext>
-              </a:extLst>
-            </p:cNvPr>
-            <p:cNvGrpSpPr/>
-            <p:nvPr/>
-          </p:nvGrpSpPr>
-          <p:grpSpPr>
-            <a:xfrm>
-              <a:off x="13595834" y="29047439"/>
-              <a:ext cx="10020683" cy="10575264"/>
-              <a:chOff x="25480080" y="7423356"/>
-              <a:chExt cx="10020683" cy="10575264"/>
-            </a:xfrm>
-          </p:grpSpPr>
-          <p:pic>
-            <p:nvPicPr>
-              <p:cNvPr id="9" name="Picture 8">
-                <a:extLst>
-                  <a:ext uri="{FF2B5EF4-FFF2-40B4-BE49-F238E27FC236}">
-                    <a16:creationId xmlns:a16="http://schemas.microsoft.com/office/drawing/2014/main" id="{0BC2F680-CB36-49AE-9F09-EE8BF2DCE27C}"/>
-                  </a:ext>
-                </a:extLst>
-              </p:cNvPr>
-              <p:cNvPicPr>
-                <a:picLocks noChangeAspect="1"/>
-              </p:cNvPicPr>
-              <p:nvPr/>
-            </p:nvPicPr>
-            <p:blipFill rotWithShape="1">
-              <a:blip r:embed="rId8">
-                <a:extLst>
-                  <a:ext uri="{28A0092B-C50C-407E-A947-70E740481C1C}">
-                    <a14:useLocalDpi xmlns:a14="http://schemas.microsoft.com/office/drawing/2010/main" val="0"/>
-                  </a:ext>
-                </a:extLst>
-              </a:blip>
-              <a:srcRect l="6305" r="50000"/>
-              <a:stretch/>
-            </p:blipFill>
-            <p:spPr>
-              <a:xfrm>
-                <a:off x="25480080" y="7423356"/>
-                <a:ext cx="10020683" cy="10575264"/>
-              </a:xfrm>
-              <a:prstGeom prst="rect">
-                <a:avLst/>
-              </a:prstGeom>
-            </p:spPr>
-          </p:pic>
-          <p:sp>
-            <p:nvSpPr>
-              <p:cNvPr id="11" name="TextBox 10">
-                <a:extLst>
-                  <a:ext uri="{FF2B5EF4-FFF2-40B4-BE49-F238E27FC236}">
-                    <a16:creationId xmlns:a16="http://schemas.microsoft.com/office/drawing/2014/main" id="{215F125C-790B-4E4E-8DCC-812BFB1EF420}"/>
-                  </a:ext>
-                </a:extLst>
-              </p:cNvPr>
-              <p:cNvSpPr txBox="1"/>
-              <p:nvPr/>
-            </p:nvSpPr>
-            <p:spPr>
-              <a:xfrm>
-                <a:off x="27267228" y="14351392"/>
-                <a:ext cx="5501006" cy="1938992"/>
-              </a:xfrm>
-              <a:prstGeom prst="rect">
-                <a:avLst/>
-              </a:prstGeom>
-              <a:noFill/>
-            </p:spPr>
-            <p:txBody>
-              <a:bodyPr wrap="square" rtlCol="0">
-                <a:spAutoFit/>
-              </a:bodyPr>
-              <a:lstStyle/>
-              <a:p>
-                <a:r>
-                  <a:rPr lang="en-AU" sz="4000" dirty="0">
-                    <a:latin typeface="Arial" panose="020B0604020202020204" pitchFamily="34" charset="0"/>
-                    <a:cs typeface="Arial" panose="020B0604020202020204" pitchFamily="34" charset="0"/>
-                  </a:rPr>
-                  <a:t>Weibull = 8.20*</a:t>
-                </a:r>
-              </a:p>
-              <a:p>
-                <a:r>
-                  <a:rPr lang="en-AU" sz="4000" dirty="0">
-                    <a:latin typeface="Arial" panose="020B0604020202020204" pitchFamily="34" charset="0"/>
-                    <a:cs typeface="Arial" panose="020B0604020202020204" pitchFamily="34" charset="0"/>
-                  </a:rPr>
-                  <a:t>Congruence = 9.50*</a:t>
-                </a:r>
-              </a:p>
-              <a:p>
-                <a:r>
-                  <a:rPr lang="en-AU" sz="4000" dirty="0">
-                    <a:latin typeface="Arial" panose="020B0604020202020204" pitchFamily="34" charset="0"/>
-                    <a:cs typeface="Arial" panose="020B0604020202020204" pitchFamily="34" charset="0"/>
-                  </a:rPr>
-                  <a:t>W×C = 2.05 </a:t>
-                </a:r>
-              </a:p>
-            </p:txBody>
-          </p:sp>
-        </p:grpSp>
-        <p:sp>
-          <p:nvSpPr>
-            <p:cNvPr id="51" name="TextBox 50">
-              <a:extLst>
-                <a:ext uri="{FF2B5EF4-FFF2-40B4-BE49-F238E27FC236}">
-                  <a16:creationId xmlns:a16="http://schemas.microsoft.com/office/drawing/2014/main" id="{F40F5DED-7157-4579-8B1D-AF8FDF03D13A}"/>
-                </a:ext>
-              </a:extLst>
-            </p:cNvPr>
-            <p:cNvSpPr txBox="1"/>
-            <p:nvPr/>
-          </p:nvSpPr>
-          <p:spPr>
-            <a:xfrm>
-              <a:off x="13538722" y="28680288"/>
-              <a:ext cx="1339354" cy="1107996"/>
-            </a:xfrm>
-            <a:prstGeom prst="rect">
-              <a:avLst/>
-            </a:prstGeom>
-            <a:noFill/>
-          </p:spPr>
-          <p:txBody>
-            <a:bodyPr wrap="square" rtlCol="0">
-              <a:spAutoFit/>
-            </a:bodyPr>
-            <a:lstStyle/>
-            <a:p>
-              <a:r>
-                <a:rPr lang="en-AU" sz="6600" b="1" dirty="0">
-                  <a:latin typeface="Arial" panose="020B0604020202020204" pitchFamily="34" charset="0"/>
-                  <a:cs typeface="Arial" panose="020B0604020202020204" pitchFamily="34" charset="0"/>
-                </a:rPr>
-                <a:t>G)</a:t>
-              </a:r>
-            </a:p>
-          </p:txBody>
-        </p:sp>
-      </p:grpSp>
-      <p:grpSp>
-        <p:nvGrpSpPr>
-          <p:cNvPr id="22" name="Group 21">
-            <a:extLst>
-              <a:ext uri="{FF2B5EF4-FFF2-40B4-BE49-F238E27FC236}">
-                <a16:creationId xmlns:a16="http://schemas.microsoft.com/office/drawing/2014/main" id="{E8EF8C49-CF5C-4871-92A5-1963B888B9AE}"/>
-              </a:ext>
-            </a:extLst>
-          </p:cNvPr>
-          <p:cNvGrpSpPr/>
-          <p:nvPr/>
-        </p:nvGrpSpPr>
-        <p:grpSpPr>
-          <a:xfrm>
-            <a:off x="137160" y="26868993"/>
-            <a:ext cx="13196291" cy="12265994"/>
-            <a:chOff x="105537" y="27339036"/>
-            <a:chExt cx="13196291" cy="12265994"/>
-          </a:xfrm>
-        </p:grpSpPr>
-        <p:pic>
-          <p:nvPicPr>
-            <p:cNvPr id="6" name="Picture 5">
-              <a:extLst>
-                <a:ext uri="{FF2B5EF4-FFF2-40B4-BE49-F238E27FC236}">
-                  <a16:creationId xmlns:a16="http://schemas.microsoft.com/office/drawing/2014/main" id="{A2FF3B8D-C488-4CE7-BEBA-F4E0F68C3862}"/>
-                </a:ext>
-              </a:extLst>
-            </p:cNvPr>
-            <p:cNvPicPr>
-              <a:picLocks noChangeAspect="1"/>
-            </p:cNvPicPr>
-            <p:nvPr/>
-          </p:nvPicPr>
-          <p:blipFill rotWithShape="1">
-            <a:blip r:embed="rId10">
-              <a:extLst>
-                <a:ext uri="{28A0092B-C50C-407E-A947-70E740481C1C}">
-                  <a14:useLocalDpi xmlns:a14="http://schemas.microsoft.com/office/drawing/2010/main" val="0"/>
-                </a:ext>
-              </a:extLst>
-            </a:blip>
-            <a:srcRect l="10559" t="24116" r="52269" b="22830"/>
-            <a:stretch/>
-          </p:blipFill>
-          <p:spPr>
-            <a:xfrm>
-              <a:off x="638054" y="28137002"/>
-              <a:ext cx="5226017" cy="5551006"/>
-            </a:xfrm>
-            <a:prstGeom prst="rect">
-              <a:avLst/>
-            </a:prstGeom>
-          </p:spPr>
-        </p:pic>
-        <p:pic>
-          <p:nvPicPr>
-            <p:cNvPr id="8" name="Picture 7">
-              <a:extLst>
-                <a:ext uri="{FF2B5EF4-FFF2-40B4-BE49-F238E27FC236}">
-                  <a16:creationId xmlns:a16="http://schemas.microsoft.com/office/drawing/2014/main" id="{002411D5-5F40-40C2-B7DF-3567A5738774}"/>
-                </a:ext>
-              </a:extLst>
-            </p:cNvPr>
-            <p:cNvPicPr>
-              <a:picLocks noChangeAspect="1"/>
-            </p:cNvPicPr>
-            <p:nvPr/>
-          </p:nvPicPr>
-          <p:blipFill rotWithShape="1">
-            <a:blip r:embed="rId11">
-              <a:extLst>
-                <a:ext uri="{28A0092B-C50C-407E-A947-70E740481C1C}">
-                  <a14:useLocalDpi xmlns:a14="http://schemas.microsoft.com/office/drawing/2010/main" val="0"/>
-                </a:ext>
-              </a:extLst>
-            </a:blip>
-            <a:srcRect l="11053" t="22962" r="51364" b="18583"/>
-            <a:stretch/>
-          </p:blipFill>
-          <p:spPr>
-            <a:xfrm>
-              <a:off x="688459" y="33378158"/>
-              <a:ext cx="5343440" cy="6191308"/>
-            </a:xfrm>
-            <a:prstGeom prst="rect">
-              <a:avLst/>
-            </a:prstGeom>
-          </p:spPr>
-        </p:pic>
-        <p:sp>
-          <p:nvSpPr>
-            <p:cNvPr id="43" name="TextBox 42">
-              <a:extLst>
-                <a:ext uri="{FF2B5EF4-FFF2-40B4-BE49-F238E27FC236}">
-                  <a16:creationId xmlns:a16="http://schemas.microsoft.com/office/drawing/2014/main" id="{068B0DC8-BE53-419A-8071-A53E408A9353}"/>
-                </a:ext>
-              </a:extLst>
-            </p:cNvPr>
-            <p:cNvSpPr txBox="1"/>
-            <p:nvPr/>
-          </p:nvSpPr>
-          <p:spPr>
-            <a:xfrm>
-              <a:off x="1206260" y="27503629"/>
-              <a:ext cx="4915726" cy="800219"/>
-            </a:xfrm>
-            <a:prstGeom prst="rect">
-              <a:avLst/>
-            </a:prstGeom>
-            <a:noFill/>
-          </p:spPr>
-          <p:txBody>
-            <a:bodyPr wrap="square" rtlCol="0">
-              <a:spAutoFit/>
-            </a:bodyPr>
-            <a:lstStyle/>
-            <a:p>
-              <a:r>
-                <a:rPr lang="en-AU" sz="4600" dirty="0">
-                  <a:latin typeface="Arial" panose="020B0604020202020204" pitchFamily="34" charset="0"/>
-                  <a:cs typeface="Arial" panose="020B0604020202020204" pitchFamily="34" charset="0"/>
-                </a:rPr>
-                <a:t>Gradient images</a:t>
-              </a:r>
-            </a:p>
-          </p:txBody>
-        </p:sp>
-        <p:sp>
-          <p:nvSpPr>
-            <p:cNvPr id="44" name="TextBox 43">
-              <a:extLst>
-                <a:ext uri="{FF2B5EF4-FFF2-40B4-BE49-F238E27FC236}">
-                  <a16:creationId xmlns:a16="http://schemas.microsoft.com/office/drawing/2014/main" id="{AC09C3F3-0DF4-4D7C-A3F2-3B9B03488EF2}"/>
-                </a:ext>
-              </a:extLst>
-            </p:cNvPr>
-            <p:cNvSpPr txBox="1"/>
-            <p:nvPr/>
-          </p:nvSpPr>
-          <p:spPr>
-            <a:xfrm>
-              <a:off x="6871254" y="27514830"/>
-              <a:ext cx="6430574" cy="830997"/>
-            </a:xfrm>
-            <a:prstGeom prst="rect">
-              <a:avLst/>
-            </a:prstGeom>
-            <a:noFill/>
-          </p:spPr>
-          <p:txBody>
-            <a:bodyPr wrap="square" rtlCol="0">
-              <a:spAutoFit/>
-            </a:bodyPr>
-            <a:lstStyle/>
-            <a:p>
-              <a:r>
-                <a:rPr lang="en-AU" sz="4600" dirty="0">
-                  <a:latin typeface="Arial" panose="020B0604020202020204" pitchFamily="34" charset="0"/>
-                  <a:cs typeface="Arial" panose="020B0604020202020204" pitchFamily="34" charset="0"/>
-                </a:rPr>
-                <a:t>Contrast Distributions</a:t>
-              </a:r>
-            </a:p>
-          </p:txBody>
-        </p:sp>
-        <p:sp>
-          <p:nvSpPr>
-            <p:cNvPr id="50" name="TextBox 49">
-              <a:extLst>
-                <a:ext uri="{FF2B5EF4-FFF2-40B4-BE49-F238E27FC236}">
-                  <a16:creationId xmlns:a16="http://schemas.microsoft.com/office/drawing/2014/main" id="{877CA12F-FED3-4177-B2A6-9E31B50CDD3C}"/>
-                </a:ext>
-              </a:extLst>
-            </p:cNvPr>
-            <p:cNvSpPr txBox="1"/>
-            <p:nvPr/>
-          </p:nvSpPr>
-          <p:spPr>
-            <a:xfrm>
-              <a:off x="105537" y="27339036"/>
-              <a:ext cx="1339354" cy="1107996"/>
-            </a:xfrm>
-            <a:prstGeom prst="rect">
-              <a:avLst/>
-            </a:prstGeom>
-            <a:noFill/>
-          </p:spPr>
-          <p:txBody>
-            <a:bodyPr wrap="square" rtlCol="0">
-              <a:spAutoFit/>
-            </a:bodyPr>
-            <a:lstStyle/>
-            <a:p>
-              <a:r>
-                <a:rPr lang="en-AU" sz="6600" b="1" dirty="0">
-                  <a:latin typeface="Arial" panose="020B0604020202020204" pitchFamily="34" charset="0"/>
-                  <a:cs typeface="Arial" panose="020B0604020202020204" pitchFamily="34" charset="0"/>
-                </a:rPr>
-                <a:t>F)</a:t>
-              </a:r>
-            </a:p>
-          </p:txBody>
-        </p:sp>
-        <p:pic>
-          <p:nvPicPr>
-            <p:cNvPr id="52" name="Picture 51">
-              <a:extLst>
-                <a:ext uri="{FF2B5EF4-FFF2-40B4-BE49-F238E27FC236}">
-                  <a16:creationId xmlns:a16="http://schemas.microsoft.com/office/drawing/2014/main" id="{A345D104-058C-48DF-A66F-E7B2BA9A1705}"/>
-                </a:ext>
-              </a:extLst>
-            </p:cNvPr>
-            <p:cNvPicPr>
-              <a:picLocks noChangeAspect="1"/>
-            </p:cNvPicPr>
-            <p:nvPr/>
-          </p:nvPicPr>
-          <p:blipFill rotWithShape="1">
-            <a:blip r:embed="rId10">
-              <a:extLst>
-                <a:ext uri="{28A0092B-C50C-407E-A947-70E740481C1C}">
-                  <a14:useLocalDpi xmlns:a14="http://schemas.microsoft.com/office/drawing/2010/main" val="0"/>
-                </a:ext>
-              </a:extLst>
-            </a:blip>
-            <a:srcRect l="48043" t="24116" r="5261" b="22830"/>
-            <a:stretch/>
-          </p:blipFill>
-          <p:spPr>
-            <a:xfrm>
-              <a:off x="6195507" y="28157820"/>
-              <a:ext cx="6565047" cy="5551006"/>
-            </a:xfrm>
-            <a:prstGeom prst="rect">
-              <a:avLst/>
-            </a:prstGeom>
-          </p:spPr>
-        </p:pic>
-        <p:sp>
-          <p:nvSpPr>
-            <p:cNvPr id="24" name="TextBox 23">
-              <a:extLst>
-                <a:ext uri="{FF2B5EF4-FFF2-40B4-BE49-F238E27FC236}">
-                  <a16:creationId xmlns:a16="http://schemas.microsoft.com/office/drawing/2014/main" id="{E77F6085-6396-4A5A-AB2F-9839D2C3F9AE}"/>
-                </a:ext>
-              </a:extLst>
-            </p:cNvPr>
-            <p:cNvSpPr txBox="1"/>
-            <p:nvPr/>
-          </p:nvSpPr>
-          <p:spPr>
-            <a:xfrm>
-              <a:off x="9179591" y="28866628"/>
-              <a:ext cx="2759764" cy="830997"/>
-            </a:xfrm>
-            <a:prstGeom prst="rect">
-              <a:avLst/>
-            </a:prstGeom>
-            <a:noFill/>
-          </p:spPr>
-          <p:txBody>
-            <a:bodyPr wrap="square" rtlCol="0">
-              <a:spAutoFit/>
-            </a:bodyPr>
-            <a:lstStyle/>
-            <a:p>
-              <a:r>
-                <a:rPr lang="el-GR" sz="4800" dirty="0"/>
-                <a:t>β</a:t>
-              </a:r>
-              <a:r>
-                <a:rPr lang="en-AU" sz="4800" dirty="0"/>
-                <a:t> </a:t>
-              </a:r>
-              <a:r>
-                <a:rPr lang="en-AU" sz="4800" dirty="0">
-                  <a:latin typeface="Arial" panose="020B0604020202020204" pitchFamily="34" charset="0"/>
-                  <a:cs typeface="Arial" panose="020B0604020202020204" pitchFamily="34" charset="0"/>
-                </a:rPr>
-                <a:t>= 32.86</a:t>
-              </a:r>
-            </a:p>
-          </p:txBody>
-        </p:sp>
-        <p:grpSp>
-          <p:nvGrpSpPr>
-            <p:cNvPr id="17" name="Group 16">
-              <a:extLst>
-                <a:ext uri="{FF2B5EF4-FFF2-40B4-BE49-F238E27FC236}">
-                  <a16:creationId xmlns:a16="http://schemas.microsoft.com/office/drawing/2014/main" id="{0C3CE2AF-F3DF-46C5-85D5-07120CB57738}"/>
-                </a:ext>
-              </a:extLst>
-            </p:cNvPr>
-            <p:cNvGrpSpPr/>
-            <p:nvPr/>
-          </p:nvGrpSpPr>
-          <p:grpSpPr>
-            <a:xfrm>
-              <a:off x="6062046" y="33413722"/>
-              <a:ext cx="6563838" cy="6191308"/>
-              <a:chOff x="6107766" y="33550882"/>
-              <a:chExt cx="6563838" cy="6191308"/>
-            </a:xfrm>
-          </p:grpSpPr>
-          <p:pic>
-            <p:nvPicPr>
-              <p:cNvPr id="55" name="Picture 54">
-                <a:extLst>
-                  <a:ext uri="{FF2B5EF4-FFF2-40B4-BE49-F238E27FC236}">
-                    <a16:creationId xmlns:a16="http://schemas.microsoft.com/office/drawing/2014/main" id="{B61D18FD-B4B7-4DF8-A3D7-66DDAF658BD8}"/>
-                  </a:ext>
-                </a:extLst>
-              </p:cNvPr>
-              <p:cNvPicPr>
-                <a:picLocks noChangeAspect="1"/>
-              </p:cNvPicPr>
-              <p:nvPr/>
-            </p:nvPicPr>
-            <p:blipFill rotWithShape="1">
-              <a:blip r:embed="rId11">
-                <a:extLst>
-                  <a:ext uri="{28A0092B-C50C-407E-A947-70E740481C1C}">
-                    <a14:useLocalDpi xmlns:a14="http://schemas.microsoft.com/office/drawing/2010/main" val="0"/>
-                  </a:ext>
-                </a:extLst>
-              </a:blip>
-              <a:srcRect l="47458" t="22962" r="6376" b="18583"/>
-              <a:stretch/>
-            </p:blipFill>
-            <p:spPr>
-              <a:xfrm>
-                <a:off x="6107766" y="33550882"/>
-                <a:ext cx="6563838" cy="6191308"/>
-              </a:xfrm>
-              <a:prstGeom prst="rect">
-                <a:avLst/>
-              </a:prstGeom>
-            </p:spPr>
-          </p:pic>
-          <p:sp>
-            <p:nvSpPr>
-              <p:cNvPr id="25" name="TextBox 24">
-                <a:extLst>
-                  <a:ext uri="{FF2B5EF4-FFF2-40B4-BE49-F238E27FC236}">
-                    <a16:creationId xmlns:a16="http://schemas.microsoft.com/office/drawing/2014/main" id="{F75CE01E-F380-4E24-A7FA-46454C17AA0D}"/>
-                  </a:ext>
-                </a:extLst>
-              </p:cNvPr>
-              <p:cNvSpPr txBox="1"/>
-              <p:nvPr/>
-            </p:nvSpPr>
-            <p:spPr>
-              <a:xfrm>
-                <a:off x="9301768" y="34575063"/>
-                <a:ext cx="2759764" cy="830997"/>
-              </a:xfrm>
-              <a:prstGeom prst="rect">
-                <a:avLst/>
-              </a:prstGeom>
-              <a:noFill/>
-            </p:spPr>
-            <p:txBody>
-              <a:bodyPr wrap="square" rtlCol="0">
-                <a:spAutoFit/>
-              </a:bodyPr>
-              <a:lstStyle/>
-              <a:p>
-                <a:r>
-                  <a:rPr lang="el-GR" sz="4800" dirty="0"/>
-                  <a:t>β</a:t>
-                </a:r>
-                <a:r>
-                  <a:rPr lang="en-AU" sz="4800" dirty="0"/>
-                  <a:t> </a:t>
-                </a:r>
-                <a:r>
-                  <a:rPr lang="en-AU" sz="4800" dirty="0">
-                    <a:latin typeface="Arial" panose="020B0604020202020204" pitchFamily="34" charset="0"/>
-                    <a:cs typeface="Arial" panose="020B0604020202020204" pitchFamily="34" charset="0"/>
-                  </a:rPr>
-                  <a:t>= 39.73</a:t>
-                </a:r>
-              </a:p>
-            </p:txBody>
-          </p:sp>
-        </p:grpSp>
-      </p:grpSp>
     </p:spTree>
     <p:extLst>
       <p:ext uri="{BB962C8B-B14F-4D97-AF65-F5344CB8AC3E}">
@@ -21394,7 +19491,7 @@
                 <a:latin typeface="Arial" panose="020B0604020202020204" pitchFamily="34" charset="0"/>
                 <a:cs typeface="Arial" panose="020B0604020202020204" pitchFamily="34" charset="0"/>
               </a:rPr>
-              <a:t>b)</a:t>
+              <a:t>c)</a:t>
             </a:r>
           </a:p>
         </p:txBody>
@@ -21432,7 +19529,7 @@
                 <a:latin typeface="Arial" panose="020B0604020202020204" pitchFamily="34" charset="0"/>
                 <a:cs typeface="Arial" panose="020B0604020202020204" pitchFamily="34" charset="0"/>
               </a:rPr>
-              <a:t>c)</a:t>
+              <a:t>e)</a:t>
             </a:r>
           </a:p>
         </p:txBody>
@@ -21470,7 +19567,7 @@
                 <a:latin typeface="Arial" panose="020B0604020202020204" pitchFamily="34" charset="0"/>
                 <a:cs typeface="Arial" panose="020B0604020202020204" pitchFamily="34" charset="0"/>
               </a:rPr>
-              <a:t>d)</a:t>
+              <a:t>b)</a:t>
             </a:r>
           </a:p>
         </p:txBody>
@@ -21508,7 +19605,7 @@
                 <a:latin typeface="Arial" panose="020B0604020202020204" pitchFamily="34" charset="0"/>
                 <a:cs typeface="Arial" panose="020B0604020202020204" pitchFamily="34" charset="0"/>
               </a:rPr>
-              <a:t>e)</a:t>
+              <a:t>d)</a:t>
             </a:r>
           </a:p>
         </p:txBody>
